--- a/figures/figures-PRC.pptx
+++ b/figures/figures-PRC.pptx
@@ -6,6 +6,10 @@
   </p:sldMasterIdLst>
   <p:sldIdLst>
     <p:sldId id="257" r:id="rId2"/>
+    <p:sldId id="258" r:id="rId3"/>
+    <p:sldId id="259" r:id="rId4"/>
+    <p:sldId id="260" r:id="rId5"/>
+    <p:sldId id="261" r:id="rId6"/>
   </p:sldIdLst>
   <p:sldSz cx="12192000" cy="6858000"/>
   <p:notesSz cx="6858000" cy="9144000"/>
@@ -104,6 +108,11 @@
       </a:defRPr>
     </a:lvl9pPr>
   </p:defaultTextStyle>
+  <p:extLst>
+    <p:ext uri="{EFAFB233-063F-42B5-8137-9DF3F51BA10A}">
+      <p15:sldGuideLst xmlns:p15="http://schemas.microsoft.com/office/powerpoint/2012/main"/>
+    </p:ext>
+  </p:extLst>
 </p:presentation>
 </file>
 
@@ -238,7 +247,7 @@
           <a:p>
             <a:fld id="{5F4118CE-E209-490D-BEAE-7D0C37C4D468}" type="datetimeFigureOut">
               <a:rPr lang="en-GB" smtClean="0"/>
-              <a:t>27-11-2021</a:t>
+              <a:t>30-11-2021</a:t>
             </a:fld>
             <a:endParaRPr lang="en-GB"/>
           </a:p>
@@ -408,7 +417,7 @@
           <a:p>
             <a:fld id="{5F4118CE-E209-490D-BEAE-7D0C37C4D468}" type="datetimeFigureOut">
               <a:rPr lang="en-GB" smtClean="0"/>
-              <a:t>27-11-2021</a:t>
+              <a:t>30-11-2021</a:t>
             </a:fld>
             <a:endParaRPr lang="en-GB"/>
           </a:p>
@@ -588,7 +597,7 @@
           <a:p>
             <a:fld id="{5F4118CE-E209-490D-BEAE-7D0C37C4D468}" type="datetimeFigureOut">
               <a:rPr lang="en-GB" smtClean="0"/>
-              <a:t>27-11-2021</a:t>
+              <a:t>30-11-2021</a:t>
             </a:fld>
             <a:endParaRPr lang="en-GB"/>
           </a:p>
@@ -758,7 +767,7 @@
           <a:p>
             <a:fld id="{5F4118CE-E209-490D-BEAE-7D0C37C4D468}" type="datetimeFigureOut">
               <a:rPr lang="en-GB" smtClean="0"/>
-              <a:t>27-11-2021</a:t>
+              <a:t>30-11-2021</a:t>
             </a:fld>
             <a:endParaRPr lang="en-GB"/>
           </a:p>
@@ -1004,7 +1013,7 @@
           <a:p>
             <a:fld id="{5F4118CE-E209-490D-BEAE-7D0C37C4D468}" type="datetimeFigureOut">
               <a:rPr lang="en-GB" smtClean="0"/>
-              <a:t>27-11-2021</a:t>
+              <a:t>30-11-2021</a:t>
             </a:fld>
             <a:endParaRPr lang="en-GB"/>
           </a:p>
@@ -1236,7 +1245,7 @@
           <a:p>
             <a:fld id="{5F4118CE-E209-490D-BEAE-7D0C37C4D468}" type="datetimeFigureOut">
               <a:rPr lang="en-GB" smtClean="0"/>
-              <a:t>27-11-2021</a:t>
+              <a:t>30-11-2021</a:t>
             </a:fld>
             <a:endParaRPr lang="en-GB"/>
           </a:p>
@@ -1603,7 +1612,7 @@
           <a:p>
             <a:fld id="{5F4118CE-E209-490D-BEAE-7D0C37C4D468}" type="datetimeFigureOut">
               <a:rPr lang="en-GB" smtClean="0"/>
-              <a:t>27-11-2021</a:t>
+              <a:t>30-11-2021</a:t>
             </a:fld>
             <a:endParaRPr lang="en-GB"/>
           </a:p>
@@ -1721,7 +1730,7 @@
           <a:p>
             <a:fld id="{5F4118CE-E209-490D-BEAE-7D0C37C4D468}" type="datetimeFigureOut">
               <a:rPr lang="en-GB" smtClean="0"/>
-              <a:t>27-11-2021</a:t>
+              <a:t>30-11-2021</a:t>
             </a:fld>
             <a:endParaRPr lang="en-GB"/>
           </a:p>
@@ -1816,7 +1825,7 @@
           <a:p>
             <a:fld id="{5F4118CE-E209-490D-BEAE-7D0C37C4D468}" type="datetimeFigureOut">
               <a:rPr lang="en-GB" smtClean="0"/>
-              <a:t>27-11-2021</a:t>
+              <a:t>30-11-2021</a:t>
             </a:fld>
             <a:endParaRPr lang="en-GB"/>
           </a:p>
@@ -2093,7 +2102,7 @@
           <a:p>
             <a:fld id="{5F4118CE-E209-490D-BEAE-7D0C37C4D468}" type="datetimeFigureOut">
               <a:rPr lang="en-GB" smtClean="0"/>
-              <a:t>27-11-2021</a:t>
+              <a:t>30-11-2021</a:t>
             </a:fld>
             <a:endParaRPr lang="en-GB"/>
           </a:p>
@@ -2346,7 +2355,7 @@
           <a:p>
             <a:fld id="{5F4118CE-E209-490D-BEAE-7D0C37C4D468}" type="datetimeFigureOut">
               <a:rPr lang="en-GB" smtClean="0"/>
-              <a:t>27-11-2021</a:t>
+              <a:t>30-11-2021</a:t>
             </a:fld>
             <a:endParaRPr lang="en-GB"/>
           </a:p>
@@ -2559,7 +2568,7 @@
           <a:p>
             <a:fld id="{5F4118CE-E209-490D-BEAE-7D0C37C4D468}" type="datetimeFigureOut">
               <a:rPr lang="en-GB" smtClean="0"/>
-              <a:t>27-11-2021</a:t>
+              <a:t>30-11-2021</a:t>
             </a:fld>
             <a:endParaRPr lang="en-GB"/>
           </a:p>
@@ -2980,7 +2989,7 @@
         </p:blipFill>
         <p:spPr>
           <a:xfrm>
-            <a:off x="720012" y="695627"/>
+            <a:off x="2381834" y="846702"/>
             <a:ext cx="5949387" cy="3812875"/>
           </a:xfrm>
           <a:prstGeom prst="rect">
@@ -2992,6 +3001,9102 @@
     <p:extLst>
       <p:ext uri="{BB962C8B-B14F-4D97-AF65-F5344CB8AC3E}">
         <p14:creationId xmlns:p14="http://schemas.microsoft.com/office/powerpoint/2010/main" val="2250689852"/>
+      </p:ext>
+    </p:extLst>
+  </p:cSld>
+  <p:clrMapOvr>
+    <a:masterClrMapping/>
+  </p:clrMapOvr>
+</p:sld>
+</file>
+
+<file path=ppt/slides/slide2.xml><?xml version="1.0" encoding="utf-8"?>
+<p:sld xmlns:a="http://schemas.openxmlformats.org/drawingml/2006/main" xmlns:r="http://schemas.openxmlformats.org/officeDocument/2006/relationships" xmlns:p="http://schemas.openxmlformats.org/presentationml/2006/main">
+  <p:cSld>
+    <p:spTree>
+      <p:nvGrpSpPr>
+        <p:cNvPr id="1" name=""/>
+        <p:cNvGrpSpPr/>
+        <p:nvPr/>
+      </p:nvGrpSpPr>
+      <p:grpSpPr>
+        <a:xfrm>
+          <a:off x="0" y="0"/>
+          <a:ext cx="0" cy="0"/>
+          <a:chOff x="0" y="0"/>
+          <a:chExt cx="0" cy="0"/>
+        </a:xfrm>
+      </p:grpSpPr>
+      <p:sp>
+        <p:nvSpPr>
+          <p:cNvPr id="2" name="Rounded Rectangle 1"/>
+          <p:cNvSpPr/>
+          <p:nvPr/>
+        </p:nvSpPr>
+        <p:spPr bwMode="auto">
+          <a:xfrm>
+            <a:off x="1007765" y="2544976"/>
+            <a:ext cx="2418070" cy="1116000"/>
+          </a:xfrm>
+          <a:prstGeom prst="roundRect">
+            <a:avLst/>
+          </a:prstGeom>
+          <a:solidFill>
+            <a:schemeClr val="accent1"/>
+          </a:solidFill>
+          <a:ln w="9525" cap="flat" cmpd="sng" algn="ctr">
+            <a:solidFill>
+              <a:schemeClr val="tx1"/>
+            </a:solidFill>
+            <a:prstDash val="solid"/>
+            <a:round/>
+            <a:headEnd type="none" w="med" len="med"/>
+            <a:tailEnd type="none" w="med" len="med"/>
+          </a:ln>
+          <a:effectLst/>
+          <a:extLst>
+            <a:ext uri="{AF507438-7753-43E0-B8FC-AC1667EBCBE1}">
+              <a14:hiddenEffects xmlns:a14="http://schemas.microsoft.com/office/drawing/2010/main">
+                <a:effectLst>
+                  <a:outerShdw dist="35921" dir="2700000" algn="ctr" rotWithShape="0">
+                    <a:schemeClr val="bg2"/>
+                  </a:outerShdw>
+                </a:effectLst>
+              </a14:hiddenEffects>
+            </a:ext>
+          </a:extLst>
+        </p:spPr>
+        <p:txBody>
+          <a:bodyPr vert="horz" wrap="square" lIns="91440" tIns="45720" rIns="91440" bIns="45720" numCol="1" rtlCol="0" anchor="ctr" anchorCtr="0" compatLnSpc="1">
+            <a:prstTxWarp prst="textNoShape">
+              <a:avLst/>
+            </a:prstTxWarp>
+          </a:bodyPr>
+          <a:lstStyle/>
+          <a:p>
+            <a:pPr marL="0" marR="0" indent="0" algn="ctr" defTabSz="914400" rtl="0" eaLnBrk="0" fontAlgn="base" latinLnBrk="0" hangingPunct="0">
+              <a:lnSpc>
+                <a:spcPct val="100000"/>
+              </a:lnSpc>
+              <a:spcBef>
+                <a:spcPct val="0"/>
+              </a:spcBef>
+              <a:spcAft>
+                <a:spcPct val="0"/>
+              </a:spcAft>
+              <a:buClrTx/>
+              <a:buSzTx/>
+              <a:buFontTx/>
+              <a:buNone/>
+              <a:tabLst/>
+            </a:pPr>
+            <a:r>
+              <a:rPr kumimoji="0" lang="en-GB" sz="2400" b="0" i="0" u="none" strike="noStrike" cap="none" normalizeH="0" baseline="0" dirty="0" smtClean="0">
+                <a:ln>
+                  <a:noFill/>
+                </a:ln>
+                <a:solidFill>
+                  <a:schemeClr val="tx1"/>
+                </a:solidFill>
+                <a:effectLst>
+                  <a:outerShdw blurRad="38100" dist="38100" dir="2700000" algn="tl">
+                    <a:srgbClr val="000000">
+                      <a:alpha val="43137"/>
+                    </a:srgbClr>
+                  </a:outerShdw>
+                </a:effectLst>
+                <a:latin typeface="Arial" charset="0"/>
+                <a:ea typeface="ＭＳ Ｐゴシック" pitchFamily="-7" charset="-128"/>
+              </a:rPr>
+              <a:t>Current Operations</a:t>
+            </a:r>
+          </a:p>
+        </p:txBody>
+      </p:sp>
+      <p:sp>
+        <p:nvSpPr>
+          <p:cNvPr id="3" name="Rounded Rectangle 2"/>
+          <p:cNvSpPr/>
+          <p:nvPr/>
+        </p:nvSpPr>
+        <p:spPr bwMode="auto">
+          <a:xfrm>
+            <a:off x="3499232" y="2572205"/>
+            <a:ext cx="2418070" cy="1116000"/>
+          </a:xfrm>
+          <a:prstGeom prst="roundRect">
+            <a:avLst/>
+          </a:prstGeom>
+          <a:solidFill>
+            <a:schemeClr val="accent1"/>
+          </a:solidFill>
+          <a:ln w="9525" cap="flat" cmpd="sng" algn="ctr">
+            <a:solidFill>
+              <a:schemeClr val="tx1"/>
+            </a:solidFill>
+            <a:prstDash val="solid"/>
+            <a:round/>
+            <a:headEnd type="none" w="med" len="med"/>
+            <a:tailEnd type="none" w="med" len="med"/>
+          </a:ln>
+          <a:effectLst/>
+          <a:extLst>
+            <a:ext uri="{AF507438-7753-43E0-B8FC-AC1667EBCBE1}">
+              <a14:hiddenEffects xmlns:a14="http://schemas.microsoft.com/office/drawing/2010/main">
+                <a:effectLst>
+                  <a:outerShdw dist="35921" dir="2700000" algn="ctr" rotWithShape="0">
+                    <a:schemeClr val="bg2"/>
+                  </a:outerShdw>
+                </a:effectLst>
+              </a14:hiddenEffects>
+            </a:ext>
+          </a:extLst>
+        </p:spPr>
+        <p:txBody>
+          <a:bodyPr vert="horz" wrap="square" lIns="91440" tIns="45720" rIns="91440" bIns="45720" numCol="1" rtlCol="0" anchor="ctr" anchorCtr="0" compatLnSpc="1">
+            <a:prstTxWarp prst="textNoShape">
+              <a:avLst/>
+            </a:prstTxWarp>
+          </a:bodyPr>
+          <a:lstStyle/>
+          <a:p>
+            <a:pPr marL="0" marR="0" indent="0" algn="ctr" defTabSz="914400" rtl="0" eaLnBrk="0" fontAlgn="base" latinLnBrk="0" hangingPunct="0">
+              <a:lnSpc>
+                <a:spcPct val="100000"/>
+              </a:lnSpc>
+              <a:spcBef>
+                <a:spcPct val="0"/>
+              </a:spcBef>
+              <a:spcAft>
+                <a:spcPct val="0"/>
+              </a:spcAft>
+              <a:buClrTx/>
+              <a:buSzTx/>
+              <a:buFontTx/>
+              <a:buNone/>
+              <a:tabLst/>
+            </a:pPr>
+            <a:r>
+              <a:rPr kumimoji="0" lang="en-GB" sz="2400" b="0" i="0" u="none" strike="noStrike" cap="none" normalizeH="0" baseline="0" dirty="0" smtClean="0">
+                <a:ln>
+                  <a:noFill/>
+                </a:ln>
+                <a:solidFill>
+                  <a:schemeClr val="tx1"/>
+                </a:solidFill>
+                <a:effectLst>
+                  <a:outerShdw blurRad="38100" dist="38100" dir="2700000" algn="tl">
+                    <a:srgbClr val="000000">
+                      <a:alpha val="43137"/>
+                    </a:srgbClr>
+                  </a:outerShdw>
+                </a:effectLst>
+                <a:latin typeface="Arial" charset="0"/>
+                <a:ea typeface="ＭＳ Ｐゴシック" pitchFamily="-7" charset="-128"/>
+              </a:rPr>
+              <a:t>Tech. Enabler</a:t>
+            </a:r>
+            <a:r>
+              <a:rPr kumimoji="0" lang="en-GB" sz="2400" b="0" i="0" u="none" strike="noStrike" cap="none" normalizeH="0" dirty="0" smtClean="0">
+                <a:ln>
+                  <a:noFill/>
+                </a:ln>
+                <a:solidFill>
+                  <a:schemeClr val="tx1"/>
+                </a:solidFill>
+                <a:effectLst>
+                  <a:outerShdw blurRad="38100" dist="38100" dir="2700000" algn="tl">
+                    <a:srgbClr val="000000">
+                      <a:alpha val="43137"/>
+                    </a:srgbClr>
+                  </a:outerShdw>
+                </a:effectLst>
+                <a:latin typeface="Arial" charset="0"/>
+                <a:ea typeface="ＭＳ Ｐゴシック" pitchFamily="-7" charset="-128"/>
+              </a:rPr>
+              <a:t> Concept Change</a:t>
+            </a:r>
+            <a:endParaRPr kumimoji="0" lang="en-GB" sz="2400" b="0" i="0" u="none" strike="noStrike" cap="none" normalizeH="0" baseline="0" dirty="0" smtClean="0">
+              <a:ln>
+                <a:noFill/>
+              </a:ln>
+              <a:solidFill>
+                <a:schemeClr val="tx1"/>
+              </a:solidFill>
+              <a:effectLst>
+                <a:outerShdw blurRad="38100" dist="38100" dir="2700000" algn="tl">
+                  <a:srgbClr val="000000">
+                    <a:alpha val="43137"/>
+                  </a:srgbClr>
+                </a:outerShdw>
+              </a:effectLst>
+              <a:latin typeface="Arial" charset="0"/>
+              <a:ea typeface="ＭＳ Ｐゴシック" pitchFamily="-7" charset="-128"/>
+            </a:endParaRPr>
+          </a:p>
+        </p:txBody>
+      </p:sp>
+      <p:sp>
+        <p:nvSpPr>
+          <p:cNvPr id="4" name="Rounded Rectangle 3"/>
+          <p:cNvSpPr/>
+          <p:nvPr/>
+        </p:nvSpPr>
+        <p:spPr bwMode="auto">
+          <a:xfrm>
+            <a:off x="836577" y="2164523"/>
+            <a:ext cx="5301576" cy="1802972"/>
+          </a:xfrm>
+          <a:prstGeom prst="roundRect">
+            <a:avLst/>
+          </a:prstGeom>
+          <a:noFill/>
+          <a:ln w="28575" cap="flat" cmpd="sng" algn="ctr">
+            <a:solidFill>
+              <a:schemeClr val="tx1"/>
+            </a:solidFill>
+            <a:prstDash val="lgDash"/>
+            <a:round/>
+            <a:headEnd type="none" w="med" len="med"/>
+            <a:tailEnd type="none" w="med" len="med"/>
+          </a:ln>
+          <a:effectLst/>
+          <a:extLst/>
+        </p:spPr>
+        <p:txBody>
+          <a:bodyPr vert="horz" wrap="square" lIns="91440" tIns="45720" rIns="91440" bIns="45720" numCol="1" rtlCol="0" anchor="t" anchorCtr="0" compatLnSpc="1">
+            <a:prstTxWarp prst="textNoShape">
+              <a:avLst/>
+            </a:prstTxWarp>
+          </a:bodyPr>
+          <a:lstStyle/>
+          <a:p>
+            <a:pPr marL="0" marR="0" indent="0" algn="r" defTabSz="914400" rtl="0" eaLnBrk="0" fontAlgn="base" latinLnBrk="0" hangingPunct="0">
+              <a:lnSpc>
+                <a:spcPct val="100000"/>
+              </a:lnSpc>
+              <a:spcBef>
+                <a:spcPct val="0"/>
+              </a:spcBef>
+              <a:spcAft>
+                <a:spcPct val="0"/>
+              </a:spcAft>
+              <a:buClrTx/>
+              <a:buSzTx/>
+              <a:buFontTx/>
+              <a:buNone/>
+              <a:tabLst/>
+            </a:pPr>
+            <a:endParaRPr kumimoji="0" lang="en-GB" sz="2400" b="0" i="0" u="none" strike="noStrike" cap="none" normalizeH="0" baseline="0" smtClean="0">
+              <a:ln>
+                <a:noFill/>
+              </a:ln>
+              <a:solidFill>
+                <a:schemeClr val="tx1"/>
+              </a:solidFill>
+              <a:effectLst>
+                <a:outerShdw blurRad="38100" dist="38100" dir="2700000" algn="tl">
+                  <a:srgbClr val="000000">
+                    <a:alpha val="43137"/>
+                  </a:srgbClr>
+                </a:outerShdw>
+              </a:effectLst>
+              <a:latin typeface="Arial" charset="0"/>
+              <a:ea typeface="ＭＳ Ｐゴシック" pitchFamily="-7" charset="-128"/>
+            </a:endParaRPr>
+          </a:p>
+        </p:txBody>
+      </p:sp>
+      <p:sp>
+        <p:nvSpPr>
+          <p:cNvPr id="5" name="Rounded Rectangle 4"/>
+          <p:cNvSpPr/>
+          <p:nvPr/>
+        </p:nvSpPr>
+        <p:spPr bwMode="auto">
+          <a:xfrm>
+            <a:off x="847339" y="4601183"/>
+            <a:ext cx="5290814" cy="1780162"/>
+          </a:xfrm>
+          <a:prstGeom prst="roundRect">
+            <a:avLst/>
+          </a:prstGeom>
+          <a:noFill/>
+          <a:ln w="28575" cap="flat" cmpd="sng" algn="ctr">
+            <a:solidFill>
+              <a:schemeClr val="tx1"/>
+            </a:solidFill>
+            <a:prstDash val="lgDash"/>
+            <a:round/>
+            <a:headEnd type="none" w="med" len="med"/>
+            <a:tailEnd type="none" w="med" len="med"/>
+          </a:ln>
+          <a:effectLst/>
+          <a:extLst/>
+        </p:spPr>
+        <p:txBody>
+          <a:bodyPr vert="horz" wrap="square" lIns="91440" tIns="45720" rIns="91440" bIns="45720" numCol="1" rtlCol="0" anchor="t" anchorCtr="0" compatLnSpc="1">
+            <a:prstTxWarp prst="textNoShape">
+              <a:avLst/>
+            </a:prstTxWarp>
+          </a:bodyPr>
+          <a:lstStyle/>
+          <a:p>
+            <a:pPr marL="0" marR="0" indent="0" algn="r" defTabSz="914400" rtl="0" eaLnBrk="0" fontAlgn="base" latinLnBrk="0" hangingPunct="0">
+              <a:lnSpc>
+                <a:spcPct val="100000"/>
+              </a:lnSpc>
+              <a:spcBef>
+                <a:spcPct val="0"/>
+              </a:spcBef>
+              <a:spcAft>
+                <a:spcPct val="0"/>
+              </a:spcAft>
+              <a:buClrTx/>
+              <a:buSzTx/>
+              <a:buFontTx/>
+              <a:buNone/>
+              <a:tabLst/>
+            </a:pPr>
+            <a:endParaRPr kumimoji="0" lang="en-GB" sz="2400" b="0" i="0" u="none" strike="noStrike" cap="none" normalizeH="0" baseline="0" smtClean="0">
+              <a:ln>
+                <a:noFill/>
+              </a:ln>
+              <a:solidFill>
+                <a:schemeClr val="tx1"/>
+              </a:solidFill>
+              <a:effectLst>
+                <a:outerShdw blurRad="38100" dist="38100" dir="2700000" algn="tl">
+                  <a:srgbClr val="000000">
+                    <a:alpha val="43137"/>
+                  </a:srgbClr>
+                </a:outerShdw>
+              </a:effectLst>
+              <a:latin typeface="Arial" charset="0"/>
+              <a:ea typeface="ＭＳ Ｐゴシック" pitchFamily="-7" charset="-128"/>
+            </a:endParaRPr>
+          </a:p>
+        </p:txBody>
+      </p:sp>
+      <p:sp>
+        <p:nvSpPr>
+          <p:cNvPr id="6" name="Rounded Rectangle 5"/>
+          <p:cNvSpPr/>
+          <p:nvPr/>
+        </p:nvSpPr>
+        <p:spPr bwMode="auto">
+          <a:xfrm>
+            <a:off x="1049613" y="4933264"/>
+            <a:ext cx="2418070" cy="1116000"/>
+          </a:xfrm>
+          <a:prstGeom prst="roundRect">
+            <a:avLst/>
+          </a:prstGeom>
+          <a:solidFill>
+            <a:schemeClr val="accent1"/>
+          </a:solidFill>
+          <a:ln w="9525" cap="flat" cmpd="sng" algn="ctr">
+            <a:solidFill>
+              <a:schemeClr val="tx1"/>
+            </a:solidFill>
+            <a:prstDash val="solid"/>
+            <a:round/>
+            <a:headEnd type="none" w="med" len="med"/>
+            <a:tailEnd type="none" w="med" len="med"/>
+          </a:ln>
+          <a:effectLst/>
+          <a:extLst>
+            <a:ext uri="{AF507438-7753-43E0-B8FC-AC1667EBCBE1}">
+              <a14:hiddenEffects xmlns:a14="http://schemas.microsoft.com/office/drawing/2010/main">
+                <a:effectLst>
+                  <a:outerShdw dist="35921" dir="2700000" algn="ctr" rotWithShape="0">
+                    <a:schemeClr val="bg2"/>
+                  </a:outerShdw>
+                </a:effectLst>
+              </a14:hiddenEffects>
+            </a:ext>
+          </a:extLst>
+        </p:spPr>
+        <p:txBody>
+          <a:bodyPr vert="horz" wrap="square" lIns="91440" tIns="45720" rIns="91440" bIns="45720" numCol="1" rtlCol="0" anchor="ctr" anchorCtr="0" compatLnSpc="1">
+            <a:prstTxWarp prst="textNoShape">
+              <a:avLst/>
+            </a:prstTxWarp>
+          </a:bodyPr>
+          <a:lstStyle/>
+          <a:p>
+            <a:pPr marL="0" marR="0" indent="0" algn="ctr" defTabSz="914400" rtl="0" eaLnBrk="0" fontAlgn="base" latinLnBrk="0" hangingPunct="0">
+              <a:lnSpc>
+                <a:spcPct val="100000"/>
+              </a:lnSpc>
+              <a:spcBef>
+                <a:spcPct val="0"/>
+              </a:spcBef>
+              <a:spcAft>
+                <a:spcPct val="0"/>
+              </a:spcAft>
+              <a:buClrTx/>
+              <a:buSzTx/>
+              <a:buFontTx/>
+              <a:buNone/>
+              <a:tabLst/>
+            </a:pPr>
+            <a:r>
+              <a:rPr kumimoji="0" lang="en-GB" sz="2400" b="0" i="0" u="none" strike="noStrike" cap="none" normalizeH="0" baseline="0" dirty="0" smtClean="0">
+                <a:ln>
+                  <a:noFill/>
+                </a:ln>
+                <a:solidFill>
+                  <a:schemeClr val="tx1"/>
+                </a:solidFill>
+                <a:effectLst>
+                  <a:outerShdw blurRad="38100" dist="38100" dir="2700000" algn="tl">
+                    <a:srgbClr val="000000">
+                      <a:alpha val="43137"/>
+                    </a:srgbClr>
+                  </a:outerShdw>
+                </a:effectLst>
+                <a:latin typeface="Arial" charset="0"/>
+                <a:ea typeface="ＭＳ Ｐゴシック" pitchFamily="-7" charset="-128"/>
+              </a:rPr>
+              <a:t>Use-Case Assessment</a:t>
+            </a:r>
+          </a:p>
+        </p:txBody>
+      </p:sp>
+      <p:sp>
+        <p:nvSpPr>
+          <p:cNvPr id="7" name="Rounded Rectangle 6"/>
+          <p:cNvSpPr/>
+          <p:nvPr/>
+        </p:nvSpPr>
+        <p:spPr bwMode="auto">
+          <a:xfrm>
+            <a:off x="6648266" y="2164522"/>
+            <a:ext cx="5287572" cy="1802971"/>
+          </a:xfrm>
+          <a:prstGeom prst="roundRect">
+            <a:avLst/>
+          </a:prstGeom>
+          <a:noFill/>
+          <a:ln w="28575" cap="flat" cmpd="sng" algn="ctr">
+            <a:solidFill>
+              <a:schemeClr val="tx1"/>
+            </a:solidFill>
+            <a:prstDash val="lgDash"/>
+            <a:round/>
+            <a:headEnd type="none" w="med" len="med"/>
+            <a:tailEnd type="none" w="med" len="med"/>
+          </a:ln>
+          <a:effectLst/>
+          <a:extLst/>
+        </p:spPr>
+        <p:txBody>
+          <a:bodyPr vert="horz" wrap="square" lIns="91440" tIns="45720" rIns="91440" bIns="45720" numCol="1" rtlCol="0" anchor="t" anchorCtr="0" compatLnSpc="1">
+            <a:prstTxWarp prst="textNoShape">
+              <a:avLst/>
+            </a:prstTxWarp>
+          </a:bodyPr>
+          <a:lstStyle/>
+          <a:p>
+            <a:pPr marL="0" marR="0" indent="0" algn="r" defTabSz="914400" rtl="0" eaLnBrk="0" fontAlgn="base" latinLnBrk="0" hangingPunct="0">
+              <a:lnSpc>
+                <a:spcPct val="100000"/>
+              </a:lnSpc>
+              <a:spcBef>
+                <a:spcPct val="0"/>
+              </a:spcBef>
+              <a:spcAft>
+                <a:spcPct val="0"/>
+              </a:spcAft>
+              <a:buClrTx/>
+              <a:buSzTx/>
+              <a:buFontTx/>
+              <a:buNone/>
+              <a:tabLst/>
+            </a:pPr>
+            <a:endParaRPr kumimoji="0" lang="en-GB" sz="2400" b="0" i="0" u="none" strike="noStrike" cap="none" normalizeH="0" baseline="0" smtClean="0">
+              <a:ln>
+                <a:noFill/>
+              </a:ln>
+              <a:solidFill>
+                <a:schemeClr val="tx1"/>
+              </a:solidFill>
+              <a:effectLst>
+                <a:outerShdw blurRad="38100" dist="38100" dir="2700000" algn="tl">
+                  <a:srgbClr val="000000">
+                    <a:alpha val="43137"/>
+                  </a:srgbClr>
+                </a:outerShdw>
+              </a:effectLst>
+              <a:latin typeface="Arial" charset="0"/>
+              <a:ea typeface="ＭＳ Ｐゴシック" pitchFamily="-7" charset="-128"/>
+            </a:endParaRPr>
+          </a:p>
+        </p:txBody>
+      </p:sp>
+      <p:sp>
+        <p:nvSpPr>
+          <p:cNvPr id="8" name="Rounded Rectangle 7"/>
+          <p:cNvSpPr/>
+          <p:nvPr/>
+        </p:nvSpPr>
+        <p:spPr bwMode="auto">
+          <a:xfrm>
+            <a:off x="6860210" y="2495896"/>
+            <a:ext cx="2418070" cy="1116000"/>
+          </a:xfrm>
+          <a:prstGeom prst="roundRect">
+            <a:avLst/>
+          </a:prstGeom>
+          <a:solidFill>
+            <a:schemeClr val="accent1"/>
+          </a:solidFill>
+          <a:ln w="9525" cap="flat" cmpd="sng" algn="ctr">
+            <a:solidFill>
+              <a:schemeClr val="tx1"/>
+            </a:solidFill>
+            <a:prstDash val="solid"/>
+            <a:round/>
+            <a:headEnd type="none" w="med" len="med"/>
+            <a:tailEnd type="none" w="med" len="med"/>
+          </a:ln>
+          <a:effectLst/>
+          <a:extLst>
+            <a:ext uri="{AF507438-7753-43E0-B8FC-AC1667EBCBE1}">
+              <a14:hiddenEffects xmlns:a14="http://schemas.microsoft.com/office/drawing/2010/main">
+                <a:effectLst>
+                  <a:outerShdw dist="35921" dir="2700000" algn="ctr" rotWithShape="0">
+                    <a:schemeClr val="bg2"/>
+                  </a:outerShdw>
+                </a:effectLst>
+              </a14:hiddenEffects>
+            </a:ext>
+          </a:extLst>
+        </p:spPr>
+        <p:txBody>
+          <a:bodyPr vert="horz" wrap="square" lIns="91440" tIns="45720" rIns="91440" bIns="45720" numCol="1" rtlCol="0" anchor="ctr" anchorCtr="0" compatLnSpc="1">
+            <a:prstTxWarp prst="textNoShape">
+              <a:avLst/>
+            </a:prstTxWarp>
+          </a:bodyPr>
+          <a:lstStyle/>
+          <a:p>
+            <a:pPr marL="0" marR="0" indent="0" algn="ctr" defTabSz="914400" rtl="0" eaLnBrk="0" fontAlgn="base" latinLnBrk="0" hangingPunct="0">
+              <a:lnSpc>
+                <a:spcPct val="100000"/>
+              </a:lnSpc>
+              <a:spcBef>
+                <a:spcPct val="0"/>
+              </a:spcBef>
+              <a:spcAft>
+                <a:spcPct val="0"/>
+              </a:spcAft>
+              <a:buClrTx/>
+              <a:buSzTx/>
+              <a:buFontTx/>
+              <a:buNone/>
+              <a:tabLst/>
+            </a:pPr>
+            <a:r>
+              <a:rPr kumimoji="0" lang="en-GB" sz="2400" b="0" i="0" u="none" strike="noStrike" cap="none" normalizeH="0" baseline="0" dirty="0" smtClean="0">
+                <a:ln>
+                  <a:noFill/>
+                </a:ln>
+                <a:solidFill>
+                  <a:schemeClr val="tx1"/>
+                </a:solidFill>
+                <a:effectLst>
+                  <a:outerShdw blurRad="38100" dist="38100" dir="2700000" algn="tl">
+                    <a:srgbClr val="000000">
+                      <a:alpha val="43137"/>
+                    </a:srgbClr>
+                  </a:outerShdw>
+                </a:effectLst>
+                <a:latin typeface="Arial" charset="0"/>
+                <a:ea typeface="ＭＳ Ｐゴシック" pitchFamily="-7" charset="-128"/>
+              </a:rPr>
+              <a:t>“Hypotheses”</a:t>
+            </a:r>
+          </a:p>
+        </p:txBody>
+      </p:sp>
+      <p:sp>
+        <p:nvSpPr>
+          <p:cNvPr id="9" name="Rounded Rectangle 8"/>
+          <p:cNvSpPr/>
+          <p:nvPr/>
+        </p:nvSpPr>
+        <p:spPr bwMode="auto">
+          <a:xfrm>
+            <a:off x="6648266" y="4599843"/>
+            <a:ext cx="5297300" cy="1780162"/>
+          </a:xfrm>
+          <a:prstGeom prst="roundRect">
+            <a:avLst/>
+          </a:prstGeom>
+          <a:noFill/>
+          <a:ln w="28575" cap="flat" cmpd="sng" algn="ctr">
+            <a:solidFill>
+              <a:schemeClr val="tx1"/>
+            </a:solidFill>
+            <a:prstDash val="lgDash"/>
+            <a:round/>
+            <a:headEnd type="none" w="med" len="med"/>
+            <a:tailEnd type="none" w="med" len="med"/>
+          </a:ln>
+          <a:effectLst/>
+          <a:extLst/>
+        </p:spPr>
+        <p:txBody>
+          <a:bodyPr vert="horz" wrap="square" lIns="91440" tIns="45720" rIns="91440" bIns="45720" numCol="1" rtlCol="0" anchor="t" anchorCtr="0" compatLnSpc="1">
+            <a:prstTxWarp prst="textNoShape">
+              <a:avLst/>
+            </a:prstTxWarp>
+          </a:bodyPr>
+          <a:lstStyle/>
+          <a:p>
+            <a:pPr marL="0" marR="0" indent="0" algn="r" defTabSz="914400" rtl="0" eaLnBrk="0" fontAlgn="base" latinLnBrk="0" hangingPunct="0">
+              <a:lnSpc>
+                <a:spcPct val="100000"/>
+              </a:lnSpc>
+              <a:spcBef>
+                <a:spcPct val="0"/>
+              </a:spcBef>
+              <a:spcAft>
+                <a:spcPct val="0"/>
+              </a:spcAft>
+              <a:buClrTx/>
+              <a:buSzTx/>
+              <a:buFontTx/>
+              <a:buNone/>
+              <a:tabLst/>
+            </a:pPr>
+            <a:endParaRPr kumimoji="0" lang="en-GB" sz="2400" b="0" i="0" u="none" strike="noStrike" cap="none" normalizeH="0" baseline="0" smtClean="0">
+              <a:ln>
+                <a:noFill/>
+              </a:ln>
+              <a:solidFill>
+                <a:schemeClr val="tx1"/>
+              </a:solidFill>
+              <a:effectLst>
+                <a:outerShdw blurRad="38100" dist="38100" dir="2700000" algn="tl">
+                  <a:srgbClr val="000000">
+                    <a:alpha val="43137"/>
+                  </a:srgbClr>
+                </a:outerShdw>
+              </a:effectLst>
+              <a:latin typeface="Arial" charset="0"/>
+              <a:ea typeface="ＭＳ Ｐゴシック" pitchFamily="-7" charset="-128"/>
+            </a:endParaRPr>
+          </a:p>
+        </p:txBody>
+      </p:sp>
+      <p:sp>
+        <p:nvSpPr>
+          <p:cNvPr id="10" name="Rounded Rectangle 9"/>
+          <p:cNvSpPr/>
+          <p:nvPr/>
+        </p:nvSpPr>
+        <p:spPr bwMode="auto">
+          <a:xfrm>
+            <a:off x="6853783" y="4830395"/>
+            <a:ext cx="2418070" cy="1116000"/>
+          </a:xfrm>
+          <a:prstGeom prst="roundRect">
+            <a:avLst/>
+          </a:prstGeom>
+          <a:solidFill>
+            <a:schemeClr val="accent1"/>
+          </a:solidFill>
+          <a:ln w="9525" cap="flat" cmpd="sng" algn="ctr">
+            <a:solidFill>
+              <a:schemeClr val="tx1"/>
+            </a:solidFill>
+            <a:prstDash val="solid"/>
+            <a:round/>
+            <a:headEnd type="none" w="med" len="med"/>
+            <a:tailEnd type="none" w="med" len="med"/>
+          </a:ln>
+          <a:effectLst/>
+          <a:extLst>
+            <a:ext uri="{AF507438-7753-43E0-B8FC-AC1667EBCBE1}">
+              <a14:hiddenEffects xmlns:a14="http://schemas.microsoft.com/office/drawing/2010/main">
+                <a:effectLst>
+                  <a:outerShdw dist="35921" dir="2700000" algn="ctr" rotWithShape="0">
+                    <a:schemeClr val="bg2"/>
+                  </a:outerShdw>
+                </a:effectLst>
+              </a14:hiddenEffects>
+            </a:ext>
+          </a:extLst>
+        </p:spPr>
+        <p:txBody>
+          <a:bodyPr vert="horz" wrap="square" lIns="91440" tIns="45720" rIns="91440" bIns="45720" numCol="1" rtlCol="0" anchor="ctr" anchorCtr="0" compatLnSpc="1">
+            <a:prstTxWarp prst="textNoShape">
+              <a:avLst/>
+            </a:prstTxWarp>
+          </a:bodyPr>
+          <a:lstStyle/>
+          <a:p>
+            <a:pPr marL="0" marR="0" indent="0" algn="ctr" defTabSz="914400" rtl="0" eaLnBrk="0" fontAlgn="base" latinLnBrk="0" hangingPunct="0">
+              <a:lnSpc>
+                <a:spcPct val="100000"/>
+              </a:lnSpc>
+              <a:spcBef>
+                <a:spcPct val="0"/>
+              </a:spcBef>
+              <a:spcAft>
+                <a:spcPct val="0"/>
+              </a:spcAft>
+              <a:buClrTx/>
+              <a:buSzTx/>
+              <a:buFontTx/>
+              <a:buNone/>
+              <a:tabLst/>
+            </a:pPr>
+            <a:r>
+              <a:rPr kumimoji="0" lang="en-GB" sz="2400" b="0" i="0" u="none" strike="noStrike" cap="none" normalizeH="0" baseline="0" dirty="0" smtClean="0">
+                <a:ln>
+                  <a:noFill/>
+                </a:ln>
+                <a:solidFill>
+                  <a:schemeClr val="tx1"/>
+                </a:solidFill>
+                <a:effectLst>
+                  <a:outerShdw blurRad="38100" dist="38100" dir="2700000" algn="tl">
+                    <a:srgbClr val="000000">
+                      <a:alpha val="43137"/>
+                    </a:srgbClr>
+                  </a:outerShdw>
+                </a:effectLst>
+                <a:latin typeface="Arial" charset="0"/>
+                <a:ea typeface="ＭＳ Ｐゴシック" pitchFamily="-7" charset="-128"/>
+              </a:rPr>
+              <a:t>Evidence and Interpretation of Results</a:t>
+            </a:r>
+          </a:p>
+        </p:txBody>
+      </p:sp>
+      <p:sp>
+        <p:nvSpPr>
+          <p:cNvPr id="11" name="Rounded Rectangle 10"/>
+          <p:cNvSpPr/>
+          <p:nvPr/>
+        </p:nvSpPr>
+        <p:spPr bwMode="auto">
+          <a:xfrm>
+            <a:off x="9370365" y="2441241"/>
+            <a:ext cx="2565473" cy="1116000"/>
+          </a:xfrm>
+          <a:prstGeom prst="roundRect">
+            <a:avLst/>
+          </a:prstGeom>
+          <a:noFill/>
+          <a:ln w="9525" cap="flat" cmpd="sng" algn="ctr">
+            <a:noFill/>
+            <a:prstDash val="solid"/>
+            <a:round/>
+            <a:headEnd type="none" w="med" len="med"/>
+            <a:tailEnd type="none" w="med" len="med"/>
+          </a:ln>
+          <a:effectLst/>
+          <a:extLst/>
+        </p:spPr>
+        <p:txBody>
+          <a:bodyPr vert="horz" wrap="square" lIns="91440" tIns="45720" rIns="91440" bIns="45720" numCol="1" rtlCol="0" anchor="ctr" anchorCtr="0" compatLnSpc="1">
+            <a:prstTxWarp prst="textNoShape">
+              <a:avLst/>
+            </a:prstTxWarp>
+          </a:bodyPr>
+          <a:lstStyle/>
+          <a:p>
+            <a:pPr marL="342900" marR="0" indent="-342900" algn="l" defTabSz="914400" rtl="0" eaLnBrk="0" fontAlgn="base" latinLnBrk="0" hangingPunct="0">
+              <a:lnSpc>
+                <a:spcPct val="100000"/>
+              </a:lnSpc>
+              <a:spcBef>
+                <a:spcPct val="0"/>
+              </a:spcBef>
+              <a:spcAft>
+                <a:spcPct val="0"/>
+              </a:spcAft>
+              <a:buClrTx/>
+              <a:buSzTx/>
+              <a:buFont typeface="Wingdings" panose="05000000000000000000" pitchFamily="2" charset="2"/>
+              <a:buChar char="q"/>
+              <a:tabLst/>
+            </a:pPr>
+            <a:r>
+              <a:rPr kumimoji="0" lang="en-GB" sz="2000" b="0" i="0" u="none" strike="noStrike" cap="none" normalizeH="0" baseline="0" dirty="0" smtClean="0">
+                <a:ln>
+                  <a:noFill/>
+                </a:ln>
+                <a:solidFill>
+                  <a:schemeClr val="tx1"/>
+                </a:solidFill>
+                <a:effectLst>
+                  <a:outerShdw blurRad="38100" dist="38100" dir="2700000" algn="tl">
+                    <a:srgbClr val="000000">
+                      <a:alpha val="43137"/>
+                    </a:srgbClr>
+                  </a:outerShdw>
+                </a:effectLst>
+                <a:latin typeface="Arial" charset="0"/>
+                <a:ea typeface="ＭＳ Ｐゴシック" pitchFamily="-7" charset="-128"/>
+              </a:rPr>
+              <a:t>Focus Area</a:t>
+            </a:r>
+          </a:p>
+          <a:p>
+            <a:pPr marL="342900" marR="0" indent="-342900" algn="l" defTabSz="914400" rtl="0" eaLnBrk="0" fontAlgn="base" latinLnBrk="0" hangingPunct="0">
+              <a:lnSpc>
+                <a:spcPct val="100000"/>
+              </a:lnSpc>
+              <a:spcBef>
+                <a:spcPct val="0"/>
+              </a:spcBef>
+              <a:spcAft>
+                <a:spcPct val="0"/>
+              </a:spcAft>
+              <a:buClrTx/>
+              <a:buSzTx/>
+              <a:buFont typeface="Wingdings" panose="05000000000000000000" pitchFamily="2" charset="2"/>
+              <a:buChar char="q"/>
+              <a:tabLst/>
+            </a:pPr>
+            <a:r>
+              <a:rPr lang="en-GB" sz="2000" dirty="0" smtClean="0">
+                <a:latin typeface="Arial" charset="0"/>
+                <a:ea typeface="ＭＳ Ｐゴシック" pitchFamily="-7" charset="-128"/>
+              </a:rPr>
+              <a:t>Goal/Ambition</a:t>
+            </a:r>
+          </a:p>
+          <a:p>
+            <a:pPr marL="342900" marR="0" indent="-342900" algn="l" defTabSz="914400" rtl="0" eaLnBrk="0" fontAlgn="base" latinLnBrk="0" hangingPunct="0">
+              <a:lnSpc>
+                <a:spcPct val="100000"/>
+              </a:lnSpc>
+              <a:spcBef>
+                <a:spcPct val="0"/>
+              </a:spcBef>
+              <a:spcAft>
+                <a:spcPct val="0"/>
+              </a:spcAft>
+              <a:buClrTx/>
+              <a:buSzTx/>
+              <a:buFont typeface="Wingdings" panose="05000000000000000000" pitchFamily="2" charset="2"/>
+              <a:buChar char="q"/>
+              <a:tabLst/>
+            </a:pPr>
+            <a:r>
+              <a:rPr kumimoji="0" lang="en-GB" sz="2000" b="0" i="0" u="none" strike="noStrike" cap="none" normalizeH="0" baseline="0" dirty="0" smtClean="0">
+                <a:ln>
+                  <a:noFill/>
+                </a:ln>
+                <a:solidFill>
+                  <a:schemeClr val="tx1"/>
+                </a:solidFill>
+                <a:effectLst>
+                  <a:outerShdw blurRad="38100" dist="38100" dir="2700000" algn="tl">
+                    <a:srgbClr val="000000">
+                      <a:alpha val="43137"/>
+                    </a:srgbClr>
+                  </a:outerShdw>
+                </a:effectLst>
+                <a:latin typeface="Arial" charset="0"/>
+                <a:ea typeface="ＭＳ Ｐゴシック" pitchFamily="-7" charset="-128"/>
+              </a:rPr>
+              <a:t>Perf. Objectives</a:t>
+            </a:r>
+          </a:p>
+        </p:txBody>
+      </p:sp>
+      <p:cxnSp>
+        <p:nvCxnSpPr>
+          <p:cNvPr id="12" name="Elbow Connector 11"/>
+          <p:cNvCxnSpPr>
+            <a:stCxn id="4" idx="2"/>
+            <a:endCxn id="5" idx="0"/>
+          </p:cNvCxnSpPr>
+          <p:nvPr/>
+        </p:nvCxnSpPr>
+        <p:spPr bwMode="auto">
+          <a:xfrm rot="16200000" flipH="1">
+            <a:off x="3173211" y="4281648"/>
+            <a:ext cx="633688" cy="5381"/>
+          </a:xfrm>
+          <a:prstGeom prst="bentConnector3">
+            <a:avLst/>
+          </a:prstGeom>
+          <a:solidFill>
+            <a:schemeClr val="accent1"/>
+          </a:solidFill>
+          <a:ln w="57150" cap="flat" cmpd="sng" algn="ctr">
+            <a:solidFill>
+              <a:schemeClr val="tx1"/>
+            </a:solidFill>
+            <a:prstDash val="solid"/>
+            <a:round/>
+            <a:headEnd type="none" w="med" len="med"/>
+            <a:tailEnd type="triangle"/>
+          </a:ln>
+          <a:effectLst/>
+          <a:extLst>
+            <a:ext uri="{AF507438-7753-43E0-B8FC-AC1667EBCBE1}">
+              <a14:hiddenEffects xmlns:a14="http://schemas.microsoft.com/office/drawing/2010/main">
+                <a:effectLst>
+                  <a:outerShdw dist="35921" dir="2700000" algn="ctr" rotWithShape="0">
+                    <a:schemeClr val="bg2"/>
+                  </a:outerShdw>
+                </a:effectLst>
+              </a14:hiddenEffects>
+            </a:ext>
+          </a:extLst>
+        </p:spPr>
+      </p:cxnSp>
+      <p:cxnSp>
+        <p:nvCxnSpPr>
+          <p:cNvPr id="13" name="Elbow Connector 12"/>
+          <p:cNvCxnSpPr>
+            <a:stCxn id="5" idx="3"/>
+            <a:endCxn id="9" idx="1"/>
+          </p:cNvCxnSpPr>
+          <p:nvPr/>
+        </p:nvCxnSpPr>
+        <p:spPr bwMode="auto">
+          <a:xfrm flipV="1">
+            <a:off x="6138153" y="5489924"/>
+            <a:ext cx="510113" cy="1340"/>
+          </a:xfrm>
+          <a:prstGeom prst="bentConnector3">
+            <a:avLst>
+              <a:gd name="adj1" fmla="val 50000"/>
+            </a:avLst>
+          </a:prstGeom>
+          <a:solidFill>
+            <a:schemeClr val="accent1"/>
+          </a:solidFill>
+          <a:ln w="57150" cap="flat" cmpd="sng" algn="ctr">
+            <a:solidFill>
+              <a:schemeClr val="tx1"/>
+            </a:solidFill>
+            <a:prstDash val="solid"/>
+            <a:round/>
+            <a:headEnd type="none" w="med" len="med"/>
+            <a:tailEnd type="triangle"/>
+          </a:ln>
+          <a:effectLst/>
+          <a:extLst>
+            <a:ext uri="{AF507438-7753-43E0-B8FC-AC1667EBCBE1}">
+              <a14:hiddenEffects xmlns:a14="http://schemas.microsoft.com/office/drawing/2010/main">
+                <a:effectLst>
+                  <a:outerShdw dist="35921" dir="2700000" algn="ctr" rotWithShape="0">
+                    <a:schemeClr val="bg2"/>
+                  </a:outerShdw>
+                </a:effectLst>
+              </a14:hiddenEffects>
+            </a:ext>
+          </a:extLst>
+        </p:spPr>
+      </p:cxnSp>
+      <p:cxnSp>
+        <p:nvCxnSpPr>
+          <p:cNvPr id="14" name="Elbow Connector 13"/>
+          <p:cNvCxnSpPr>
+            <a:stCxn id="7" idx="2"/>
+            <a:endCxn id="9" idx="0"/>
+          </p:cNvCxnSpPr>
+          <p:nvPr/>
+        </p:nvCxnSpPr>
+        <p:spPr bwMode="auto">
+          <a:xfrm rot="16200000" flipH="1">
+            <a:off x="8978309" y="4281236"/>
+            <a:ext cx="632350" cy="4864"/>
+          </a:xfrm>
+          <a:prstGeom prst="bentConnector3">
+            <a:avLst>
+              <a:gd name="adj1" fmla="val 50000"/>
+            </a:avLst>
+          </a:prstGeom>
+          <a:solidFill>
+            <a:schemeClr val="accent1"/>
+          </a:solidFill>
+          <a:ln w="57150" cap="flat" cmpd="sng" algn="ctr">
+            <a:solidFill>
+              <a:schemeClr val="tx1"/>
+            </a:solidFill>
+            <a:prstDash val="solid"/>
+            <a:round/>
+            <a:headEnd type="none" w="med" len="med"/>
+            <a:tailEnd type="triangle"/>
+          </a:ln>
+          <a:effectLst/>
+          <a:extLst>
+            <a:ext uri="{AF507438-7753-43E0-B8FC-AC1667EBCBE1}">
+              <a14:hiddenEffects xmlns:a14="http://schemas.microsoft.com/office/drawing/2010/main">
+                <a:effectLst>
+                  <a:outerShdw dist="35921" dir="2700000" algn="ctr" rotWithShape="0">
+                    <a:schemeClr val="bg2"/>
+                  </a:outerShdw>
+                </a:effectLst>
+              </a14:hiddenEffects>
+            </a:ext>
+          </a:extLst>
+        </p:spPr>
+      </p:cxnSp>
+      <p:cxnSp>
+        <p:nvCxnSpPr>
+          <p:cNvPr id="15" name="Elbow Connector 14"/>
+          <p:cNvCxnSpPr>
+            <a:stCxn id="4" idx="3"/>
+            <a:endCxn id="7" idx="1"/>
+          </p:cNvCxnSpPr>
+          <p:nvPr/>
+        </p:nvCxnSpPr>
+        <p:spPr bwMode="auto">
+          <a:xfrm flipV="1">
+            <a:off x="6138153" y="3066008"/>
+            <a:ext cx="510113" cy="1"/>
+          </a:xfrm>
+          <a:prstGeom prst="bentConnector3">
+            <a:avLst>
+              <a:gd name="adj1" fmla="val 50000"/>
+            </a:avLst>
+          </a:prstGeom>
+          <a:solidFill>
+            <a:schemeClr val="accent1"/>
+          </a:solidFill>
+          <a:ln w="57150" cap="flat" cmpd="sng" algn="ctr">
+            <a:solidFill>
+              <a:schemeClr val="tx1"/>
+            </a:solidFill>
+            <a:prstDash val="solid"/>
+            <a:round/>
+            <a:headEnd type="none" w="med" len="med"/>
+            <a:tailEnd type="triangle"/>
+          </a:ln>
+          <a:effectLst/>
+          <a:extLst>
+            <a:ext uri="{AF507438-7753-43E0-B8FC-AC1667EBCBE1}">
+              <a14:hiddenEffects xmlns:a14="http://schemas.microsoft.com/office/drawing/2010/main">
+                <a:effectLst>
+                  <a:outerShdw dist="35921" dir="2700000" algn="ctr" rotWithShape="0">
+                    <a:schemeClr val="bg2"/>
+                  </a:outerShdw>
+                </a:effectLst>
+              </a14:hiddenEffects>
+            </a:ext>
+          </a:extLst>
+        </p:spPr>
+      </p:cxnSp>
+      <p:pic>
+        <p:nvPicPr>
+          <p:cNvPr id="16" name="Google Shape;368;p23"/>
+          <p:cNvPicPr preferRelativeResize="0"/>
+          <p:nvPr/>
+        </p:nvPicPr>
+        <p:blipFill rotWithShape="1">
+          <a:blip r:embed="rId2">
+            <a:alphaModFix/>
+          </a:blip>
+          <a:srcRect l="67366"/>
+          <a:stretch/>
+        </p:blipFill>
+        <p:spPr>
+          <a:xfrm>
+            <a:off x="9477370" y="4817322"/>
+            <a:ext cx="1097042" cy="743554"/>
+          </a:xfrm>
+          <a:prstGeom prst="rect">
+            <a:avLst/>
+          </a:prstGeom>
+          <a:noFill/>
+          <a:ln>
+            <a:noFill/>
+          </a:ln>
+        </p:spPr>
+      </p:pic>
+      <p:pic>
+        <p:nvPicPr>
+          <p:cNvPr id="17" name="Google Shape;298;p16"/>
+          <p:cNvPicPr preferRelativeResize="0"/>
+          <p:nvPr/>
+        </p:nvPicPr>
+        <p:blipFill>
+          <a:blip r:embed="rId3">
+            <a:alphaModFix/>
+          </a:blip>
+          <a:stretch>
+            <a:fillRect/>
+          </a:stretch>
+        </p:blipFill>
+        <p:spPr>
+          <a:xfrm>
+            <a:off x="10863951" y="4830395"/>
+            <a:ext cx="693885" cy="631774"/>
+          </a:xfrm>
+          <a:prstGeom prst="rect">
+            <a:avLst/>
+          </a:prstGeom>
+          <a:noFill/>
+          <a:ln>
+            <a:noFill/>
+          </a:ln>
+        </p:spPr>
+      </p:pic>
+      <p:grpSp>
+        <p:nvGrpSpPr>
+          <p:cNvPr id="18" name="Canvas 23"/>
+          <p:cNvGrpSpPr/>
+          <p:nvPr/>
+        </p:nvGrpSpPr>
+        <p:grpSpPr>
+          <a:xfrm>
+            <a:off x="2739472" y="71563"/>
+            <a:ext cx="6428382" cy="2473414"/>
+            <a:chOff x="-178458" y="0"/>
+            <a:chExt cx="5664858" cy="2114550"/>
+          </a:xfrm>
+        </p:grpSpPr>
+        <p:sp>
+          <p:nvSpPr>
+            <p:cNvPr id="19" name="Rectangle 18"/>
+            <p:cNvSpPr/>
+            <p:nvPr/>
+          </p:nvSpPr>
+          <p:spPr>
+            <a:xfrm>
+              <a:off x="0" y="0"/>
+              <a:ext cx="5486400" cy="2114550"/>
+            </a:xfrm>
+            <a:prstGeom prst="rect">
+              <a:avLst/>
+            </a:prstGeom>
+          </p:spPr>
+        </p:sp>
+        <p:sp>
+          <p:nvSpPr>
+            <p:cNvPr id="20" name="Cube 19"/>
+            <p:cNvSpPr/>
+            <p:nvPr/>
+          </p:nvSpPr>
+          <p:spPr>
+            <a:xfrm>
+              <a:off x="-178458" y="606972"/>
+              <a:ext cx="1479516" cy="1062142"/>
+            </a:xfrm>
+            <a:prstGeom prst="cube">
+              <a:avLst/>
+            </a:prstGeom>
+          </p:spPr>
+          <p:style>
+            <a:lnRef idx="1">
+              <a:schemeClr val="accent1"/>
+            </a:lnRef>
+            <a:fillRef idx="2">
+              <a:schemeClr val="accent1"/>
+            </a:fillRef>
+            <a:effectRef idx="1">
+              <a:schemeClr val="accent1"/>
+            </a:effectRef>
+            <a:fontRef idx="minor">
+              <a:schemeClr val="dk1"/>
+            </a:fontRef>
+          </p:style>
+          <p:txBody>
+            <a:bodyPr rot="0" spcFirstLastPara="0" vert="horz" wrap="square" lIns="91440" tIns="45720" rIns="91440" bIns="45720" numCol="1" spcCol="0" rtlCol="0" fromWordArt="0" anchor="ctr" anchorCtr="0" forceAA="0" compatLnSpc="1">
+              <a:prstTxWarp prst="textNoShape">
+                <a:avLst/>
+              </a:prstTxWarp>
+              <a:noAutofit/>
+            </a:bodyPr>
+            <a:lstStyle/>
+            <a:p>
+              <a:pPr algn="ctr">
+                <a:spcAft>
+                  <a:spcPts val="600"/>
+                </a:spcAft>
+              </a:pPr>
+              <a:r>
+                <a:rPr lang="en-GB" sz="1600" dirty="0" smtClean="0">
+                  <a:effectLst/>
+                  <a:latin typeface="Arial" panose="020B0604020202020204" pitchFamily="34" charset="0"/>
+                  <a:ea typeface="Calibri" panose="020F0502020204030204" pitchFamily="34" charset="0"/>
+                  <a:cs typeface="Times New Roman" panose="02020603050405020304" pitchFamily="18" charset="0"/>
+                </a:rPr>
+                <a:t>Air Navigation </a:t>
+              </a:r>
+              <a:r>
+                <a:rPr lang="en-GB" sz="1600" dirty="0">
+                  <a:effectLst/>
+                  <a:latin typeface="Arial" panose="020B0604020202020204" pitchFamily="34" charset="0"/>
+                  <a:ea typeface="Calibri" panose="020F0502020204030204" pitchFamily="34" charset="0"/>
+                  <a:cs typeface="Times New Roman" panose="02020603050405020304" pitchFamily="18" charset="0"/>
+                </a:rPr>
+                <a:t>System</a:t>
+              </a:r>
+            </a:p>
+          </p:txBody>
+        </p:sp>
+        <p:sp>
+          <p:nvSpPr>
+            <p:cNvPr id="21" name="Right Arrow 20"/>
+            <p:cNvSpPr/>
+            <p:nvPr/>
+          </p:nvSpPr>
+          <p:spPr>
+            <a:xfrm>
+              <a:off x="1167854" y="1050101"/>
+              <a:ext cx="335280" cy="194945"/>
+            </a:xfrm>
+            <a:prstGeom prst="rightArrow">
+              <a:avLst/>
+            </a:prstGeom>
+          </p:spPr>
+          <p:style>
+            <a:lnRef idx="1">
+              <a:schemeClr val="accent1"/>
+            </a:lnRef>
+            <a:fillRef idx="2">
+              <a:schemeClr val="accent1"/>
+            </a:fillRef>
+            <a:effectRef idx="1">
+              <a:schemeClr val="accent1"/>
+            </a:effectRef>
+            <a:fontRef idx="minor">
+              <a:schemeClr val="dk1"/>
+            </a:fontRef>
+          </p:style>
+          <p:txBody>
+            <a:bodyPr rot="0" spcFirstLastPara="0" vert="horz" wrap="square" lIns="91440" tIns="45720" rIns="91440" bIns="45720" numCol="1" spcCol="0" rtlCol="0" fromWordArt="0" anchor="ctr" anchorCtr="0" forceAA="0" compatLnSpc="1">
+              <a:prstTxWarp prst="textNoShape">
+                <a:avLst/>
+              </a:prstTxWarp>
+              <a:noAutofit/>
+            </a:bodyPr>
+            <a:lstStyle/>
+            <a:p>
+              <a:pPr>
+                <a:spcAft>
+                  <a:spcPts val="600"/>
+                </a:spcAft>
+              </a:pPr>
+              <a:r>
+                <a:rPr lang="en-GB" sz="1100" dirty="0">
+                  <a:effectLst/>
+                  <a:latin typeface="Arial" panose="020B0604020202020204" pitchFamily="34" charset="0"/>
+                  <a:ea typeface="Times New Roman" panose="02020603050405020304" pitchFamily="18" charset="0"/>
+                  <a:cs typeface="Times New Roman" panose="02020603050405020304" pitchFamily="18" charset="0"/>
+                </a:rPr>
+                <a:t> </a:t>
+              </a:r>
+              <a:endParaRPr lang="en-GB" sz="1100" dirty="0">
+                <a:effectLst/>
+                <a:latin typeface="Arial" panose="020B0604020202020204" pitchFamily="34" charset="0"/>
+                <a:ea typeface="Calibri" panose="020F0502020204030204" pitchFamily="34" charset="0"/>
+                <a:cs typeface="Times New Roman" panose="02020603050405020304" pitchFamily="18" charset="0"/>
+              </a:endParaRPr>
+            </a:p>
+          </p:txBody>
+        </p:sp>
+        <p:sp>
+          <p:nvSpPr>
+            <p:cNvPr id="22" name="Text Box 3"/>
+            <p:cNvSpPr txBox="1"/>
+            <p:nvPr/>
+          </p:nvSpPr>
+          <p:spPr>
+            <a:xfrm>
+              <a:off x="1472249" y="130470"/>
+              <a:ext cx="542925" cy="249555"/>
+            </a:xfrm>
+            <a:prstGeom prst="rect">
+              <a:avLst/>
+            </a:prstGeom>
+            <a:noFill/>
+            <a:ln w="6350">
+              <a:solidFill>
+                <a:schemeClr val="accent1"/>
+              </a:solidFill>
+            </a:ln>
+            <a:effectLst/>
+          </p:spPr>
+          <p:style>
+            <a:lnRef idx="0">
+              <a:schemeClr val="accent1"/>
+            </a:lnRef>
+            <a:fillRef idx="0">
+              <a:schemeClr val="accent1"/>
+            </a:fillRef>
+            <a:effectRef idx="0">
+              <a:schemeClr val="accent1"/>
+            </a:effectRef>
+            <a:fontRef idx="minor">
+              <a:schemeClr val="dk1"/>
+            </a:fontRef>
+          </p:style>
+          <p:txBody>
+            <a:bodyPr rot="0" spcFirstLastPara="0" vert="horz" wrap="none" lIns="91440" tIns="45720" rIns="91440" bIns="45720" numCol="1" spcCol="0" rtlCol="0" fromWordArt="0" anchor="ctr" anchorCtr="0" forceAA="0" compatLnSpc="1">
+              <a:prstTxWarp prst="textNoShape">
+                <a:avLst/>
+              </a:prstTxWarp>
+              <a:noAutofit/>
+            </a:bodyPr>
+            <a:lstStyle/>
+            <a:p>
+              <a:pPr>
+                <a:spcAft>
+                  <a:spcPts val="0"/>
+                </a:spcAft>
+              </a:pPr>
+              <a:r>
+                <a:rPr lang="en-GB" sz="1100" b="1" dirty="0">
+                  <a:effectLst/>
+                  <a:latin typeface="Arial" panose="020B0604020202020204" pitchFamily="34" charset="0"/>
+                  <a:ea typeface="Calibri" panose="020F0502020204030204" pitchFamily="34" charset="0"/>
+                  <a:cs typeface="Times New Roman" panose="02020603050405020304" pitchFamily="18" charset="0"/>
+                </a:rPr>
+                <a:t>output</a:t>
+              </a:r>
+              <a:endParaRPr lang="en-GB" sz="1600" b="1" dirty="0">
+                <a:effectLst/>
+                <a:latin typeface="Times New Roman" panose="02020603050405020304" pitchFamily="18" charset="0"/>
+                <a:ea typeface="Times New Roman" panose="02020603050405020304" pitchFamily="18" charset="0"/>
+              </a:endParaRPr>
+            </a:p>
+          </p:txBody>
+        </p:sp>
+        <p:sp>
+          <p:nvSpPr>
+            <p:cNvPr id="23" name="Text Box 9"/>
+            <p:cNvSpPr txBox="1"/>
+            <p:nvPr/>
+          </p:nvSpPr>
+          <p:spPr>
+            <a:xfrm>
+              <a:off x="4011055" y="178697"/>
+              <a:ext cx="902335" cy="249555"/>
+            </a:xfrm>
+            <a:prstGeom prst="rect">
+              <a:avLst/>
+            </a:prstGeom>
+            <a:noFill/>
+            <a:ln w="6350">
+              <a:solidFill>
+                <a:schemeClr val="accent1"/>
+              </a:solidFill>
+            </a:ln>
+            <a:effectLst/>
+          </p:spPr>
+          <p:style>
+            <a:lnRef idx="0">
+              <a:schemeClr val="accent1"/>
+            </a:lnRef>
+            <a:fillRef idx="0">
+              <a:schemeClr val="accent1"/>
+            </a:fillRef>
+            <a:effectRef idx="0">
+              <a:schemeClr val="accent1"/>
+            </a:effectRef>
+            <a:fontRef idx="minor">
+              <a:schemeClr val="dk1"/>
+            </a:fontRef>
+          </p:style>
+          <p:txBody>
+            <a:bodyPr rot="0" spcFirstLastPara="0" vert="horz" wrap="none" lIns="91440" tIns="45720" rIns="91440" bIns="45720" numCol="1" spcCol="0" rtlCol="0" fromWordArt="0" anchor="ctr" anchorCtr="0" forceAA="0" compatLnSpc="1">
+              <a:prstTxWarp prst="textNoShape">
+                <a:avLst/>
+              </a:prstTxWarp>
+              <a:noAutofit/>
+            </a:bodyPr>
+            <a:lstStyle/>
+            <a:p>
+              <a:pPr>
+                <a:spcAft>
+                  <a:spcPts val="0"/>
+                </a:spcAft>
+              </a:pPr>
+              <a:r>
+                <a:rPr lang="en-GB" sz="1100" b="1" dirty="0">
+                  <a:effectLst>
+                    <a:outerShdw blurRad="38100" dist="38100" dir="2700000" algn="tl">
+                      <a:srgbClr val="000000">
+                        <a:alpha val="43137"/>
+                      </a:srgbClr>
+                    </a:outerShdw>
+                  </a:effectLst>
+                  <a:latin typeface="Arial" panose="020B0604020202020204" pitchFamily="34" charset="0"/>
+                  <a:ea typeface="Calibri" panose="020F0502020204030204" pitchFamily="34" charset="0"/>
+                  <a:cs typeface="Times New Roman" panose="02020603050405020304" pitchFamily="18" charset="0"/>
+                </a:rPr>
+                <a:t>performance</a:t>
+              </a:r>
+              <a:endParaRPr lang="en-GB" sz="1600" b="1" dirty="0">
+                <a:effectLst>
+                  <a:outerShdw blurRad="38100" dist="38100" dir="2700000" algn="tl">
+                    <a:srgbClr val="000000">
+                      <a:alpha val="43137"/>
+                    </a:srgbClr>
+                  </a:outerShdw>
+                </a:effectLst>
+                <a:latin typeface="Times New Roman" panose="02020603050405020304" pitchFamily="18" charset="0"/>
+                <a:ea typeface="Times New Roman" panose="02020603050405020304" pitchFamily="18" charset="0"/>
+              </a:endParaRPr>
+            </a:p>
+          </p:txBody>
+        </p:sp>
+        <p:sp>
+          <p:nvSpPr>
+            <p:cNvPr id="24" name="Text Box 10"/>
+            <p:cNvSpPr txBox="1"/>
+            <p:nvPr/>
+          </p:nvSpPr>
+          <p:spPr>
+            <a:xfrm>
+              <a:off x="1507250" y="906362"/>
+              <a:ext cx="1178884" cy="566420"/>
+            </a:xfrm>
+            <a:prstGeom prst="rect">
+              <a:avLst/>
+            </a:prstGeom>
+            <a:noFill/>
+            <a:ln w="6350">
+              <a:noFill/>
+            </a:ln>
+            <a:effectLst/>
+          </p:spPr>
+          <p:style>
+            <a:lnRef idx="0">
+              <a:schemeClr val="accent1"/>
+            </a:lnRef>
+            <a:fillRef idx="0">
+              <a:schemeClr val="accent1"/>
+            </a:fillRef>
+            <a:effectRef idx="0">
+              <a:schemeClr val="accent1"/>
+            </a:effectRef>
+            <a:fontRef idx="minor">
+              <a:schemeClr val="dk1"/>
+            </a:fontRef>
+          </p:style>
+          <p:txBody>
+            <a:bodyPr rot="0" spcFirstLastPara="0" vert="horz" wrap="none" lIns="91440" tIns="45720" rIns="91440" bIns="45720" numCol="1" spcCol="0" rtlCol="0" fromWordArt="0" anchor="ctr" anchorCtr="0" forceAA="0" compatLnSpc="1">
+              <a:prstTxWarp prst="textNoShape">
+                <a:avLst/>
+              </a:prstTxWarp>
+              <a:noAutofit/>
+            </a:bodyPr>
+            <a:lstStyle/>
+            <a:p>
+              <a:pPr algn="l">
+                <a:spcAft>
+                  <a:spcPts val="0"/>
+                </a:spcAft>
+              </a:pPr>
+              <a:r>
+                <a:rPr lang="en-GB" sz="1200" b="1" dirty="0">
+                  <a:effectLst/>
+                  <a:latin typeface="Arial" panose="020B0604020202020204" pitchFamily="34" charset="0"/>
+                  <a:ea typeface="Calibri" panose="020F0502020204030204" pitchFamily="34" charset="0"/>
+                  <a:cs typeface="Times New Roman" panose="02020603050405020304" pitchFamily="18" charset="0"/>
+                </a:rPr>
+                <a:t>Air Navigation </a:t>
+              </a:r>
+              <a:r>
+                <a:rPr lang="en-GB" sz="1200" b="1" dirty="0" smtClean="0">
+                  <a:effectLst/>
+                  <a:latin typeface="Arial" panose="020B0604020202020204" pitchFamily="34" charset="0"/>
+                  <a:ea typeface="Calibri" panose="020F0502020204030204" pitchFamily="34" charset="0"/>
+                  <a:cs typeface="Times New Roman" panose="02020603050405020304" pitchFamily="18" charset="0"/>
+                </a:rPr>
+                <a:t/>
+              </a:r>
+              <a:br>
+                <a:rPr lang="en-GB" sz="1200" b="1" dirty="0" smtClean="0">
+                  <a:effectLst/>
+                  <a:latin typeface="Arial" panose="020B0604020202020204" pitchFamily="34" charset="0"/>
+                  <a:ea typeface="Calibri" panose="020F0502020204030204" pitchFamily="34" charset="0"/>
+                  <a:cs typeface="Times New Roman" panose="02020603050405020304" pitchFamily="18" charset="0"/>
+                </a:rPr>
+              </a:br>
+              <a:r>
+                <a:rPr lang="en-GB" sz="1200" b="1" dirty="0" smtClean="0">
+                  <a:effectLst/>
+                  <a:latin typeface="Arial" panose="020B0604020202020204" pitchFamily="34" charset="0"/>
+                  <a:ea typeface="Calibri" panose="020F0502020204030204" pitchFamily="34" charset="0"/>
+                  <a:cs typeface="Times New Roman" panose="02020603050405020304" pitchFamily="18" charset="0"/>
+                </a:rPr>
+                <a:t>Services</a:t>
+              </a:r>
+              <a:r>
+                <a:rPr lang="en-GB" sz="1200" b="1" dirty="0">
+                  <a:effectLst/>
+                  <a:latin typeface="Arial" panose="020B0604020202020204" pitchFamily="34" charset="0"/>
+                  <a:ea typeface="Calibri" panose="020F0502020204030204" pitchFamily="34" charset="0"/>
+                  <a:cs typeface="Times New Roman" panose="02020603050405020304" pitchFamily="18" charset="0"/>
+                </a:rPr>
+                <a:t>,</a:t>
+              </a:r>
+              <a:endParaRPr lang="en-GB" b="1" dirty="0">
+                <a:effectLst/>
+                <a:latin typeface="Times New Roman" panose="02020603050405020304" pitchFamily="18" charset="0"/>
+                <a:ea typeface="Times New Roman" panose="02020603050405020304" pitchFamily="18" charset="0"/>
+              </a:endParaRPr>
+            </a:p>
+            <a:p>
+              <a:pPr algn="l">
+                <a:spcAft>
+                  <a:spcPts val="0"/>
+                </a:spcAft>
+              </a:pPr>
+              <a:r>
+                <a:rPr lang="en-GB" sz="1200" b="1" dirty="0" smtClean="0">
+                  <a:effectLst/>
+                  <a:latin typeface="Arial" panose="020B0604020202020204" pitchFamily="34" charset="0"/>
+                  <a:ea typeface="Calibri" panose="020F0502020204030204" pitchFamily="34" charset="0"/>
+                  <a:cs typeface="Times New Roman" panose="02020603050405020304" pitchFamily="18" charset="0"/>
+                </a:rPr>
+                <a:t>Arrival- and </a:t>
+              </a:r>
+              <a:br>
+                <a:rPr lang="en-GB" sz="1200" b="1" dirty="0" smtClean="0">
+                  <a:effectLst/>
+                  <a:latin typeface="Arial" panose="020B0604020202020204" pitchFamily="34" charset="0"/>
+                  <a:ea typeface="Calibri" panose="020F0502020204030204" pitchFamily="34" charset="0"/>
+                  <a:cs typeface="Times New Roman" panose="02020603050405020304" pitchFamily="18" charset="0"/>
+                </a:rPr>
+              </a:br>
+              <a:r>
+                <a:rPr lang="en-GB" sz="1200" b="1" dirty="0" smtClean="0">
+                  <a:effectLst/>
+                  <a:latin typeface="Arial" panose="020B0604020202020204" pitchFamily="34" charset="0"/>
+                  <a:ea typeface="Calibri" panose="020F0502020204030204" pitchFamily="34" charset="0"/>
+                  <a:cs typeface="Times New Roman" panose="02020603050405020304" pitchFamily="18" charset="0"/>
+                </a:rPr>
+                <a:t>Departure process</a:t>
+              </a:r>
+              <a:r>
+                <a:rPr lang="en-GB" sz="1000" dirty="0" smtClean="0">
+                  <a:effectLst/>
+                  <a:latin typeface="Arial" panose="020B0604020202020204" pitchFamily="34" charset="0"/>
+                  <a:ea typeface="Calibri" panose="020F0502020204030204" pitchFamily="34" charset="0"/>
+                  <a:cs typeface="Times New Roman" panose="02020603050405020304" pitchFamily="18" charset="0"/>
+                </a:rPr>
+                <a:t/>
+              </a:r>
+              <a:br>
+                <a:rPr lang="en-GB" sz="1000" dirty="0" smtClean="0">
+                  <a:effectLst/>
+                  <a:latin typeface="Arial" panose="020B0604020202020204" pitchFamily="34" charset="0"/>
+                  <a:ea typeface="Calibri" panose="020F0502020204030204" pitchFamily="34" charset="0"/>
+                  <a:cs typeface="Times New Roman" panose="02020603050405020304" pitchFamily="18" charset="0"/>
+                </a:rPr>
+              </a:br>
+              <a:r>
+                <a:rPr lang="en-GB" sz="1000" dirty="0" smtClean="0">
+                  <a:effectLst/>
+                  <a:latin typeface="Arial" panose="020B0604020202020204" pitchFamily="34" charset="0"/>
+                  <a:ea typeface="Calibri" panose="020F0502020204030204" pitchFamily="34" charset="0"/>
+                  <a:cs typeface="Times New Roman" panose="02020603050405020304" pitchFamily="18" charset="0"/>
+                </a:rPr>
+                <a:t>…</a:t>
+              </a:r>
+              <a:endParaRPr lang="en-GB" sz="1200" dirty="0">
+                <a:effectLst/>
+                <a:latin typeface="Times New Roman" panose="02020603050405020304" pitchFamily="18" charset="0"/>
+                <a:ea typeface="Times New Roman" panose="02020603050405020304" pitchFamily="18" charset="0"/>
+              </a:endParaRPr>
+            </a:p>
+          </p:txBody>
+        </p:sp>
+        <p:sp>
+          <p:nvSpPr>
+            <p:cNvPr id="25" name="Text Box 4"/>
+            <p:cNvSpPr txBox="1"/>
+            <p:nvPr/>
+          </p:nvSpPr>
+          <p:spPr>
+            <a:xfrm>
+              <a:off x="3869136" y="714888"/>
+              <a:ext cx="1136416" cy="566420"/>
+            </a:xfrm>
+            <a:prstGeom prst="rect">
+              <a:avLst/>
+            </a:prstGeom>
+            <a:noFill/>
+            <a:ln w="6350">
+              <a:noFill/>
+            </a:ln>
+            <a:effectLst/>
+          </p:spPr>
+          <p:style>
+            <a:lnRef idx="0">
+              <a:schemeClr val="accent1"/>
+            </a:lnRef>
+            <a:fillRef idx="0">
+              <a:schemeClr val="accent1"/>
+            </a:fillRef>
+            <a:effectRef idx="0">
+              <a:schemeClr val="accent1"/>
+            </a:effectRef>
+            <a:fontRef idx="minor">
+              <a:schemeClr val="dk1"/>
+            </a:fontRef>
+          </p:style>
+          <p:txBody>
+            <a:bodyPr rot="0" spcFirstLastPara="0" vert="horz" wrap="square" lIns="91440" tIns="45720" rIns="91440" bIns="45720" numCol="1" spcCol="0" rtlCol="0" fromWordArt="0" anchor="ctr" anchorCtr="0" forceAA="0" compatLnSpc="1">
+              <a:prstTxWarp prst="textNoShape">
+                <a:avLst/>
+              </a:prstTxWarp>
+              <a:noAutofit/>
+            </a:bodyPr>
+            <a:lstStyle/>
+            <a:p>
+              <a:pPr>
+                <a:spcAft>
+                  <a:spcPts val="0"/>
+                </a:spcAft>
+              </a:pPr>
+              <a:r>
+                <a:rPr lang="en-GB" sz="1200" b="1" dirty="0">
+                  <a:effectLst/>
+                  <a:latin typeface="Arial" panose="020B0604020202020204" pitchFamily="34" charset="0"/>
+                  <a:ea typeface="Calibri" panose="020F0502020204030204" pitchFamily="34" charset="0"/>
+                  <a:cs typeface="Times New Roman" panose="02020603050405020304" pitchFamily="18" charset="0"/>
+                </a:rPr>
+                <a:t>Safety,</a:t>
+              </a:r>
+              <a:endParaRPr lang="en-GB" b="1" dirty="0">
+                <a:effectLst/>
+                <a:latin typeface="Times New Roman" panose="02020603050405020304" pitchFamily="18" charset="0"/>
+                <a:ea typeface="Times New Roman" panose="02020603050405020304" pitchFamily="18" charset="0"/>
+              </a:endParaRPr>
+            </a:p>
+            <a:p>
+              <a:pPr>
+                <a:spcAft>
+                  <a:spcPts val="0"/>
+                </a:spcAft>
+              </a:pPr>
+              <a:r>
+                <a:rPr lang="en-GB" sz="1200" b="1" dirty="0">
+                  <a:effectLst/>
+                  <a:latin typeface="Arial" panose="020B0604020202020204" pitchFamily="34" charset="0"/>
+                  <a:ea typeface="Calibri" panose="020F0502020204030204" pitchFamily="34" charset="0"/>
+                  <a:cs typeface="Times New Roman" panose="02020603050405020304" pitchFamily="18" charset="0"/>
+                </a:rPr>
+                <a:t>Efficiency</a:t>
+              </a:r>
+              <a:endParaRPr lang="en-GB" b="1" dirty="0">
+                <a:effectLst/>
+                <a:latin typeface="Times New Roman" panose="02020603050405020304" pitchFamily="18" charset="0"/>
+                <a:ea typeface="Times New Roman" panose="02020603050405020304" pitchFamily="18" charset="0"/>
+              </a:endParaRPr>
+            </a:p>
+          </p:txBody>
+        </p:sp>
+        <p:pic>
+          <p:nvPicPr>
+            <p:cNvPr id="27" name="Picture 26"/>
+            <p:cNvPicPr>
+              <a:picLocks noChangeAspect="1"/>
+            </p:cNvPicPr>
+            <p:nvPr/>
+          </p:nvPicPr>
+          <p:blipFill>
+            <a:blip r:embed="rId4"/>
+            <a:stretch>
+              <a:fillRect/>
+            </a:stretch>
+          </p:blipFill>
+          <p:spPr>
+            <a:xfrm>
+              <a:off x="2536497" y="438098"/>
+              <a:ext cx="1067753" cy="612004"/>
+            </a:xfrm>
+            <a:prstGeom prst="rect">
+              <a:avLst/>
+            </a:prstGeom>
+          </p:spPr>
+        </p:pic>
+        <p:sp>
+          <p:nvSpPr>
+            <p:cNvPr id="26" name="Right Arrow 25"/>
+            <p:cNvSpPr/>
+            <p:nvPr/>
+          </p:nvSpPr>
+          <p:spPr>
+            <a:xfrm>
+              <a:off x="3485562" y="897331"/>
+              <a:ext cx="335280" cy="194945"/>
+            </a:xfrm>
+            <a:prstGeom prst="rightArrow">
+              <a:avLst/>
+            </a:prstGeom>
+          </p:spPr>
+          <p:style>
+            <a:lnRef idx="1">
+              <a:schemeClr val="accent1"/>
+            </a:lnRef>
+            <a:fillRef idx="2">
+              <a:schemeClr val="accent1"/>
+            </a:fillRef>
+            <a:effectRef idx="1">
+              <a:schemeClr val="accent1"/>
+            </a:effectRef>
+            <a:fontRef idx="minor">
+              <a:schemeClr val="dk1"/>
+            </a:fontRef>
+          </p:style>
+          <p:txBody>
+            <a:bodyPr rot="0" spcFirstLastPara="0" vert="horz" wrap="square" lIns="91440" tIns="45720" rIns="91440" bIns="45720" numCol="1" spcCol="0" rtlCol="0" fromWordArt="0" anchor="ctr" anchorCtr="0" forceAA="0" compatLnSpc="1">
+              <a:prstTxWarp prst="textNoShape">
+                <a:avLst/>
+              </a:prstTxWarp>
+              <a:noAutofit/>
+            </a:bodyPr>
+            <a:lstStyle/>
+            <a:p>
+              <a:pPr>
+                <a:spcAft>
+                  <a:spcPts val="600"/>
+                </a:spcAft>
+              </a:pPr>
+              <a:r>
+                <a:rPr lang="en-GB" sz="1100">
+                  <a:effectLst/>
+                  <a:latin typeface="Arial" panose="020B0604020202020204" pitchFamily="34" charset="0"/>
+                  <a:ea typeface="Times New Roman" panose="02020603050405020304" pitchFamily="18" charset="0"/>
+                  <a:cs typeface="Times New Roman" panose="02020603050405020304" pitchFamily="18" charset="0"/>
+                </a:rPr>
+                <a:t> </a:t>
+              </a:r>
+              <a:endParaRPr lang="en-GB" sz="1100">
+                <a:effectLst/>
+                <a:latin typeface="Arial" panose="020B0604020202020204" pitchFamily="34" charset="0"/>
+                <a:ea typeface="Calibri" panose="020F0502020204030204" pitchFamily="34" charset="0"/>
+                <a:cs typeface="Times New Roman" panose="02020603050405020304" pitchFamily="18" charset="0"/>
+              </a:endParaRPr>
+            </a:p>
+          </p:txBody>
+        </p:sp>
+      </p:grpSp>
+      <p:pic>
+        <p:nvPicPr>
+          <p:cNvPr id="28" name="Google Shape;153;p3" descr="Map&#10;&#10;Description automatically generated"/>
+          <p:cNvPicPr preferRelativeResize="0">
+            <a:picLocks/>
+          </p:cNvPicPr>
+          <p:nvPr/>
+        </p:nvPicPr>
+        <p:blipFill rotWithShape="1">
+          <a:blip r:embed="rId5">
+            <a:alphaModFix/>
+          </a:blip>
+          <a:srcRect b="9972"/>
+          <a:stretch/>
+        </p:blipFill>
+        <p:spPr>
+          <a:xfrm>
+            <a:off x="4376970" y="5028144"/>
+            <a:ext cx="855007" cy="1062413"/>
+          </a:xfrm>
+          <a:prstGeom prst="rect">
+            <a:avLst/>
+          </a:prstGeom>
+          <a:noFill/>
+          <a:ln>
+            <a:noFill/>
+          </a:ln>
+        </p:spPr>
+      </p:pic>
+      <p:pic>
+        <p:nvPicPr>
+          <p:cNvPr id="29" name="Google Shape;174;p5" descr="Diagram&#10;&#10;Description automatically generated"/>
+          <p:cNvPicPr preferRelativeResize="0">
+            <a:picLocks/>
+          </p:cNvPicPr>
+          <p:nvPr/>
+        </p:nvPicPr>
+        <p:blipFill rotWithShape="1">
+          <a:blip r:embed="rId6">
+            <a:alphaModFix/>
+          </a:blip>
+          <a:srcRect l="10226" r="7133" b="39928"/>
+          <a:stretch/>
+        </p:blipFill>
+        <p:spPr>
+          <a:xfrm>
+            <a:off x="3854521" y="4817322"/>
+            <a:ext cx="848108" cy="930335"/>
+          </a:xfrm>
+          <a:prstGeom prst="rect">
+            <a:avLst/>
+          </a:prstGeom>
+          <a:noFill/>
+          <a:ln>
+            <a:noFill/>
+          </a:ln>
+        </p:spPr>
+      </p:pic>
+    </p:spTree>
+    <p:extLst>
+      <p:ext uri="{BB962C8B-B14F-4D97-AF65-F5344CB8AC3E}">
+        <p14:creationId xmlns:p14="http://schemas.microsoft.com/office/powerpoint/2010/main" val="1090405057"/>
+      </p:ext>
+    </p:extLst>
+  </p:cSld>
+  <p:clrMapOvr>
+    <a:masterClrMapping/>
+  </p:clrMapOvr>
+</p:sld>
+</file>
+
+<file path=ppt/slides/slide3.xml><?xml version="1.0" encoding="utf-8"?>
+<p:sld xmlns:a="http://schemas.openxmlformats.org/drawingml/2006/main" xmlns:r="http://schemas.openxmlformats.org/officeDocument/2006/relationships" xmlns:p="http://schemas.openxmlformats.org/presentationml/2006/main">
+  <p:cSld>
+    <p:spTree>
+      <p:nvGrpSpPr>
+        <p:cNvPr id="1" name=""/>
+        <p:cNvGrpSpPr/>
+        <p:nvPr/>
+      </p:nvGrpSpPr>
+      <p:grpSpPr>
+        <a:xfrm>
+          <a:off x="0" y="0"/>
+          <a:ext cx="0" cy="0"/>
+          <a:chOff x="0" y="0"/>
+          <a:chExt cx="0" cy="0"/>
+        </a:xfrm>
+      </p:grpSpPr>
+      <p:cxnSp>
+        <p:nvCxnSpPr>
+          <p:cNvPr id="2" name="Straight Arrow Connector 1"/>
+          <p:cNvCxnSpPr/>
+          <p:nvPr/>
+        </p:nvCxnSpPr>
+        <p:spPr bwMode="auto">
+          <a:xfrm flipV="1">
+            <a:off x="1005933" y="1194597"/>
+            <a:ext cx="9481393" cy="27448"/>
+          </a:xfrm>
+          <a:prstGeom prst="straightConnector1">
+            <a:avLst/>
+          </a:prstGeom>
+          <a:solidFill>
+            <a:schemeClr val="accent1"/>
+          </a:solidFill>
+          <a:ln w="9525" cap="flat" cmpd="sng" algn="ctr">
+            <a:solidFill>
+              <a:schemeClr val="tx1"/>
+            </a:solidFill>
+            <a:prstDash val="solid"/>
+            <a:round/>
+            <a:headEnd type="none" w="med" len="med"/>
+            <a:tailEnd type="triangle"/>
+          </a:ln>
+          <a:effectLst/>
+          <a:extLst>
+            <a:ext uri="{AF507438-7753-43E0-B8FC-AC1667EBCBE1}">
+              <a14:hiddenEffects xmlns:a14="http://schemas.microsoft.com/office/drawing/2010/main">
+                <a:effectLst>
+                  <a:outerShdw dist="35921" dir="2700000" algn="ctr" rotWithShape="0">
+                    <a:schemeClr val="bg2"/>
+                  </a:outerShdw>
+                </a:effectLst>
+              </a14:hiddenEffects>
+            </a:ext>
+          </a:extLst>
+        </p:spPr>
+      </p:cxnSp>
+      <p:pic>
+        <p:nvPicPr>
+          <p:cNvPr id="3" name="Picture 2"/>
+          <p:cNvPicPr>
+            <a:picLocks noChangeAspect="1"/>
+          </p:cNvPicPr>
+          <p:nvPr/>
+        </p:nvPicPr>
+        <p:blipFill>
+          <a:blip r:embed="rId2" cstate="print">
+            <a:extLst>
+              <a:ext uri="{28A0092B-C50C-407E-A947-70E740481C1C}">
+                <a14:useLocalDpi xmlns:a14="http://schemas.microsoft.com/office/drawing/2010/main" val="0"/>
+              </a:ext>
+            </a:extLst>
+          </a:blip>
+          <a:stretch>
+            <a:fillRect/>
+          </a:stretch>
+        </p:blipFill>
+        <p:spPr>
+          <a:xfrm>
+            <a:off x="4513944" y="1769982"/>
+            <a:ext cx="1356299" cy="754235"/>
+          </a:xfrm>
+          <a:prstGeom prst="rect">
+            <a:avLst/>
+          </a:prstGeom>
+        </p:spPr>
+      </p:pic>
+      <p:pic>
+        <p:nvPicPr>
+          <p:cNvPr id="4" name="Google Shape;174;p5" descr="Diagram&#10;&#10;Description automatically generated"/>
+          <p:cNvPicPr preferRelativeResize="0">
+            <a:picLocks/>
+          </p:cNvPicPr>
+          <p:nvPr/>
+        </p:nvPicPr>
+        <p:blipFill rotWithShape="1">
+          <a:blip r:embed="rId3">
+            <a:alphaModFix/>
+          </a:blip>
+          <a:srcRect l="10226" r="7133" b="39928"/>
+          <a:stretch/>
+        </p:blipFill>
+        <p:spPr>
+          <a:xfrm>
+            <a:off x="4337980" y="4661306"/>
+            <a:ext cx="1158314" cy="1287132"/>
+          </a:xfrm>
+          <a:prstGeom prst="rect">
+            <a:avLst/>
+          </a:prstGeom>
+          <a:noFill/>
+          <a:ln>
+            <a:noFill/>
+          </a:ln>
+        </p:spPr>
+      </p:pic>
+      <p:sp>
+        <p:nvSpPr>
+          <p:cNvPr id="5" name="TextBox 4"/>
+          <p:cNvSpPr txBox="1"/>
+          <p:nvPr/>
+        </p:nvSpPr>
+        <p:spPr>
+          <a:xfrm>
+            <a:off x="1520838" y="1001780"/>
+            <a:ext cx="1092182" cy="461665"/>
+          </a:xfrm>
+          <a:prstGeom prst="rect">
+            <a:avLst/>
+          </a:prstGeom>
+          <a:solidFill>
+            <a:schemeClr val="bg1"/>
+          </a:solidFill>
+        </p:spPr>
+        <p:txBody>
+          <a:bodyPr wrap="square" rtlCol="0">
+            <a:spAutoFit/>
+          </a:bodyPr>
+          <a:lstStyle/>
+          <a:p>
+            <a:pPr algn="ctr"/>
+            <a:r>
+              <a:rPr lang="en-GB" dirty="0" smtClean="0"/>
+              <a:t>AMAN</a:t>
+            </a:r>
+            <a:endParaRPr lang="en-GB" dirty="0"/>
+          </a:p>
+        </p:txBody>
+      </p:sp>
+      <p:grpSp>
+        <p:nvGrpSpPr>
+          <p:cNvPr id="6" name="Group 5"/>
+          <p:cNvGrpSpPr/>
+          <p:nvPr/>
+        </p:nvGrpSpPr>
+        <p:grpSpPr>
+          <a:xfrm>
+            <a:off x="1516384" y="1602285"/>
+            <a:ext cx="8521063" cy="3747934"/>
+            <a:chOff x="1175752" y="872704"/>
+            <a:chExt cx="8521063" cy="4197735"/>
+          </a:xfrm>
+        </p:grpSpPr>
+        <p:pic>
+          <p:nvPicPr>
+            <p:cNvPr id="7" name="Picture 6"/>
+            <p:cNvPicPr>
+              <a:picLocks noChangeAspect="1"/>
+            </p:cNvPicPr>
+            <p:nvPr/>
+          </p:nvPicPr>
+          <p:blipFill>
+            <a:blip r:embed="rId4">
+              <a:extLst>
+                <a:ext uri="{28A0092B-C50C-407E-A947-70E740481C1C}">
+                  <a14:useLocalDpi xmlns:a14="http://schemas.microsoft.com/office/drawing/2010/main" val="0"/>
+                </a:ext>
+              </a:extLst>
+            </a:blip>
+            <a:stretch>
+              <a:fillRect/>
+            </a:stretch>
+          </p:blipFill>
+          <p:spPr>
+            <a:xfrm>
+              <a:off x="1175752" y="3616494"/>
+              <a:ext cx="1398734" cy="1398734"/>
+            </a:xfrm>
+            <a:prstGeom prst="rect">
+              <a:avLst/>
+            </a:prstGeom>
+          </p:spPr>
+        </p:pic>
+        <p:sp>
+          <p:nvSpPr>
+            <p:cNvPr id="8" name="Freeform 7"/>
+            <p:cNvSpPr/>
+            <p:nvPr/>
+          </p:nvSpPr>
+          <p:spPr bwMode="auto">
+            <a:xfrm>
+              <a:off x="2490280" y="1235412"/>
+              <a:ext cx="6750996" cy="3716457"/>
+            </a:xfrm>
+            <a:custGeom>
+              <a:avLst/>
+              <a:gdLst>
+                <a:gd name="connsiteX0" fmla="*/ 0 w 6750996"/>
+                <a:gd name="connsiteY0" fmla="*/ 3589508 h 3914945"/>
+                <a:gd name="connsiteX1" fmla="*/ 1867711 w 6750996"/>
+                <a:gd name="connsiteY1" fmla="*/ 3900793 h 3914945"/>
+                <a:gd name="connsiteX2" fmla="*/ 3696511 w 6750996"/>
+                <a:gd name="connsiteY2" fmla="*/ 3180946 h 3914945"/>
+                <a:gd name="connsiteX3" fmla="*/ 3677056 w 6750996"/>
+                <a:gd name="connsiteY3" fmla="*/ 2003899 h 3914945"/>
+                <a:gd name="connsiteX4" fmla="*/ 1974715 w 6750996"/>
+                <a:gd name="connsiteY4" fmla="*/ 1420240 h 3914945"/>
+                <a:gd name="connsiteX5" fmla="*/ 2042809 w 6750996"/>
+                <a:gd name="connsiteY5" fmla="*/ 710121 h 3914945"/>
+                <a:gd name="connsiteX6" fmla="*/ 4377447 w 6750996"/>
+                <a:gd name="connsiteY6" fmla="*/ 116733 h 3914945"/>
+                <a:gd name="connsiteX7" fmla="*/ 6750996 w 6750996"/>
+                <a:gd name="connsiteY7" fmla="*/ 1 h 3914945"/>
+                <a:gd name="connsiteX8" fmla="*/ 6750996 w 6750996"/>
+                <a:gd name="connsiteY8" fmla="*/ 1 h 3914945"/>
+                <a:gd name="connsiteX0" fmla="*/ 0 w 6750996"/>
+                <a:gd name="connsiteY0" fmla="*/ 3589508 h 3929904"/>
+                <a:gd name="connsiteX1" fmla="*/ 1867711 w 6750996"/>
+                <a:gd name="connsiteY1" fmla="*/ 3900793 h 3929904"/>
+                <a:gd name="connsiteX2" fmla="*/ 3151762 w 6750996"/>
+                <a:gd name="connsiteY2" fmla="*/ 2918300 h 3929904"/>
+                <a:gd name="connsiteX3" fmla="*/ 3677056 w 6750996"/>
+                <a:gd name="connsiteY3" fmla="*/ 2003899 h 3929904"/>
+                <a:gd name="connsiteX4" fmla="*/ 1974715 w 6750996"/>
+                <a:gd name="connsiteY4" fmla="*/ 1420240 h 3929904"/>
+                <a:gd name="connsiteX5" fmla="*/ 2042809 w 6750996"/>
+                <a:gd name="connsiteY5" fmla="*/ 710121 h 3929904"/>
+                <a:gd name="connsiteX6" fmla="*/ 4377447 w 6750996"/>
+                <a:gd name="connsiteY6" fmla="*/ 116733 h 3929904"/>
+                <a:gd name="connsiteX7" fmla="*/ 6750996 w 6750996"/>
+                <a:gd name="connsiteY7" fmla="*/ 1 h 3929904"/>
+                <a:gd name="connsiteX8" fmla="*/ 6750996 w 6750996"/>
+                <a:gd name="connsiteY8" fmla="*/ 1 h 3929904"/>
+                <a:gd name="connsiteX0" fmla="*/ 0 w 6750996"/>
+                <a:gd name="connsiteY0" fmla="*/ 3589508 h 3929904"/>
+                <a:gd name="connsiteX1" fmla="*/ 1867711 w 6750996"/>
+                <a:gd name="connsiteY1" fmla="*/ 3900793 h 3929904"/>
+                <a:gd name="connsiteX2" fmla="*/ 3151762 w 6750996"/>
+                <a:gd name="connsiteY2" fmla="*/ 2918300 h 3929904"/>
+                <a:gd name="connsiteX3" fmla="*/ 2101175 w 6750996"/>
+                <a:gd name="connsiteY3" fmla="*/ 2110903 h 3929904"/>
+                <a:gd name="connsiteX4" fmla="*/ 1974715 w 6750996"/>
+                <a:gd name="connsiteY4" fmla="*/ 1420240 h 3929904"/>
+                <a:gd name="connsiteX5" fmla="*/ 2042809 w 6750996"/>
+                <a:gd name="connsiteY5" fmla="*/ 710121 h 3929904"/>
+                <a:gd name="connsiteX6" fmla="*/ 4377447 w 6750996"/>
+                <a:gd name="connsiteY6" fmla="*/ 116733 h 3929904"/>
+                <a:gd name="connsiteX7" fmla="*/ 6750996 w 6750996"/>
+                <a:gd name="connsiteY7" fmla="*/ 1 h 3929904"/>
+                <a:gd name="connsiteX8" fmla="*/ 6750996 w 6750996"/>
+                <a:gd name="connsiteY8" fmla="*/ 1 h 3929904"/>
+                <a:gd name="connsiteX0" fmla="*/ 0 w 6750996"/>
+                <a:gd name="connsiteY0" fmla="*/ 3589508 h 3929904"/>
+                <a:gd name="connsiteX1" fmla="*/ 1867711 w 6750996"/>
+                <a:gd name="connsiteY1" fmla="*/ 3900793 h 3929904"/>
+                <a:gd name="connsiteX2" fmla="*/ 3151762 w 6750996"/>
+                <a:gd name="connsiteY2" fmla="*/ 2918300 h 3929904"/>
+                <a:gd name="connsiteX3" fmla="*/ 2101175 w 6750996"/>
+                <a:gd name="connsiteY3" fmla="*/ 2110903 h 3929904"/>
+                <a:gd name="connsiteX4" fmla="*/ 2626468 w 6750996"/>
+                <a:gd name="connsiteY4" fmla="*/ 1254870 h 3929904"/>
+                <a:gd name="connsiteX5" fmla="*/ 2042809 w 6750996"/>
+                <a:gd name="connsiteY5" fmla="*/ 710121 h 3929904"/>
+                <a:gd name="connsiteX6" fmla="*/ 4377447 w 6750996"/>
+                <a:gd name="connsiteY6" fmla="*/ 116733 h 3929904"/>
+                <a:gd name="connsiteX7" fmla="*/ 6750996 w 6750996"/>
+                <a:gd name="connsiteY7" fmla="*/ 1 h 3929904"/>
+                <a:gd name="connsiteX8" fmla="*/ 6750996 w 6750996"/>
+                <a:gd name="connsiteY8" fmla="*/ 1 h 3929904"/>
+                <a:gd name="connsiteX0" fmla="*/ 0 w 6750996"/>
+                <a:gd name="connsiteY0" fmla="*/ 3589508 h 3929904"/>
+                <a:gd name="connsiteX1" fmla="*/ 1867711 w 6750996"/>
+                <a:gd name="connsiteY1" fmla="*/ 3900793 h 3929904"/>
+                <a:gd name="connsiteX2" fmla="*/ 3151762 w 6750996"/>
+                <a:gd name="connsiteY2" fmla="*/ 2918300 h 3929904"/>
+                <a:gd name="connsiteX3" fmla="*/ 2655651 w 6750996"/>
+                <a:gd name="connsiteY3" fmla="*/ 2071992 h 3929904"/>
+                <a:gd name="connsiteX4" fmla="*/ 2626468 w 6750996"/>
+                <a:gd name="connsiteY4" fmla="*/ 1254870 h 3929904"/>
+                <a:gd name="connsiteX5" fmla="*/ 2042809 w 6750996"/>
+                <a:gd name="connsiteY5" fmla="*/ 710121 h 3929904"/>
+                <a:gd name="connsiteX6" fmla="*/ 4377447 w 6750996"/>
+                <a:gd name="connsiteY6" fmla="*/ 116733 h 3929904"/>
+                <a:gd name="connsiteX7" fmla="*/ 6750996 w 6750996"/>
+                <a:gd name="connsiteY7" fmla="*/ 1 h 3929904"/>
+                <a:gd name="connsiteX8" fmla="*/ 6750996 w 6750996"/>
+                <a:gd name="connsiteY8" fmla="*/ 1 h 3929904"/>
+                <a:gd name="connsiteX0" fmla="*/ 0 w 6750996"/>
+                <a:gd name="connsiteY0" fmla="*/ 3589508 h 3929904"/>
+                <a:gd name="connsiteX1" fmla="*/ 1867711 w 6750996"/>
+                <a:gd name="connsiteY1" fmla="*/ 3900793 h 3929904"/>
+                <a:gd name="connsiteX2" fmla="*/ 3151762 w 6750996"/>
+                <a:gd name="connsiteY2" fmla="*/ 2918300 h 3929904"/>
+                <a:gd name="connsiteX3" fmla="*/ 2626468 w 6750996"/>
+                <a:gd name="connsiteY3" fmla="*/ 1254870 h 3929904"/>
+                <a:gd name="connsiteX4" fmla="*/ 2042809 w 6750996"/>
+                <a:gd name="connsiteY4" fmla="*/ 710121 h 3929904"/>
+                <a:gd name="connsiteX5" fmla="*/ 4377447 w 6750996"/>
+                <a:gd name="connsiteY5" fmla="*/ 116733 h 3929904"/>
+                <a:gd name="connsiteX6" fmla="*/ 6750996 w 6750996"/>
+                <a:gd name="connsiteY6" fmla="*/ 1 h 3929904"/>
+                <a:gd name="connsiteX7" fmla="*/ 6750996 w 6750996"/>
+                <a:gd name="connsiteY7" fmla="*/ 1 h 3929904"/>
+                <a:gd name="connsiteX0" fmla="*/ 0 w 6750996"/>
+                <a:gd name="connsiteY0" fmla="*/ 3589508 h 3929904"/>
+                <a:gd name="connsiteX1" fmla="*/ 1867711 w 6750996"/>
+                <a:gd name="connsiteY1" fmla="*/ 3900793 h 3929904"/>
+                <a:gd name="connsiteX2" fmla="*/ 3151762 w 6750996"/>
+                <a:gd name="connsiteY2" fmla="*/ 2918300 h 3929904"/>
+                <a:gd name="connsiteX3" fmla="*/ 2626468 w 6750996"/>
+                <a:gd name="connsiteY3" fmla="*/ 1254870 h 3929904"/>
+                <a:gd name="connsiteX4" fmla="*/ 4377447 w 6750996"/>
+                <a:gd name="connsiteY4" fmla="*/ 116733 h 3929904"/>
+                <a:gd name="connsiteX5" fmla="*/ 6750996 w 6750996"/>
+                <a:gd name="connsiteY5" fmla="*/ 1 h 3929904"/>
+                <a:gd name="connsiteX6" fmla="*/ 6750996 w 6750996"/>
+                <a:gd name="connsiteY6" fmla="*/ 1 h 3929904"/>
+                <a:gd name="connsiteX0" fmla="*/ 0 w 6750996"/>
+                <a:gd name="connsiteY0" fmla="*/ 3589508 h 3704416"/>
+                <a:gd name="connsiteX1" fmla="*/ 2023354 w 6750996"/>
+                <a:gd name="connsiteY1" fmla="*/ 3589508 h 3704416"/>
+                <a:gd name="connsiteX2" fmla="*/ 3151762 w 6750996"/>
+                <a:gd name="connsiteY2" fmla="*/ 2918300 h 3704416"/>
+                <a:gd name="connsiteX3" fmla="*/ 2626468 w 6750996"/>
+                <a:gd name="connsiteY3" fmla="*/ 1254870 h 3704416"/>
+                <a:gd name="connsiteX4" fmla="*/ 4377447 w 6750996"/>
+                <a:gd name="connsiteY4" fmla="*/ 116733 h 3704416"/>
+                <a:gd name="connsiteX5" fmla="*/ 6750996 w 6750996"/>
+                <a:gd name="connsiteY5" fmla="*/ 1 h 3704416"/>
+                <a:gd name="connsiteX6" fmla="*/ 6750996 w 6750996"/>
+                <a:gd name="connsiteY6" fmla="*/ 1 h 3704416"/>
+                <a:gd name="connsiteX0" fmla="*/ 0 w 6750996"/>
+                <a:gd name="connsiteY0" fmla="*/ 3589508 h 3716457"/>
+                <a:gd name="connsiteX1" fmla="*/ 2023354 w 6750996"/>
+                <a:gd name="connsiteY1" fmla="*/ 3589508 h 3716457"/>
+                <a:gd name="connsiteX2" fmla="*/ 2859932 w 6750996"/>
+                <a:gd name="connsiteY2" fmla="*/ 2704291 h 3716457"/>
+                <a:gd name="connsiteX3" fmla="*/ 2626468 w 6750996"/>
+                <a:gd name="connsiteY3" fmla="*/ 1254870 h 3716457"/>
+                <a:gd name="connsiteX4" fmla="*/ 4377447 w 6750996"/>
+                <a:gd name="connsiteY4" fmla="*/ 116733 h 3716457"/>
+                <a:gd name="connsiteX5" fmla="*/ 6750996 w 6750996"/>
+                <a:gd name="connsiteY5" fmla="*/ 1 h 3716457"/>
+                <a:gd name="connsiteX6" fmla="*/ 6750996 w 6750996"/>
+                <a:gd name="connsiteY6" fmla="*/ 1 h 3716457"/>
+              </a:gdLst>
+              <a:ahLst/>
+              <a:cxnLst>
+                <a:cxn ang="0">
+                  <a:pos x="connsiteX0" y="connsiteY0"/>
+                </a:cxn>
+                <a:cxn ang="0">
+                  <a:pos x="connsiteX1" y="connsiteY1"/>
+                </a:cxn>
+                <a:cxn ang="0">
+                  <a:pos x="connsiteX2" y="connsiteY2"/>
+                </a:cxn>
+                <a:cxn ang="0">
+                  <a:pos x="connsiteX3" y="connsiteY3"/>
+                </a:cxn>
+                <a:cxn ang="0">
+                  <a:pos x="connsiteX4" y="connsiteY4"/>
+                </a:cxn>
+                <a:cxn ang="0">
+                  <a:pos x="connsiteX5" y="connsiteY5"/>
+                </a:cxn>
+                <a:cxn ang="0">
+                  <a:pos x="connsiteX6" y="connsiteY6"/>
+                </a:cxn>
+              </a:cxnLst>
+              <a:rect l="l" t="t" r="r" b="b"/>
+              <a:pathLst>
+                <a:path w="6750996" h="3716457">
+                  <a:moveTo>
+                    <a:pt x="0" y="3589508"/>
+                  </a:moveTo>
+                  <a:cubicBezTo>
+                    <a:pt x="625813" y="3779197"/>
+                    <a:pt x="1546699" y="3737044"/>
+                    <a:pt x="2023354" y="3589508"/>
+                  </a:cubicBezTo>
+                  <a:cubicBezTo>
+                    <a:pt x="2500009" y="3441972"/>
+                    <a:pt x="2759413" y="3093397"/>
+                    <a:pt x="2859932" y="2704291"/>
+                  </a:cubicBezTo>
+                  <a:cubicBezTo>
+                    <a:pt x="2960451" y="2315185"/>
+                    <a:pt x="2373549" y="1686130"/>
+                    <a:pt x="2626468" y="1254870"/>
+                  </a:cubicBezTo>
+                  <a:cubicBezTo>
+                    <a:pt x="2879387" y="823610"/>
+                    <a:pt x="3690026" y="325878"/>
+                    <a:pt x="4377447" y="116733"/>
+                  </a:cubicBezTo>
+                  <a:cubicBezTo>
+                    <a:pt x="5162145" y="-1620"/>
+                    <a:pt x="6750996" y="1"/>
+                    <a:pt x="6750996" y="1"/>
+                  </a:cubicBezTo>
+                  <a:lnTo>
+                    <a:pt x="6750996" y="1"/>
+                  </a:lnTo>
+                </a:path>
+              </a:pathLst>
+            </a:custGeom>
+            <a:noFill/>
+            <a:ln w="9525" cap="flat" cmpd="sng" algn="ctr">
+              <a:solidFill>
+                <a:schemeClr val="tx1"/>
+              </a:solidFill>
+              <a:prstDash val="solid"/>
+              <a:round/>
+              <a:headEnd type="none" w="med" len="med"/>
+              <a:tailEnd type="none" w="med" len="med"/>
+            </a:ln>
+            <a:effectLst/>
+            <a:extLst>
+              <a:ext uri="{AF507438-7753-43E0-B8FC-AC1667EBCBE1}">
+                <a14:hiddenEffects xmlns:a14="http://schemas.microsoft.com/office/drawing/2010/main">
+                  <a:effectLst>
+                    <a:outerShdw dist="35921" dir="2700000" algn="ctr" rotWithShape="0">
+                      <a:schemeClr val="bg2"/>
+                    </a:outerShdw>
+                  </a:effectLst>
+                </a14:hiddenEffects>
+              </a:ext>
+            </a:extLst>
+          </p:spPr>
+          <p:txBody>
+            <a:bodyPr vert="horz" wrap="square" lIns="91440" tIns="45720" rIns="91440" bIns="45720" numCol="1" rtlCol="0" anchor="t" anchorCtr="0" compatLnSpc="1">
+              <a:prstTxWarp prst="textNoShape">
+                <a:avLst/>
+              </a:prstTxWarp>
+            </a:bodyPr>
+            <a:lstStyle/>
+            <a:p>
+              <a:pPr marL="0" marR="0" indent="0" algn="r" defTabSz="914400" rtl="0" eaLnBrk="0" fontAlgn="base" latinLnBrk="0" hangingPunct="0">
+                <a:lnSpc>
+                  <a:spcPct val="100000"/>
+                </a:lnSpc>
+                <a:spcBef>
+                  <a:spcPct val="0"/>
+                </a:spcBef>
+                <a:spcAft>
+                  <a:spcPct val="0"/>
+                </a:spcAft>
+                <a:buClrTx/>
+                <a:buSzTx/>
+                <a:buFontTx/>
+                <a:buNone/>
+                <a:tabLst/>
+              </a:pPr>
+              <a:endParaRPr kumimoji="0" lang="en-GB" sz="2400" b="0" i="0" u="none" strike="noStrike" cap="none" normalizeH="0" baseline="0" smtClean="0">
+                <a:ln>
+                  <a:noFill/>
+                </a:ln>
+                <a:solidFill>
+                  <a:schemeClr val="tx1"/>
+                </a:solidFill>
+                <a:effectLst>
+                  <a:outerShdw blurRad="38100" dist="38100" dir="2700000" algn="tl">
+                    <a:srgbClr val="000000">
+                      <a:alpha val="43137"/>
+                    </a:srgbClr>
+                  </a:outerShdw>
+                </a:effectLst>
+                <a:latin typeface="Arial" charset="0"/>
+                <a:ea typeface="ＭＳ Ｐゴシック" pitchFamily="-7" charset="-128"/>
+              </a:endParaRPr>
+            </a:p>
+          </p:txBody>
+        </p:sp>
+        <p:sp>
+          <p:nvSpPr>
+            <p:cNvPr id="9" name="Oval 8"/>
+            <p:cNvSpPr/>
+            <p:nvPr/>
+          </p:nvSpPr>
+          <p:spPr bwMode="auto">
+            <a:xfrm>
+              <a:off x="8012348" y="1157589"/>
+              <a:ext cx="180000" cy="180000"/>
+            </a:xfrm>
+            <a:prstGeom prst="ellipse">
+              <a:avLst/>
+            </a:prstGeom>
+            <a:solidFill>
+              <a:schemeClr val="tx1"/>
+            </a:solidFill>
+            <a:ln w="9525" cap="flat" cmpd="sng" algn="ctr">
+              <a:noFill/>
+              <a:prstDash val="solid"/>
+              <a:round/>
+              <a:headEnd type="none" w="med" len="med"/>
+              <a:tailEnd type="none" w="med" len="med"/>
+            </a:ln>
+            <a:effectLst/>
+            <a:extLst/>
+          </p:spPr>
+          <p:txBody>
+            <a:bodyPr vert="horz" wrap="square" lIns="91440" tIns="45720" rIns="91440" bIns="45720" numCol="1" rtlCol="0" anchor="t" anchorCtr="0" compatLnSpc="1">
+              <a:prstTxWarp prst="textNoShape">
+                <a:avLst/>
+              </a:prstTxWarp>
+            </a:bodyPr>
+            <a:lstStyle/>
+            <a:p>
+              <a:pPr marL="0" marR="0" indent="0" algn="r" defTabSz="914400" rtl="0" eaLnBrk="0" fontAlgn="base" latinLnBrk="0" hangingPunct="0">
+                <a:lnSpc>
+                  <a:spcPct val="100000"/>
+                </a:lnSpc>
+                <a:spcBef>
+                  <a:spcPct val="0"/>
+                </a:spcBef>
+                <a:spcAft>
+                  <a:spcPct val="0"/>
+                </a:spcAft>
+                <a:buClrTx/>
+                <a:buSzTx/>
+                <a:buFontTx/>
+                <a:buNone/>
+                <a:tabLst/>
+              </a:pPr>
+              <a:endParaRPr kumimoji="0" lang="en-GB" sz="2400" b="0" i="0" u="none" strike="noStrike" cap="none" normalizeH="0" baseline="0" smtClean="0">
+                <a:ln>
+                  <a:noFill/>
+                </a:ln>
+                <a:solidFill>
+                  <a:schemeClr val="tx1"/>
+                </a:solidFill>
+                <a:effectLst>
+                  <a:outerShdw blurRad="38100" dist="38100" dir="2700000" algn="tl">
+                    <a:srgbClr val="000000">
+                      <a:alpha val="43137"/>
+                    </a:srgbClr>
+                  </a:outerShdw>
+                </a:effectLst>
+                <a:latin typeface="Arial" charset="0"/>
+                <a:ea typeface="ＭＳ Ｐゴシック" pitchFamily="-7" charset="-128"/>
+              </a:endParaRPr>
+            </a:p>
+          </p:txBody>
+        </p:sp>
+        <p:sp>
+          <p:nvSpPr>
+            <p:cNvPr id="10" name="Oval 9"/>
+            <p:cNvSpPr/>
+            <p:nvPr/>
+          </p:nvSpPr>
+          <p:spPr bwMode="auto">
+            <a:xfrm>
+              <a:off x="7347625" y="1211129"/>
+              <a:ext cx="180000" cy="180000"/>
+            </a:xfrm>
+            <a:prstGeom prst="ellipse">
+              <a:avLst/>
+            </a:prstGeom>
+            <a:solidFill>
+              <a:schemeClr val="tx1"/>
+            </a:solidFill>
+            <a:ln w="9525" cap="flat" cmpd="sng" algn="ctr">
+              <a:noFill/>
+              <a:prstDash val="solid"/>
+              <a:round/>
+              <a:headEnd type="none" w="med" len="med"/>
+              <a:tailEnd type="none" w="med" len="med"/>
+            </a:ln>
+            <a:effectLst/>
+            <a:extLst/>
+          </p:spPr>
+          <p:txBody>
+            <a:bodyPr vert="horz" wrap="square" lIns="91440" tIns="45720" rIns="91440" bIns="45720" numCol="1" rtlCol="0" anchor="t" anchorCtr="0" compatLnSpc="1">
+              <a:prstTxWarp prst="textNoShape">
+                <a:avLst/>
+              </a:prstTxWarp>
+            </a:bodyPr>
+            <a:lstStyle/>
+            <a:p>
+              <a:pPr marL="0" marR="0" indent="0" algn="r" defTabSz="914400" rtl="0" eaLnBrk="0" fontAlgn="base" latinLnBrk="0" hangingPunct="0">
+                <a:lnSpc>
+                  <a:spcPct val="100000"/>
+                </a:lnSpc>
+                <a:spcBef>
+                  <a:spcPct val="0"/>
+                </a:spcBef>
+                <a:spcAft>
+                  <a:spcPct val="0"/>
+                </a:spcAft>
+                <a:buClrTx/>
+                <a:buSzTx/>
+                <a:buFontTx/>
+                <a:buNone/>
+                <a:tabLst/>
+              </a:pPr>
+              <a:endParaRPr kumimoji="0" lang="en-GB" sz="2400" b="0" i="0" u="none" strike="noStrike" cap="none" normalizeH="0" baseline="0" smtClean="0">
+                <a:ln>
+                  <a:noFill/>
+                </a:ln>
+                <a:solidFill>
+                  <a:schemeClr val="tx1"/>
+                </a:solidFill>
+                <a:effectLst>
+                  <a:outerShdw blurRad="38100" dist="38100" dir="2700000" algn="tl">
+                    <a:srgbClr val="000000">
+                      <a:alpha val="43137"/>
+                    </a:srgbClr>
+                  </a:outerShdw>
+                </a:effectLst>
+                <a:latin typeface="Arial" charset="0"/>
+                <a:ea typeface="ＭＳ Ｐゴシック" pitchFamily="-7" charset="-128"/>
+              </a:endParaRPr>
+            </a:p>
+          </p:txBody>
+        </p:sp>
+        <p:sp>
+          <p:nvSpPr>
+            <p:cNvPr id="11" name="Oval 10"/>
+            <p:cNvSpPr/>
+            <p:nvPr/>
+          </p:nvSpPr>
+          <p:spPr bwMode="auto">
+            <a:xfrm>
+              <a:off x="6682902" y="1293853"/>
+              <a:ext cx="180000" cy="180000"/>
+            </a:xfrm>
+            <a:prstGeom prst="ellipse">
+              <a:avLst/>
+            </a:prstGeom>
+            <a:solidFill>
+              <a:schemeClr val="tx1"/>
+            </a:solidFill>
+            <a:ln w="9525" cap="flat" cmpd="sng" algn="ctr">
+              <a:noFill/>
+              <a:prstDash val="solid"/>
+              <a:round/>
+              <a:headEnd type="none" w="med" len="med"/>
+              <a:tailEnd type="none" w="med" len="med"/>
+            </a:ln>
+            <a:effectLst/>
+            <a:extLst/>
+          </p:spPr>
+          <p:txBody>
+            <a:bodyPr vert="horz" wrap="square" lIns="91440" tIns="45720" rIns="91440" bIns="45720" numCol="1" rtlCol="0" anchor="t" anchorCtr="0" compatLnSpc="1">
+              <a:prstTxWarp prst="textNoShape">
+                <a:avLst/>
+              </a:prstTxWarp>
+            </a:bodyPr>
+            <a:lstStyle/>
+            <a:p>
+              <a:pPr marL="0" marR="0" indent="0" algn="r" defTabSz="914400" rtl="0" eaLnBrk="0" fontAlgn="base" latinLnBrk="0" hangingPunct="0">
+                <a:lnSpc>
+                  <a:spcPct val="100000"/>
+                </a:lnSpc>
+                <a:spcBef>
+                  <a:spcPct val="0"/>
+                </a:spcBef>
+                <a:spcAft>
+                  <a:spcPct val="0"/>
+                </a:spcAft>
+                <a:buClrTx/>
+                <a:buSzTx/>
+                <a:buFontTx/>
+                <a:buNone/>
+                <a:tabLst/>
+              </a:pPr>
+              <a:endParaRPr kumimoji="0" lang="en-GB" sz="2400" b="0" i="0" u="none" strike="noStrike" cap="none" normalizeH="0" baseline="0" smtClean="0">
+                <a:ln>
+                  <a:noFill/>
+                </a:ln>
+                <a:solidFill>
+                  <a:schemeClr val="tx1"/>
+                </a:solidFill>
+                <a:effectLst>
+                  <a:outerShdw blurRad="38100" dist="38100" dir="2700000" algn="tl">
+                    <a:srgbClr val="000000">
+                      <a:alpha val="43137"/>
+                    </a:srgbClr>
+                  </a:outerShdw>
+                </a:effectLst>
+                <a:latin typeface="Arial" charset="0"/>
+                <a:ea typeface="ＭＳ Ｐゴシック" pitchFamily="-7" charset="-128"/>
+              </a:endParaRPr>
+            </a:p>
+          </p:txBody>
+        </p:sp>
+        <p:sp>
+          <p:nvSpPr>
+            <p:cNvPr id="12" name="Oval 11"/>
+            <p:cNvSpPr/>
+            <p:nvPr/>
+          </p:nvSpPr>
+          <p:spPr bwMode="auto">
+            <a:xfrm>
+              <a:off x="6105731" y="1532225"/>
+              <a:ext cx="180000" cy="180000"/>
+            </a:xfrm>
+            <a:prstGeom prst="ellipse">
+              <a:avLst/>
+            </a:prstGeom>
+            <a:solidFill>
+              <a:schemeClr val="tx1"/>
+            </a:solidFill>
+            <a:ln w="9525" cap="flat" cmpd="sng" algn="ctr">
+              <a:noFill/>
+              <a:prstDash val="solid"/>
+              <a:round/>
+              <a:headEnd type="none" w="med" len="med"/>
+              <a:tailEnd type="none" w="med" len="med"/>
+            </a:ln>
+            <a:effectLst/>
+            <a:extLst/>
+          </p:spPr>
+          <p:txBody>
+            <a:bodyPr vert="horz" wrap="square" lIns="91440" tIns="45720" rIns="91440" bIns="45720" numCol="1" rtlCol="0" anchor="t" anchorCtr="0" compatLnSpc="1">
+              <a:prstTxWarp prst="textNoShape">
+                <a:avLst/>
+              </a:prstTxWarp>
+            </a:bodyPr>
+            <a:lstStyle/>
+            <a:p>
+              <a:pPr marL="0" marR="0" indent="0" algn="r" defTabSz="914400" rtl="0" eaLnBrk="0" fontAlgn="base" latinLnBrk="0" hangingPunct="0">
+                <a:lnSpc>
+                  <a:spcPct val="100000"/>
+                </a:lnSpc>
+                <a:spcBef>
+                  <a:spcPct val="0"/>
+                </a:spcBef>
+                <a:spcAft>
+                  <a:spcPct val="0"/>
+                </a:spcAft>
+                <a:buClrTx/>
+                <a:buSzTx/>
+                <a:buFontTx/>
+                <a:buNone/>
+                <a:tabLst/>
+              </a:pPr>
+              <a:endParaRPr kumimoji="0" lang="en-GB" sz="2400" b="0" i="0" u="none" strike="noStrike" cap="none" normalizeH="0" baseline="0" smtClean="0">
+                <a:ln>
+                  <a:noFill/>
+                </a:ln>
+                <a:solidFill>
+                  <a:schemeClr val="tx1"/>
+                </a:solidFill>
+                <a:effectLst>
+                  <a:outerShdw blurRad="38100" dist="38100" dir="2700000" algn="tl">
+                    <a:srgbClr val="000000">
+                      <a:alpha val="43137"/>
+                    </a:srgbClr>
+                  </a:outerShdw>
+                </a:effectLst>
+                <a:latin typeface="Arial" charset="0"/>
+                <a:ea typeface="ＭＳ Ｐゴシック" pitchFamily="-7" charset="-128"/>
+              </a:endParaRPr>
+            </a:p>
+          </p:txBody>
+        </p:sp>
+        <p:sp>
+          <p:nvSpPr>
+            <p:cNvPr id="13" name="Oval 12"/>
+            <p:cNvSpPr/>
+            <p:nvPr/>
+          </p:nvSpPr>
+          <p:spPr bwMode="auto">
+            <a:xfrm>
+              <a:off x="4001339" y="4852778"/>
+              <a:ext cx="180000" cy="180000"/>
+            </a:xfrm>
+            <a:prstGeom prst="ellipse">
+              <a:avLst/>
+            </a:prstGeom>
+            <a:solidFill>
+              <a:schemeClr val="tx1"/>
+            </a:solidFill>
+            <a:ln w="9525" cap="flat" cmpd="sng" algn="ctr">
+              <a:noFill/>
+              <a:prstDash val="solid"/>
+              <a:round/>
+              <a:headEnd type="none" w="med" len="med"/>
+              <a:tailEnd type="none" w="med" len="med"/>
+            </a:ln>
+            <a:effectLst/>
+            <a:extLst/>
+          </p:spPr>
+          <p:txBody>
+            <a:bodyPr vert="horz" wrap="square" lIns="91440" tIns="45720" rIns="91440" bIns="45720" numCol="1" rtlCol="0" anchor="t" anchorCtr="0" compatLnSpc="1">
+              <a:prstTxWarp prst="textNoShape">
+                <a:avLst/>
+              </a:prstTxWarp>
+            </a:bodyPr>
+            <a:lstStyle/>
+            <a:p>
+              <a:pPr marL="0" marR="0" indent="0" algn="r" defTabSz="914400" rtl="0" eaLnBrk="0" fontAlgn="base" latinLnBrk="0" hangingPunct="0">
+                <a:lnSpc>
+                  <a:spcPct val="100000"/>
+                </a:lnSpc>
+                <a:spcBef>
+                  <a:spcPct val="0"/>
+                </a:spcBef>
+                <a:spcAft>
+                  <a:spcPct val="0"/>
+                </a:spcAft>
+                <a:buClrTx/>
+                <a:buSzTx/>
+                <a:buFontTx/>
+                <a:buNone/>
+                <a:tabLst/>
+              </a:pPr>
+              <a:endParaRPr kumimoji="0" lang="en-GB" sz="2400" b="0" i="0" u="none" strike="noStrike" cap="none" normalizeH="0" baseline="0" smtClean="0">
+                <a:ln>
+                  <a:noFill/>
+                </a:ln>
+                <a:solidFill>
+                  <a:schemeClr val="tx1"/>
+                </a:solidFill>
+                <a:effectLst>
+                  <a:outerShdw blurRad="38100" dist="38100" dir="2700000" algn="tl">
+                    <a:srgbClr val="000000">
+                      <a:alpha val="43137"/>
+                    </a:srgbClr>
+                  </a:outerShdw>
+                </a:effectLst>
+                <a:latin typeface="Arial" charset="0"/>
+                <a:ea typeface="ＭＳ Ｐゴシック" pitchFamily="-7" charset="-128"/>
+              </a:endParaRPr>
+            </a:p>
+          </p:txBody>
+        </p:sp>
+        <p:sp>
+          <p:nvSpPr>
+            <p:cNvPr id="14" name="Oval 13"/>
+            <p:cNvSpPr/>
+            <p:nvPr/>
+          </p:nvSpPr>
+          <p:spPr bwMode="auto">
+            <a:xfrm>
+              <a:off x="3385253" y="4890439"/>
+              <a:ext cx="180000" cy="180000"/>
+            </a:xfrm>
+            <a:prstGeom prst="ellipse">
+              <a:avLst/>
+            </a:prstGeom>
+            <a:solidFill>
+              <a:schemeClr val="tx1"/>
+            </a:solidFill>
+            <a:ln w="9525" cap="flat" cmpd="sng" algn="ctr">
+              <a:noFill/>
+              <a:prstDash val="solid"/>
+              <a:round/>
+              <a:headEnd type="none" w="med" len="med"/>
+              <a:tailEnd type="none" w="med" len="med"/>
+            </a:ln>
+            <a:effectLst/>
+            <a:extLst/>
+          </p:spPr>
+          <p:txBody>
+            <a:bodyPr vert="horz" wrap="square" lIns="91440" tIns="45720" rIns="91440" bIns="45720" numCol="1" rtlCol="0" anchor="t" anchorCtr="0" compatLnSpc="1">
+              <a:prstTxWarp prst="textNoShape">
+                <a:avLst/>
+              </a:prstTxWarp>
+            </a:bodyPr>
+            <a:lstStyle/>
+            <a:p>
+              <a:pPr marL="0" marR="0" indent="0" algn="r" defTabSz="914400" rtl="0" eaLnBrk="0" fontAlgn="base" latinLnBrk="0" hangingPunct="0">
+                <a:lnSpc>
+                  <a:spcPct val="100000"/>
+                </a:lnSpc>
+                <a:spcBef>
+                  <a:spcPct val="0"/>
+                </a:spcBef>
+                <a:spcAft>
+                  <a:spcPct val="0"/>
+                </a:spcAft>
+                <a:buClrTx/>
+                <a:buSzTx/>
+                <a:buFontTx/>
+                <a:buNone/>
+                <a:tabLst/>
+              </a:pPr>
+              <a:endParaRPr kumimoji="0" lang="en-GB" sz="2400" b="0" i="0" u="none" strike="noStrike" cap="none" normalizeH="0" baseline="0" smtClean="0">
+                <a:ln>
+                  <a:noFill/>
+                </a:ln>
+                <a:solidFill>
+                  <a:schemeClr val="tx1"/>
+                </a:solidFill>
+                <a:effectLst>
+                  <a:outerShdw blurRad="38100" dist="38100" dir="2700000" algn="tl">
+                    <a:srgbClr val="000000">
+                      <a:alpha val="43137"/>
+                    </a:srgbClr>
+                  </a:outerShdw>
+                </a:effectLst>
+                <a:latin typeface="Arial" charset="0"/>
+                <a:ea typeface="ＭＳ Ｐゴシック" pitchFamily="-7" charset="-128"/>
+              </a:endParaRPr>
+            </a:p>
+          </p:txBody>
+        </p:sp>
+        <p:sp>
+          <p:nvSpPr>
+            <p:cNvPr id="15" name="Oval 14"/>
+            <p:cNvSpPr/>
+            <p:nvPr/>
+          </p:nvSpPr>
+          <p:spPr bwMode="auto">
+            <a:xfrm>
+              <a:off x="2817802" y="4840548"/>
+              <a:ext cx="180000" cy="180000"/>
+            </a:xfrm>
+            <a:prstGeom prst="ellipse">
+              <a:avLst/>
+            </a:prstGeom>
+            <a:solidFill>
+              <a:schemeClr val="tx1"/>
+            </a:solidFill>
+            <a:ln w="9525" cap="flat" cmpd="sng" algn="ctr">
+              <a:noFill/>
+              <a:prstDash val="solid"/>
+              <a:round/>
+              <a:headEnd type="none" w="med" len="med"/>
+              <a:tailEnd type="none" w="med" len="med"/>
+            </a:ln>
+            <a:effectLst/>
+            <a:extLst/>
+          </p:spPr>
+          <p:txBody>
+            <a:bodyPr vert="horz" wrap="square" lIns="91440" tIns="45720" rIns="91440" bIns="45720" numCol="1" rtlCol="0" anchor="t" anchorCtr="0" compatLnSpc="1">
+              <a:prstTxWarp prst="textNoShape">
+                <a:avLst/>
+              </a:prstTxWarp>
+            </a:bodyPr>
+            <a:lstStyle/>
+            <a:p>
+              <a:pPr marL="0" marR="0" indent="0" algn="r" defTabSz="914400" rtl="0" eaLnBrk="0" fontAlgn="base" latinLnBrk="0" hangingPunct="0">
+                <a:lnSpc>
+                  <a:spcPct val="100000"/>
+                </a:lnSpc>
+                <a:spcBef>
+                  <a:spcPct val="0"/>
+                </a:spcBef>
+                <a:spcAft>
+                  <a:spcPct val="0"/>
+                </a:spcAft>
+                <a:buClrTx/>
+                <a:buSzTx/>
+                <a:buFontTx/>
+                <a:buNone/>
+                <a:tabLst/>
+              </a:pPr>
+              <a:endParaRPr kumimoji="0" lang="en-GB" sz="2400" b="0" i="0" u="none" strike="noStrike" cap="none" normalizeH="0" baseline="0" smtClean="0">
+                <a:ln>
+                  <a:noFill/>
+                </a:ln>
+                <a:solidFill>
+                  <a:schemeClr val="tx1"/>
+                </a:solidFill>
+                <a:effectLst>
+                  <a:outerShdw blurRad="38100" dist="38100" dir="2700000" algn="tl">
+                    <a:srgbClr val="000000">
+                      <a:alpha val="43137"/>
+                    </a:srgbClr>
+                  </a:outerShdw>
+                </a:effectLst>
+                <a:latin typeface="Arial" charset="0"/>
+                <a:ea typeface="ＭＳ Ｐゴシック" pitchFamily="-7" charset="-128"/>
+              </a:endParaRPr>
+            </a:p>
+          </p:txBody>
+        </p:sp>
+        <p:sp>
+          <p:nvSpPr>
+            <p:cNvPr id="16" name="Oval 15"/>
+            <p:cNvSpPr/>
+            <p:nvPr/>
+          </p:nvSpPr>
+          <p:spPr bwMode="auto">
+            <a:xfrm>
+              <a:off x="2318447" y="4712833"/>
+              <a:ext cx="180000" cy="180000"/>
+            </a:xfrm>
+            <a:prstGeom prst="ellipse">
+              <a:avLst/>
+            </a:prstGeom>
+            <a:solidFill>
+              <a:schemeClr val="tx1"/>
+            </a:solidFill>
+            <a:ln w="9525" cap="flat" cmpd="sng" algn="ctr">
+              <a:noFill/>
+              <a:prstDash val="solid"/>
+              <a:round/>
+              <a:headEnd type="none" w="med" len="med"/>
+              <a:tailEnd type="none" w="med" len="med"/>
+            </a:ln>
+            <a:effectLst/>
+            <a:extLst/>
+          </p:spPr>
+          <p:txBody>
+            <a:bodyPr vert="horz" wrap="square" lIns="91440" tIns="45720" rIns="91440" bIns="45720" numCol="1" rtlCol="0" anchor="t" anchorCtr="0" compatLnSpc="1">
+              <a:prstTxWarp prst="textNoShape">
+                <a:avLst/>
+              </a:prstTxWarp>
+            </a:bodyPr>
+            <a:lstStyle/>
+            <a:p>
+              <a:pPr marL="0" marR="0" indent="0" algn="r" defTabSz="914400" rtl="0" eaLnBrk="0" fontAlgn="base" latinLnBrk="0" hangingPunct="0">
+                <a:lnSpc>
+                  <a:spcPct val="100000"/>
+                </a:lnSpc>
+                <a:spcBef>
+                  <a:spcPct val="0"/>
+                </a:spcBef>
+                <a:spcAft>
+                  <a:spcPct val="0"/>
+                </a:spcAft>
+                <a:buClrTx/>
+                <a:buSzTx/>
+                <a:buFontTx/>
+                <a:buNone/>
+                <a:tabLst/>
+              </a:pPr>
+              <a:endParaRPr kumimoji="0" lang="en-GB" sz="2400" b="0" i="0" u="none" strike="noStrike" cap="none" normalizeH="0" baseline="0" smtClean="0">
+                <a:ln>
+                  <a:noFill/>
+                </a:ln>
+                <a:solidFill>
+                  <a:schemeClr val="tx1"/>
+                </a:solidFill>
+                <a:effectLst>
+                  <a:outerShdw blurRad="38100" dist="38100" dir="2700000" algn="tl">
+                    <a:srgbClr val="000000">
+                      <a:alpha val="43137"/>
+                    </a:srgbClr>
+                  </a:outerShdw>
+                </a:effectLst>
+                <a:latin typeface="Arial" charset="0"/>
+                <a:ea typeface="ＭＳ Ｐゴシック" pitchFamily="-7" charset="-128"/>
+              </a:endParaRPr>
+            </a:p>
+          </p:txBody>
+        </p:sp>
+        <p:pic>
+          <p:nvPicPr>
+            <p:cNvPr id="17" name="Picture 16"/>
+            <p:cNvPicPr>
+              <a:picLocks noChangeAspect="1"/>
+            </p:cNvPicPr>
+            <p:nvPr/>
+          </p:nvPicPr>
+          <p:blipFill>
+            <a:blip r:embed="rId5"/>
+            <a:stretch>
+              <a:fillRect/>
+            </a:stretch>
+          </p:blipFill>
+          <p:spPr>
+            <a:xfrm>
+              <a:off x="8568405" y="872704"/>
+              <a:ext cx="1128410" cy="646772"/>
+            </a:xfrm>
+            <a:prstGeom prst="rect">
+              <a:avLst/>
+            </a:prstGeom>
+          </p:spPr>
+        </p:pic>
+        <p:sp>
+          <p:nvSpPr>
+            <p:cNvPr id="18" name="Oval 17"/>
+            <p:cNvSpPr/>
+            <p:nvPr/>
+          </p:nvSpPr>
+          <p:spPr bwMode="auto">
+            <a:xfrm>
+              <a:off x="5606376" y="1820817"/>
+              <a:ext cx="180000" cy="180000"/>
+            </a:xfrm>
+            <a:prstGeom prst="ellipse">
+              <a:avLst/>
+            </a:prstGeom>
+            <a:solidFill>
+              <a:schemeClr val="tx1"/>
+            </a:solidFill>
+            <a:ln w="9525" cap="flat" cmpd="sng" algn="ctr">
+              <a:noFill/>
+              <a:prstDash val="solid"/>
+              <a:round/>
+              <a:headEnd type="none" w="med" len="med"/>
+              <a:tailEnd type="none" w="med" len="med"/>
+            </a:ln>
+            <a:effectLst/>
+            <a:extLst/>
+          </p:spPr>
+          <p:txBody>
+            <a:bodyPr vert="horz" wrap="square" lIns="91440" tIns="45720" rIns="91440" bIns="45720" numCol="1" rtlCol="0" anchor="t" anchorCtr="0" compatLnSpc="1">
+              <a:prstTxWarp prst="textNoShape">
+                <a:avLst/>
+              </a:prstTxWarp>
+            </a:bodyPr>
+            <a:lstStyle/>
+            <a:p>
+              <a:pPr marL="0" marR="0" indent="0" algn="r" defTabSz="914400" rtl="0" eaLnBrk="0" fontAlgn="base" latinLnBrk="0" hangingPunct="0">
+                <a:lnSpc>
+                  <a:spcPct val="100000"/>
+                </a:lnSpc>
+                <a:spcBef>
+                  <a:spcPct val="0"/>
+                </a:spcBef>
+                <a:spcAft>
+                  <a:spcPct val="0"/>
+                </a:spcAft>
+                <a:buClrTx/>
+                <a:buSzTx/>
+                <a:buFontTx/>
+                <a:buNone/>
+                <a:tabLst/>
+              </a:pPr>
+              <a:endParaRPr kumimoji="0" lang="en-GB" sz="2400" b="0" i="0" u="none" strike="noStrike" cap="none" normalizeH="0" baseline="0" smtClean="0">
+                <a:ln>
+                  <a:noFill/>
+                </a:ln>
+                <a:solidFill>
+                  <a:schemeClr val="tx1"/>
+                </a:solidFill>
+                <a:effectLst>
+                  <a:outerShdw blurRad="38100" dist="38100" dir="2700000" algn="tl">
+                    <a:srgbClr val="000000">
+                      <a:alpha val="43137"/>
+                    </a:srgbClr>
+                  </a:outerShdw>
+                </a:effectLst>
+                <a:latin typeface="Arial" charset="0"/>
+                <a:ea typeface="ＭＳ Ｐゴシック" pitchFamily="-7" charset="-128"/>
+              </a:endParaRPr>
+            </a:p>
+          </p:txBody>
+        </p:sp>
+        <p:sp>
+          <p:nvSpPr>
+            <p:cNvPr id="19" name="Oval 18"/>
+            <p:cNvSpPr/>
+            <p:nvPr/>
+          </p:nvSpPr>
+          <p:spPr bwMode="auto">
+            <a:xfrm>
+              <a:off x="5155661" y="2177505"/>
+              <a:ext cx="180000" cy="180000"/>
+            </a:xfrm>
+            <a:prstGeom prst="ellipse">
+              <a:avLst/>
+            </a:prstGeom>
+            <a:solidFill>
+              <a:schemeClr val="tx1"/>
+            </a:solidFill>
+            <a:ln w="9525" cap="flat" cmpd="sng" algn="ctr">
+              <a:noFill/>
+              <a:prstDash val="solid"/>
+              <a:round/>
+              <a:headEnd type="none" w="med" len="med"/>
+              <a:tailEnd type="none" w="med" len="med"/>
+            </a:ln>
+            <a:effectLst/>
+            <a:extLst/>
+          </p:spPr>
+          <p:txBody>
+            <a:bodyPr vert="horz" wrap="square" lIns="91440" tIns="45720" rIns="91440" bIns="45720" numCol="1" rtlCol="0" anchor="t" anchorCtr="0" compatLnSpc="1">
+              <a:prstTxWarp prst="textNoShape">
+                <a:avLst/>
+              </a:prstTxWarp>
+            </a:bodyPr>
+            <a:lstStyle/>
+            <a:p>
+              <a:pPr marL="0" marR="0" indent="0" algn="r" defTabSz="914400" rtl="0" eaLnBrk="0" fontAlgn="base" latinLnBrk="0" hangingPunct="0">
+                <a:lnSpc>
+                  <a:spcPct val="100000"/>
+                </a:lnSpc>
+                <a:spcBef>
+                  <a:spcPct val="0"/>
+                </a:spcBef>
+                <a:spcAft>
+                  <a:spcPct val="0"/>
+                </a:spcAft>
+                <a:buClrTx/>
+                <a:buSzTx/>
+                <a:buFontTx/>
+                <a:buNone/>
+                <a:tabLst/>
+              </a:pPr>
+              <a:endParaRPr kumimoji="0" lang="en-GB" sz="2400" b="0" i="0" u="none" strike="noStrike" cap="none" normalizeH="0" baseline="0" smtClean="0">
+                <a:ln>
+                  <a:noFill/>
+                </a:ln>
+                <a:solidFill>
+                  <a:schemeClr val="tx1"/>
+                </a:solidFill>
+                <a:effectLst>
+                  <a:outerShdw blurRad="38100" dist="38100" dir="2700000" algn="tl">
+                    <a:srgbClr val="000000">
+                      <a:alpha val="43137"/>
+                    </a:srgbClr>
+                  </a:outerShdw>
+                </a:effectLst>
+                <a:latin typeface="Arial" charset="0"/>
+                <a:ea typeface="ＭＳ Ｐゴシック" pitchFamily="-7" charset="-128"/>
+              </a:endParaRPr>
+            </a:p>
+          </p:txBody>
+        </p:sp>
+        <p:sp>
+          <p:nvSpPr>
+            <p:cNvPr id="20" name="Oval 19"/>
+            <p:cNvSpPr/>
+            <p:nvPr/>
+          </p:nvSpPr>
+          <p:spPr bwMode="auto">
+            <a:xfrm>
+              <a:off x="4938418" y="2612017"/>
+              <a:ext cx="180000" cy="180000"/>
+            </a:xfrm>
+            <a:prstGeom prst="ellipse">
+              <a:avLst/>
+            </a:prstGeom>
+            <a:solidFill>
+              <a:schemeClr val="tx1"/>
+            </a:solidFill>
+            <a:ln w="9525" cap="flat" cmpd="sng" algn="ctr">
+              <a:noFill/>
+              <a:prstDash val="solid"/>
+              <a:round/>
+              <a:headEnd type="none" w="med" len="med"/>
+              <a:tailEnd type="none" w="med" len="med"/>
+            </a:ln>
+            <a:effectLst/>
+            <a:extLst/>
+          </p:spPr>
+          <p:txBody>
+            <a:bodyPr vert="horz" wrap="square" lIns="91440" tIns="45720" rIns="91440" bIns="45720" numCol="1" rtlCol="0" anchor="t" anchorCtr="0" compatLnSpc="1">
+              <a:prstTxWarp prst="textNoShape">
+                <a:avLst/>
+              </a:prstTxWarp>
+            </a:bodyPr>
+            <a:lstStyle/>
+            <a:p>
+              <a:pPr marL="0" marR="0" indent="0" algn="r" defTabSz="914400" rtl="0" eaLnBrk="0" fontAlgn="base" latinLnBrk="0" hangingPunct="0">
+                <a:lnSpc>
+                  <a:spcPct val="100000"/>
+                </a:lnSpc>
+                <a:spcBef>
+                  <a:spcPct val="0"/>
+                </a:spcBef>
+                <a:spcAft>
+                  <a:spcPct val="0"/>
+                </a:spcAft>
+                <a:buClrTx/>
+                <a:buSzTx/>
+                <a:buFontTx/>
+                <a:buNone/>
+                <a:tabLst/>
+              </a:pPr>
+              <a:endParaRPr kumimoji="0" lang="en-GB" sz="2400" b="0" i="0" u="none" strike="noStrike" cap="none" normalizeH="0" baseline="0" smtClean="0">
+                <a:ln>
+                  <a:noFill/>
+                </a:ln>
+                <a:solidFill>
+                  <a:schemeClr val="tx1"/>
+                </a:solidFill>
+                <a:effectLst>
+                  <a:outerShdw blurRad="38100" dist="38100" dir="2700000" algn="tl">
+                    <a:srgbClr val="000000">
+                      <a:alpha val="43137"/>
+                    </a:srgbClr>
+                  </a:outerShdw>
+                </a:effectLst>
+                <a:latin typeface="Arial" charset="0"/>
+                <a:ea typeface="ＭＳ Ｐゴシック" pitchFamily="-7" charset="-128"/>
+              </a:endParaRPr>
+            </a:p>
+          </p:txBody>
+        </p:sp>
+        <p:sp>
+          <p:nvSpPr>
+            <p:cNvPr id="21" name="Oval 20"/>
+            <p:cNvSpPr/>
+            <p:nvPr/>
+          </p:nvSpPr>
+          <p:spPr bwMode="auto">
+            <a:xfrm>
+              <a:off x="5071374" y="3143809"/>
+              <a:ext cx="180000" cy="180000"/>
+            </a:xfrm>
+            <a:prstGeom prst="ellipse">
+              <a:avLst/>
+            </a:prstGeom>
+            <a:solidFill>
+              <a:schemeClr val="tx1"/>
+            </a:solidFill>
+            <a:ln w="9525" cap="flat" cmpd="sng" algn="ctr">
+              <a:noFill/>
+              <a:prstDash val="solid"/>
+              <a:round/>
+              <a:headEnd type="none" w="med" len="med"/>
+              <a:tailEnd type="none" w="med" len="med"/>
+            </a:ln>
+            <a:effectLst/>
+            <a:extLst/>
+          </p:spPr>
+          <p:txBody>
+            <a:bodyPr vert="horz" wrap="square" lIns="91440" tIns="45720" rIns="91440" bIns="45720" numCol="1" rtlCol="0" anchor="t" anchorCtr="0" compatLnSpc="1">
+              <a:prstTxWarp prst="textNoShape">
+                <a:avLst/>
+              </a:prstTxWarp>
+            </a:bodyPr>
+            <a:lstStyle/>
+            <a:p>
+              <a:pPr marL="0" marR="0" indent="0" algn="r" defTabSz="914400" rtl="0" eaLnBrk="0" fontAlgn="base" latinLnBrk="0" hangingPunct="0">
+                <a:lnSpc>
+                  <a:spcPct val="100000"/>
+                </a:lnSpc>
+                <a:spcBef>
+                  <a:spcPct val="0"/>
+                </a:spcBef>
+                <a:spcAft>
+                  <a:spcPct val="0"/>
+                </a:spcAft>
+                <a:buClrTx/>
+                <a:buSzTx/>
+                <a:buFontTx/>
+                <a:buNone/>
+                <a:tabLst/>
+              </a:pPr>
+              <a:endParaRPr kumimoji="0" lang="en-GB" sz="2400" b="0" i="0" u="none" strike="noStrike" cap="none" normalizeH="0" baseline="0" smtClean="0">
+                <a:ln>
+                  <a:noFill/>
+                </a:ln>
+                <a:solidFill>
+                  <a:schemeClr val="tx1"/>
+                </a:solidFill>
+                <a:effectLst>
+                  <a:outerShdw blurRad="38100" dist="38100" dir="2700000" algn="tl">
+                    <a:srgbClr val="000000">
+                      <a:alpha val="43137"/>
+                    </a:srgbClr>
+                  </a:outerShdw>
+                </a:effectLst>
+                <a:latin typeface="Arial" charset="0"/>
+                <a:ea typeface="ＭＳ Ｐゴシック" pitchFamily="-7" charset="-128"/>
+              </a:endParaRPr>
+            </a:p>
+          </p:txBody>
+        </p:sp>
+        <p:sp>
+          <p:nvSpPr>
+            <p:cNvPr id="22" name="Oval 21"/>
+            <p:cNvSpPr/>
+            <p:nvPr/>
+          </p:nvSpPr>
+          <p:spPr bwMode="auto">
+            <a:xfrm>
+              <a:off x="5252970" y="3714513"/>
+              <a:ext cx="180000" cy="180000"/>
+            </a:xfrm>
+            <a:prstGeom prst="ellipse">
+              <a:avLst/>
+            </a:prstGeom>
+            <a:solidFill>
+              <a:schemeClr val="tx1"/>
+            </a:solidFill>
+            <a:ln w="9525" cap="flat" cmpd="sng" algn="ctr">
+              <a:noFill/>
+              <a:prstDash val="solid"/>
+              <a:round/>
+              <a:headEnd type="none" w="med" len="med"/>
+              <a:tailEnd type="none" w="med" len="med"/>
+            </a:ln>
+            <a:effectLst/>
+            <a:extLst/>
+          </p:spPr>
+          <p:txBody>
+            <a:bodyPr vert="horz" wrap="square" lIns="91440" tIns="45720" rIns="91440" bIns="45720" numCol="1" rtlCol="0" anchor="t" anchorCtr="0" compatLnSpc="1">
+              <a:prstTxWarp prst="textNoShape">
+                <a:avLst/>
+              </a:prstTxWarp>
+            </a:bodyPr>
+            <a:lstStyle/>
+            <a:p>
+              <a:pPr marL="0" marR="0" indent="0" algn="r" defTabSz="914400" rtl="0" eaLnBrk="0" fontAlgn="base" latinLnBrk="0" hangingPunct="0">
+                <a:lnSpc>
+                  <a:spcPct val="100000"/>
+                </a:lnSpc>
+                <a:spcBef>
+                  <a:spcPct val="0"/>
+                </a:spcBef>
+                <a:spcAft>
+                  <a:spcPct val="0"/>
+                </a:spcAft>
+                <a:buClrTx/>
+                <a:buSzTx/>
+                <a:buFontTx/>
+                <a:buNone/>
+                <a:tabLst/>
+              </a:pPr>
+              <a:endParaRPr kumimoji="0" lang="en-GB" sz="2400" b="0" i="0" u="none" strike="noStrike" cap="none" normalizeH="0" baseline="0" smtClean="0">
+                <a:ln>
+                  <a:noFill/>
+                </a:ln>
+                <a:solidFill>
+                  <a:schemeClr val="tx1"/>
+                </a:solidFill>
+                <a:effectLst>
+                  <a:outerShdw blurRad="38100" dist="38100" dir="2700000" algn="tl">
+                    <a:srgbClr val="000000">
+                      <a:alpha val="43137"/>
+                    </a:srgbClr>
+                  </a:outerShdw>
+                </a:effectLst>
+                <a:latin typeface="Arial" charset="0"/>
+                <a:ea typeface="ＭＳ Ｐゴシック" pitchFamily="-7" charset="-128"/>
+              </a:endParaRPr>
+            </a:p>
+          </p:txBody>
+        </p:sp>
+        <p:sp>
+          <p:nvSpPr>
+            <p:cNvPr id="23" name="Oval 22"/>
+            <p:cNvSpPr/>
+            <p:nvPr/>
+          </p:nvSpPr>
+          <p:spPr bwMode="auto">
+            <a:xfrm>
+              <a:off x="5103820" y="4256033"/>
+              <a:ext cx="180000" cy="180000"/>
+            </a:xfrm>
+            <a:prstGeom prst="ellipse">
+              <a:avLst/>
+            </a:prstGeom>
+            <a:solidFill>
+              <a:schemeClr val="tx1"/>
+            </a:solidFill>
+            <a:ln w="9525" cap="flat" cmpd="sng" algn="ctr">
+              <a:noFill/>
+              <a:prstDash val="solid"/>
+              <a:round/>
+              <a:headEnd type="none" w="med" len="med"/>
+              <a:tailEnd type="none" w="med" len="med"/>
+            </a:ln>
+            <a:effectLst/>
+            <a:extLst/>
+          </p:spPr>
+          <p:txBody>
+            <a:bodyPr vert="horz" wrap="square" lIns="91440" tIns="45720" rIns="91440" bIns="45720" numCol="1" rtlCol="0" anchor="t" anchorCtr="0" compatLnSpc="1">
+              <a:prstTxWarp prst="textNoShape">
+                <a:avLst/>
+              </a:prstTxWarp>
+            </a:bodyPr>
+            <a:lstStyle/>
+            <a:p>
+              <a:pPr marL="0" marR="0" indent="0" algn="r" defTabSz="914400" rtl="0" eaLnBrk="0" fontAlgn="base" latinLnBrk="0" hangingPunct="0">
+                <a:lnSpc>
+                  <a:spcPct val="100000"/>
+                </a:lnSpc>
+                <a:spcBef>
+                  <a:spcPct val="0"/>
+                </a:spcBef>
+                <a:spcAft>
+                  <a:spcPct val="0"/>
+                </a:spcAft>
+                <a:buClrTx/>
+                <a:buSzTx/>
+                <a:buFontTx/>
+                <a:buNone/>
+                <a:tabLst/>
+              </a:pPr>
+              <a:endParaRPr kumimoji="0" lang="en-GB" sz="2400" b="0" i="0" u="none" strike="noStrike" cap="none" normalizeH="0" baseline="0" smtClean="0">
+                <a:ln>
+                  <a:noFill/>
+                </a:ln>
+                <a:solidFill>
+                  <a:schemeClr val="tx1"/>
+                </a:solidFill>
+                <a:effectLst>
+                  <a:outerShdw blurRad="38100" dist="38100" dir="2700000" algn="tl">
+                    <a:srgbClr val="000000">
+                      <a:alpha val="43137"/>
+                    </a:srgbClr>
+                  </a:outerShdw>
+                </a:effectLst>
+                <a:latin typeface="Arial" charset="0"/>
+                <a:ea typeface="ＭＳ Ｐゴシック" pitchFamily="-7" charset="-128"/>
+              </a:endParaRPr>
+            </a:p>
+          </p:txBody>
+        </p:sp>
+        <p:sp>
+          <p:nvSpPr>
+            <p:cNvPr id="24" name="Oval 23"/>
+            <p:cNvSpPr/>
+            <p:nvPr/>
+          </p:nvSpPr>
+          <p:spPr bwMode="auto">
+            <a:xfrm>
+              <a:off x="4672565" y="4651633"/>
+              <a:ext cx="180000" cy="180000"/>
+            </a:xfrm>
+            <a:prstGeom prst="ellipse">
+              <a:avLst/>
+            </a:prstGeom>
+            <a:solidFill>
+              <a:schemeClr val="tx1"/>
+            </a:solidFill>
+            <a:ln w="9525" cap="flat" cmpd="sng" algn="ctr">
+              <a:noFill/>
+              <a:prstDash val="solid"/>
+              <a:round/>
+              <a:headEnd type="none" w="med" len="med"/>
+              <a:tailEnd type="none" w="med" len="med"/>
+            </a:ln>
+            <a:effectLst/>
+            <a:extLst/>
+          </p:spPr>
+          <p:txBody>
+            <a:bodyPr vert="horz" wrap="square" lIns="91440" tIns="45720" rIns="91440" bIns="45720" numCol="1" rtlCol="0" anchor="t" anchorCtr="0" compatLnSpc="1">
+              <a:prstTxWarp prst="textNoShape">
+                <a:avLst/>
+              </a:prstTxWarp>
+            </a:bodyPr>
+            <a:lstStyle/>
+            <a:p>
+              <a:pPr marL="0" marR="0" indent="0" algn="r" defTabSz="914400" rtl="0" eaLnBrk="0" fontAlgn="base" latinLnBrk="0" hangingPunct="0">
+                <a:lnSpc>
+                  <a:spcPct val="100000"/>
+                </a:lnSpc>
+                <a:spcBef>
+                  <a:spcPct val="0"/>
+                </a:spcBef>
+                <a:spcAft>
+                  <a:spcPct val="0"/>
+                </a:spcAft>
+                <a:buClrTx/>
+                <a:buSzTx/>
+                <a:buFontTx/>
+                <a:buNone/>
+                <a:tabLst/>
+              </a:pPr>
+              <a:endParaRPr kumimoji="0" lang="en-GB" sz="2400" b="0" i="0" u="none" strike="noStrike" cap="none" normalizeH="0" baseline="0" smtClean="0">
+                <a:ln>
+                  <a:noFill/>
+                </a:ln>
+                <a:solidFill>
+                  <a:schemeClr val="tx1"/>
+                </a:solidFill>
+                <a:effectLst>
+                  <a:outerShdw blurRad="38100" dist="38100" dir="2700000" algn="tl">
+                    <a:srgbClr val="000000">
+                      <a:alpha val="43137"/>
+                    </a:srgbClr>
+                  </a:outerShdw>
+                </a:effectLst>
+                <a:latin typeface="Arial" charset="0"/>
+                <a:ea typeface="ＭＳ Ｐゴシック" pitchFamily="-7" charset="-128"/>
+              </a:endParaRPr>
+            </a:p>
+          </p:txBody>
+        </p:sp>
+      </p:grpSp>
+      <p:pic>
+        <p:nvPicPr>
+          <p:cNvPr id="25" name="Google Shape;153;p3" descr="Map&#10;&#10;Description automatically generated"/>
+          <p:cNvPicPr preferRelativeResize="0">
+            <a:picLocks/>
+          </p:cNvPicPr>
+          <p:nvPr/>
+        </p:nvPicPr>
+        <p:blipFill rotWithShape="1">
+          <a:blip r:embed="rId6">
+            <a:alphaModFix/>
+          </a:blip>
+          <a:srcRect/>
+          <a:stretch/>
+        </p:blipFill>
+        <p:spPr>
+          <a:xfrm>
+            <a:off x="5821009" y="3132385"/>
+            <a:ext cx="855007" cy="1180082"/>
+          </a:xfrm>
+          <a:prstGeom prst="rect">
+            <a:avLst/>
+          </a:prstGeom>
+          <a:noFill/>
+          <a:ln>
+            <a:noFill/>
+          </a:ln>
+        </p:spPr>
+      </p:pic>
+      <p:sp>
+        <p:nvSpPr>
+          <p:cNvPr id="26" name="TextBox 25"/>
+          <p:cNvSpPr txBox="1"/>
+          <p:nvPr/>
+        </p:nvSpPr>
+        <p:spPr>
+          <a:xfrm>
+            <a:off x="5789800" y="3783903"/>
+            <a:ext cx="1077488" cy="830997"/>
+          </a:xfrm>
+          <a:prstGeom prst="rect">
+            <a:avLst/>
+          </a:prstGeom>
+          <a:noFill/>
+        </p:spPr>
+        <p:txBody>
+          <a:bodyPr wrap="square" rtlCol="0">
+            <a:spAutoFit/>
+          </a:bodyPr>
+          <a:lstStyle/>
+          <a:p>
+            <a:pPr algn="l"/>
+            <a:r>
+              <a:rPr lang="en-GB" dirty="0" smtClean="0"/>
+              <a:t>Point Merge</a:t>
+            </a:r>
+            <a:endParaRPr lang="en-GB" dirty="0"/>
+          </a:p>
+        </p:txBody>
+      </p:sp>
+      <p:sp>
+        <p:nvSpPr>
+          <p:cNvPr id="27" name="TextBox 26"/>
+          <p:cNvSpPr txBox="1"/>
+          <p:nvPr/>
+        </p:nvSpPr>
+        <p:spPr>
+          <a:xfrm>
+            <a:off x="4704016" y="5212694"/>
+            <a:ext cx="1817768" cy="830997"/>
+          </a:xfrm>
+          <a:prstGeom prst="rect">
+            <a:avLst/>
+          </a:prstGeom>
+          <a:noFill/>
+        </p:spPr>
+        <p:txBody>
+          <a:bodyPr wrap="square" rtlCol="0">
+            <a:spAutoFit/>
+          </a:bodyPr>
+          <a:lstStyle/>
+          <a:p>
+            <a:pPr algn="l"/>
+            <a:r>
+              <a:rPr lang="en-GB" dirty="0" smtClean="0"/>
+              <a:t>(PBN) </a:t>
+            </a:r>
+            <a:r>
+              <a:rPr lang="en-GB" dirty="0" err="1" smtClean="0"/>
+              <a:t>Tromboning</a:t>
+            </a:r>
+            <a:endParaRPr lang="en-GB" dirty="0"/>
+          </a:p>
+        </p:txBody>
+      </p:sp>
+      <p:sp>
+        <p:nvSpPr>
+          <p:cNvPr id="28" name="TextBox 27"/>
+          <p:cNvSpPr txBox="1"/>
+          <p:nvPr/>
+        </p:nvSpPr>
+        <p:spPr>
+          <a:xfrm>
+            <a:off x="3338434" y="3401029"/>
+            <a:ext cx="1817768" cy="830997"/>
+          </a:xfrm>
+          <a:prstGeom prst="rect">
+            <a:avLst/>
+          </a:prstGeom>
+          <a:noFill/>
+        </p:spPr>
+        <p:txBody>
+          <a:bodyPr wrap="square" rtlCol="0">
+            <a:spAutoFit/>
+          </a:bodyPr>
+          <a:lstStyle/>
+          <a:p>
+            <a:pPr algn="l"/>
+            <a:r>
+              <a:rPr lang="en-GB" dirty="0" smtClean="0"/>
+              <a:t>(classical) Vectoring</a:t>
+            </a:r>
+            <a:endParaRPr lang="en-GB" dirty="0"/>
+          </a:p>
+        </p:txBody>
+      </p:sp>
+      <p:cxnSp>
+        <p:nvCxnSpPr>
+          <p:cNvPr id="29" name="Straight Arrow Connector 28"/>
+          <p:cNvCxnSpPr/>
+          <p:nvPr/>
+        </p:nvCxnSpPr>
+        <p:spPr bwMode="auto">
+          <a:xfrm flipV="1">
+            <a:off x="3725885" y="4199401"/>
+            <a:ext cx="706086" cy="141572"/>
+          </a:xfrm>
+          <a:prstGeom prst="straightConnector1">
+            <a:avLst/>
+          </a:prstGeom>
+          <a:solidFill>
+            <a:schemeClr val="accent1"/>
+          </a:solidFill>
+          <a:ln w="25400" cap="flat" cmpd="sng" algn="ctr">
+            <a:solidFill>
+              <a:schemeClr val="tx1"/>
+            </a:solidFill>
+            <a:prstDash val="solid"/>
+            <a:round/>
+            <a:headEnd type="none" w="med" len="med"/>
+            <a:tailEnd type="triangle"/>
+          </a:ln>
+          <a:effectLst/>
+          <a:extLst>
+            <a:ext uri="{AF507438-7753-43E0-B8FC-AC1667EBCBE1}">
+              <a14:hiddenEffects xmlns:a14="http://schemas.microsoft.com/office/drawing/2010/main">
+                <a:effectLst>
+                  <a:outerShdw dist="35921" dir="2700000" algn="ctr" rotWithShape="0">
+                    <a:schemeClr val="bg2"/>
+                  </a:outerShdw>
+                </a:effectLst>
+              </a14:hiddenEffects>
+            </a:ext>
+          </a:extLst>
+        </p:spPr>
+      </p:cxnSp>
+      <p:cxnSp>
+        <p:nvCxnSpPr>
+          <p:cNvPr id="30" name="Straight Arrow Connector 29"/>
+          <p:cNvCxnSpPr/>
+          <p:nvPr/>
+        </p:nvCxnSpPr>
+        <p:spPr bwMode="auto">
+          <a:xfrm>
+            <a:off x="3440358" y="4468934"/>
+            <a:ext cx="706884" cy="58986"/>
+          </a:xfrm>
+          <a:prstGeom prst="straightConnector1">
+            <a:avLst/>
+          </a:prstGeom>
+          <a:solidFill>
+            <a:schemeClr val="accent1"/>
+          </a:solidFill>
+          <a:ln w="25400" cap="flat" cmpd="sng" algn="ctr">
+            <a:solidFill>
+              <a:schemeClr val="tx1"/>
+            </a:solidFill>
+            <a:prstDash val="solid"/>
+            <a:round/>
+            <a:headEnd type="none" w="med" len="med"/>
+            <a:tailEnd type="triangle"/>
+          </a:ln>
+          <a:effectLst/>
+          <a:extLst>
+            <a:ext uri="{AF507438-7753-43E0-B8FC-AC1667EBCBE1}">
+              <a14:hiddenEffects xmlns:a14="http://schemas.microsoft.com/office/drawing/2010/main">
+                <a:effectLst>
+                  <a:outerShdw dist="35921" dir="2700000" algn="ctr" rotWithShape="0">
+                    <a:schemeClr val="bg2"/>
+                  </a:outerShdw>
+                </a:effectLst>
+              </a14:hiddenEffects>
+            </a:ext>
+          </a:extLst>
+        </p:spPr>
+      </p:cxnSp>
+      <p:cxnSp>
+        <p:nvCxnSpPr>
+          <p:cNvPr id="31" name="Straight Arrow Connector 30"/>
+          <p:cNvCxnSpPr/>
+          <p:nvPr/>
+        </p:nvCxnSpPr>
+        <p:spPr bwMode="auto">
+          <a:xfrm flipV="1">
+            <a:off x="3242383" y="4181605"/>
+            <a:ext cx="329934" cy="488766"/>
+          </a:xfrm>
+          <a:prstGeom prst="straightConnector1">
+            <a:avLst/>
+          </a:prstGeom>
+          <a:solidFill>
+            <a:schemeClr val="accent1"/>
+          </a:solidFill>
+          <a:ln w="25400" cap="flat" cmpd="sng" algn="ctr">
+            <a:solidFill>
+              <a:schemeClr val="tx1"/>
+            </a:solidFill>
+            <a:prstDash val="solid"/>
+            <a:round/>
+            <a:headEnd type="none" w="med" len="med"/>
+            <a:tailEnd type="triangle"/>
+          </a:ln>
+          <a:effectLst/>
+          <a:extLst>
+            <a:ext uri="{AF507438-7753-43E0-B8FC-AC1667EBCBE1}">
+              <a14:hiddenEffects xmlns:a14="http://schemas.microsoft.com/office/drawing/2010/main">
+                <a:effectLst>
+                  <a:outerShdw dist="35921" dir="2700000" algn="ctr" rotWithShape="0">
+                    <a:schemeClr val="bg2"/>
+                  </a:outerShdw>
+                </a:effectLst>
+              </a14:hiddenEffects>
+            </a:ext>
+          </a:extLst>
+        </p:spPr>
+      </p:cxnSp>
+      <p:sp>
+        <p:nvSpPr>
+          <p:cNvPr id="32" name="TextBox 31"/>
+          <p:cNvSpPr txBox="1"/>
+          <p:nvPr/>
+        </p:nvSpPr>
+        <p:spPr>
+          <a:xfrm>
+            <a:off x="3182349" y="1982979"/>
+            <a:ext cx="2698093" cy="830997"/>
+          </a:xfrm>
+          <a:prstGeom prst="rect">
+            <a:avLst/>
+          </a:prstGeom>
+          <a:noFill/>
+        </p:spPr>
+        <p:txBody>
+          <a:bodyPr wrap="square" rtlCol="0">
+            <a:spAutoFit/>
+          </a:bodyPr>
+          <a:lstStyle/>
+          <a:p>
+            <a:pPr algn="l"/>
+            <a:r>
+              <a:rPr lang="en-GB" dirty="0" smtClean="0"/>
+              <a:t>Holdings </a:t>
+            </a:r>
+            <a:br>
+              <a:rPr lang="en-GB" dirty="0" smtClean="0"/>
+            </a:br>
+            <a:r>
+              <a:rPr lang="en-GB" dirty="0" smtClean="0"/>
+              <a:t>(runway pressure)</a:t>
+            </a:r>
+            <a:endParaRPr lang="en-GB" dirty="0"/>
+          </a:p>
+        </p:txBody>
+      </p:sp>
+      <p:sp>
+        <p:nvSpPr>
+          <p:cNvPr id="33" name="TextBox 32"/>
+          <p:cNvSpPr txBox="1"/>
+          <p:nvPr/>
+        </p:nvSpPr>
+        <p:spPr>
+          <a:xfrm>
+            <a:off x="3948966" y="955957"/>
+            <a:ext cx="2821100" cy="461665"/>
+          </a:xfrm>
+          <a:prstGeom prst="rect">
+            <a:avLst/>
+          </a:prstGeom>
+          <a:solidFill>
+            <a:schemeClr val="bg1"/>
+          </a:solidFill>
+        </p:spPr>
+        <p:txBody>
+          <a:bodyPr wrap="square" rtlCol="0">
+            <a:spAutoFit/>
+          </a:bodyPr>
+          <a:lstStyle/>
+          <a:p>
+            <a:pPr algn="l"/>
+            <a:r>
+              <a:rPr lang="en-GB" dirty="0"/>
+              <a:t>ext. </a:t>
+            </a:r>
+            <a:r>
+              <a:rPr lang="en-GB" dirty="0" smtClean="0"/>
+              <a:t>AMAN / XMAN</a:t>
+            </a:r>
+          </a:p>
+        </p:txBody>
+      </p:sp>
+      <p:sp>
+        <p:nvSpPr>
+          <p:cNvPr id="34" name="TextBox 33"/>
+          <p:cNvSpPr txBox="1"/>
+          <p:nvPr/>
+        </p:nvSpPr>
+        <p:spPr>
+          <a:xfrm>
+            <a:off x="6831674" y="874870"/>
+            <a:ext cx="1345562" cy="646331"/>
+          </a:xfrm>
+          <a:prstGeom prst="rect">
+            <a:avLst/>
+          </a:prstGeom>
+          <a:noFill/>
+        </p:spPr>
+        <p:txBody>
+          <a:bodyPr wrap="square" rtlCol="0">
+            <a:spAutoFit/>
+          </a:bodyPr>
+          <a:lstStyle/>
+          <a:p>
+            <a:pPr algn="l"/>
+            <a:r>
+              <a:rPr lang="en-GB" sz="1800" dirty="0" smtClean="0">
+                <a:solidFill>
+                  <a:schemeClr val="bg1">
+                    <a:lumMod val="65000"/>
+                  </a:schemeClr>
+                </a:solidFill>
+                <a:effectLst/>
+              </a:rPr>
+              <a:t>“</a:t>
+            </a:r>
+            <a:r>
+              <a:rPr lang="en-GB" sz="1800" dirty="0" err="1" smtClean="0">
+                <a:solidFill>
+                  <a:schemeClr val="bg1">
+                    <a:lumMod val="65000"/>
+                  </a:schemeClr>
+                </a:solidFill>
+                <a:effectLst/>
+              </a:rPr>
+              <a:t>en</a:t>
+            </a:r>
+            <a:r>
+              <a:rPr lang="en-GB" sz="1800" dirty="0" smtClean="0">
+                <a:solidFill>
+                  <a:schemeClr val="bg1">
+                    <a:lumMod val="65000"/>
+                  </a:schemeClr>
+                </a:solidFill>
+                <a:effectLst/>
+              </a:rPr>
+              <a:t>-route absorption”</a:t>
+            </a:r>
+            <a:endParaRPr lang="en-GB" sz="1800" dirty="0">
+              <a:solidFill>
+                <a:schemeClr val="bg1">
+                  <a:lumMod val="65000"/>
+                </a:schemeClr>
+              </a:solidFill>
+              <a:effectLst/>
+            </a:endParaRPr>
+          </a:p>
+        </p:txBody>
+      </p:sp>
+      <p:sp>
+        <p:nvSpPr>
+          <p:cNvPr id="35" name="TextBox 34"/>
+          <p:cNvSpPr txBox="1"/>
+          <p:nvPr/>
+        </p:nvSpPr>
+        <p:spPr>
+          <a:xfrm>
+            <a:off x="8442784" y="883467"/>
+            <a:ext cx="1846574" cy="369332"/>
+          </a:xfrm>
+          <a:prstGeom prst="rect">
+            <a:avLst/>
+          </a:prstGeom>
+          <a:noFill/>
+        </p:spPr>
+        <p:txBody>
+          <a:bodyPr wrap="square" rtlCol="0">
+            <a:spAutoFit/>
+          </a:bodyPr>
+          <a:lstStyle/>
+          <a:p>
+            <a:pPr algn="l"/>
+            <a:r>
+              <a:rPr lang="en-GB" sz="1800" dirty="0">
+                <a:solidFill>
+                  <a:schemeClr val="bg1">
+                    <a:lumMod val="65000"/>
+                  </a:schemeClr>
+                </a:solidFill>
+                <a:effectLst/>
+              </a:rPr>
+              <a:t>t</a:t>
+            </a:r>
+            <a:r>
+              <a:rPr lang="en-GB" sz="1800" dirty="0" smtClean="0">
+                <a:solidFill>
+                  <a:schemeClr val="bg1">
+                    <a:lumMod val="65000"/>
+                  </a:schemeClr>
+                </a:solidFill>
+                <a:effectLst/>
+              </a:rPr>
+              <a:t>ailored release</a:t>
+            </a:r>
+            <a:endParaRPr lang="en-GB" sz="1800" dirty="0">
+              <a:solidFill>
+                <a:schemeClr val="bg1">
+                  <a:lumMod val="65000"/>
+                </a:schemeClr>
+              </a:solidFill>
+              <a:effectLst/>
+            </a:endParaRPr>
+          </a:p>
+        </p:txBody>
+      </p:sp>
+    </p:spTree>
+    <p:extLst>
+      <p:ext uri="{BB962C8B-B14F-4D97-AF65-F5344CB8AC3E}">
+        <p14:creationId xmlns:p14="http://schemas.microsoft.com/office/powerpoint/2010/main" val="37918562"/>
+      </p:ext>
+    </p:extLst>
+  </p:cSld>
+  <p:clrMapOvr>
+    <a:masterClrMapping/>
+  </p:clrMapOvr>
+</p:sld>
+</file>
+
+<file path=ppt/slides/slide4.xml><?xml version="1.0" encoding="utf-8"?>
+<p:sld xmlns:a="http://schemas.openxmlformats.org/drawingml/2006/main" xmlns:r="http://schemas.openxmlformats.org/officeDocument/2006/relationships" xmlns:p="http://schemas.openxmlformats.org/presentationml/2006/main">
+  <p:cSld>
+    <p:spTree>
+      <p:nvGrpSpPr>
+        <p:cNvPr id="1" name=""/>
+        <p:cNvGrpSpPr/>
+        <p:nvPr/>
+      </p:nvGrpSpPr>
+      <p:grpSpPr>
+        <a:xfrm>
+          <a:off x="0" y="0"/>
+          <a:ext cx="0" cy="0"/>
+          <a:chOff x="0" y="0"/>
+          <a:chExt cx="0" cy="0"/>
+        </a:xfrm>
+      </p:grpSpPr>
+      <p:sp>
+        <p:nvSpPr>
+          <p:cNvPr id="2" name="TextBox 1"/>
+          <p:cNvSpPr txBox="1"/>
+          <p:nvPr/>
+        </p:nvSpPr>
+        <p:spPr>
+          <a:xfrm>
+            <a:off x="2099093" y="3784567"/>
+            <a:ext cx="1125192" cy="461665"/>
+          </a:xfrm>
+          <a:prstGeom prst="rect">
+            <a:avLst/>
+          </a:prstGeom>
+          <a:noFill/>
+        </p:spPr>
+        <p:txBody>
+          <a:bodyPr wrap="square" rtlCol="0">
+            <a:spAutoFit/>
+          </a:bodyPr>
+          <a:lstStyle/>
+          <a:p>
+            <a:r>
+              <a:rPr lang="en-GB" dirty="0" smtClean="0"/>
+              <a:t>ALDT</a:t>
+            </a:r>
+            <a:endParaRPr lang="en-GB" dirty="0"/>
+          </a:p>
+        </p:txBody>
+      </p:sp>
+      <p:sp>
+        <p:nvSpPr>
+          <p:cNvPr id="3" name="TextBox 2"/>
+          <p:cNvSpPr txBox="1"/>
+          <p:nvPr/>
+        </p:nvSpPr>
+        <p:spPr>
+          <a:xfrm>
+            <a:off x="5017408" y="3824851"/>
+            <a:ext cx="1332647" cy="461665"/>
+          </a:xfrm>
+          <a:prstGeom prst="rect">
+            <a:avLst/>
+          </a:prstGeom>
+          <a:noFill/>
+        </p:spPr>
+        <p:txBody>
+          <a:bodyPr wrap="square" rtlCol="0">
+            <a:spAutoFit/>
+          </a:bodyPr>
+          <a:lstStyle/>
+          <a:p>
+            <a:r>
+              <a:rPr lang="en-GB" dirty="0" err="1" smtClean="0"/>
+              <a:t>ATO|fix</a:t>
+            </a:r>
+            <a:endParaRPr lang="en-GB" dirty="0"/>
+          </a:p>
+        </p:txBody>
+      </p:sp>
+      <p:grpSp>
+        <p:nvGrpSpPr>
+          <p:cNvPr id="4" name="Group 3"/>
+          <p:cNvGrpSpPr/>
+          <p:nvPr/>
+        </p:nvGrpSpPr>
+        <p:grpSpPr>
+          <a:xfrm>
+            <a:off x="1920303" y="625950"/>
+            <a:ext cx="6009743" cy="2894683"/>
+            <a:chOff x="1172880" y="1150736"/>
+            <a:chExt cx="6009743" cy="2894683"/>
+          </a:xfrm>
+        </p:grpSpPr>
+        <p:pic>
+          <p:nvPicPr>
+            <p:cNvPr id="5" name="Picture 4"/>
+            <p:cNvPicPr>
+              <a:picLocks noChangeAspect="1"/>
+            </p:cNvPicPr>
+            <p:nvPr/>
+          </p:nvPicPr>
+          <p:blipFill>
+            <a:blip r:embed="rId2">
+              <a:extLst>
+                <a:ext uri="{28A0092B-C50C-407E-A947-70E740481C1C}">
+                  <a14:useLocalDpi xmlns:a14="http://schemas.microsoft.com/office/drawing/2010/main" val="0"/>
+                </a:ext>
+              </a:extLst>
+            </a:blip>
+            <a:stretch>
+              <a:fillRect/>
+            </a:stretch>
+          </p:blipFill>
+          <p:spPr>
+            <a:xfrm>
+              <a:off x="1172880" y="2990019"/>
+              <a:ext cx="961484" cy="1015323"/>
+            </a:xfrm>
+            <a:prstGeom prst="rect">
+              <a:avLst/>
+            </a:prstGeom>
+          </p:spPr>
+        </p:pic>
+        <p:sp>
+          <p:nvSpPr>
+            <p:cNvPr id="6" name="Freeform 5"/>
+            <p:cNvSpPr/>
+            <p:nvPr/>
+          </p:nvSpPr>
+          <p:spPr bwMode="auto">
+            <a:xfrm>
+              <a:off x="2076481" y="1261621"/>
+              <a:ext cx="4640606" cy="2697729"/>
+            </a:xfrm>
+            <a:custGeom>
+              <a:avLst/>
+              <a:gdLst>
+                <a:gd name="connsiteX0" fmla="*/ 0 w 6750996"/>
+                <a:gd name="connsiteY0" fmla="*/ 3589508 h 3914945"/>
+                <a:gd name="connsiteX1" fmla="*/ 1867711 w 6750996"/>
+                <a:gd name="connsiteY1" fmla="*/ 3900793 h 3914945"/>
+                <a:gd name="connsiteX2" fmla="*/ 3696511 w 6750996"/>
+                <a:gd name="connsiteY2" fmla="*/ 3180946 h 3914945"/>
+                <a:gd name="connsiteX3" fmla="*/ 3677056 w 6750996"/>
+                <a:gd name="connsiteY3" fmla="*/ 2003899 h 3914945"/>
+                <a:gd name="connsiteX4" fmla="*/ 1974715 w 6750996"/>
+                <a:gd name="connsiteY4" fmla="*/ 1420240 h 3914945"/>
+                <a:gd name="connsiteX5" fmla="*/ 2042809 w 6750996"/>
+                <a:gd name="connsiteY5" fmla="*/ 710121 h 3914945"/>
+                <a:gd name="connsiteX6" fmla="*/ 4377447 w 6750996"/>
+                <a:gd name="connsiteY6" fmla="*/ 116733 h 3914945"/>
+                <a:gd name="connsiteX7" fmla="*/ 6750996 w 6750996"/>
+                <a:gd name="connsiteY7" fmla="*/ 1 h 3914945"/>
+                <a:gd name="connsiteX8" fmla="*/ 6750996 w 6750996"/>
+                <a:gd name="connsiteY8" fmla="*/ 1 h 3914945"/>
+                <a:gd name="connsiteX0" fmla="*/ 0 w 6750996"/>
+                <a:gd name="connsiteY0" fmla="*/ 3589508 h 3929904"/>
+                <a:gd name="connsiteX1" fmla="*/ 1867711 w 6750996"/>
+                <a:gd name="connsiteY1" fmla="*/ 3900793 h 3929904"/>
+                <a:gd name="connsiteX2" fmla="*/ 3151762 w 6750996"/>
+                <a:gd name="connsiteY2" fmla="*/ 2918300 h 3929904"/>
+                <a:gd name="connsiteX3" fmla="*/ 3677056 w 6750996"/>
+                <a:gd name="connsiteY3" fmla="*/ 2003899 h 3929904"/>
+                <a:gd name="connsiteX4" fmla="*/ 1974715 w 6750996"/>
+                <a:gd name="connsiteY4" fmla="*/ 1420240 h 3929904"/>
+                <a:gd name="connsiteX5" fmla="*/ 2042809 w 6750996"/>
+                <a:gd name="connsiteY5" fmla="*/ 710121 h 3929904"/>
+                <a:gd name="connsiteX6" fmla="*/ 4377447 w 6750996"/>
+                <a:gd name="connsiteY6" fmla="*/ 116733 h 3929904"/>
+                <a:gd name="connsiteX7" fmla="*/ 6750996 w 6750996"/>
+                <a:gd name="connsiteY7" fmla="*/ 1 h 3929904"/>
+                <a:gd name="connsiteX8" fmla="*/ 6750996 w 6750996"/>
+                <a:gd name="connsiteY8" fmla="*/ 1 h 3929904"/>
+                <a:gd name="connsiteX0" fmla="*/ 0 w 6750996"/>
+                <a:gd name="connsiteY0" fmla="*/ 3589508 h 3929904"/>
+                <a:gd name="connsiteX1" fmla="*/ 1867711 w 6750996"/>
+                <a:gd name="connsiteY1" fmla="*/ 3900793 h 3929904"/>
+                <a:gd name="connsiteX2" fmla="*/ 3151762 w 6750996"/>
+                <a:gd name="connsiteY2" fmla="*/ 2918300 h 3929904"/>
+                <a:gd name="connsiteX3" fmla="*/ 2101175 w 6750996"/>
+                <a:gd name="connsiteY3" fmla="*/ 2110903 h 3929904"/>
+                <a:gd name="connsiteX4" fmla="*/ 1974715 w 6750996"/>
+                <a:gd name="connsiteY4" fmla="*/ 1420240 h 3929904"/>
+                <a:gd name="connsiteX5" fmla="*/ 2042809 w 6750996"/>
+                <a:gd name="connsiteY5" fmla="*/ 710121 h 3929904"/>
+                <a:gd name="connsiteX6" fmla="*/ 4377447 w 6750996"/>
+                <a:gd name="connsiteY6" fmla="*/ 116733 h 3929904"/>
+                <a:gd name="connsiteX7" fmla="*/ 6750996 w 6750996"/>
+                <a:gd name="connsiteY7" fmla="*/ 1 h 3929904"/>
+                <a:gd name="connsiteX8" fmla="*/ 6750996 w 6750996"/>
+                <a:gd name="connsiteY8" fmla="*/ 1 h 3929904"/>
+                <a:gd name="connsiteX0" fmla="*/ 0 w 6750996"/>
+                <a:gd name="connsiteY0" fmla="*/ 3589508 h 3929904"/>
+                <a:gd name="connsiteX1" fmla="*/ 1867711 w 6750996"/>
+                <a:gd name="connsiteY1" fmla="*/ 3900793 h 3929904"/>
+                <a:gd name="connsiteX2" fmla="*/ 3151762 w 6750996"/>
+                <a:gd name="connsiteY2" fmla="*/ 2918300 h 3929904"/>
+                <a:gd name="connsiteX3" fmla="*/ 2101175 w 6750996"/>
+                <a:gd name="connsiteY3" fmla="*/ 2110903 h 3929904"/>
+                <a:gd name="connsiteX4" fmla="*/ 2626468 w 6750996"/>
+                <a:gd name="connsiteY4" fmla="*/ 1254870 h 3929904"/>
+                <a:gd name="connsiteX5" fmla="*/ 2042809 w 6750996"/>
+                <a:gd name="connsiteY5" fmla="*/ 710121 h 3929904"/>
+                <a:gd name="connsiteX6" fmla="*/ 4377447 w 6750996"/>
+                <a:gd name="connsiteY6" fmla="*/ 116733 h 3929904"/>
+                <a:gd name="connsiteX7" fmla="*/ 6750996 w 6750996"/>
+                <a:gd name="connsiteY7" fmla="*/ 1 h 3929904"/>
+                <a:gd name="connsiteX8" fmla="*/ 6750996 w 6750996"/>
+                <a:gd name="connsiteY8" fmla="*/ 1 h 3929904"/>
+                <a:gd name="connsiteX0" fmla="*/ 0 w 6750996"/>
+                <a:gd name="connsiteY0" fmla="*/ 3589508 h 3929904"/>
+                <a:gd name="connsiteX1" fmla="*/ 1867711 w 6750996"/>
+                <a:gd name="connsiteY1" fmla="*/ 3900793 h 3929904"/>
+                <a:gd name="connsiteX2" fmla="*/ 3151762 w 6750996"/>
+                <a:gd name="connsiteY2" fmla="*/ 2918300 h 3929904"/>
+                <a:gd name="connsiteX3" fmla="*/ 2655651 w 6750996"/>
+                <a:gd name="connsiteY3" fmla="*/ 2071992 h 3929904"/>
+                <a:gd name="connsiteX4" fmla="*/ 2626468 w 6750996"/>
+                <a:gd name="connsiteY4" fmla="*/ 1254870 h 3929904"/>
+                <a:gd name="connsiteX5" fmla="*/ 2042809 w 6750996"/>
+                <a:gd name="connsiteY5" fmla="*/ 710121 h 3929904"/>
+                <a:gd name="connsiteX6" fmla="*/ 4377447 w 6750996"/>
+                <a:gd name="connsiteY6" fmla="*/ 116733 h 3929904"/>
+                <a:gd name="connsiteX7" fmla="*/ 6750996 w 6750996"/>
+                <a:gd name="connsiteY7" fmla="*/ 1 h 3929904"/>
+                <a:gd name="connsiteX8" fmla="*/ 6750996 w 6750996"/>
+                <a:gd name="connsiteY8" fmla="*/ 1 h 3929904"/>
+                <a:gd name="connsiteX0" fmla="*/ 0 w 6750996"/>
+                <a:gd name="connsiteY0" fmla="*/ 3589508 h 3929904"/>
+                <a:gd name="connsiteX1" fmla="*/ 1867711 w 6750996"/>
+                <a:gd name="connsiteY1" fmla="*/ 3900793 h 3929904"/>
+                <a:gd name="connsiteX2" fmla="*/ 3151762 w 6750996"/>
+                <a:gd name="connsiteY2" fmla="*/ 2918300 h 3929904"/>
+                <a:gd name="connsiteX3" fmla="*/ 2626468 w 6750996"/>
+                <a:gd name="connsiteY3" fmla="*/ 1254870 h 3929904"/>
+                <a:gd name="connsiteX4" fmla="*/ 2042809 w 6750996"/>
+                <a:gd name="connsiteY4" fmla="*/ 710121 h 3929904"/>
+                <a:gd name="connsiteX5" fmla="*/ 4377447 w 6750996"/>
+                <a:gd name="connsiteY5" fmla="*/ 116733 h 3929904"/>
+                <a:gd name="connsiteX6" fmla="*/ 6750996 w 6750996"/>
+                <a:gd name="connsiteY6" fmla="*/ 1 h 3929904"/>
+                <a:gd name="connsiteX7" fmla="*/ 6750996 w 6750996"/>
+                <a:gd name="connsiteY7" fmla="*/ 1 h 3929904"/>
+                <a:gd name="connsiteX0" fmla="*/ 0 w 6750996"/>
+                <a:gd name="connsiteY0" fmla="*/ 3589508 h 3929904"/>
+                <a:gd name="connsiteX1" fmla="*/ 1867711 w 6750996"/>
+                <a:gd name="connsiteY1" fmla="*/ 3900793 h 3929904"/>
+                <a:gd name="connsiteX2" fmla="*/ 3151762 w 6750996"/>
+                <a:gd name="connsiteY2" fmla="*/ 2918300 h 3929904"/>
+                <a:gd name="connsiteX3" fmla="*/ 2626468 w 6750996"/>
+                <a:gd name="connsiteY3" fmla="*/ 1254870 h 3929904"/>
+                <a:gd name="connsiteX4" fmla="*/ 4377447 w 6750996"/>
+                <a:gd name="connsiteY4" fmla="*/ 116733 h 3929904"/>
+                <a:gd name="connsiteX5" fmla="*/ 6750996 w 6750996"/>
+                <a:gd name="connsiteY5" fmla="*/ 1 h 3929904"/>
+                <a:gd name="connsiteX6" fmla="*/ 6750996 w 6750996"/>
+                <a:gd name="connsiteY6" fmla="*/ 1 h 3929904"/>
+                <a:gd name="connsiteX0" fmla="*/ 0 w 6750996"/>
+                <a:gd name="connsiteY0" fmla="*/ 3589508 h 3704416"/>
+                <a:gd name="connsiteX1" fmla="*/ 2023354 w 6750996"/>
+                <a:gd name="connsiteY1" fmla="*/ 3589508 h 3704416"/>
+                <a:gd name="connsiteX2" fmla="*/ 3151762 w 6750996"/>
+                <a:gd name="connsiteY2" fmla="*/ 2918300 h 3704416"/>
+                <a:gd name="connsiteX3" fmla="*/ 2626468 w 6750996"/>
+                <a:gd name="connsiteY3" fmla="*/ 1254870 h 3704416"/>
+                <a:gd name="connsiteX4" fmla="*/ 4377447 w 6750996"/>
+                <a:gd name="connsiteY4" fmla="*/ 116733 h 3704416"/>
+                <a:gd name="connsiteX5" fmla="*/ 6750996 w 6750996"/>
+                <a:gd name="connsiteY5" fmla="*/ 1 h 3704416"/>
+                <a:gd name="connsiteX6" fmla="*/ 6750996 w 6750996"/>
+                <a:gd name="connsiteY6" fmla="*/ 1 h 3704416"/>
+                <a:gd name="connsiteX0" fmla="*/ 0 w 6750996"/>
+                <a:gd name="connsiteY0" fmla="*/ 3589508 h 3716457"/>
+                <a:gd name="connsiteX1" fmla="*/ 2023354 w 6750996"/>
+                <a:gd name="connsiteY1" fmla="*/ 3589508 h 3716457"/>
+                <a:gd name="connsiteX2" fmla="*/ 2859932 w 6750996"/>
+                <a:gd name="connsiteY2" fmla="*/ 2704291 h 3716457"/>
+                <a:gd name="connsiteX3" fmla="*/ 2626468 w 6750996"/>
+                <a:gd name="connsiteY3" fmla="*/ 1254870 h 3716457"/>
+                <a:gd name="connsiteX4" fmla="*/ 4377447 w 6750996"/>
+                <a:gd name="connsiteY4" fmla="*/ 116733 h 3716457"/>
+                <a:gd name="connsiteX5" fmla="*/ 6750996 w 6750996"/>
+                <a:gd name="connsiteY5" fmla="*/ 1 h 3716457"/>
+                <a:gd name="connsiteX6" fmla="*/ 6750996 w 6750996"/>
+                <a:gd name="connsiteY6" fmla="*/ 1 h 3716457"/>
+              </a:gdLst>
+              <a:ahLst/>
+              <a:cxnLst>
+                <a:cxn ang="0">
+                  <a:pos x="connsiteX0" y="connsiteY0"/>
+                </a:cxn>
+                <a:cxn ang="0">
+                  <a:pos x="connsiteX1" y="connsiteY1"/>
+                </a:cxn>
+                <a:cxn ang="0">
+                  <a:pos x="connsiteX2" y="connsiteY2"/>
+                </a:cxn>
+                <a:cxn ang="0">
+                  <a:pos x="connsiteX3" y="connsiteY3"/>
+                </a:cxn>
+                <a:cxn ang="0">
+                  <a:pos x="connsiteX4" y="connsiteY4"/>
+                </a:cxn>
+                <a:cxn ang="0">
+                  <a:pos x="connsiteX5" y="connsiteY5"/>
+                </a:cxn>
+                <a:cxn ang="0">
+                  <a:pos x="connsiteX6" y="connsiteY6"/>
+                </a:cxn>
+              </a:cxnLst>
+              <a:rect l="l" t="t" r="r" b="b"/>
+              <a:pathLst>
+                <a:path w="6750996" h="3716457">
+                  <a:moveTo>
+                    <a:pt x="0" y="3589508"/>
+                  </a:moveTo>
+                  <a:cubicBezTo>
+                    <a:pt x="625813" y="3779197"/>
+                    <a:pt x="1546699" y="3737044"/>
+                    <a:pt x="2023354" y="3589508"/>
+                  </a:cubicBezTo>
+                  <a:cubicBezTo>
+                    <a:pt x="2500009" y="3441972"/>
+                    <a:pt x="2759413" y="3093397"/>
+                    <a:pt x="2859932" y="2704291"/>
+                  </a:cubicBezTo>
+                  <a:cubicBezTo>
+                    <a:pt x="2960451" y="2315185"/>
+                    <a:pt x="2373549" y="1686130"/>
+                    <a:pt x="2626468" y="1254870"/>
+                  </a:cubicBezTo>
+                  <a:cubicBezTo>
+                    <a:pt x="2879387" y="823610"/>
+                    <a:pt x="3690026" y="325878"/>
+                    <a:pt x="4377447" y="116733"/>
+                  </a:cubicBezTo>
+                  <a:cubicBezTo>
+                    <a:pt x="5162145" y="-1620"/>
+                    <a:pt x="6750996" y="1"/>
+                    <a:pt x="6750996" y="1"/>
+                  </a:cubicBezTo>
+                  <a:lnTo>
+                    <a:pt x="6750996" y="1"/>
+                  </a:lnTo>
+                </a:path>
+              </a:pathLst>
+            </a:custGeom>
+            <a:noFill/>
+            <a:ln w="9525" cap="flat" cmpd="sng" algn="ctr">
+              <a:solidFill>
+                <a:schemeClr val="tx1"/>
+              </a:solidFill>
+              <a:prstDash val="solid"/>
+              <a:round/>
+              <a:headEnd type="none" w="med" len="med"/>
+              <a:tailEnd type="none" w="med" len="med"/>
+            </a:ln>
+            <a:effectLst/>
+            <a:extLst>
+              <a:ext uri="{AF507438-7753-43E0-B8FC-AC1667EBCBE1}">
+                <a14:hiddenEffects xmlns:a14="http://schemas.microsoft.com/office/drawing/2010/main">
+                  <a:effectLst>
+                    <a:outerShdw dist="35921" dir="2700000" algn="ctr" rotWithShape="0">
+                      <a:schemeClr val="bg2"/>
+                    </a:outerShdw>
+                  </a:effectLst>
+                </a14:hiddenEffects>
+              </a:ext>
+            </a:extLst>
+          </p:spPr>
+          <p:txBody>
+            <a:bodyPr vert="horz" wrap="square" lIns="91440" tIns="45720" rIns="91440" bIns="45720" numCol="1" rtlCol="0" anchor="t" anchorCtr="0" compatLnSpc="1">
+              <a:prstTxWarp prst="textNoShape">
+                <a:avLst/>
+              </a:prstTxWarp>
+            </a:bodyPr>
+            <a:lstStyle/>
+            <a:p>
+              <a:pPr marL="0" marR="0" indent="0" algn="r" defTabSz="914400" rtl="0" eaLnBrk="0" fontAlgn="base" latinLnBrk="0" hangingPunct="0">
+                <a:lnSpc>
+                  <a:spcPct val="100000"/>
+                </a:lnSpc>
+                <a:spcBef>
+                  <a:spcPct val="0"/>
+                </a:spcBef>
+                <a:spcAft>
+                  <a:spcPct val="0"/>
+                </a:spcAft>
+                <a:buClrTx/>
+                <a:buSzTx/>
+                <a:buFontTx/>
+                <a:buNone/>
+                <a:tabLst/>
+              </a:pPr>
+              <a:endParaRPr kumimoji="0" lang="en-GB" sz="2400" b="0" i="0" u="none" strike="noStrike" cap="none" normalizeH="0" baseline="0" smtClean="0">
+                <a:ln>
+                  <a:noFill/>
+                </a:ln>
+                <a:solidFill>
+                  <a:schemeClr val="tx1"/>
+                </a:solidFill>
+                <a:effectLst>
+                  <a:outerShdw blurRad="38100" dist="38100" dir="2700000" algn="tl">
+                    <a:srgbClr val="000000">
+                      <a:alpha val="43137"/>
+                    </a:srgbClr>
+                  </a:outerShdw>
+                </a:effectLst>
+                <a:latin typeface="Arial" charset="0"/>
+                <a:ea typeface="ＭＳ Ｐゴシック" pitchFamily="-7" charset="-128"/>
+              </a:endParaRPr>
+            </a:p>
+          </p:txBody>
+        </p:sp>
+        <p:sp>
+          <p:nvSpPr>
+            <p:cNvPr id="7" name="Oval 6"/>
+            <p:cNvSpPr/>
+            <p:nvPr/>
+          </p:nvSpPr>
+          <p:spPr bwMode="auto">
+            <a:xfrm>
+              <a:off x="5872327" y="1205130"/>
+              <a:ext cx="123731" cy="130660"/>
+            </a:xfrm>
+            <a:prstGeom prst="ellipse">
+              <a:avLst/>
+            </a:prstGeom>
+            <a:solidFill>
+              <a:schemeClr val="tx1"/>
+            </a:solidFill>
+            <a:ln w="9525" cap="flat" cmpd="sng" algn="ctr">
+              <a:noFill/>
+              <a:prstDash val="solid"/>
+              <a:round/>
+              <a:headEnd type="none" w="med" len="med"/>
+              <a:tailEnd type="none" w="med" len="med"/>
+            </a:ln>
+            <a:effectLst/>
+            <a:extLst/>
+          </p:spPr>
+          <p:txBody>
+            <a:bodyPr vert="horz" wrap="square" lIns="91440" tIns="45720" rIns="91440" bIns="45720" numCol="1" rtlCol="0" anchor="t" anchorCtr="0" compatLnSpc="1">
+              <a:prstTxWarp prst="textNoShape">
+                <a:avLst/>
+              </a:prstTxWarp>
+            </a:bodyPr>
+            <a:lstStyle/>
+            <a:p>
+              <a:pPr marL="0" marR="0" indent="0" algn="r" defTabSz="914400" rtl="0" eaLnBrk="0" fontAlgn="base" latinLnBrk="0" hangingPunct="0">
+                <a:lnSpc>
+                  <a:spcPct val="100000"/>
+                </a:lnSpc>
+                <a:spcBef>
+                  <a:spcPct val="0"/>
+                </a:spcBef>
+                <a:spcAft>
+                  <a:spcPct val="0"/>
+                </a:spcAft>
+                <a:buClrTx/>
+                <a:buSzTx/>
+                <a:buFontTx/>
+                <a:buNone/>
+                <a:tabLst/>
+              </a:pPr>
+              <a:endParaRPr kumimoji="0" lang="en-GB" sz="2400" b="0" i="0" u="none" strike="noStrike" cap="none" normalizeH="0" baseline="0" smtClean="0">
+                <a:ln>
+                  <a:noFill/>
+                </a:ln>
+                <a:solidFill>
+                  <a:schemeClr val="tx1"/>
+                </a:solidFill>
+                <a:effectLst>
+                  <a:outerShdw blurRad="38100" dist="38100" dir="2700000" algn="tl">
+                    <a:srgbClr val="000000">
+                      <a:alpha val="43137"/>
+                    </a:srgbClr>
+                  </a:outerShdw>
+                </a:effectLst>
+                <a:latin typeface="Arial" charset="0"/>
+                <a:ea typeface="ＭＳ Ｐゴシック" pitchFamily="-7" charset="-128"/>
+              </a:endParaRPr>
+            </a:p>
+          </p:txBody>
+        </p:sp>
+        <p:sp>
+          <p:nvSpPr>
+            <p:cNvPr id="8" name="Oval 7"/>
+            <p:cNvSpPr/>
+            <p:nvPr/>
+          </p:nvSpPr>
+          <p:spPr bwMode="auto">
+            <a:xfrm>
+              <a:off x="5415400" y="1243994"/>
+              <a:ext cx="123731" cy="130660"/>
+            </a:xfrm>
+            <a:prstGeom prst="ellipse">
+              <a:avLst/>
+            </a:prstGeom>
+            <a:solidFill>
+              <a:schemeClr val="tx1"/>
+            </a:solidFill>
+            <a:ln w="9525" cap="flat" cmpd="sng" algn="ctr">
+              <a:noFill/>
+              <a:prstDash val="solid"/>
+              <a:round/>
+              <a:headEnd type="none" w="med" len="med"/>
+              <a:tailEnd type="none" w="med" len="med"/>
+            </a:ln>
+            <a:effectLst/>
+            <a:extLst/>
+          </p:spPr>
+          <p:txBody>
+            <a:bodyPr vert="horz" wrap="square" lIns="91440" tIns="45720" rIns="91440" bIns="45720" numCol="1" rtlCol="0" anchor="t" anchorCtr="0" compatLnSpc="1">
+              <a:prstTxWarp prst="textNoShape">
+                <a:avLst/>
+              </a:prstTxWarp>
+            </a:bodyPr>
+            <a:lstStyle/>
+            <a:p>
+              <a:pPr marL="0" marR="0" indent="0" algn="r" defTabSz="914400" rtl="0" eaLnBrk="0" fontAlgn="base" latinLnBrk="0" hangingPunct="0">
+                <a:lnSpc>
+                  <a:spcPct val="100000"/>
+                </a:lnSpc>
+                <a:spcBef>
+                  <a:spcPct val="0"/>
+                </a:spcBef>
+                <a:spcAft>
+                  <a:spcPct val="0"/>
+                </a:spcAft>
+                <a:buClrTx/>
+                <a:buSzTx/>
+                <a:buFontTx/>
+                <a:buNone/>
+                <a:tabLst/>
+              </a:pPr>
+              <a:endParaRPr kumimoji="0" lang="en-GB" sz="2400" b="0" i="0" u="none" strike="noStrike" cap="none" normalizeH="0" baseline="0" smtClean="0">
+                <a:ln>
+                  <a:noFill/>
+                </a:ln>
+                <a:solidFill>
+                  <a:schemeClr val="tx1"/>
+                </a:solidFill>
+                <a:effectLst>
+                  <a:outerShdw blurRad="38100" dist="38100" dir="2700000" algn="tl">
+                    <a:srgbClr val="000000">
+                      <a:alpha val="43137"/>
+                    </a:srgbClr>
+                  </a:outerShdw>
+                </a:effectLst>
+                <a:latin typeface="Arial" charset="0"/>
+                <a:ea typeface="ＭＳ Ｐゴシック" pitchFamily="-7" charset="-128"/>
+              </a:endParaRPr>
+            </a:p>
+          </p:txBody>
+        </p:sp>
+        <p:sp>
+          <p:nvSpPr>
+            <p:cNvPr id="9" name="Oval 8"/>
+            <p:cNvSpPr/>
+            <p:nvPr/>
+          </p:nvSpPr>
+          <p:spPr bwMode="auto">
+            <a:xfrm>
+              <a:off x="4958472" y="1304043"/>
+              <a:ext cx="123731" cy="130660"/>
+            </a:xfrm>
+            <a:prstGeom prst="ellipse">
+              <a:avLst/>
+            </a:prstGeom>
+            <a:solidFill>
+              <a:schemeClr val="tx1"/>
+            </a:solidFill>
+            <a:ln w="9525" cap="flat" cmpd="sng" algn="ctr">
+              <a:noFill/>
+              <a:prstDash val="solid"/>
+              <a:round/>
+              <a:headEnd type="none" w="med" len="med"/>
+              <a:tailEnd type="none" w="med" len="med"/>
+            </a:ln>
+            <a:effectLst/>
+            <a:extLst/>
+          </p:spPr>
+          <p:txBody>
+            <a:bodyPr vert="horz" wrap="square" lIns="91440" tIns="45720" rIns="91440" bIns="45720" numCol="1" rtlCol="0" anchor="t" anchorCtr="0" compatLnSpc="1">
+              <a:prstTxWarp prst="textNoShape">
+                <a:avLst/>
+              </a:prstTxWarp>
+            </a:bodyPr>
+            <a:lstStyle/>
+            <a:p>
+              <a:pPr marL="0" marR="0" indent="0" algn="r" defTabSz="914400" rtl="0" eaLnBrk="0" fontAlgn="base" latinLnBrk="0" hangingPunct="0">
+                <a:lnSpc>
+                  <a:spcPct val="100000"/>
+                </a:lnSpc>
+                <a:spcBef>
+                  <a:spcPct val="0"/>
+                </a:spcBef>
+                <a:spcAft>
+                  <a:spcPct val="0"/>
+                </a:spcAft>
+                <a:buClrTx/>
+                <a:buSzTx/>
+                <a:buFontTx/>
+                <a:buNone/>
+                <a:tabLst/>
+              </a:pPr>
+              <a:endParaRPr kumimoji="0" lang="en-GB" sz="2400" b="0" i="0" u="none" strike="noStrike" cap="none" normalizeH="0" baseline="0" smtClean="0">
+                <a:ln>
+                  <a:noFill/>
+                </a:ln>
+                <a:solidFill>
+                  <a:schemeClr val="tx1"/>
+                </a:solidFill>
+                <a:effectLst>
+                  <a:outerShdw blurRad="38100" dist="38100" dir="2700000" algn="tl">
+                    <a:srgbClr val="000000">
+                      <a:alpha val="43137"/>
+                    </a:srgbClr>
+                  </a:outerShdw>
+                </a:effectLst>
+                <a:latin typeface="Arial" charset="0"/>
+                <a:ea typeface="ＭＳ Ｐゴシック" pitchFamily="-7" charset="-128"/>
+              </a:endParaRPr>
+            </a:p>
+          </p:txBody>
+        </p:sp>
+        <p:sp>
+          <p:nvSpPr>
+            <p:cNvPr id="10" name="Oval 9"/>
+            <p:cNvSpPr/>
+            <p:nvPr/>
+          </p:nvSpPr>
+          <p:spPr bwMode="auto">
+            <a:xfrm>
+              <a:off x="4561727" y="1477074"/>
+              <a:ext cx="123731" cy="130660"/>
+            </a:xfrm>
+            <a:prstGeom prst="ellipse">
+              <a:avLst/>
+            </a:prstGeom>
+            <a:solidFill>
+              <a:schemeClr val="tx1"/>
+            </a:solidFill>
+            <a:ln w="9525" cap="flat" cmpd="sng" algn="ctr">
+              <a:noFill/>
+              <a:prstDash val="solid"/>
+              <a:round/>
+              <a:headEnd type="none" w="med" len="med"/>
+              <a:tailEnd type="none" w="med" len="med"/>
+            </a:ln>
+            <a:effectLst/>
+            <a:extLst/>
+          </p:spPr>
+          <p:txBody>
+            <a:bodyPr vert="horz" wrap="square" lIns="91440" tIns="45720" rIns="91440" bIns="45720" numCol="1" rtlCol="0" anchor="t" anchorCtr="0" compatLnSpc="1">
+              <a:prstTxWarp prst="textNoShape">
+                <a:avLst/>
+              </a:prstTxWarp>
+            </a:bodyPr>
+            <a:lstStyle/>
+            <a:p>
+              <a:pPr marL="0" marR="0" indent="0" algn="r" defTabSz="914400" rtl="0" eaLnBrk="0" fontAlgn="base" latinLnBrk="0" hangingPunct="0">
+                <a:lnSpc>
+                  <a:spcPct val="100000"/>
+                </a:lnSpc>
+                <a:spcBef>
+                  <a:spcPct val="0"/>
+                </a:spcBef>
+                <a:spcAft>
+                  <a:spcPct val="0"/>
+                </a:spcAft>
+                <a:buClrTx/>
+                <a:buSzTx/>
+                <a:buFontTx/>
+                <a:buNone/>
+                <a:tabLst/>
+              </a:pPr>
+              <a:endParaRPr kumimoji="0" lang="en-GB" sz="2400" b="0" i="0" u="none" strike="noStrike" cap="none" normalizeH="0" baseline="0" smtClean="0">
+                <a:ln>
+                  <a:noFill/>
+                </a:ln>
+                <a:solidFill>
+                  <a:schemeClr val="tx1"/>
+                </a:solidFill>
+                <a:effectLst>
+                  <a:outerShdw blurRad="38100" dist="38100" dir="2700000" algn="tl">
+                    <a:srgbClr val="000000">
+                      <a:alpha val="43137"/>
+                    </a:srgbClr>
+                  </a:outerShdw>
+                </a:effectLst>
+                <a:latin typeface="Arial" charset="0"/>
+                <a:ea typeface="ＭＳ Ｐゴシック" pitchFamily="-7" charset="-128"/>
+              </a:endParaRPr>
+            </a:p>
+          </p:txBody>
+        </p:sp>
+        <p:sp>
+          <p:nvSpPr>
+            <p:cNvPr id="11" name="Oval 10"/>
+            <p:cNvSpPr/>
+            <p:nvPr/>
+          </p:nvSpPr>
+          <p:spPr bwMode="auto">
+            <a:xfrm>
+              <a:off x="3115177" y="3887422"/>
+              <a:ext cx="123731" cy="130660"/>
+            </a:xfrm>
+            <a:prstGeom prst="ellipse">
+              <a:avLst/>
+            </a:prstGeom>
+            <a:solidFill>
+              <a:schemeClr val="tx1"/>
+            </a:solidFill>
+            <a:ln w="9525" cap="flat" cmpd="sng" algn="ctr">
+              <a:noFill/>
+              <a:prstDash val="solid"/>
+              <a:round/>
+              <a:headEnd type="none" w="med" len="med"/>
+              <a:tailEnd type="none" w="med" len="med"/>
+            </a:ln>
+            <a:effectLst/>
+            <a:extLst/>
+          </p:spPr>
+          <p:txBody>
+            <a:bodyPr vert="horz" wrap="square" lIns="91440" tIns="45720" rIns="91440" bIns="45720" numCol="1" rtlCol="0" anchor="t" anchorCtr="0" compatLnSpc="1">
+              <a:prstTxWarp prst="textNoShape">
+                <a:avLst/>
+              </a:prstTxWarp>
+            </a:bodyPr>
+            <a:lstStyle/>
+            <a:p>
+              <a:pPr marL="0" marR="0" indent="0" algn="r" defTabSz="914400" rtl="0" eaLnBrk="0" fontAlgn="base" latinLnBrk="0" hangingPunct="0">
+                <a:lnSpc>
+                  <a:spcPct val="100000"/>
+                </a:lnSpc>
+                <a:spcBef>
+                  <a:spcPct val="0"/>
+                </a:spcBef>
+                <a:spcAft>
+                  <a:spcPct val="0"/>
+                </a:spcAft>
+                <a:buClrTx/>
+                <a:buSzTx/>
+                <a:buFontTx/>
+                <a:buNone/>
+                <a:tabLst/>
+              </a:pPr>
+              <a:endParaRPr kumimoji="0" lang="en-GB" sz="2400" b="0" i="0" u="none" strike="noStrike" cap="none" normalizeH="0" baseline="0" smtClean="0">
+                <a:ln>
+                  <a:noFill/>
+                </a:ln>
+                <a:solidFill>
+                  <a:schemeClr val="tx1"/>
+                </a:solidFill>
+                <a:effectLst>
+                  <a:outerShdw blurRad="38100" dist="38100" dir="2700000" algn="tl">
+                    <a:srgbClr val="000000">
+                      <a:alpha val="43137"/>
+                    </a:srgbClr>
+                  </a:outerShdw>
+                </a:effectLst>
+                <a:latin typeface="Arial" charset="0"/>
+                <a:ea typeface="ＭＳ Ｐゴシック" pitchFamily="-7" charset="-128"/>
+              </a:endParaRPr>
+            </a:p>
+          </p:txBody>
+        </p:sp>
+        <p:sp>
+          <p:nvSpPr>
+            <p:cNvPr id="12" name="Oval 11"/>
+            <p:cNvSpPr/>
+            <p:nvPr/>
+          </p:nvSpPr>
+          <p:spPr bwMode="auto">
+            <a:xfrm>
+              <a:off x="2691682" y="3914759"/>
+              <a:ext cx="123731" cy="130660"/>
+            </a:xfrm>
+            <a:prstGeom prst="ellipse">
+              <a:avLst/>
+            </a:prstGeom>
+            <a:solidFill>
+              <a:schemeClr val="tx1"/>
+            </a:solidFill>
+            <a:ln w="9525" cap="flat" cmpd="sng" algn="ctr">
+              <a:noFill/>
+              <a:prstDash val="solid"/>
+              <a:round/>
+              <a:headEnd type="none" w="med" len="med"/>
+              <a:tailEnd type="none" w="med" len="med"/>
+            </a:ln>
+            <a:effectLst/>
+            <a:extLst/>
+          </p:spPr>
+          <p:txBody>
+            <a:bodyPr vert="horz" wrap="square" lIns="91440" tIns="45720" rIns="91440" bIns="45720" numCol="1" rtlCol="0" anchor="t" anchorCtr="0" compatLnSpc="1">
+              <a:prstTxWarp prst="textNoShape">
+                <a:avLst/>
+              </a:prstTxWarp>
+            </a:bodyPr>
+            <a:lstStyle/>
+            <a:p>
+              <a:pPr marL="0" marR="0" indent="0" algn="r" defTabSz="914400" rtl="0" eaLnBrk="0" fontAlgn="base" latinLnBrk="0" hangingPunct="0">
+                <a:lnSpc>
+                  <a:spcPct val="100000"/>
+                </a:lnSpc>
+                <a:spcBef>
+                  <a:spcPct val="0"/>
+                </a:spcBef>
+                <a:spcAft>
+                  <a:spcPct val="0"/>
+                </a:spcAft>
+                <a:buClrTx/>
+                <a:buSzTx/>
+                <a:buFontTx/>
+                <a:buNone/>
+                <a:tabLst/>
+              </a:pPr>
+              <a:endParaRPr kumimoji="0" lang="en-GB" sz="2400" b="0" i="0" u="none" strike="noStrike" cap="none" normalizeH="0" baseline="0" smtClean="0">
+                <a:ln>
+                  <a:noFill/>
+                </a:ln>
+                <a:solidFill>
+                  <a:schemeClr val="tx1"/>
+                </a:solidFill>
+                <a:effectLst>
+                  <a:outerShdw blurRad="38100" dist="38100" dir="2700000" algn="tl">
+                    <a:srgbClr val="000000">
+                      <a:alpha val="43137"/>
+                    </a:srgbClr>
+                  </a:outerShdw>
+                </a:effectLst>
+                <a:latin typeface="Arial" charset="0"/>
+                <a:ea typeface="ＭＳ Ｐゴシック" pitchFamily="-7" charset="-128"/>
+              </a:endParaRPr>
+            </a:p>
+          </p:txBody>
+        </p:sp>
+        <p:sp>
+          <p:nvSpPr>
+            <p:cNvPr id="13" name="Oval 12"/>
+            <p:cNvSpPr/>
+            <p:nvPr/>
+          </p:nvSpPr>
+          <p:spPr bwMode="auto">
+            <a:xfrm>
+              <a:off x="2301618" y="3878544"/>
+              <a:ext cx="123731" cy="130660"/>
+            </a:xfrm>
+            <a:prstGeom prst="ellipse">
+              <a:avLst/>
+            </a:prstGeom>
+            <a:solidFill>
+              <a:schemeClr val="tx1"/>
+            </a:solidFill>
+            <a:ln w="9525" cap="flat" cmpd="sng" algn="ctr">
+              <a:noFill/>
+              <a:prstDash val="solid"/>
+              <a:round/>
+              <a:headEnd type="none" w="med" len="med"/>
+              <a:tailEnd type="none" w="med" len="med"/>
+            </a:ln>
+            <a:effectLst/>
+            <a:extLst/>
+          </p:spPr>
+          <p:txBody>
+            <a:bodyPr vert="horz" wrap="square" lIns="91440" tIns="45720" rIns="91440" bIns="45720" numCol="1" rtlCol="0" anchor="t" anchorCtr="0" compatLnSpc="1">
+              <a:prstTxWarp prst="textNoShape">
+                <a:avLst/>
+              </a:prstTxWarp>
+            </a:bodyPr>
+            <a:lstStyle/>
+            <a:p>
+              <a:pPr marL="0" marR="0" indent="0" algn="r" defTabSz="914400" rtl="0" eaLnBrk="0" fontAlgn="base" latinLnBrk="0" hangingPunct="0">
+                <a:lnSpc>
+                  <a:spcPct val="100000"/>
+                </a:lnSpc>
+                <a:spcBef>
+                  <a:spcPct val="0"/>
+                </a:spcBef>
+                <a:spcAft>
+                  <a:spcPct val="0"/>
+                </a:spcAft>
+                <a:buClrTx/>
+                <a:buSzTx/>
+                <a:buFontTx/>
+                <a:buNone/>
+                <a:tabLst/>
+              </a:pPr>
+              <a:endParaRPr kumimoji="0" lang="en-GB" sz="2400" b="0" i="0" u="none" strike="noStrike" cap="none" normalizeH="0" baseline="0" smtClean="0">
+                <a:ln>
+                  <a:noFill/>
+                </a:ln>
+                <a:solidFill>
+                  <a:schemeClr val="tx1"/>
+                </a:solidFill>
+                <a:effectLst>
+                  <a:outerShdw blurRad="38100" dist="38100" dir="2700000" algn="tl">
+                    <a:srgbClr val="000000">
+                      <a:alpha val="43137"/>
+                    </a:srgbClr>
+                  </a:outerShdw>
+                </a:effectLst>
+                <a:latin typeface="Arial" charset="0"/>
+                <a:ea typeface="ＭＳ Ｐゴシック" pitchFamily="-7" charset="-128"/>
+              </a:endParaRPr>
+            </a:p>
+          </p:txBody>
+        </p:sp>
+        <p:sp>
+          <p:nvSpPr>
+            <p:cNvPr id="14" name="Oval 13"/>
+            <p:cNvSpPr/>
+            <p:nvPr/>
+          </p:nvSpPr>
+          <p:spPr bwMode="auto">
+            <a:xfrm>
+              <a:off x="1958364" y="3785837"/>
+              <a:ext cx="123731" cy="130660"/>
+            </a:xfrm>
+            <a:prstGeom prst="ellipse">
+              <a:avLst/>
+            </a:prstGeom>
+            <a:solidFill>
+              <a:schemeClr val="tx1"/>
+            </a:solidFill>
+            <a:ln w="9525" cap="flat" cmpd="sng" algn="ctr">
+              <a:noFill/>
+              <a:prstDash val="solid"/>
+              <a:round/>
+              <a:headEnd type="none" w="med" len="med"/>
+              <a:tailEnd type="none" w="med" len="med"/>
+            </a:ln>
+            <a:effectLst/>
+            <a:extLst/>
+          </p:spPr>
+          <p:txBody>
+            <a:bodyPr vert="horz" wrap="square" lIns="91440" tIns="45720" rIns="91440" bIns="45720" numCol="1" rtlCol="0" anchor="t" anchorCtr="0" compatLnSpc="1">
+              <a:prstTxWarp prst="textNoShape">
+                <a:avLst/>
+              </a:prstTxWarp>
+            </a:bodyPr>
+            <a:lstStyle/>
+            <a:p>
+              <a:pPr marL="0" marR="0" indent="0" algn="r" defTabSz="914400" rtl="0" eaLnBrk="0" fontAlgn="base" latinLnBrk="0" hangingPunct="0">
+                <a:lnSpc>
+                  <a:spcPct val="100000"/>
+                </a:lnSpc>
+                <a:spcBef>
+                  <a:spcPct val="0"/>
+                </a:spcBef>
+                <a:spcAft>
+                  <a:spcPct val="0"/>
+                </a:spcAft>
+                <a:buClrTx/>
+                <a:buSzTx/>
+                <a:buFontTx/>
+                <a:buNone/>
+                <a:tabLst/>
+              </a:pPr>
+              <a:endParaRPr kumimoji="0" lang="en-GB" sz="2400" b="0" i="0" u="none" strike="noStrike" cap="none" normalizeH="0" baseline="0" smtClean="0">
+                <a:ln>
+                  <a:noFill/>
+                </a:ln>
+                <a:solidFill>
+                  <a:schemeClr val="tx1"/>
+                </a:solidFill>
+                <a:effectLst>
+                  <a:outerShdw blurRad="38100" dist="38100" dir="2700000" algn="tl">
+                    <a:srgbClr val="000000">
+                      <a:alpha val="43137"/>
+                    </a:srgbClr>
+                  </a:outerShdw>
+                </a:effectLst>
+                <a:latin typeface="Arial" charset="0"/>
+                <a:ea typeface="ＭＳ Ｐゴシック" pitchFamily="-7" charset="-128"/>
+              </a:endParaRPr>
+            </a:p>
+          </p:txBody>
+        </p:sp>
+        <p:sp>
+          <p:nvSpPr>
+            <p:cNvPr id="15" name="Oval 14"/>
+            <p:cNvSpPr/>
+            <p:nvPr/>
+          </p:nvSpPr>
+          <p:spPr bwMode="auto">
+            <a:xfrm>
+              <a:off x="4218472" y="1686559"/>
+              <a:ext cx="123731" cy="130660"/>
+            </a:xfrm>
+            <a:prstGeom prst="ellipse">
+              <a:avLst/>
+            </a:prstGeom>
+            <a:solidFill>
+              <a:schemeClr val="tx1"/>
+            </a:solidFill>
+            <a:ln w="9525" cap="flat" cmpd="sng" algn="ctr">
+              <a:noFill/>
+              <a:prstDash val="solid"/>
+              <a:round/>
+              <a:headEnd type="none" w="med" len="med"/>
+              <a:tailEnd type="none" w="med" len="med"/>
+            </a:ln>
+            <a:effectLst/>
+            <a:extLst/>
+          </p:spPr>
+          <p:txBody>
+            <a:bodyPr vert="horz" wrap="square" lIns="91440" tIns="45720" rIns="91440" bIns="45720" numCol="1" rtlCol="0" anchor="t" anchorCtr="0" compatLnSpc="1">
+              <a:prstTxWarp prst="textNoShape">
+                <a:avLst/>
+              </a:prstTxWarp>
+            </a:bodyPr>
+            <a:lstStyle/>
+            <a:p>
+              <a:pPr marL="0" marR="0" indent="0" algn="r" defTabSz="914400" rtl="0" eaLnBrk="0" fontAlgn="base" latinLnBrk="0" hangingPunct="0">
+                <a:lnSpc>
+                  <a:spcPct val="100000"/>
+                </a:lnSpc>
+                <a:spcBef>
+                  <a:spcPct val="0"/>
+                </a:spcBef>
+                <a:spcAft>
+                  <a:spcPct val="0"/>
+                </a:spcAft>
+                <a:buClrTx/>
+                <a:buSzTx/>
+                <a:buFontTx/>
+                <a:buNone/>
+                <a:tabLst/>
+              </a:pPr>
+              <a:endParaRPr kumimoji="0" lang="en-GB" sz="2400" b="0" i="0" u="none" strike="noStrike" cap="none" normalizeH="0" baseline="0" smtClean="0">
+                <a:ln>
+                  <a:noFill/>
+                </a:ln>
+                <a:solidFill>
+                  <a:schemeClr val="tx1"/>
+                </a:solidFill>
+                <a:effectLst>
+                  <a:outerShdw blurRad="38100" dist="38100" dir="2700000" algn="tl">
+                    <a:srgbClr val="000000">
+                      <a:alpha val="43137"/>
+                    </a:srgbClr>
+                  </a:outerShdw>
+                </a:effectLst>
+                <a:latin typeface="Arial" charset="0"/>
+                <a:ea typeface="ＭＳ Ｐゴシック" pitchFamily="-7" charset="-128"/>
+              </a:endParaRPr>
+            </a:p>
+          </p:txBody>
+        </p:sp>
+        <p:sp>
+          <p:nvSpPr>
+            <p:cNvPr id="16" name="Oval 15"/>
+            <p:cNvSpPr/>
+            <p:nvPr/>
+          </p:nvSpPr>
+          <p:spPr bwMode="auto">
+            <a:xfrm>
+              <a:off x="3908653" y="1945475"/>
+              <a:ext cx="123731" cy="130660"/>
+            </a:xfrm>
+            <a:prstGeom prst="ellipse">
+              <a:avLst/>
+            </a:prstGeom>
+            <a:solidFill>
+              <a:schemeClr val="tx1"/>
+            </a:solidFill>
+            <a:ln w="9525" cap="flat" cmpd="sng" algn="ctr">
+              <a:noFill/>
+              <a:prstDash val="solid"/>
+              <a:round/>
+              <a:headEnd type="none" w="med" len="med"/>
+              <a:tailEnd type="none" w="med" len="med"/>
+            </a:ln>
+            <a:effectLst/>
+            <a:extLst/>
+          </p:spPr>
+          <p:txBody>
+            <a:bodyPr vert="horz" wrap="square" lIns="91440" tIns="45720" rIns="91440" bIns="45720" numCol="1" rtlCol="0" anchor="t" anchorCtr="0" compatLnSpc="1">
+              <a:prstTxWarp prst="textNoShape">
+                <a:avLst/>
+              </a:prstTxWarp>
+            </a:bodyPr>
+            <a:lstStyle/>
+            <a:p>
+              <a:pPr marL="0" marR="0" indent="0" algn="r" defTabSz="914400" rtl="0" eaLnBrk="0" fontAlgn="base" latinLnBrk="0" hangingPunct="0">
+                <a:lnSpc>
+                  <a:spcPct val="100000"/>
+                </a:lnSpc>
+                <a:spcBef>
+                  <a:spcPct val="0"/>
+                </a:spcBef>
+                <a:spcAft>
+                  <a:spcPct val="0"/>
+                </a:spcAft>
+                <a:buClrTx/>
+                <a:buSzTx/>
+                <a:buFontTx/>
+                <a:buNone/>
+                <a:tabLst/>
+              </a:pPr>
+              <a:endParaRPr kumimoji="0" lang="en-GB" sz="2400" b="0" i="0" u="none" strike="noStrike" cap="none" normalizeH="0" baseline="0" smtClean="0">
+                <a:ln>
+                  <a:noFill/>
+                </a:ln>
+                <a:solidFill>
+                  <a:schemeClr val="tx1"/>
+                </a:solidFill>
+                <a:effectLst>
+                  <a:outerShdw blurRad="38100" dist="38100" dir="2700000" algn="tl">
+                    <a:srgbClr val="000000">
+                      <a:alpha val="43137"/>
+                    </a:srgbClr>
+                  </a:outerShdw>
+                </a:effectLst>
+                <a:latin typeface="Arial" charset="0"/>
+                <a:ea typeface="ＭＳ Ｐゴシック" pitchFamily="-7" charset="-128"/>
+              </a:endParaRPr>
+            </a:p>
+          </p:txBody>
+        </p:sp>
+        <p:sp>
+          <p:nvSpPr>
+            <p:cNvPr id="17" name="Oval 16"/>
+            <p:cNvSpPr/>
+            <p:nvPr/>
+          </p:nvSpPr>
+          <p:spPr bwMode="auto">
+            <a:xfrm>
+              <a:off x="3759321" y="2260881"/>
+              <a:ext cx="123731" cy="130660"/>
+            </a:xfrm>
+            <a:prstGeom prst="ellipse">
+              <a:avLst/>
+            </a:prstGeom>
+            <a:solidFill>
+              <a:schemeClr val="tx1"/>
+            </a:solidFill>
+            <a:ln w="9525" cap="flat" cmpd="sng" algn="ctr">
+              <a:noFill/>
+              <a:prstDash val="solid"/>
+              <a:round/>
+              <a:headEnd type="none" w="med" len="med"/>
+              <a:tailEnd type="none" w="med" len="med"/>
+            </a:ln>
+            <a:effectLst/>
+            <a:extLst/>
+          </p:spPr>
+          <p:txBody>
+            <a:bodyPr vert="horz" wrap="square" lIns="91440" tIns="45720" rIns="91440" bIns="45720" numCol="1" rtlCol="0" anchor="t" anchorCtr="0" compatLnSpc="1">
+              <a:prstTxWarp prst="textNoShape">
+                <a:avLst/>
+              </a:prstTxWarp>
+            </a:bodyPr>
+            <a:lstStyle/>
+            <a:p>
+              <a:pPr marL="0" marR="0" indent="0" algn="r" defTabSz="914400" rtl="0" eaLnBrk="0" fontAlgn="base" latinLnBrk="0" hangingPunct="0">
+                <a:lnSpc>
+                  <a:spcPct val="100000"/>
+                </a:lnSpc>
+                <a:spcBef>
+                  <a:spcPct val="0"/>
+                </a:spcBef>
+                <a:spcAft>
+                  <a:spcPct val="0"/>
+                </a:spcAft>
+                <a:buClrTx/>
+                <a:buSzTx/>
+                <a:buFontTx/>
+                <a:buNone/>
+                <a:tabLst/>
+              </a:pPr>
+              <a:endParaRPr kumimoji="0" lang="en-GB" sz="2400" b="0" i="0" u="none" strike="noStrike" cap="none" normalizeH="0" baseline="0" smtClean="0">
+                <a:ln>
+                  <a:noFill/>
+                </a:ln>
+                <a:solidFill>
+                  <a:schemeClr val="tx1"/>
+                </a:solidFill>
+                <a:effectLst>
+                  <a:outerShdw blurRad="38100" dist="38100" dir="2700000" algn="tl">
+                    <a:srgbClr val="000000">
+                      <a:alpha val="43137"/>
+                    </a:srgbClr>
+                  </a:outerShdw>
+                </a:effectLst>
+                <a:latin typeface="Arial" charset="0"/>
+                <a:ea typeface="ＭＳ Ｐゴシック" pitchFamily="-7" charset="-128"/>
+              </a:endParaRPr>
+            </a:p>
+          </p:txBody>
+        </p:sp>
+        <p:sp>
+          <p:nvSpPr>
+            <p:cNvPr id="18" name="Oval 17"/>
+            <p:cNvSpPr/>
+            <p:nvPr/>
+          </p:nvSpPr>
+          <p:spPr bwMode="auto">
+            <a:xfrm>
+              <a:off x="3850714" y="2646903"/>
+              <a:ext cx="123731" cy="130660"/>
+            </a:xfrm>
+            <a:prstGeom prst="ellipse">
+              <a:avLst/>
+            </a:prstGeom>
+            <a:solidFill>
+              <a:schemeClr val="tx1"/>
+            </a:solidFill>
+            <a:ln w="9525" cap="flat" cmpd="sng" algn="ctr">
+              <a:noFill/>
+              <a:prstDash val="solid"/>
+              <a:round/>
+              <a:headEnd type="none" w="med" len="med"/>
+              <a:tailEnd type="none" w="med" len="med"/>
+            </a:ln>
+            <a:effectLst/>
+            <a:extLst/>
+          </p:spPr>
+          <p:txBody>
+            <a:bodyPr vert="horz" wrap="square" lIns="91440" tIns="45720" rIns="91440" bIns="45720" numCol="1" rtlCol="0" anchor="t" anchorCtr="0" compatLnSpc="1">
+              <a:prstTxWarp prst="textNoShape">
+                <a:avLst/>
+              </a:prstTxWarp>
+            </a:bodyPr>
+            <a:lstStyle/>
+            <a:p>
+              <a:pPr marL="0" marR="0" indent="0" algn="r" defTabSz="914400" rtl="0" eaLnBrk="0" fontAlgn="base" latinLnBrk="0" hangingPunct="0">
+                <a:lnSpc>
+                  <a:spcPct val="100000"/>
+                </a:lnSpc>
+                <a:spcBef>
+                  <a:spcPct val="0"/>
+                </a:spcBef>
+                <a:spcAft>
+                  <a:spcPct val="0"/>
+                </a:spcAft>
+                <a:buClrTx/>
+                <a:buSzTx/>
+                <a:buFontTx/>
+                <a:buNone/>
+                <a:tabLst/>
+              </a:pPr>
+              <a:endParaRPr kumimoji="0" lang="en-GB" sz="2400" b="0" i="0" u="none" strike="noStrike" cap="none" normalizeH="0" baseline="0" smtClean="0">
+                <a:ln>
+                  <a:noFill/>
+                </a:ln>
+                <a:solidFill>
+                  <a:schemeClr val="tx1"/>
+                </a:solidFill>
+                <a:effectLst>
+                  <a:outerShdw blurRad="38100" dist="38100" dir="2700000" algn="tl">
+                    <a:srgbClr val="000000">
+                      <a:alpha val="43137"/>
+                    </a:srgbClr>
+                  </a:outerShdw>
+                </a:effectLst>
+                <a:latin typeface="Arial" charset="0"/>
+                <a:ea typeface="ＭＳ Ｐゴシック" pitchFamily="-7" charset="-128"/>
+              </a:endParaRPr>
+            </a:p>
+          </p:txBody>
+        </p:sp>
+        <p:sp>
+          <p:nvSpPr>
+            <p:cNvPr id="19" name="Oval 18"/>
+            <p:cNvSpPr/>
+            <p:nvPr/>
+          </p:nvSpPr>
+          <p:spPr bwMode="auto">
+            <a:xfrm>
+              <a:off x="3975543" y="3061169"/>
+              <a:ext cx="123731" cy="130660"/>
+            </a:xfrm>
+            <a:prstGeom prst="ellipse">
+              <a:avLst/>
+            </a:prstGeom>
+            <a:solidFill>
+              <a:schemeClr val="tx1"/>
+            </a:solidFill>
+            <a:ln w="9525" cap="flat" cmpd="sng" algn="ctr">
+              <a:noFill/>
+              <a:prstDash val="solid"/>
+              <a:round/>
+              <a:headEnd type="none" w="med" len="med"/>
+              <a:tailEnd type="none" w="med" len="med"/>
+            </a:ln>
+            <a:effectLst/>
+            <a:extLst/>
+          </p:spPr>
+          <p:txBody>
+            <a:bodyPr vert="horz" wrap="square" lIns="91440" tIns="45720" rIns="91440" bIns="45720" numCol="1" rtlCol="0" anchor="t" anchorCtr="0" compatLnSpc="1">
+              <a:prstTxWarp prst="textNoShape">
+                <a:avLst/>
+              </a:prstTxWarp>
+            </a:bodyPr>
+            <a:lstStyle/>
+            <a:p>
+              <a:pPr marL="0" marR="0" indent="0" algn="r" defTabSz="914400" rtl="0" eaLnBrk="0" fontAlgn="base" latinLnBrk="0" hangingPunct="0">
+                <a:lnSpc>
+                  <a:spcPct val="100000"/>
+                </a:lnSpc>
+                <a:spcBef>
+                  <a:spcPct val="0"/>
+                </a:spcBef>
+                <a:spcAft>
+                  <a:spcPct val="0"/>
+                </a:spcAft>
+                <a:buClrTx/>
+                <a:buSzTx/>
+                <a:buFontTx/>
+                <a:buNone/>
+                <a:tabLst/>
+              </a:pPr>
+              <a:endParaRPr kumimoji="0" lang="en-GB" sz="2400" b="0" i="0" u="none" strike="noStrike" cap="none" normalizeH="0" baseline="0" smtClean="0">
+                <a:ln>
+                  <a:noFill/>
+                </a:ln>
+                <a:solidFill>
+                  <a:schemeClr val="tx1"/>
+                </a:solidFill>
+                <a:effectLst>
+                  <a:outerShdw blurRad="38100" dist="38100" dir="2700000" algn="tl">
+                    <a:srgbClr val="000000">
+                      <a:alpha val="43137"/>
+                    </a:srgbClr>
+                  </a:outerShdw>
+                </a:effectLst>
+                <a:latin typeface="Arial" charset="0"/>
+                <a:ea typeface="ＭＳ Ｐゴシック" pitchFamily="-7" charset="-128"/>
+              </a:endParaRPr>
+            </a:p>
+          </p:txBody>
+        </p:sp>
+        <p:sp>
+          <p:nvSpPr>
+            <p:cNvPr id="20" name="Oval 19"/>
+            <p:cNvSpPr/>
+            <p:nvPr/>
+          </p:nvSpPr>
+          <p:spPr bwMode="auto">
+            <a:xfrm>
+              <a:off x="3873017" y="3454252"/>
+              <a:ext cx="123731" cy="130660"/>
+            </a:xfrm>
+            <a:prstGeom prst="ellipse">
+              <a:avLst/>
+            </a:prstGeom>
+            <a:solidFill>
+              <a:schemeClr val="tx1"/>
+            </a:solidFill>
+            <a:ln w="9525" cap="flat" cmpd="sng" algn="ctr">
+              <a:noFill/>
+              <a:prstDash val="solid"/>
+              <a:round/>
+              <a:headEnd type="none" w="med" len="med"/>
+              <a:tailEnd type="none" w="med" len="med"/>
+            </a:ln>
+            <a:effectLst/>
+            <a:extLst/>
+          </p:spPr>
+          <p:txBody>
+            <a:bodyPr vert="horz" wrap="square" lIns="91440" tIns="45720" rIns="91440" bIns="45720" numCol="1" rtlCol="0" anchor="t" anchorCtr="0" compatLnSpc="1">
+              <a:prstTxWarp prst="textNoShape">
+                <a:avLst/>
+              </a:prstTxWarp>
+            </a:bodyPr>
+            <a:lstStyle/>
+            <a:p>
+              <a:pPr marL="0" marR="0" indent="0" algn="r" defTabSz="914400" rtl="0" eaLnBrk="0" fontAlgn="base" latinLnBrk="0" hangingPunct="0">
+                <a:lnSpc>
+                  <a:spcPct val="100000"/>
+                </a:lnSpc>
+                <a:spcBef>
+                  <a:spcPct val="0"/>
+                </a:spcBef>
+                <a:spcAft>
+                  <a:spcPct val="0"/>
+                </a:spcAft>
+                <a:buClrTx/>
+                <a:buSzTx/>
+                <a:buFontTx/>
+                <a:buNone/>
+                <a:tabLst/>
+              </a:pPr>
+              <a:endParaRPr kumimoji="0" lang="en-GB" sz="2400" b="0" i="0" u="none" strike="noStrike" cap="none" normalizeH="0" baseline="0" smtClean="0">
+                <a:ln>
+                  <a:noFill/>
+                </a:ln>
+                <a:solidFill>
+                  <a:schemeClr val="tx1"/>
+                </a:solidFill>
+                <a:effectLst>
+                  <a:outerShdw blurRad="38100" dist="38100" dir="2700000" algn="tl">
+                    <a:srgbClr val="000000">
+                      <a:alpha val="43137"/>
+                    </a:srgbClr>
+                  </a:outerShdw>
+                </a:effectLst>
+                <a:latin typeface="Arial" charset="0"/>
+                <a:ea typeface="ＭＳ Ｐゴシック" pitchFamily="-7" charset="-128"/>
+              </a:endParaRPr>
+            </a:p>
+          </p:txBody>
+        </p:sp>
+        <p:sp>
+          <p:nvSpPr>
+            <p:cNvPr id="21" name="Oval 20"/>
+            <p:cNvSpPr/>
+            <p:nvPr/>
+          </p:nvSpPr>
+          <p:spPr bwMode="auto">
+            <a:xfrm>
+              <a:off x="3576575" y="3741413"/>
+              <a:ext cx="123731" cy="130660"/>
+            </a:xfrm>
+            <a:prstGeom prst="ellipse">
+              <a:avLst/>
+            </a:prstGeom>
+            <a:solidFill>
+              <a:schemeClr val="tx1"/>
+            </a:solidFill>
+            <a:ln w="9525" cap="flat" cmpd="sng" algn="ctr">
+              <a:noFill/>
+              <a:prstDash val="solid"/>
+              <a:round/>
+              <a:headEnd type="none" w="med" len="med"/>
+              <a:tailEnd type="none" w="med" len="med"/>
+            </a:ln>
+            <a:effectLst/>
+            <a:extLst/>
+          </p:spPr>
+          <p:txBody>
+            <a:bodyPr vert="horz" wrap="square" lIns="91440" tIns="45720" rIns="91440" bIns="45720" numCol="1" rtlCol="0" anchor="t" anchorCtr="0" compatLnSpc="1">
+              <a:prstTxWarp prst="textNoShape">
+                <a:avLst/>
+              </a:prstTxWarp>
+            </a:bodyPr>
+            <a:lstStyle/>
+            <a:p>
+              <a:pPr marL="0" marR="0" indent="0" algn="r" defTabSz="914400" rtl="0" eaLnBrk="0" fontAlgn="base" latinLnBrk="0" hangingPunct="0">
+                <a:lnSpc>
+                  <a:spcPct val="100000"/>
+                </a:lnSpc>
+                <a:spcBef>
+                  <a:spcPct val="0"/>
+                </a:spcBef>
+                <a:spcAft>
+                  <a:spcPct val="0"/>
+                </a:spcAft>
+                <a:buClrTx/>
+                <a:buSzTx/>
+                <a:buFontTx/>
+                <a:buNone/>
+                <a:tabLst/>
+              </a:pPr>
+              <a:endParaRPr kumimoji="0" lang="en-GB" sz="2400" b="0" i="0" u="none" strike="noStrike" cap="none" normalizeH="0" baseline="0" smtClean="0">
+                <a:ln>
+                  <a:noFill/>
+                </a:ln>
+                <a:solidFill>
+                  <a:schemeClr val="tx1"/>
+                </a:solidFill>
+                <a:effectLst>
+                  <a:outerShdw blurRad="38100" dist="38100" dir="2700000" algn="tl">
+                    <a:srgbClr val="000000">
+                      <a:alpha val="43137"/>
+                    </a:srgbClr>
+                  </a:outerShdw>
+                </a:effectLst>
+                <a:latin typeface="Arial" charset="0"/>
+                <a:ea typeface="ＭＳ Ｐゴシック" pitchFamily="-7" charset="-128"/>
+              </a:endParaRPr>
+            </a:p>
+          </p:txBody>
+        </p:sp>
+        <p:pic>
+          <p:nvPicPr>
+            <p:cNvPr id="22" name="Picture 21"/>
+            <p:cNvPicPr>
+              <a:picLocks noChangeAspect="1"/>
+            </p:cNvPicPr>
+            <p:nvPr/>
+          </p:nvPicPr>
+          <p:blipFill>
+            <a:blip r:embed="rId3"/>
+            <a:stretch>
+              <a:fillRect/>
+            </a:stretch>
+          </p:blipFill>
+          <p:spPr>
+            <a:xfrm>
+              <a:off x="6406959" y="1150736"/>
+              <a:ext cx="775664" cy="469484"/>
+            </a:xfrm>
+            <a:prstGeom prst="rect">
+              <a:avLst/>
+            </a:prstGeom>
+          </p:spPr>
+        </p:pic>
+      </p:grpSp>
+      <p:cxnSp>
+        <p:nvCxnSpPr>
+          <p:cNvPr id="23" name="Straight Connector 22"/>
+          <p:cNvCxnSpPr/>
+          <p:nvPr/>
+        </p:nvCxnSpPr>
+        <p:spPr bwMode="auto">
+          <a:xfrm flipH="1">
+            <a:off x="2804834" y="3406259"/>
+            <a:ext cx="232" cy="508437"/>
+          </a:xfrm>
+          <a:prstGeom prst="line">
+            <a:avLst/>
+          </a:prstGeom>
+          <a:solidFill>
+            <a:schemeClr val="accent1"/>
+          </a:solidFill>
+          <a:ln w="9525" cap="flat" cmpd="sng" algn="ctr">
+            <a:solidFill>
+              <a:schemeClr val="tx1"/>
+            </a:solidFill>
+            <a:prstDash val="dash"/>
+            <a:round/>
+            <a:headEnd type="none" w="med" len="med"/>
+            <a:tailEnd type="none" w="med" len="med"/>
+          </a:ln>
+          <a:effectLst/>
+          <a:extLst>
+            <a:ext uri="{AF507438-7753-43E0-B8FC-AC1667EBCBE1}">
+              <a14:hiddenEffects xmlns:a14="http://schemas.microsoft.com/office/drawing/2010/main">
+                <a:effectLst>
+                  <a:outerShdw dist="35921" dir="2700000" algn="ctr" rotWithShape="0">
+                    <a:schemeClr val="bg2"/>
+                  </a:outerShdw>
+                </a:effectLst>
+              </a14:hiddenEffects>
+            </a:ext>
+          </a:extLst>
+        </p:spPr>
+      </p:cxnSp>
+      <p:cxnSp>
+        <p:nvCxnSpPr>
+          <p:cNvPr id="24" name="Straight Arrow Connector 23"/>
+          <p:cNvCxnSpPr/>
+          <p:nvPr/>
+        </p:nvCxnSpPr>
+        <p:spPr bwMode="auto">
+          <a:xfrm flipV="1">
+            <a:off x="3268446" y="4015399"/>
+            <a:ext cx="1810827" cy="16821"/>
+          </a:xfrm>
+          <a:prstGeom prst="straightConnector1">
+            <a:avLst/>
+          </a:prstGeom>
+          <a:solidFill>
+            <a:schemeClr val="accent1"/>
+          </a:solidFill>
+          <a:ln w="9525" cap="flat" cmpd="sng" algn="ctr">
+            <a:solidFill>
+              <a:schemeClr val="tx1"/>
+            </a:solidFill>
+            <a:prstDash val="solid"/>
+            <a:round/>
+            <a:headEnd type="triangle"/>
+            <a:tailEnd type="triangle"/>
+          </a:ln>
+          <a:effectLst/>
+          <a:extLst>
+            <a:ext uri="{AF507438-7753-43E0-B8FC-AC1667EBCBE1}">
+              <a14:hiddenEffects xmlns:a14="http://schemas.microsoft.com/office/drawing/2010/main">
+                <a:effectLst>
+                  <a:outerShdw dist="35921" dir="2700000" algn="ctr" rotWithShape="0">
+                    <a:schemeClr val="bg2"/>
+                  </a:outerShdw>
+                </a:effectLst>
+              </a14:hiddenEffects>
+            </a:ext>
+          </a:extLst>
+        </p:spPr>
+      </p:cxnSp>
+      <p:cxnSp>
+        <p:nvCxnSpPr>
+          <p:cNvPr id="25" name="Straight Connector 24"/>
+          <p:cNvCxnSpPr>
+            <a:stCxn id="9" idx="4"/>
+          </p:cNvCxnSpPr>
+          <p:nvPr/>
+        </p:nvCxnSpPr>
+        <p:spPr bwMode="auto">
+          <a:xfrm flipH="1">
+            <a:off x="5754331" y="909917"/>
+            <a:ext cx="13430" cy="2862931"/>
+          </a:xfrm>
+          <a:prstGeom prst="line">
+            <a:avLst/>
+          </a:prstGeom>
+          <a:solidFill>
+            <a:schemeClr val="accent1"/>
+          </a:solidFill>
+          <a:ln w="9525" cap="flat" cmpd="sng" algn="ctr">
+            <a:solidFill>
+              <a:schemeClr val="tx1"/>
+            </a:solidFill>
+            <a:prstDash val="dash"/>
+            <a:round/>
+            <a:headEnd type="none" w="med" len="med"/>
+            <a:tailEnd type="none" w="med" len="med"/>
+          </a:ln>
+          <a:effectLst/>
+          <a:extLst>
+            <a:ext uri="{AF507438-7753-43E0-B8FC-AC1667EBCBE1}">
+              <a14:hiddenEffects xmlns:a14="http://schemas.microsoft.com/office/drawing/2010/main">
+                <a:effectLst>
+                  <a:outerShdw dist="35921" dir="2700000" algn="ctr" rotWithShape="0">
+                    <a:schemeClr val="bg2"/>
+                  </a:outerShdw>
+                </a:effectLst>
+              </a14:hiddenEffects>
+            </a:ext>
+          </a:extLst>
+        </p:spPr>
+      </p:cxnSp>
+      <p:pic>
+        <p:nvPicPr>
+          <p:cNvPr id="26" name="Picture 25"/>
+          <p:cNvPicPr>
+            <a:picLocks noChangeAspect="1"/>
+          </p:cNvPicPr>
+          <p:nvPr/>
+        </p:nvPicPr>
+        <p:blipFill>
+          <a:blip r:embed="rId4">
+            <a:extLst>
+              <a:ext uri="{28A0092B-C50C-407E-A947-70E740481C1C}">
+                <a14:useLocalDpi xmlns:a14="http://schemas.microsoft.com/office/drawing/2010/main" val="0"/>
+              </a:ext>
+            </a:extLst>
+          </a:blip>
+          <a:stretch>
+            <a:fillRect/>
+          </a:stretch>
+        </p:blipFill>
+        <p:spPr>
+          <a:xfrm>
+            <a:off x="2147733" y="4444597"/>
+            <a:ext cx="7810500" cy="1631916"/>
+          </a:xfrm>
+          <a:prstGeom prst="rect">
+            <a:avLst/>
+          </a:prstGeom>
+        </p:spPr>
+      </p:pic>
+      <p:sp>
+        <p:nvSpPr>
+          <p:cNvPr id="27" name="Oval 26"/>
+          <p:cNvSpPr/>
+          <p:nvPr/>
+        </p:nvSpPr>
+        <p:spPr bwMode="auto">
+          <a:xfrm>
+            <a:off x="6755567" y="4667435"/>
+            <a:ext cx="123731" cy="130660"/>
+          </a:xfrm>
+          <a:prstGeom prst="ellipse">
+            <a:avLst/>
+          </a:prstGeom>
+          <a:solidFill>
+            <a:schemeClr val="tx1"/>
+          </a:solidFill>
+          <a:ln w="9525" cap="flat" cmpd="sng" algn="ctr">
+            <a:noFill/>
+            <a:prstDash val="solid"/>
+            <a:round/>
+            <a:headEnd type="none" w="med" len="med"/>
+            <a:tailEnd type="none" w="med" len="med"/>
+          </a:ln>
+          <a:effectLst/>
+          <a:extLst/>
+        </p:spPr>
+        <p:txBody>
+          <a:bodyPr vert="horz" wrap="square" lIns="91440" tIns="45720" rIns="91440" bIns="45720" numCol="1" rtlCol="0" anchor="t" anchorCtr="0" compatLnSpc="1">
+            <a:prstTxWarp prst="textNoShape">
+              <a:avLst/>
+            </a:prstTxWarp>
+          </a:bodyPr>
+          <a:lstStyle/>
+          <a:p>
+            <a:pPr marL="0" marR="0" indent="0" algn="r" defTabSz="914400" rtl="0" eaLnBrk="0" fontAlgn="base" latinLnBrk="0" hangingPunct="0">
+              <a:lnSpc>
+                <a:spcPct val="100000"/>
+              </a:lnSpc>
+              <a:spcBef>
+                <a:spcPct val="0"/>
+              </a:spcBef>
+              <a:spcAft>
+                <a:spcPct val="0"/>
+              </a:spcAft>
+              <a:buClrTx/>
+              <a:buSzTx/>
+              <a:buFontTx/>
+              <a:buNone/>
+              <a:tabLst/>
+            </a:pPr>
+            <a:endParaRPr kumimoji="0" lang="en-GB" sz="2400" b="0" i="0" u="none" strike="noStrike" cap="none" normalizeH="0" baseline="0" smtClean="0">
+              <a:ln>
+                <a:noFill/>
+              </a:ln>
+              <a:solidFill>
+                <a:schemeClr val="tx1"/>
+              </a:solidFill>
+              <a:effectLst>
+                <a:outerShdw blurRad="38100" dist="38100" dir="2700000" algn="tl">
+                  <a:srgbClr val="000000">
+                    <a:alpha val="43137"/>
+                  </a:srgbClr>
+                </a:outerShdw>
+              </a:effectLst>
+              <a:latin typeface="Arial" charset="0"/>
+              <a:ea typeface="ＭＳ Ｐゴシック" pitchFamily="-7" charset="-128"/>
+            </a:endParaRPr>
+          </a:p>
+        </p:txBody>
+      </p:sp>
+      <p:sp>
+        <p:nvSpPr>
+          <p:cNvPr id="28" name="Oval 27"/>
+          <p:cNvSpPr/>
+          <p:nvPr/>
+        </p:nvSpPr>
+        <p:spPr bwMode="auto">
+          <a:xfrm>
+            <a:off x="5672553" y="5014395"/>
+            <a:ext cx="123731" cy="130660"/>
+          </a:xfrm>
+          <a:prstGeom prst="ellipse">
+            <a:avLst/>
+          </a:prstGeom>
+          <a:solidFill>
+            <a:schemeClr val="tx1"/>
+          </a:solidFill>
+          <a:ln w="9525" cap="flat" cmpd="sng" algn="ctr">
+            <a:noFill/>
+            <a:prstDash val="solid"/>
+            <a:round/>
+            <a:headEnd type="none" w="med" len="med"/>
+            <a:tailEnd type="none" w="med" len="med"/>
+          </a:ln>
+          <a:effectLst/>
+          <a:extLst/>
+        </p:spPr>
+        <p:txBody>
+          <a:bodyPr vert="horz" wrap="square" lIns="91440" tIns="45720" rIns="91440" bIns="45720" numCol="1" rtlCol="0" anchor="t" anchorCtr="0" compatLnSpc="1">
+            <a:prstTxWarp prst="textNoShape">
+              <a:avLst/>
+            </a:prstTxWarp>
+          </a:bodyPr>
+          <a:lstStyle/>
+          <a:p>
+            <a:pPr marL="0" marR="0" indent="0" algn="r" defTabSz="914400" rtl="0" eaLnBrk="0" fontAlgn="base" latinLnBrk="0" hangingPunct="0">
+              <a:lnSpc>
+                <a:spcPct val="100000"/>
+              </a:lnSpc>
+              <a:spcBef>
+                <a:spcPct val="0"/>
+              </a:spcBef>
+              <a:spcAft>
+                <a:spcPct val="0"/>
+              </a:spcAft>
+              <a:buClrTx/>
+              <a:buSzTx/>
+              <a:buFontTx/>
+              <a:buNone/>
+              <a:tabLst/>
+            </a:pPr>
+            <a:endParaRPr kumimoji="0" lang="en-GB" sz="2400" b="0" i="0" u="none" strike="noStrike" cap="none" normalizeH="0" baseline="0" smtClean="0">
+              <a:ln>
+                <a:noFill/>
+              </a:ln>
+              <a:solidFill>
+                <a:schemeClr val="tx1"/>
+              </a:solidFill>
+              <a:effectLst>
+                <a:outerShdw blurRad="38100" dist="38100" dir="2700000" algn="tl">
+                  <a:srgbClr val="000000">
+                    <a:alpha val="43137"/>
+                  </a:srgbClr>
+                </a:outerShdw>
+              </a:effectLst>
+              <a:latin typeface="Arial" charset="0"/>
+              <a:ea typeface="ＭＳ Ｐゴシック" pitchFamily="-7" charset="-128"/>
+            </a:endParaRPr>
+          </a:p>
+        </p:txBody>
+      </p:sp>
+      <p:sp>
+        <p:nvSpPr>
+          <p:cNvPr id="29" name="Oval 28"/>
+          <p:cNvSpPr/>
+          <p:nvPr/>
+        </p:nvSpPr>
+        <p:spPr bwMode="auto">
+          <a:xfrm>
+            <a:off x="2663455" y="5157072"/>
+            <a:ext cx="123731" cy="130660"/>
+          </a:xfrm>
+          <a:prstGeom prst="ellipse">
+            <a:avLst/>
+          </a:prstGeom>
+          <a:solidFill>
+            <a:schemeClr val="tx1"/>
+          </a:solidFill>
+          <a:ln w="9525" cap="flat" cmpd="sng" algn="ctr">
+            <a:noFill/>
+            <a:prstDash val="solid"/>
+            <a:round/>
+            <a:headEnd type="none" w="med" len="med"/>
+            <a:tailEnd type="none" w="med" len="med"/>
+          </a:ln>
+          <a:effectLst/>
+          <a:extLst/>
+        </p:spPr>
+        <p:txBody>
+          <a:bodyPr vert="horz" wrap="square" lIns="91440" tIns="45720" rIns="91440" bIns="45720" numCol="1" rtlCol="0" anchor="t" anchorCtr="0" compatLnSpc="1">
+            <a:prstTxWarp prst="textNoShape">
+              <a:avLst/>
+            </a:prstTxWarp>
+          </a:bodyPr>
+          <a:lstStyle/>
+          <a:p>
+            <a:pPr marL="0" marR="0" indent="0" algn="r" defTabSz="914400" rtl="0" eaLnBrk="0" fontAlgn="base" latinLnBrk="0" hangingPunct="0">
+              <a:lnSpc>
+                <a:spcPct val="100000"/>
+              </a:lnSpc>
+              <a:spcBef>
+                <a:spcPct val="0"/>
+              </a:spcBef>
+              <a:spcAft>
+                <a:spcPct val="0"/>
+              </a:spcAft>
+              <a:buClrTx/>
+              <a:buSzTx/>
+              <a:buFontTx/>
+              <a:buNone/>
+              <a:tabLst/>
+            </a:pPr>
+            <a:endParaRPr kumimoji="0" lang="en-GB" sz="2400" b="0" i="0" u="none" strike="noStrike" cap="none" normalizeH="0" baseline="0" smtClean="0">
+              <a:ln>
+                <a:noFill/>
+              </a:ln>
+              <a:solidFill>
+                <a:schemeClr val="tx1"/>
+              </a:solidFill>
+              <a:effectLst>
+                <a:outerShdw blurRad="38100" dist="38100" dir="2700000" algn="tl">
+                  <a:srgbClr val="000000">
+                    <a:alpha val="43137"/>
+                  </a:srgbClr>
+                </a:outerShdw>
+              </a:effectLst>
+              <a:latin typeface="Arial" charset="0"/>
+              <a:ea typeface="ＭＳ Ｐゴシック" pitchFamily="-7" charset="-128"/>
+            </a:endParaRPr>
+          </a:p>
+        </p:txBody>
+      </p:sp>
+      <p:sp>
+        <p:nvSpPr>
+          <p:cNvPr id="30" name="Oval 29"/>
+          <p:cNvSpPr/>
+          <p:nvPr/>
+        </p:nvSpPr>
+        <p:spPr bwMode="auto">
+          <a:xfrm>
+            <a:off x="3078503" y="5270560"/>
+            <a:ext cx="123731" cy="130660"/>
+          </a:xfrm>
+          <a:prstGeom prst="ellipse">
+            <a:avLst/>
+          </a:prstGeom>
+          <a:solidFill>
+            <a:schemeClr val="tx1"/>
+          </a:solidFill>
+          <a:ln w="9525" cap="flat" cmpd="sng" algn="ctr">
+            <a:noFill/>
+            <a:prstDash val="solid"/>
+            <a:round/>
+            <a:headEnd type="none" w="med" len="med"/>
+            <a:tailEnd type="none" w="med" len="med"/>
+          </a:ln>
+          <a:effectLst/>
+          <a:extLst/>
+        </p:spPr>
+        <p:txBody>
+          <a:bodyPr vert="horz" wrap="square" lIns="91440" tIns="45720" rIns="91440" bIns="45720" numCol="1" rtlCol="0" anchor="t" anchorCtr="0" compatLnSpc="1">
+            <a:prstTxWarp prst="textNoShape">
+              <a:avLst/>
+            </a:prstTxWarp>
+          </a:bodyPr>
+          <a:lstStyle/>
+          <a:p>
+            <a:pPr marL="0" marR="0" indent="0" algn="r" defTabSz="914400" rtl="0" eaLnBrk="0" fontAlgn="base" latinLnBrk="0" hangingPunct="0">
+              <a:lnSpc>
+                <a:spcPct val="100000"/>
+              </a:lnSpc>
+              <a:spcBef>
+                <a:spcPct val="0"/>
+              </a:spcBef>
+              <a:spcAft>
+                <a:spcPct val="0"/>
+              </a:spcAft>
+              <a:buClrTx/>
+              <a:buSzTx/>
+              <a:buFontTx/>
+              <a:buNone/>
+              <a:tabLst/>
+            </a:pPr>
+            <a:endParaRPr kumimoji="0" lang="en-GB" sz="2400" b="0" i="0" u="none" strike="noStrike" cap="none" normalizeH="0" baseline="0" smtClean="0">
+              <a:ln>
+                <a:noFill/>
+              </a:ln>
+              <a:solidFill>
+                <a:schemeClr val="tx1"/>
+              </a:solidFill>
+              <a:effectLst>
+                <a:outerShdw blurRad="38100" dist="38100" dir="2700000" algn="tl">
+                  <a:srgbClr val="000000">
+                    <a:alpha val="43137"/>
+                  </a:srgbClr>
+                </a:outerShdw>
+              </a:effectLst>
+              <a:latin typeface="Arial" charset="0"/>
+              <a:ea typeface="ＭＳ Ｐゴシック" pitchFamily="-7" charset="-128"/>
+            </a:endParaRPr>
+          </a:p>
+        </p:txBody>
+      </p:sp>
+      <p:sp>
+        <p:nvSpPr>
+          <p:cNvPr id="31" name="Oval 30"/>
+          <p:cNvSpPr/>
+          <p:nvPr/>
+        </p:nvSpPr>
+        <p:spPr bwMode="auto">
+          <a:xfrm>
+            <a:off x="3542191" y="5384048"/>
+            <a:ext cx="123731" cy="130660"/>
+          </a:xfrm>
+          <a:prstGeom prst="ellipse">
+            <a:avLst/>
+          </a:prstGeom>
+          <a:solidFill>
+            <a:schemeClr val="tx1"/>
+          </a:solidFill>
+          <a:ln w="9525" cap="flat" cmpd="sng" algn="ctr">
+            <a:noFill/>
+            <a:prstDash val="solid"/>
+            <a:round/>
+            <a:headEnd type="none" w="med" len="med"/>
+            <a:tailEnd type="none" w="med" len="med"/>
+          </a:ln>
+          <a:effectLst/>
+          <a:extLst/>
+        </p:spPr>
+        <p:txBody>
+          <a:bodyPr vert="horz" wrap="square" lIns="91440" tIns="45720" rIns="91440" bIns="45720" numCol="1" rtlCol="0" anchor="t" anchorCtr="0" compatLnSpc="1">
+            <a:prstTxWarp prst="textNoShape">
+              <a:avLst/>
+            </a:prstTxWarp>
+          </a:bodyPr>
+          <a:lstStyle/>
+          <a:p>
+            <a:pPr marL="0" marR="0" indent="0" algn="r" defTabSz="914400" rtl="0" eaLnBrk="0" fontAlgn="base" latinLnBrk="0" hangingPunct="0">
+              <a:lnSpc>
+                <a:spcPct val="100000"/>
+              </a:lnSpc>
+              <a:spcBef>
+                <a:spcPct val="0"/>
+              </a:spcBef>
+              <a:spcAft>
+                <a:spcPct val="0"/>
+              </a:spcAft>
+              <a:buClrTx/>
+              <a:buSzTx/>
+              <a:buFontTx/>
+              <a:buNone/>
+              <a:tabLst/>
+            </a:pPr>
+            <a:endParaRPr kumimoji="0" lang="en-GB" sz="2400" b="0" i="0" u="none" strike="noStrike" cap="none" normalizeH="0" baseline="0" smtClean="0">
+              <a:ln>
+                <a:noFill/>
+              </a:ln>
+              <a:solidFill>
+                <a:schemeClr val="tx1"/>
+              </a:solidFill>
+              <a:effectLst>
+                <a:outerShdw blurRad="38100" dist="38100" dir="2700000" algn="tl">
+                  <a:srgbClr val="000000">
+                    <a:alpha val="43137"/>
+                  </a:srgbClr>
+                </a:outerShdw>
+              </a:effectLst>
+              <a:latin typeface="Arial" charset="0"/>
+              <a:ea typeface="ＭＳ Ｐゴシック" pitchFamily="-7" charset="-128"/>
+            </a:endParaRPr>
+          </a:p>
+        </p:txBody>
+      </p:sp>
+      <p:sp>
+        <p:nvSpPr>
+          <p:cNvPr id="32" name="Oval 31"/>
+          <p:cNvSpPr/>
+          <p:nvPr/>
+        </p:nvSpPr>
+        <p:spPr bwMode="auto">
+          <a:xfrm>
+            <a:off x="4044791" y="5439168"/>
+            <a:ext cx="123731" cy="130660"/>
+          </a:xfrm>
+          <a:prstGeom prst="ellipse">
+            <a:avLst/>
+          </a:prstGeom>
+          <a:solidFill>
+            <a:schemeClr val="tx1"/>
+          </a:solidFill>
+          <a:ln w="9525" cap="flat" cmpd="sng" algn="ctr">
+            <a:noFill/>
+            <a:prstDash val="solid"/>
+            <a:round/>
+            <a:headEnd type="none" w="med" len="med"/>
+            <a:tailEnd type="none" w="med" len="med"/>
+          </a:ln>
+          <a:effectLst/>
+          <a:extLst/>
+        </p:spPr>
+        <p:txBody>
+          <a:bodyPr vert="horz" wrap="square" lIns="91440" tIns="45720" rIns="91440" bIns="45720" numCol="1" rtlCol="0" anchor="t" anchorCtr="0" compatLnSpc="1">
+            <a:prstTxWarp prst="textNoShape">
+              <a:avLst/>
+            </a:prstTxWarp>
+          </a:bodyPr>
+          <a:lstStyle/>
+          <a:p>
+            <a:pPr marL="0" marR="0" indent="0" algn="r" defTabSz="914400" rtl="0" eaLnBrk="0" fontAlgn="base" latinLnBrk="0" hangingPunct="0">
+              <a:lnSpc>
+                <a:spcPct val="100000"/>
+              </a:lnSpc>
+              <a:spcBef>
+                <a:spcPct val="0"/>
+              </a:spcBef>
+              <a:spcAft>
+                <a:spcPct val="0"/>
+              </a:spcAft>
+              <a:buClrTx/>
+              <a:buSzTx/>
+              <a:buFontTx/>
+              <a:buNone/>
+              <a:tabLst/>
+            </a:pPr>
+            <a:endParaRPr kumimoji="0" lang="en-GB" sz="2400" b="0" i="0" u="none" strike="noStrike" cap="none" normalizeH="0" baseline="0" smtClean="0">
+              <a:ln>
+                <a:noFill/>
+              </a:ln>
+              <a:solidFill>
+                <a:schemeClr val="tx1"/>
+              </a:solidFill>
+              <a:effectLst>
+                <a:outerShdw blurRad="38100" dist="38100" dir="2700000" algn="tl">
+                  <a:srgbClr val="000000">
+                    <a:alpha val="43137"/>
+                  </a:srgbClr>
+                </a:outerShdw>
+              </a:effectLst>
+              <a:latin typeface="Arial" charset="0"/>
+              <a:ea typeface="ＭＳ Ｐゴシック" pitchFamily="-7" charset="-128"/>
+            </a:endParaRPr>
+          </a:p>
+        </p:txBody>
+      </p:sp>
+      <p:sp>
+        <p:nvSpPr>
+          <p:cNvPr id="33" name="Oval 32"/>
+          <p:cNvSpPr/>
+          <p:nvPr/>
+        </p:nvSpPr>
+        <p:spPr bwMode="auto">
+          <a:xfrm>
+            <a:off x="4625215" y="5367824"/>
+            <a:ext cx="123731" cy="130660"/>
+          </a:xfrm>
+          <a:prstGeom prst="ellipse">
+            <a:avLst/>
+          </a:prstGeom>
+          <a:solidFill>
+            <a:schemeClr val="tx1"/>
+          </a:solidFill>
+          <a:ln w="9525" cap="flat" cmpd="sng" algn="ctr">
+            <a:noFill/>
+            <a:prstDash val="solid"/>
+            <a:round/>
+            <a:headEnd type="none" w="med" len="med"/>
+            <a:tailEnd type="none" w="med" len="med"/>
+          </a:ln>
+          <a:effectLst/>
+          <a:extLst/>
+        </p:spPr>
+        <p:txBody>
+          <a:bodyPr vert="horz" wrap="square" lIns="91440" tIns="45720" rIns="91440" bIns="45720" numCol="1" rtlCol="0" anchor="t" anchorCtr="0" compatLnSpc="1">
+            <a:prstTxWarp prst="textNoShape">
+              <a:avLst/>
+            </a:prstTxWarp>
+          </a:bodyPr>
+          <a:lstStyle/>
+          <a:p>
+            <a:pPr marL="0" marR="0" indent="0" algn="r" defTabSz="914400" rtl="0" eaLnBrk="0" fontAlgn="base" latinLnBrk="0" hangingPunct="0">
+              <a:lnSpc>
+                <a:spcPct val="100000"/>
+              </a:lnSpc>
+              <a:spcBef>
+                <a:spcPct val="0"/>
+              </a:spcBef>
+              <a:spcAft>
+                <a:spcPct val="0"/>
+              </a:spcAft>
+              <a:buClrTx/>
+              <a:buSzTx/>
+              <a:buFontTx/>
+              <a:buNone/>
+              <a:tabLst/>
+            </a:pPr>
+            <a:endParaRPr kumimoji="0" lang="en-GB" sz="2400" b="0" i="0" u="none" strike="noStrike" cap="none" normalizeH="0" baseline="0" smtClean="0">
+              <a:ln>
+                <a:noFill/>
+              </a:ln>
+              <a:solidFill>
+                <a:schemeClr val="tx1"/>
+              </a:solidFill>
+              <a:effectLst>
+                <a:outerShdw blurRad="38100" dist="38100" dir="2700000" algn="tl">
+                  <a:srgbClr val="000000">
+                    <a:alpha val="43137"/>
+                  </a:srgbClr>
+                </a:outerShdw>
+              </a:effectLst>
+              <a:latin typeface="Arial" charset="0"/>
+              <a:ea typeface="ＭＳ Ｐゴシック" pitchFamily="-7" charset="-128"/>
+            </a:endParaRPr>
+          </a:p>
+        </p:txBody>
+      </p:sp>
+      <p:sp>
+        <p:nvSpPr>
+          <p:cNvPr id="34" name="Oval 33"/>
+          <p:cNvSpPr/>
+          <p:nvPr/>
+        </p:nvSpPr>
+        <p:spPr bwMode="auto">
+          <a:xfrm>
+            <a:off x="5205639" y="5257568"/>
+            <a:ext cx="123731" cy="130660"/>
+          </a:xfrm>
+          <a:prstGeom prst="ellipse">
+            <a:avLst/>
+          </a:prstGeom>
+          <a:solidFill>
+            <a:schemeClr val="tx1"/>
+          </a:solidFill>
+          <a:ln w="9525" cap="flat" cmpd="sng" algn="ctr">
+            <a:noFill/>
+            <a:prstDash val="solid"/>
+            <a:round/>
+            <a:headEnd type="none" w="med" len="med"/>
+            <a:tailEnd type="none" w="med" len="med"/>
+          </a:ln>
+          <a:effectLst/>
+          <a:extLst/>
+        </p:spPr>
+        <p:txBody>
+          <a:bodyPr vert="horz" wrap="square" lIns="91440" tIns="45720" rIns="91440" bIns="45720" numCol="1" rtlCol="0" anchor="t" anchorCtr="0" compatLnSpc="1">
+            <a:prstTxWarp prst="textNoShape">
+              <a:avLst/>
+            </a:prstTxWarp>
+          </a:bodyPr>
+          <a:lstStyle/>
+          <a:p>
+            <a:pPr marL="0" marR="0" indent="0" algn="r" defTabSz="914400" rtl="0" eaLnBrk="0" fontAlgn="base" latinLnBrk="0" hangingPunct="0">
+              <a:lnSpc>
+                <a:spcPct val="100000"/>
+              </a:lnSpc>
+              <a:spcBef>
+                <a:spcPct val="0"/>
+              </a:spcBef>
+              <a:spcAft>
+                <a:spcPct val="0"/>
+              </a:spcAft>
+              <a:buClrTx/>
+              <a:buSzTx/>
+              <a:buFontTx/>
+              <a:buNone/>
+              <a:tabLst/>
+            </a:pPr>
+            <a:endParaRPr kumimoji="0" lang="en-GB" sz="2400" b="0" i="0" u="none" strike="noStrike" cap="none" normalizeH="0" baseline="0" smtClean="0">
+              <a:ln>
+                <a:noFill/>
+              </a:ln>
+              <a:solidFill>
+                <a:schemeClr val="tx1"/>
+              </a:solidFill>
+              <a:effectLst>
+                <a:outerShdw blurRad="38100" dist="38100" dir="2700000" algn="tl">
+                  <a:srgbClr val="000000">
+                    <a:alpha val="43137"/>
+                  </a:srgbClr>
+                </a:outerShdw>
+              </a:effectLst>
+              <a:latin typeface="Arial" charset="0"/>
+              <a:ea typeface="ＭＳ Ｐゴシック" pitchFamily="-7" charset="-128"/>
+            </a:endParaRPr>
+          </a:p>
+        </p:txBody>
+      </p:sp>
+      <p:sp>
+        <p:nvSpPr>
+          <p:cNvPr id="35" name="Oval 34"/>
+          <p:cNvSpPr/>
+          <p:nvPr/>
+        </p:nvSpPr>
+        <p:spPr bwMode="auto">
+          <a:xfrm>
+            <a:off x="5786063" y="4826297"/>
+            <a:ext cx="123731" cy="130660"/>
+          </a:xfrm>
+          <a:prstGeom prst="ellipse">
+            <a:avLst/>
+          </a:prstGeom>
+          <a:solidFill>
+            <a:schemeClr val="tx1"/>
+          </a:solidFill>
+          <a:ln w="9525" cap="flat" cmpd="sng" algn="ctr">
+            <a:noFill/>
+            <a:prstDash val="solid"/>
+            <a:round/>
+            <a:headEnd type="none" w="med" len="med"/>
+            <a:tailEnd type="none" w="med" len="med"/>
+          </a:ln>
+          <a:effectLst/>
+          <a:extLst/>
+        </p:spPr>
+        <p:txBody>
+          <a:bodyPr vert="horz" wrap="square" lIns="91440" tIns="45720" rIns="91440" bIns="45720" numCol="1" rtlCol="0" anchor="t" anchorCtr="0" compatLnSpc="1">
+            <a:prstTxWarp prst="textNoShape">
+              <a:avLst/>
+            </a:prstTxWarp>
+          </a:bodyPr>
+          <a:lstStyle/>
+          <a:p>
+            <a:pPr marL="0" marR="0" indent="0" algn="r" defTabSz="914400" rtl="0" eaLnBrk="0" fontAlgn="base" latinLnBrk="0" hangingPunct="0">
+              <a:lnSpc>
+                <a:spcPct val="100000"/>
+              </a:lnSpc>
+              <a:spcBef>
+                <a:spcPct val="0"/>
+              </a:spcBef>
+              <a:spcAft>
+                <a:spcPct val="0"/>
+              </a:spcAft>
+              <a:buClrTx/>
+              <a:buSzTx/>
+              <a:buFontTx/>
+              <a:buNone/>
+              <a:tabLst/>
+            </a:pPr>
+            <a:endParaRPr kumimoji="0" lang="en-GB" sz="2400" b="0" i="0" u="none" strike="noStrike" cap="none" normalizeH="0" baseline="0" smtClean="0">
+              <a:ln>
+                <a:noFill/>
+              </a:ln>
+              <a:solidFill>
+                <a:schemeClr val="tx1"/>
+              </a:solidFill>
+              <a:effectLst>
+                <a:outerShdw blurRad="38100" dist="38100" dir="2700000" algn="tl">
+                  <a:srgbClr val="000000">
+                    <a:alpha val="43137"/>
+                  </a:srgbClr>
+                </a:outerShdw>
+              </a:effectLst>
+              <a:latin typeface="Arial" charset="0"/>
+              <a:ea typeface="ＭＳ Ｐゴシック" pitchFamily="-7" charset="-128"/>
+            </a:endParaRPr>
+          </a:p>
+        </p:txBody>
+      </p:sp>
+      <p:sp>
+        <p:nvSpPr>
+          <p:cNvPr id="36" name="Oval 35"/>
+          <p:cNvSpPr/>
+          <p:nvPr/>
+        </p:nvSpPr>
+        <p:spPr bwMode="auto">
+          <a:xfrm>
+            <a:off x="6240023" y="4735495"/>
+            <a:ext cx="123731" cy="130660"/>
+          </a:xfrm>
+          <a:prstGeom prst="ellipse">
+            <a:avLst/>
+          </a:prstGeom>
+          <a:solidFill>
+            <a:schemeClr val="tx1"/>
+          </a:solidFill>
+          <a:ln w="9525" cap="flat" cmpd="sng" algn="ctr">
+            <a:noFill/>
+            <a:prstDash val="solid"/>
+            <a:round/>
+            <a:headEnd type="none" w="med" len="med"/>
+            <a:tailEnd type="none" w="med" len="med"/>
+          </a:ln>
+          <a:effectLst/>
+          <a:extLst/>
+        </p:spPr>
+        <p:txBody>
+          <a:bodyPr vert="horz" wrap="square" lIns="91440" tIns="45720" rIns="91440" bIns="45720" numCol="1" rtlCol="0" anchor="t" anchorCtr="0" compatLnSpc="1">
+            <a:prstTxWarp prst="textNoShape">
+              <a:avLst/>
+            </a:prstTxWarp>
+          </a:bodyPr>
+          <a:lstStyle/>
+          <a:p>
+            <a:pPr marL="0" marR="0" indent="0" algn="r" defTabSz="914400" rtl="0" eaLnBrk="0" fontAlgn="base" latinLnBrk="0" hangingPunct="0">
+              <a:lnSpc>
+                <a:spcPct val="100000"/>
+              </a:lnSpc>
+              <a:spcBef>
+                <a:spcPct val="0"/>
+              </a:spcBef>
+              <a:spcAft>
+                <a:spcPct val="0"/>
+              </a:spcAft>
+              <a:buClrTx/>
+              <a:buSzTx/>
+              <a:buFontTx/>
+              <a:buNone/>
+              <a:tabLst/>
+            </a:pPr>
+            <a:endParaRPr kumimoji="0" lang="en-GB" sz="2400" b="0" i="0" u="none" strike="noStrike" cap="none" normalizeH="0" baseline="0" smtClean="0">
+              <a:ln>
+                <a:noFill/>
+              </a:ln>
+              <a:solidFill>
+                <a:schemeClr val="tx1"/>
+              </a:solidFill>
+              <a:effectLst>
+                <a:outerShdw blurRad="38100" dist="38100" dir="2700000" algn="tl">
+                  <a:srgbClr val="000000">
+                    <a:alpha val="43137"/>
+                  </a:srgbClr>
+                </a:outerShdw>
+              </a:effectLst>
+              <a:latin typeface="Arial" charset="0"/>
+              <a:ea typeface="ＭＳ Ｐゴシック" pitchFamily="-7" charset="-128"/>
+            </a:endParaRPr>
+          </a:p>
+        </p:txBody>
+      </p:sp>
+      <p:sp>
+        <p:nvSpPr>
+          <p:cNvPr id="37" name="TextBox 36"/>
+          <p:cNvSpPr txBox="1"/>
+          <p:nvPr/>
+        </p:nvSpPr>
+        <p:spPr>
+          <a:xfrm>
+            <a:off x="2454469" y="4069496"/>
+            <a:ext cx="3050279" cy="461665"/>
+          </a:xfrm>
+          <a:prstGeom prst="rect">
+            <a:avLst/>
+          </a:prstGeom>
+          <a:noFill/>
+        </p:spPr>
+        <p:txBody>
+          <a:bodyPr wrap="square" rtlCol="0">
+            <a:spAutoFit/>
+          </a:bodyPr>
+          <a:lstStyle/>
+          <a:p>
+            <a:r>
+              <a:rPr lang="en-GB" dirty="0" smtClean="0"/>
+              <a:t>vs “reference time”</a:t>
+            </a:r>
+            <a:endParaRPr lang="en-GB" dirty="0"/>
+          </a:p>
+        </p:txBody>
+      </p:sp>
+      <p:grpSp>
+        <p:nvGrpSpPr>
+          <p:cNvPr id="38" name="Group 37"/>
+          <p:cNvGrpSpPr/>
+          <p:nvPr/>
+        </p:nvGrpSpPr>
+        <p:grpSpPr>
+          <a:xfrm>
+            <a:off x="2745266" y="1905561"/>
+            <a:ext cx="4202862" cy="1683803"/>
+            <a:chOff x="2024600" y="2432260"/>
+            <a:chExt cx="4202862" cy="1683803"/>
+          </a:xfrm>
+        </p:grpSpPr>
+        <p:pic>
+          <p:nvPicPr>
+            <p:cNvPr id="39" name="Picture 38"/>
+            <p:cNvPicPr>
+              <a:picLocks noChangeAspect="1"/>
+            </p:cNvPicPr>
+            <p:nvPr/>
+          </p:nvPicPr>
+          <p:blipFill>
+            <a:blip r:embed="rId3"/>
+            <a:stretch>
+              <a:fillRect/>
+            </a:stretch>
+          </p:blipFill>
+          <p:spPr>
+            <a:xfrm>
+              <a:off x="5399546" y="2432260"/>
+              <a:ext cx="775664" cy="469484"/>
+            </a:xfrm>
+            <a:prstGeom prst="rect">
+              <a:avLst/>
+            </a:prstGeom>
+          </p:spPr>
+        </p:pic>
+        <p:sp>
+          <p:nvSpPr>
+            <p:cNvPr id="40" name="Freeform 39"/>
+            <p:cNvSpPr/>
+            <p:nvPr/>
+          </p:nvSpPr>
+          <p:spPr bwMode="auto">
+            <a:xfrm>
+              <a:off x="2024600" y="2728165"/>
+              <a:ext cx="4202862" cy="1325450"/>
+            </a:xfrm>
+            <a:custGeom>
+              <a:avLst/>
+              <a:gdLst>
+                <a:gd name="connsiteX0" fmla="*/ 0 w 6750996"/>
+                <a:gd name="connsiteY0" fmla="*/ 3589508 h 3914945"/>
+                <a:gd name="connsiteX1" fmla="*/ 1867711 w 6750996"/>
+                <a:gd name="connsiteY1" fmla="*/ 3900793 h 3914945"/>
+                <a:gd name="connsiteX2" fmla="*/ 3696511 w 6750996"/>
+                <a:gd name="connsiteY2" fmla="*/ 3180946 h 3914945"/>
+                <a:gd name="connsiteX3" fmla="*/ 3677056 w 6750996"/>
+                <a:gd name="connsiteY3" fmla="*/ 2003899 h 3914945"/>
+                <a:gd name="connsiteX4" fmla="*/ 1974715 w 6750996"/>
+                <a:gd name="connsiteY4" fmla="*/ 1420240 h 3914945"/>
+                <a:gd name="connsiteX5" fmla="*/ 2042809 w 6750996"/>
+                <a:gd name="connsiteY5" fmla="*/ 710121 h 3914945"/>
+                <a:gd name="connsiteX6" fmla="*/ 4377447 w 6750996"/>
+                <a:gd name="connsiteY6" fmla="*/ 116733 h 3914945"/>
+                <a:gd name="connsiteX7" fmla="*/ 6750996 w 6750996"/>
+                <a:gd name="connsiteY7" fmla="*/ 1 h 3914945"/>
+                <a:gd name="connsiteX8" fmla="*/ 6750996 w 6750996"/>
+                <a:gd name="connsiteY8" fmla="*/ 1 h 3914945"/>
+                <a:gd name="connsiteX0" fmla="*/ 0 w 6750996"/>
+                <a:gd name="connsiteY0" fmla="*/ 3589508 h 3929904"/>
+                <a:gd name="connsiteX1" fmla="*/ 1867711 w 6750996"/>
+                <a:gd name="connsiteY1" fmla="*/ 3900793 h 3929904"/>
+                <a:gd name="connsiteX2" fmla="*/ 3151762 w 6750996"/>
+                <a:gd name="connsiteY2" fmla="*/ 2918300 h 3929904"/>
+                <a:gd name="connsiteX3" fmla="*/ 3677056 w 6750996"/>
+                <a:gd name="connsiteY3" fmla="*/ 2003899 h 3929904"/>
+                <a:gd name="connsiteX4" fmla="*/ 1974715 w 6750996"/>
+                <a:gd name="connsiteY4" fmla="*/ 1420240 h 3929904"/>
+                <a:gd name="connsiteX5" fmla="*/ 2042809 w 6750996"/>
+                <a:gd name="connsiteY5" fmla="*/ 710121 h 3929904"/>
+                <a:gd name="connsiteX6" fmla="*/ 4377447 w 6750996"/>
+                <a:gd name="connsiteY6" fmla="*/ 116733 h 3929904"/>
+                <a:gd name="connsiteX7" fmla="*/ 6750996 w 6750996"/>
+                <a:gd name="connsiteY7" fmla="*/ 1 h 3929904"/>
+                <a:gd name="connsiteX8" fmla="*/ 6750996 w 6750996"/>
+                <a:gd name="connsiteY8" fmla="*/ 1 h 3929904"/>
+                <a:gd name="connsiteX0" fmla="*/ 0 w 6750996"/>
+                <a:gd name="connsiteY0" fmla="*/ 3589508 h 3929904"/>
+                <a:gd name="connsiteX1" fmla="*/ 1867711 w 6750996"/>
+                <a:gd name="connsiteY1" fmla="*/ 3900793 h 3929904"/>
+                <a:gd name="connsiteX2" fmla="*/ 3151762 w 6750996"/>
+                <a:gd name="connsiteY2" fmla="*/ 2918300 h 3929904"/>
+                <a:gd name="connsiteX3" fmla="*/ 2101175 w 6750996"/>
+                <a:gd name="connsiteY3" fmla="*/ 2110903 h 3929904"/>
+                <a:gd name="connsiteX4" fmla="*/ 1974715 w 6750996"/>
+                <a:gd name="connsiteY4" fmla="*/ 1420240 h 3929904"/>
+                <a:gd name="connsiteX5" fmla="*/ 2042809 w 6750996"/>
+                <a:gd name="connsiteY5" fmla="*/ 710121 h 3929904"/>
+                <a:gd name="connsiteX6" fmla="*/ 4377447 w 6750996"/>
+                <a:gd name="connsiteY6" fmla="*/ 116733 h 3929904"/>
+                <a:gd name="connsiteX7" fmla="*/ 6750996 w 6750996"/>
+                <a:gd name="connsiteY7" fmla="*/ 1 h 3929904"/>
+                <a:gd name="connsiteX8" fmla="*/ 6750996 w 6750996"/>
+                <a:gd name="connsiteY8" fmla="*/ 1 h 3929904"/>
+                <a:gd name="connsiteX0" fmla="*/ 0 w 6750996"/>
+                <a:gd name="connsiteY0" fmla="*/ 3589508 h 3929904"/>
+                <a:gd name="connsiteX1" fmla="*/ 1867711 w 6750996"/>
+                <a:gd name="connsiteY1" fmla="*/ 3900793 h 3929904"/>
+                <a:gd name="connsiteX2" fmla="*/ 3151762 w 6750996"/>
+                <a:gd name="connsiteY2" fmla="*/ 2918300 h 3929904"/>
+                <a:gd name="connsiteX3" fmla="*/ 2101175 w 6750996"/>
+                <a:gd name="connsiteY3" fmla="*/ 2110903 h 3929904"/>
+                <a:gd name="connsiteX4" fmla="*/ 2626468 w 6750996"/>
+                <a:gd name="connsiteY4" fmla="*/ 1254870 h 3929904"/>
+                <a:gd name="connsiteX5" fmla="*/ 2042809 w 6750996"/>
+                <a:gd name="connsiteY5" fmla="*/ 710121 h 3929904"/>
+                <a:gd name="connsiteX6" fmla="*/ 4377447 w 6750996"/>
+                <a:gd name="connsiteY6" fmla="*/ 116733 h 3929904"/>
+                <a:gd name="connsiteX7" fmla="*/ 6750996 w 6750996"/>
+                <a:gd name="connsiteY7" fmla="*/ 1 h 3929904"/>
+                <a:gd name="connsiteX8" fmla="*/ 6750996 w 6750996"/>
+                <a:gd name="connsiteY8" fmla="*/ 1 h 3929904"/>
+                <a:gd name="connsiteX0" fmla="*/ 0 w 6750996"/>
+                <a:gd name="connsiteY0" fmla="*/ 3589508 h 3929904"/>
+                <a:gd name="connsiteX1" fmla="*/ 1867711 w 6750996"/>
+                <a:gd name="connsiteY1" fmla="*/ 3900793 h 3929904"/>
+                <a:gd name="connsiteX2" fmla="*/ 3151762 w 6750996"/>
+                <a:gd name="connsiteY2" fmla="*/ 2918300 h 3929904"/>
+                <a:gd name="connsiteX3" fmla="*/ 2655651 w 6750996"/>
+                <a:gd name="connsiteY3" fmla="*/ 2071992 h 3929904"/>
+                <a:gd name="connsiteX4" fmla="*/ 2626468 w 6750996"/>
+                <a:gd name="connsiteY4" fmla="*/ 1254870 h 3929904"/>
+                <a:gd name="connsiteX5" fmla="*/ 2042809 w 6750996"/>
+                <a:gd name="connsiteY5" fmla="*/ 710121 h 3929904"/>
+                <a:gd name="connsiteX6" fmla="*/ 4377447 w 6750996"/>
+                <a:gd name="connsiteY6" fmla="*/ 116733 h 3929904"/>
+                <a:gd name="connsiteX7" fmla="*/ 6750996 w 6750996"/>
+                <a:gd name="connsiteY7" fmla="*/ 1 h 3929904"/>
+                <a:gd name="connsiteX8" fmla="*/ 6750996 w 6750996"/>
+                <a:gd name="connsiteY8" fmla="*/ 1 h 3929904"/>
+                <a:gd name="connsiteX0" fmla="*/ 0 w 6750996"/>
+                <a:gd name="connsiteY0" fmla="*/ 3589508 h 3929904"/>
+                <a:gd name="connsiteX1" fmla="*/ 1867711 w 6750996"/>
+                <a:gd name="connsiteY1" fmla="*/ 3900793 h 3929904"/>
+                <a:gd name="connsiteX2" fmla="*/ 3151762 w 6750996"/>
+                <a:gd name="connsiteY2" fmla="*/ 2918300 h 3929904"/>
+                <a:gd name="connsiteX3" fmla="*/ 2626468 w 6750996"/>
+                <a:gd name="connsiteY3" fmla="*/ 1254870 h 3929904"/>
+                <a:gd name="connsiteX4" fmla="*/ 2042809 w 6750996"/>
+                <a:gd name="connsiteY4" fmla="*/ 710121 h 3929904"/>
+                <a:gd name="connsiteX5" fmla="*/ 4377447 w 6750996"/>
+                <a:gd name="connsiteY5" fmla="*/ 116733 h 3929904"/>
+                <a:gd name="connsiteX6" fmla="*/ 6750996 w 6750996"/>
+                <a:gd name="connsiteY6" fmla="*/ 1 h 3929904"/>
+                <a:gd name="connsiteX7" fmla="*/ 6750996 w 6750996"/>
+                <a:gd name="connsiteY7" fmla="*/ 1 h 3929904"/>
+                <a:gd name="connsiteX0" fmla="*/ 0 w 6750996"/>
+                <a:gd name="connsiteY0" fmla="*/ 3589508 h 3929904"/>
+                <a:gd name="connsiteX1" fmla="*/ 1867711 w 6750996"/>
+                <a:gd name="connsiteY1" fmla="*/ 3900793 h 3929904"/>
+                <a:gd name="connsiteX2" fmla="*/ 3151762 w 6750996"/>
+                <a:gd name="connsiteY2" fmla="*/ 2918300 h 3929904"/>
+                <a:gd name="connsiteX3" fmla="*/ 2626468 w 6750996"/>
+                <a:gd name="connsiteY3" fmla="*/ 1254870 h 3929904"/>
+                <a:gd name="connsiteX4" fmla="*/ 4377447 w 6750996"/>
+                <a:gd name="connsiteY4" fmla="*/ 116733 h 3929904"/>
+                <a:gd name="connsiteX5" fmla="*/ 6750996 w 6750996"/>
+                <a:gd name="connsiteY5" fmla="*/ 1 h 3929904"/>
+                <a:gd name="connsiteX6" fmla="*/ 6750996 w 6750996"/>
+                <a:gd name="connsiteY6" fmla="*/ 1 h 3929904"/>
+                <a:gd name="connsiteX0" fmla="*/ 0 w 6750996"/>
+                <a:gd name="connsiteY0" fmla="*/ 3589508 h 3704416"/>
+                <a:gd name="connsiteX1" fmla="*/ 2023354 w 6750996"/>
+                <a:gd name="connsiteY1" fmla="*/ 3589508 h 3704416"/>
+                <a:gd name="connsiteX2" fmla="*/ 3151762 w 6750996"/>
+                <a:gd name="connsiteY2" fmla="*/ 2918300 h 3704416"/>
+                <a:gd name="connsiteX3" fmla="*/ 2626468 w 6750996"/>
+                <a:gd name="connsiteY3" fmla="*/ 1254870 h 3704416"/>
+                <a:gd name="connsiteX4" fmla="*/ 4377447 w 6750996"/>
+                <a:gd name="connsiteY4" fmla="*/ 116733 h 3704416"/>
+                <a:gd name="connsiteX5" fmla="*/ 6750996 w 6750996"/>
+                <a:gd name="connsiteY5" fmla="*/ 1 h 3704416"/>
+                <a:gd name="connsiteX6" fmla="*/ 6750996 w 6750996"/>
+                <a:gd name="connsiteY6" fmla="*/ 1 h 3704416"/>
+                <a:gd name="connsiteX0" fmla="*/ 0 w 6750996"/>
+                <a:gd name="connsiteY0" fmla="*/ 3589508 h 3716457"/>
+                <a:gd name="connsiteX1" fmla="*/ 2023354 w 6750996"/>
+                <a:gd name="connsiteY1" fmla="*/ 3589508 h 3716457"/>
+                <a:gd name="connsiteX2" fmla="*/ 2859932 w 6750996"/>
+                <a:gd name="connsiteY2" fmla="*/ 2704291 h 3716457"/>
+                <a:gd name="connsiteX3" fmla="*/ 2626468 w 6750996"/>
+                <a:gd name="connsiteY3" fmla="*/ 1254870 h 3716457"/>
+                <a:gd name="connsiteX4" fmla="*/ 4377447 w 6750996"/>
+                <a:gd name="connsiteY4" fmla="*/ 116733 h 3716457"/>
+                <a:gd name="connsiteX5" fmla="*/ 6750996 w 6750996"/>
+                <a:gd name="connsiteY5" fmla="*/ 1 h 3716457"/>
+                <a:gd name="connsiteX6" fmla="*/ 6750996 w 6750996"/>
+                <a:gd name="connsiteY6" fmla="*/ 1 h 3716457"/>
+                <a:gd name="connsiteX0" fmla="*/ 0 w 6755541"/>
+                <a:gd name="connsiteY0" fmla="*/ 3689488 h 3816437"/>
+                <a:gd name="connsiteX1" fmla="*/ 2023354 w 6755541"/>
+                <a:gd name="connsiteY1" fmla="*/ 3689488 h 3816437"/>
+                <a:gd name="connsiteX2" fmla="*/ 2859932 w 6755541"/>
+                <a:gd name="connsiteY2" fmla="*/ 2804271 h 3816437"/>
+                <a:gd name="connsiteX3" fmla="*/ 2626468 w 6755541"/>
+                <a:gd name="connsiteY3" fmla="*/ 1354850 h 3816437"/>
+                <a:gd name="connsiteX4" fmla="*/ 4377447 w 6755541"/>
+                <a:gd name="connsiteY4" fmla="*/ 216713 h 3816437"/>
+                <a:gd name="connsiteX5" fmla="*/ 6750996 w 6755541"/>
+                <a:gd name="connsiteY5" fmla="*/ 99981 h 3816437"/>
+                <a:gd name="connsiteX6" fmla="*/ 4925457 w 6755541"/>
+                <a:gd name="connsiteY6" fmla="*/ 1614300 h 3816437"/>
+                <a:gd name="connsiteX0" fmla="*/ 0 w 6807435"/>
+                <a:gd name="connsiteY0" fmla="*/ 3717204 h 3844153"/>
+                <a:gd name="connsiteX1" fmla="*/ 2023354 w 6807435"/>
+                <a:gd name="connsiteY1" fmla="*/ 3717204 h 3844153"/>
+                <a:gd name="connsiteX2" fmla="*/ 2859932 w 6807435"/>
+                <a:gd name="connsiteY2" fmla="*/ 2831987 h 3844153"/>
+                <a:gd name="connsiteX3" fmla="*/ 2626468 w 6807435"/>
+                <a:gd name="connsiteY3" fmla="*/ 1382566 h 3844153"/>
+                <a:gd name="connsiteX4" fmla="*/ 4377447 w 6807435"/>
+                <a:gd name="connsiteY4" fmla="*/ 244429 h 3844153"/>
+                <a:gd name="connsiteX5" fmla="*/ 6750996 w 6807435"/>
+                <a:gd name="connsiteY5" fmla="*/ 127697 h 3844153"/>
+                <a:gd name="connsiteX6" fmla="*/ 5816999 w 6807435"/>
+                <a:gd name="connsiteY6" fmla="*/ 2017247 h 3844153"/>
+                <a:gd name="connsiteX0" fmla="*/ 0 w 5938192"/>
+                <a:gd name="connsiteY0" fmla="*/ 3487650 h 3614599"/>
+                <a:gd name="connsiteX1" fmla="*/ 2023354 w 5938192"/>
+                <a:gd name="connsiteY1" fmla="*/ 3487650 h 3614599"/>
+                <a:gd name="connsiteX2" fmla="*/ 2859932 w 5938192"/>
+                <a:gd name="connsiteY2" fmla="*/ 2602433 h 3614599"/>
+                <a:gd name="connsiteX3" fmla="*/ 2626468 w 5938192"/>
+                <a:gd name="connsiteY3" fmla="*/ 1153012 h 3614599"/>
+                <a:gd name="connsiteX4" fmla="*/ 4377447 w 5938192"/>
+                <a:gd name="connsiteY4" fmla="*/ 14875 h 3614599"/>
+                <a:gd name="connsiteX5" fmla="*/ 4316944 w 5938192"/>
+                <a:gd name="connsiteY5" fmla="*/ 1975307 h 3614599"/>
+                <a:gd name="connsiteX6" fmla="*/ 5816999 w 5938192"/>
+                <a:gd name="connsiteY6" fmla="*/ 1787693 h 3614599"/>
+                <a:gd name="connsiteX0" fmla="*/ 0 w 5938192"/>
+                <a:gd name="connsiteY0" fmla="*/ 3487650 h 3614599"/>
+                <a:gd name="connsiteX1" fmla="*/ 2023354 w 5938192"/>
+                <a:gd name="connsiteY1" fmla="*/ 3487650 h 3614599"/>
+                <a:gd name="connsiteX2" fmla="*/ 2859932 w 5938192"/>
+                <a:gd name="connsiteY2" fmla="*/ 2602433 h 3614599"/>
+                <a:gd name="connsiteX3" fmla="*/ 2626468 w 5938192"/>
+                <a:gd name="connsiteY3" fmla="*/ 1153012 h 3614599"/>
+                <a:gd name="connsiteX4" fmla="*/ 4377447 w 5938192"/>
+                <a:gd name="connsiteY4" fmla="*/ 14875 h 3614599"/>
+                <a:gd name="connsiteX5" fmla="*/ 4316944 w 5938192"/>
+                <a:gd name="connsiteY5" fmla="*/ 1975308 h 3614599"/>
+                <a:gd name="connsiteX6" fmla="*/ 5816999 w 5938192"/>
+                <a:gd name="connsiteY6" fmla="*/ 1787693 h 3614599"/>
+                <a:gd name="connsiteX0" fmla="*/ 0 w 5816998"/>
+                <a:gd name="connsiteY0" fmla="*/ 3482178 h 3609127"/>
+                <a:gd name="connsiteX1" fmla="*/ 2023354 w 5816998"/>
+                <a:gd name="connsiteY1" fmla="*/ 3482178 h 3609127"/>
+                <a:gd name="connsiteX2" fmla="*/ 2859932 w 5816998"/>
+                <a:gd name="connsiteY2" fmla="*/ 2596961 h 3609127"/>
+                <a:gd name="connsiteX3" fmla="*/ 2626468 w 5816998"/>
+                <a:gd name="connsiteY3" fmla="*/ 1147540 h 3609127"/>
+                <a:gd name="connsiteX4" fmla="*/ 4377447 w 5816998"/>
+                <a:gd name="connsiteY4" fmla="*/ 9403 h 3609127"/>
+                <a:gd name="connsiteX5" fmla="*/ 5816999 w 5816998"/>
+                <a:gd name="connsiteY5" fmla="*/ 1782221 h 3609127"/>
+                <a:gd name="connsiteX0" fmla="*/ 0 w 5816999"/>
+                <a:gd name="connsiteY0" fmla="*/ 2353480 h 2480429"/>
+                <a:gd name="connsiteX1" fmla="*/ 2023354 w 5816999"/>
+                <a:gd name="connsiteY1" fmla="*/ 2353480 h 2480429"/>
+                <a:gd name="connsiteX2" fmla="*/ 2859932 w 5816999"/>
+                <a:gd name="connsiteY2" fmla="*/ 1468263 h 2480429"/>
+                <a:gd name="connsiteX3" fmla="*/ 2626468 w 5816999"/>
+                <a:gd name="connsiteY3" fmla="*/ 18842 h 2480429"/>
+                <a:gd name="connsiteX4" fmla="*/ 5816999 w 5816999"/>
+                <a:gd name="connsiteY4" fmla="*/ 653523 h 2480429"/>
+                <a:gd name="connsiteX0" fmla="*/ 0 w 5816999"/>
+                <a:gd name="connsiteY0" fmla="*/ 1731835 h 1858784"/>
+                <a:gd name="connsiteX1" fmla="*/ 2023354 w 5816999"/>
+                <a:gd name="connsiteY1" fmla="*/ 1731835 h 1858784"/>
+                <a:gd name="connsiteX2" fmla="*/ 2859932 w 5816999"/>
+                <a:gd name="connsiteY2" fmla="*/ 846618 h 1858784"/>
+                <a:gd name="connsiteX3" fmla="*/ 3602918 w 5816999"/>
+                <a:gd name="connsiteY3" fmla="*/ 348672 h 1858784"/>
+                <a:gd name="connsiteX4" fmla="*/ 5816999 w 5816999"/>
+                <a:gd name="connsiteY4" fmla="*/ 31878 h 1858784"/>
+                <a:gd name="connsiteX0" fmla="*/ 0 w 6114180"/>
+                <a:gd name="connsiteY0" fmla="*/ 1544219 h 1778699"/>
+                <a:gd name="connsiteX1" fmla="*/ 2320535 w 6114180"/>
+                <a:gd name="connsiteY1" fmla="*/ 1731835 h 1778699"/>
+                <a:gd name="connsiteX2" fmla="*/ 3157113 w 6114180"/>
+                <a:gd name="connsiteY2" fmla="*/ 846618 h 1778699"/>
+                <a:gd name="connsiteX3" fmla="*/ 3900099 w 6114180"/>
+                <a:gd name="connsiteY3" fmla="*/ 348672 h 1778699"/>
+                <a:gd name="connsiteX4" fmla="*/ 6114180 w 6114180"/>
+                <a:gd name="connsiteY4" fmla="*/ 31878 h 1778699"/>
+                <a:gd name="connsiteX0" fmla="*/ 0 w 6114180"/>
+                <a:gd name="connsiteY0" fmla="*/ 1544219 h 1778698"/>
+                <a:gd name="connsiteX1" fmla="*/ 2320535 w 6114180"/>
+                <a:gd name="connsiteY1" fmla="*/ 1731835 h 1778698"/>
+                <a:gd name="connsiteX2" fmla="*/ 3397689 w 6114180"/>
+                <a:gd name="connsiteY2" fmla="*/ 846618 h 1778698"/>
+                <a:gd name="connsiteX3" fmla="*/ 3900099 w 6114180"/>
+                <a:gd name="connsiteY3" fmla="*/ 348672 h 1778698"/>
+                <a:gd name="connsiteX4" fmla="*/ 6114180 w 6114180"/>
+                <a:gd name="connsiteY4" fmla="*/ 31878 h 1778698"/>
+                <a:gd name="connsiteX0" fmla="*/ 0 w 6114180"/>
+                <a:gd name="connsiteY0" fmla="*/ 1591494 h 1825973"/>
+                <a:gd name="connsiteX1" fmla="*/ 2320535 w 6114180"/>
+                <a:gd name="connsiteY1" fmla="*/ 1779110 h 1825973"/>
+                <a:gd name="connsiteX2" fmla="*/ 3397689 w 6114180"/>
+                <a:gd name="connsiteY2" fmla="*/ 893893 h 1825973"/>
+                <a:gd name="connsiteX3" fmla="*/ 4225583 w 6114180"/>
+                <a:gd name="connsiteY3" fmla="*/ 127927 h 1825973"/>
+                <a:gd name="connsiteX4" fmla="*/ 6114180 w 6114180"/>
+                <a:gd name="connsiteY4" fmla="*/ 79153 h 1825973"/>
+              </a:gdLst>
+              <a:ahLst/>
+              <a:cxnLst>
+                <a:cxn ang="0">
+                  <a:pos x="connsiteX0" y="connsiteY0"/>
+                </a:cxn>
+                <a:cxn ang="0">
+                  <a:pos x="connsiteX1" y="connsiteY1"/>
+                </a:cxn>
+                <a:cxn ang="0">
+                  <a:pos x="connsiteX2" y="connsiteY2"/>
+                </a:cxn>
+                <a:cxn ang="0">
+                  <a:pos x="connsiteX3" y="connsiteY3"/>
+                </a:cxn>
+                <a:cxn ang="0">
+                  <a:pos x="connsiteX4" y="connsiteY4"/>
+                </a:cxn>
+              </a:cxnLst>
+              <a:rect l="l" t="t" r="r" b="b"/>
+              <a:pathLst>
+                <a:path w="6114180" h="1825973">
+                  <a:moveTo>
+                    <a:pt x="0" y="1591494"/>
+                  </a:moveTo>
+                  <a:cubicBezTo>
+                    <a:pt x="625813" y="1781183"/>
+                    <a:pt x="1754254" y="1895377"/>
+                    <a:pt x="2320535" y="1779110"/>
+                  </a:cubicBezTo>
+                  <a:cubicBezTo>
+                    <a:pt x="2886817" y="1662843"/>
+                    <a:pt x="3080181" y="1169090"/>
+                    <a:pt x="3397689" y="893893"/>
+                  </a:cubicBezTo>
+                  <a:cubicBezTo>
+                    <a:pt x="3715197" y="618696"/>
+                    <a:pt x="3772835" y="263717"/>
+                    <a:pt x="4225583" y="127927"/>
+                  </a:cubicBezTo>
+                  <a:cubicBezTo>
+                    <a:pt x="4678331" y="-7863"/>
+                    <a:pt x="5449486" y="-53072"/>
+                    <a:pt x="6114180" y="79153"/>
+                  </a:cubicBezTo>
+                </a:path>
+              </a:pathLst>
+            </a:custGeom>
+            <a:noFill/>
+            <a:ln w="9525" cap="flat" cmpd="sng" algn="ctr">
+              <a:solidFill>
+                <a:srgbClr val="00B050"/>
+              </a:solidFill>
+              <a:prstDash val="solid"/>
+              <a:round/>
+              <a:headEnd type="none" w="med" len="med"/>
+              <a:tailEnd type="none" w="med" len="med"/>
+            </a:ln>
+            <a:effectLst/>
+            <a:extLst>
+              <a:ext uri="{AF507438-7753-43E0-B8FC-AC1667EBCBE1}">
+                <a14:hiddenEffects xmlns:a14="http://schemas.microsoft.com/office/drawing/2010/main">
+                  <a:effectLst>
+                    <a:outerShdw dist="35921" dir="2700000" algn="ctr" rotWithShape="0">
+                      <a:schemeClr val="bg2"/>
+                    </a:outerShdw>
+                  </a:effectLst>
+                </a14:hiddenEffects>
+              </a:ext>
+            </a:extLst>
+          </p:spPr>
+          <p:txBody>
+            <a:bodyPr vert="horz" wrap="square" lIns="91440" tIns="45720" rIns="91440" bIns="45720" numCol="1" rtlCol="0" anchor="t" anchorCtr="0" compatLnSpc="1">
+              <a:prstTxWarp prst="textNoShape">
+                <a:avLst/>
+              </a:prstTxWarp>
+            </a:bodyPr>
+            <a:lstStyle/>
+            <a:p>
+              <a:pPr marL="0" marR="0" indent="0" algn="r" defTabSz="914400" rtl="0" eaLnBrk="0" fontAlgn="base" latinLnBrk="0" hangingPunct="0">
+                <a:lnSpc>
+                  <a:spcPct val="100000"/>
+                </a:lnSpc>
+                <a:spcBef>
+                  <a:spcPct val="0"/>
+                </a:spcBef>
+                <a:spcAft>
+                  <a:spcPct val="0"/>
+                </a:spcAft>
+                <a:buClrTx/>
+                <a:buSzTx/>
+                <a:buFontTx/>
+                <a:buNone/>
+                <a:tabLst/>
+              </a:pPr>
+              <a:endParaRPr kumimoji="0" lang="en-GB" sz="2400" b="0" i="0" u="none" strike="noStrike" cap="none" normalizeH="0" baseline="0" smtClean="0">
+                <a:ln>
+                  <a:noFill/>
+                </a:ln>
+                <a:solidFill>
+                  <a:schemeClr val="tx1"/>
+                </a:solidFill>
+                <a:effectLst>
+                  <a:outerShdw blurRad="38100" dist="38100" dir="2700000" algn="tl">
+                    <a:srgbClr val="000000">
+                      <a:alpha val="43137"/>
+                    </a:srgbClr>
+                  </a:outerShdw>
+                </a:effectLst>
+                <a:latin typeface="Arial" charset="0"/>
+                <a:ea typeface="ＭＳ Ｐゴシック" pitchFamily="-7" charset="-128"/>
+              </a:endParaRPr>
+            </a:p>
+          </p:txBody>
+        </p:sp>
+        <p:sp>
+          <p:nvSpPr>
+            <p:cNvPr id="41" name="Oval 40"/>
+            <p:cNvSpPr/>
+            <p:nvPr/>
+          </p:nvSpPr>
+          <p:spPr bwMode="auto">
+            <a:xfrm>
+              <a:off x="5263229" y="2686555"/>
+              <a:ext cx="123731" cy="130660"/>
+            </a:xfrm>
+            <a:prstGeom prst="ellipse">
+              <a:avLst/>
+            </a:prstGeom>
+            <a:solidFill>
+              <a:srgbClr val="92D050"/>
+            </a:solidFill>
+            <a:ln w="9525" cap="flat" cmpd="sng" algn="ctr">
+              <a:noFill/>
+              <a:prstDash val="solid"/>
+              <a:round/>
+              <a:headEnd type="none" w="med" len="med"/>
+              <a:tailEnd type="none" w="med" len="med"/>
+            </a:ln>
+            <a:effectLst/>
+            <a:extLst/>
+          </p:spPr>
+          <p:txBody>
+            <a:bodyPr vert="horz" wrap="square" lIns="91440" tIns="45720" rIns="91440" bIns="45720" numCol="1" rtlCol="0" anchor="t" anchorCtr="0" compatLnSpc="1">
+              <a:prstTxWarp prst="textNoShape">
+                <a:avLst/>
+              </a:prstTxWarp>
+            </a:bodyPr>
+            <a:lstStyle/>
+            <a:p>
+              <a:pPr marL="0" marR="0" indent="0" algn="r" defTabSz="914400" rtl="0" eaLnBrk="0" fontAlgn="base" latinLnBrk="0" hangingPunct="0">
+                <a:lnSpc>
+                  <a:spcPct val="100000"/>
+                </a:lnSpc>
+                <a:spcBef>
+                  <a:spcPct val="0"/>
+                </a:spcBef>
+                <a:spcAft>
+                  <a:spcPct val="0"/>
+                </a:spcAft>
+                <a:buClrTx/>
+                <a:buSzTx/>
+                <a:buFontTx/>
+                <a:buNone/>
+                <a:tabLst/>
+              </a:pPr>
+              <a:endParaRPr kumimoji="0" lang="en-GB" sz="2400" b="0" i="0" u="none" strike="noStrike" cap="none" normalizeH="0" baseline="0" smtClean="0">
+                <a:ln>
+                  <a:noFill/>
+                </a:ln>
+                <a:solidFill>
+                  <a:schemeClr val="tx1"/>
+                </a:solidFill>
+                <a:effectLst>
+                  <a:outerShdw blurRad="38100" dist="38100" dir="2700000" algn="tl">
+                    <a:srgbClr val="000000">
+                      <a:alpha val="43137"/>
+                    </a:srgbClr>
+                  </a:outerShdw>
+                </a:effectLst>
+                <a:latin typeface="Arial" charset="0"/>
+                <a:ea typeface="ＭＳ Ｐゴシック" pitchFamily="-7" charset="-128"/>
+              </a:endParaRPr>
+            </a:p>
+          </p:txBody>
+        </p:sp>
+        <p:sp>
+          <p:nvSpPr>
+            <p:cNvPr id="42" name="Oval 41"/>
+            <p:cNvSpPr/>
+            <p:nvPr/>
+          </p:nvSpPr>
+          <p:spPr bwMode="auto">
+            <a:xfrm>
+              <a:off x="4858783" y="2768459"/>
+              <a:ext cx="123731" cy="130660"/>
+            </a:xfrm>
+            <a:prstGeom prst="ellipse">
+              <a:avLst/>
+            </a:prstGeom>
+            <a:solidFill>
+              <a:srgbClr val="92D050"/>
+            </a:solidFill>
+            <a:ln w="9525" cap="flat" cmpd="sng" algn="ctr">
+              <a:noFill/>
+              <a:prstDash val="solid"/>
+              <a:round/>
+              <a:headEnd type="none" w="med" len="med"/>
+              <a:tailEnd type="none" w="med" len="med"/>
+            </a:ln>
+            <a:effectLst/>
+            <a:extLst/>
+          </p:spPr>
+          <p:txBody>
+            <a:bodyPr vert="horz" wrap="square" lIns="91440" tIns="45720" rIns="91440" bIns="45720" numCol="1" rtlCol="0" anchor="t" anchorCtr="0" compatLnSpc="1">
+              <a:prstTxWarp prst="textNoShape">
+                <a:avLst/>
+              </a:prstTxWarp>
+            </a:bodyPr>
+            <a:lstStyle/>
+            <a:p>
+              <a:pPr marL="0" marR="0" indent="0" algn="r" defTabSz="914400" rtl="0" eaLnBrk="0" fontAlgn="base" latinLnBrk="0" hangingPunct="0">
+                <a:lnSpc>
+                  <a:spcPct val="100000"/>
+                </a:lnSpc>
+                <a:spcBef>
+                  <a:spcPct val="0"/>
+                </a:spcBef>
+                <a:spcAft>
+                  <a:spcPct val="0"/>
+                </a:spcAft>
+                <a:buClrTx/>
+                <a:buSzTx/>
+                <a:buFontTx/>
+                <a:buNone/>
+                <a:tabLst/>
+              </a:pPr>
+              <a:endParaRPr kumimoji="0" lang="en-GB" sz="2400" b="0" i="0" u="none" strike="noStrike" cap="none" normalizeH="0" baseline="0" smtClean="0">
+                <a:ln>
+                  <a:noFill/>
+                </a:ln>
+                <a:solidFill>
+                  <a:schemeClr val="tx1"/>
+                </a:solidFill>
+                <a:effectLst>
+                  <a:outerShdw blurRad="38100" dist="38100" dir="2700000" algn="tl">
+                    <a:srgbClr val="000000">
+                      <a:alpha val="43137"/>
+                    </a:srgbClr>
+                  </a:outerShdw>
+                </a:effectLst>
+                <a:latin typeface="Arial" charset="0"/>
+                <a:ea typeface="ＭＳ Ｐゴシック" pitchFamily="-7" charset="-128"/>
+              </a:endParaRPr>
+            </a:p>
+          </p:txBody>
+        </p:sp>
+        <p:sp>
+          <p:nvSpPr>
+            <p:cNvPr id="43" name="Oval 42"/>
+            <p:cNvSpPr/>
+            <p:nvPr/>
+          </p:nvSpPr>
+          <p:spPr bwMode="auto">
+            <a:xfrm>
+              <a:off x="4571073" y="3025467"/>
+              <a:ext cx="123731" cy="130660"/>
+            </a:xfrm>
+            <a:prstGeom prst="ellipse">
+              <a:avLst/>
+            </a:prstGeom>
+            <a:solidFill>
+              <a:srgbClr val="92D050"/>
+            </a:solidFill>
+            <a:ln w="9525" cap="flat" cmpd="sng" algn="ctr">
+              <a:noFill/>
+              <a:prstDash val="solid"/>
+              <a:round/>
+              <a:headEnd type="none" w="med" len="med"/>
+              <a:tailEnd type="none" w="med" len="med"/>
+            </a:ln>
+            <a:effectLst/>
+            <a:extLst/>
+          </p:spPr>
+          <p:txBody>
+            <a:bodyPr vert="horz" wrap="square" lIns="91440" tIns="45720" rIns="91440" bIns="45720" numCol="1" rtlCol="0" anchor="t" anchorCtr="0" compatLnSpc="1">
+              <a:prstTxWarp prst="textNoShape">
+                <a:avLst/>
+              </a:prstTxWarp>
+            </a:bodyPr>
+            <a:lstStyle/>
+            <a:p>
+              <a:pPr marL="0" marR="0" indent="0" algn="r" defTabSz="914400" rtl="0" eaLnBrk="0" fontAlgn="base" latinLnBrk="0" hangingPunct="0">
+                <a:lnSpc>
+                  <a:spcPct val="100000"/>
+                </a:lnSpc>
+                <a:spcBef>
+                  <a:spcPct val="0"/>
+                </a:spcBef>
+                <a:spcAft>
+                  <a:spcPct val="0"/>
+                </a:spcAft>
+                <a:buClrTx/>
+                <a:buSzTx/>
+                <a:buFontTx/>
+                <a:buNone/>
+                <a:tabLst/>
+              </a:pPr>
+              <a:endParaRPr kumimoji="0" lang="en-GB" sz="2400" b="0" i="0" u="none" strike="noStrike" cap="none" normalizeH="0" baseline="0" smtClean="0">
+                <a:ln>
+                  <a:noFill/>
+                </a:ln>
+                <a:solidFill>
+                  <a:schemeClr val="tx1"/>
+                </a:solidFill>
+                <a:effectLst>
+                  <a:outerShdw blurRad="38100" dist="38100" dir="2700000" algn="tl">
+                    <a:srgbClr val="000000">
+                      <a:alpha val="43137"/>
+                    </a:srgbClr>
+                  </a:outerShdw>
+                </a:effectLst>
+                <a:latin typeface="Arial" charset="0"/>
+                <a:ea typeface="ＭＳ Ｐゴシック" pitchFamily="-7" charset="-128"/>
+              </a:endParaRPr>
+            </a:p>
+          </p:txBody>
+        </p:sp>
+        <p:sp>
+          <p:nvSpPr>
+            <p:cNvPr id="44" name="Oval 43"/>
+            <p:cNvSpPr/>
+            <p:nvPr/>
+          </p:nvSpPr>
+          <p:spPr bwMode="auto">
+            <a:xfrm>
+              <a:off x="4302819" y="3340843"/>
+              <a:ext cx="123731" cy="130660"/>
+            </a:xfrm>
+            <a:prstGeom prst="ellipse">
+              <a:avLst/>
+            </a:prstGeom>
+            <a:solidFill>
+              <a:srgbClr val="92D050"/>
+            </a:solidFill>
+            <a:ln w="9525" cap="flat" cmpd="sng" algn="ctr">
+              <a:noFill/>
+              <a:prstDash val="solid"/>
+              <a:round/>
+              <a:headEnd type="none" w="med" len="med"/>
+              <a:tailEnd type="none" w="med" len="med"/>
+            </a:ln>
+            <a:effectLst/>
+            <a:extLst/>
+          </p:spPr>
+          <p:txBody>
+            <a:bodyPr vert="horz" wrap="square" lIns="91440" tIns="45720" rIns="91440" bIns="45720" numCol="1" rtlCol="0" anchor="t" anchorCtr="0" compatLnSpc="1">
+              <a:prstTxWarp prst="textNoShape">
+                <a:avLst/>
+              </a:prstTxWarp>
+            </a:bodyPr>
+            <a:lstStyle/>
+            <a:p>
+              <a:pPr marL="0" marR="0" indent="0" algn="r" defTabSz="914400" rtl="0" eaLnBrk="0" fontAlgn="base" latinLnBrk="0" hangingPunct="0">
+                <a:lnSpc>
+                  <a:spcPct val="100000"/>
+                </a:lnSpc>
+                <a:spcBef>
+                  <a:spcPct val="0"/>
+                </a:spcBef>
+                <a:spcAft>
+                  <a:spcPct val="0"/>
+                </a:spcAft>
+                <a:buClrTx/>
+                <a:buSzTx/>
+                <a:buFontTx/>
+                <a:buNone/>
+                <a:tabLst/>
+              </a:pPr>
+              <a:endParaRPr kumimoji="0" lang="en-GB" sz="2400" b="0" i="0" u="none" strike="noStrike" cap="none" normalizeH="0" baseline="0" smtClean="0">
+                <a:ln>
+                  <a:noFill/>
+                </a:ln>
+                <a:solidFill>
+                  <a:schemeClr val="tx1"/>
+                </a:solidFill>
+                <a:effectLst>
+                  <a:outerShdw blurRad="38100" dist="38100" dir="2700000" algn="tl">
+                    <a:srgbClr val="000000">
+                      <a:alpha val="43137"/>
+                    </a:srgbClr>
+                  </a:outerShdw>
+                </a:effectLst>
+                <a:latin typeface="Arial" charset="0"/>
+                <a:ea typeface="ＭＳ Ｐゴシック" pitchFamily="-7" charset="-128"/>
+              </a:endParaRPr>
+            </a:p>
+          </p:txBody>
+        </p:sp>
+        <p:sp>
+          <p:nvSpPr>
+            <p:cNvPr id="45" name="Oval 44"/>
+            <p:cNvSpPr/>
+            <p:nvPr/>
+          </p:nvSpPr>
+          <p:spPr bwMode="auto">
+            <a:xfrm>
+              <a:off x="4054021" y="3656219"/>
+              <a:ext cx="123731" cy="130660"/>
+            </a:xfrm>
+            <a:prstGeom prst="ellipse">
+              <a:avLst/>
+            </a:prstGeom>
+            <a:solidFill>
+              <a:srgbClr val="92D050"/>
+            </a:solidFill>
+            <a:ln w="9525" cap="flat" cmpd="sng" algn="ctr">
+              <a:noFill/>
+              <a:prstDash val="solid"/>
+              <a:round/>
+              <a:headEnd type="none" w="med" len="med"/>
+              <a:tailEnd type="none" w="med" len="med"/>
+            </a:ln>
+            <a:effectLst/>
+            <a:extLst/>
+          </p:spPr>
+          <p:txBody>
+            <a:bodyPr vert="horz" wrap="square" lIns="91440" tIns="45720" rIns="91440" bIns="45720" numCol="1" rtlCol="0" anchor="t" anchorCtr="0" compatLnSpc="1">
+              <a:prstTxWarp prst="textNoShape">
+                <a:avLst/>
+              </a:prstTxWarp>
+            </a:bodyPr>
+            <a:lstStyle/>
+            <a:p>
+              <a:pPr marL="0" marR="0" indent="0" algn="r" defTabSz="914400" rtl="0" eaLnBrk="0" fontAlgn="base" latinLnBrk="0" hangingPunct="0">
+                <a:lnSpc>
+                  <a:spcPct val="100000"/>
+                </a:lnSpc>
+                <a:spcBef>
+                  <a:spcPct val="0"/>
+                </a:spcBef>
+                <a:spcAft>
+                  <a:spcPct val="0"/>
+                </a:spcAft>
+                <a:buClrTx/>
+                <a:buSzTx/>
+                <a:buFontTx/>
+                <a:buNone/>
+                <a:tabLst/>
+              </a:pPr>
+              <a:endParaRPr kumimoji="0" lang="en-GB" sz="2400" b="0" i="0" u="none" strike="noStrike" cap="none" normalizeH="0" baseline="0" smtClean="0">
+                <a:ln>
+                  <a:noFill/>
+                </a:ln>
+                <a:solidFill>
+                  <a:schemeClr val="tx1"/>
+                </a:solidFill>
+                <a:effectLst>
+                  <a:outerShdw blurRad="38100" dist="38100" dir="2700000" algn="tl">
+                    <a:srgbClr val="000000">
+                      <a:alpha val="43137"/>
+                    </a:srgbClr>
+                  </a:outerShdw>
+                </a:effectLst>
+                <a:latin typeface="Arial" charset="0"/>
+                <a:ea typeface="ＭＳ Ｐゴシック" pitchFamily="-7" charset="-128"/>
+              </a:endParaRPr>
+            </a:p>
+          </p:txBody>
+        </p:sp>
+        <p:sp>
+          <p:nvSpPr>
+            <p:cNvPr id="46" name="Oval 45"/>
+            <p:cNvSpPr/>
+            <p:nvPr/>
+          </p:nvSpPr>
+          <p:spPr bwMode="auto">
+            <a:xfrm>
+              <a:off x="3766311" y="3922955"/>
+              <a:ext cx="123731" cy="130660"/>
+            </a:xfrm>
+            <a:prstGeom prst="ellipse">
+              <a:avLst/>
+            </a:prstGeom>
+            <a:solidFill>
+              <a:srgbClr val="92D050"/>
+            </a:solidFill>
+            <a:ln w="9525" cap="flat" cmpd="sng" algn="ctr">
+              <a:noFill/>
+              <a:prstDash val="solid"/>
+              <a:round/>
+              <a:headEnd type="none" w="med" len="med"/>
+              <a:tailEnd type="none" w="med" len="med"/>
+            </a:ln>
+            <a:effectLst/>
+            <a:extLst/>
+          </p:spPr>
+          <p:txBody>
+            <a:bodyPr vert="horz" wrap="square" lIns="91440" tIns="45720" rIns="91440" bIns="45720" numCol="1" rtlCol="0" anchor="t" anchorCtr="0" compatLnSpc="1">
+              <a:prstTxWarp prst="textNoShape">
+                <a:avLst/>
+              </a:prstTxWarp>
+            </a:bodyPr>
+            <a:lstStyle/>
+            <a:p>
+              <a:pPr marL="0" marR="0" indent="0" algn="r" defTabSz="914400" rtl="0" eaLnBrk="0" fontAlgn="base" latinLnBrk="0" hangingPunct="0">
+                <a:lnSpc>
+                  <a:spcPct val="100000"/>
+                </a:lnSpc>
+                <a:spcBef>
+                  <a:spcPct val="0"/>
+                </a:spcBef>
+                <a:spcAft>
+                  <a:spcPct val="0"/>
+                </a:spcAft>
+                <a:buClrTx/>
+                <a:buSzTx/>
+                <a:buFontTx/>
+                <a:buNone/>
+                <a:tabLst/>
+              </a:pPr>
+              <a:endParaRPr kumimoji="0" lang="en-GB" sz="2400" b="0" i="0" u="none" strike="noStrike" cap="none" normalizeH="0" baseline="0" smtClean="0">
+                <a:ln>
+                  <a:noFill/>
+                </a:ln>
+                <a:solidFill>
+                  <a:schemeClr val="tx1"/>
+                </a:solidFill>
+                <a:effectLst>
+                  <a:outerShdw blurRad="38100" dist="38100" dir="2700000" algn="tl">
+                    <a:srgbClr val="000000">
+                      <a:alpha val="43137"/>
+                    </a:srgbClr>
+                  </a:outerShdw>
+                </a:effectLst>
+                <a:latin typeface="Arial" charset="0"/>
+                <a:ea typeface="ＭＳ Ｐゴシック" pitchFamily="-7" charset="-128"/>
+              </a:endParaRPr>
+            </a:p>
+          </p:txBody>
+        </p:sp>
+        <p:sp>
+          <p:nvSpPr>
+            <p:cNvPr id="47" name="Oval 46"/>
+            <p:cNvSpPr/>
+            <p:nvPr/>
+          </p:nvSpPr>
+          <p:spPr bwMode="auto">
+            <a:xfrm>
+              <a:off x="3381321" y="3985403"/>
+              <a:ext cx="123731" cy="130660"/>
+            </a:xfrm>
+            <a:prstGeom prst="ellipse">
+              <a:avLst/>
+            </a:prstGeom>
+            <a:solidFill>
+              <a:srgbClr val="92D050"/>
+            </a:solidFill>
+            <a:ln w="9525" cap="flat" cmpd="sng" algn="ctr">
+              <a:noFill/>
+              <a:prstDash val="solid"/>
+              <a:round/>
+              <a:headEnd type="none" w="med" len="med"/>
+              <a:tailEnd type="none" w="med" len="med"/>
+            </a:ln>
+            <a:effectLst/>
+            <a:extLst/>
+          </p:spPr>
+          <p:txBody>
+            <a:bodyPr vert="horz" wrap="square" lIns="91440" tIns="45720" rIns="91440" bIns="45720" numCol="1" rtlCol="0" anchor="t" anchorCtr="0" compatLnSpc="1">
+              <a:prstTxWarp prst="textNoShape">
+                <a:avLst/>
+              </a:prstTxWarp>
+            </a:bodyPr>
+            <a:lstStyle/>
+            <a:p>
+              <a:pPr marL="0" marR="0" indent="0" algn="r" defTabSz="914400" rtl="0" eaLnBrk="0" fontAlgn="base" latinLnBrk="0" hangingPunct="0">
+                <a:lnSpc>
+                  <a:spcPct val="100000"/>
+                </a:lnSpc>
+                <a:spcBef>
+                  <a:spcPct val="0"/>
+                </a:spcBef>
+                <a:spcAft>
+                  <a:spcPct val="0"/>
+                </a:spcAft>
+                <a:buClrTx/>
+                <a:buSzTx/>
+                <a:buFontTx/>
+                <a:buNone/>
+                <a:tabLst/>
+              </a:pPr>
+              <a:endParaRPr kumimoji="0" lang="en-GB" sz="2400" b="0" i="0" u="none" strike="noStrike" cap="none" normalizeH="0" baseline="0" smtClean="0">
+                <a:ln>
+                  <a:noFill/>
+                </a:ln>
+                <a:solidFill>
+                  <a:schemeClr val="tx1"/>
+                </a:solidFill>
+                <a:effectLst>
+                  <a:outerShdw blurRad="38100" dist="38100" dir="2700000" algn="tl">
+                    <a:srgbClr val="000000">
+                      <a:alpha val="43137"/>
+                    </a:srgbClr>
+                  </a:outerShdw>
+                </a:effectLst>
+                <a:latin typeface="Arial" charset="0"/>
+                <a:ea typeface="ＭＳ Ｐゴシック" pitchFamily="-7" charset="-128"/>
+              </a:endParaRPr>
+            </a:p>
+          </p:txBody>
+        </p:sp>
+        <p:sp>
+          <p:nvSpPr>
+            <p:cNvPr id="48" name="Oval 47"/>
+            <p:cNvSpPr/>
+            <p:nvPr/>
+          </p:nvSpPr>
+          <p:spPr bwMode="auto">
+            <a:xfrm>
+              <a:off x="2986603" y="3979755"/>
+              <a:ext cx="123731" cy="130660"/>
+            </a:xfrm>
+            <a:prstGeom prst="ellipse">
+              <a:avLst/>
+            </a:prstGeom>
+            <a:solidFill>
+              <a:srgbClr val="92D050"/>
+            </a:solidFill>
+            <a:ln w="9525" cap="flat" cmpd="sng" algn="ctr">
+              <a:noFill/>
+              <a:prstDash val="solid"/>
+              <a:round/>
+              <a:headEnd type="none" w="med" len="med"/>
+              <a:tailEnd type="none" w="med" len="med"/>
+            </a:ln>
+            <a:effectLst/>
+            <a:extLst/>
+          </p:spPr>
+          <p:txBody>
+            <a:bodyPr vert="horz" wrap="square" lIns="91440" tIns="45720" rIns="91440" bIns="45720" numCol="1" rtlCol="0" anchor="t" anchorCtr="0" compatLnSpc="1">
+              <a:prstTxWarp prst="textNoShape">
+                <a:avLst/>
+              </a:prstTxWarp>
+            </a:bodyPr>
+            <a:lstStyle/>
+            <a:p>
+              <a:pPr marL="0" marR="0" indent="0" algn="r" defTabSz="914400" rtl="0" eaLnBrk="0" fontAlgn="base" latinLnBrk="0" hangingPunct="0">
+                <a:lnSpc>
+                  <a:spcPct val="100000"/>
+                </a:lnSpc>
+                <a:spcBef>
+                  <a:spcPct val="0"/>
+                </a:spcBef>
+                <a:spcAft>
+                  <a:spcPct val="0"/>
+                </a:spcAft>
+                <a:buClrTx/>
+                <a:buSzTx/>
+                <a:buFontTx/>
+                <a:buNone/>
+                <a:tabLst/>
+              </a:pPr>
+              <a:endParaRPr kumimoji="0" lang="en-GB" sz="2400" b="0" i="0" u="none" strike="noStrike" cap="none" normalizeH="0" baseline="0" smtClean="0">
+                <a:ln>
+                  <a:noFill/>
+                </a:ln>
+                <a:solidFill>
+                  <a:schemeClr val="tx1"/>
+                </a:solidFill>
+                <a:effectLst>
+                  <a:outerShdw blurRad="38100" dist="38100" dir="2700000" algn="tl">
+                    <a:srgbClr val="000000">
+                      <a:alpha val="43137"/>
+                    </a:srgbClr>
+                  </a:outerShdw>
+                </a:effectLst>
+                <a:latin typeface="Arial" charset="0"/>
+                <a:ea typeface="ＭＳ Ｐゴシック" pitchFamily="-7" charset="-128"/>
+              </a:endParaRPr>
+            </a:p>
+          </p:txBody>
+        </p:sp>
+        <p:sp>
+          <p:nvSpPr>
+            <p:cNvPr id="49" name="Oval 48"/>
+            <p:cNvSpPr/>
+            <p:nvPr/>
+          </p:nvSpPr>
+          <p:spPr bwMode="auto">
+            <a:xfrm>
+              <a:off x="2572429" y="3944923"/>
+              <a:ext cx="123731" cy="130660"/>
+            </a:xfrm>
+            <a:prstGeom prst="ellipse">
+              <a:avLst/>
+            </a:prstGeom>
+            <a:solidFill>
+              <a:srgbClr val="92D050"/>
+            </a:solidFill>
+            <a:ln w="9525" cap="flat" cmpd="sng" algn="ctr">
+              <a:noFill/>
+              <a:prstDash val="solid"/>
+              <a:round/>
+              <a:headEnd type="none" w="med" len="med"/>
+              <a:tailEnd type="none" w="med" len="med"/>
+            </a:ln>
+            <a:effectLst/>
+            <a:extLst/>
+          </p:spPr>
+          <p:txBody>
+            <a:bodyPr vert="horz" wrap="square" lIns="91440" tIns="45720" rIns="91440" bIns="45720" numCol="1" rtlCol="0" anchor="t" anchorCtr="0" compatLnSpc="1">
+              <a:prstTxWarp prst="textNoShape">
+                <a:avLst/>
+              </a:prstTxWarp>
+            </a:bodyPr>
+            <a:lstStyle/>
+            <a:p>
+              <a:pPr marL="0" marR="0" indent="0" algn="r" defTabSz="914400" rtl="0" eaLnBrk="0" fontAlgn="base" latinLnBrk="0" hangingPunct="0">
+                <a:lnSpc>
+                  <a:spcPct val="100000"/>
+                </a:lnSpc>
+                <a:spcBef>
+                  <a:spcPct val="0"/>
+                </a:spcBef>
+                <a:spcAft>
+                  <a:spcPct val="0"/>
+                </a:spcAft>
+                <a:buClrTx/>
+                <a:buSzTx/>
+                <a:buFontTx/>
+                <a:buNone/>
+                <a:tabLst/>
+              </a:pPr>
+              <a:endParaRPr kumimoji="0" lang="en-GB" sz="2400" b="0" i="0" u="none" strike="noStrike" cap="none" normalizeH="0" baseline="0" smtClean="0">
+                <a:ln>
+                  <a:noFill/>
+                </a:ln>
+                <a:solidFill>
+                  <a:schemeClr val="tx1"/>
+                </a:solidFill>
+                <a:effectLst>
+                  <a:outerShdw blurRad="38100" dist="38100" dir="2700000" algn="tl">
+                    <a:srgbClr val="000000">
+                      <a:alpha val="43137"/>
+                    </a:srgbClr>
+                  </a:outerShdw>
+                </a:effectLst>
+                <a:latin typeface="Arial" charset="0"/>
+                <a:ea typeface="ＭＳ Ｐゴシック" pitchFamily="-7" charset="-128"/>
+              </a:endParaRPr>
+            </a:p>
+          </p:txBody>
+        </p:sp>
+        <p:sp>
+          <p:nvSpPr>
+            <p:cNvPr id="50" name="Oval 49"/>
+            <p:cNvSpPr/>
+            <p:nvPr/>
+          </p:nvSpPr>
+          <p:spPr bwMode="auto">
+            <a:xfrm>
+              <a:off x="2158255" y="3861451"/>
+              <a:ext cx="123731" cy="130660"/>
+            </a:xfrm>
+            <a:prstGeom prst="ellipse">
+              <a:avLst/>
+            </a:prstGeom>
+            <a:solidFill>
+              <a:srgbClr val="92D050"/>
+            </a:solidFill>
+            <a:ln w="9525" cap="flat" cmpd="sng" algn="ctr">
+              <a:noFill/>
+              <a:prstDash val="solid"/>
+              <a:round/>
+              <a:headEnd type="none" w="med" len="med"/>
+              <a:tailEnd type="none" w="med" len="med"/>
+            </a:ln>
+            <a:effectLst/>
+            <a:extLst/>
+          </p:spPr>
+          <p:txBody>
+            <a:bodyPr vert="horz" wrap="square" lIns="91440" tIns="45720" rIns="91440" bIns="45720" numCol="1" rtlCol="0" anchor="t" anchorCtr="0" compatLnSpc="1">
+              <a:prstTxWarp prst="textNoShape">
+                <a:avLst/>
+              </a:prstTxWarp>
+            </a:bodyPr>
+            <a:lstStyle/>
+            <a:p>
+              <a:pPr marL="0" marR="0" indent="0" algn="r" defTabSz="914400" rtl="0" eaLnBrk="0" fontAlgn="base" latinLnBrk="0" hangingPunct="0">
+                <a:lnSpc>
+                  <a:spcPct val="100000"/>
+                </a:lnSpc>
+                <a:spcBef>
+                  <a:spcPct val="0"/>
+                </a:spcBef>
+                <a:spcAft>
+                  <a:spcPct val="0"/>
+                </a:spcAft>
+                <a:buClrTx/>
+                <a:buSzTx/>
+                <a:buFontTx/>
+                <a:buNone/>
+                <a:tabLst/>
+              </a:pPr>
+              <a:endParaRPr kumimoji="0" lang="en-GB" sz="2400" b="0" i="0" u="none" strike="noStrike" cap="none" normalizeH="0" baseline="0" smtClean="0">
+                <a:ln>
+                  <a:noFill/>
+                </a:ln>
+                <a:solidFill>
+                  <a:schemeClr val="tx1"/>
+                </a:solidFill>
+                <a:effectLst>
+                  <a:outerShdw blurRad="38100" dist="38100" dir="2700000" algn="tl">
+                    <a:srgbClr val="000000">
+                      <a:alpha val="43137"/>
+                    </a:srgbClr>
+                  </a:outerShdw>
+                </a:effectLst>
+                <a:latin typeface="Arial" charset="0"/>
+                <a:ea typeface="ＭＳ Ｐゴシック" pitchFamily="-7" charset="-128"/>
+              </a:endParaRPr>
+            </a:p>
+          </p:txBody>
+        </p:sp>
+      </p:grpSp>
+    </p:spTree>
+    <p:extLst>
+      <p:ext uri="{BB962C8B-B14F-4D97-AF65-F5344CB8AC3E}">
+        <p14:creationId xmlns:p14="http://schemas.microsoft.com/office/powerpoint/2010/main" val="2818662108"/>
+      </p:ext>
+    </p:extLst>
+  </p:cSld>
+  <p:clrMapOvr>
+    <a:masterClrMapping/>
+  </p:clrMapOvr>
+  <p:timing>
+    <p:tnLst>
+      <p:par>
+        <p:cTn id="1" dur="indefinite" restart="never" nodeType="tmRoot">
+          <p:childTnLst>
+            <p:seq concurrent="1" nextAc="seek">
+              <p:cTn id="2" dur="indefinite" nodeType="mainSeq">
+                <p:childTnLst>
+                  <p:par>
+                    <p:cTn id="3" fill="hold">
+                      <p:stCondLst>
+                        <p:cond delay="indefinite"/>
+                        <p:cond evt="onBegin" delay="0">
+                          <p:tn val="2"/>
+                        </p:cond>
+                      </p:stCondLst>
+                      <p:childTnLst>
+                        <p:par>
+                          <p:cTn id="4" fill="hold">
+                            <p:stCondLst>
+                              <p:cond delay="0"/>
+                            </p:stCondLst>
+                            <p:childTnLst>
+                              <p:par>
+                                <p:cTn id="5" presetID="10" presetClass="entr" presetSubtype="0" fill="hold" nodeType="withEffect">
+                                  <p:stCondLst>
+                                    <p:cond delay="0"/>
+                                  </p:stCondLst>
+                                  <p:childTnLst>
+                                    <p:set>
+                                      <p:cBhvr>
+                                        <p:cTn id="6" dur="1" fill="hold">
+                                          <p:stCondLst>
+                                            <p:cond delay="0"/>
+                                          </p:stCondLst>
+                                        </p:cTn>
+                                        <p:tgtEl>
+                                          <p:spTgt spid="38"/>
+                                        </p:tgtEl>
+                                        <p:attrNameLst>
+                                          <p:attrName>style.visibility</p:attrName>
+                                        </p:attrNameLst>
+                                      </p:cBhvr>
+                                      <p:to>
+                                        <p:strVal val="visible"/>
+                                      </p:to>
+                                    </p:set>
+                                    <p:animEffect transition="in" filter="fade">
+                                      <p:cBhvr>
+                                        <p:cTn id="7" dur="500"/>
+                                        <p:tgtEl>
+                                          <p:spTgt spid="38"/>
+                                        </p:tgtEl>
+                                      </p:cBhvr>
+                                    </p:animEffect>
+                                  </p:childTnLst>
+                                </p:cTn>
+                              </p:par>
+                            </p:childTnLst>
+                          </p:cTn>
+                        </p:par>
+                      </p:childTnLst>
+                    </p:cTn>
+                  </p:par>
+                </p:childTnLst>
+              </p:cTn>
+              <p:prevCondLst>
+                <p:cond evt="onPrev" delay="0">
+                  <p:tgtEl>
+                    <p:sldTgt/>
+                  </p:tgtEl>
+                </p:cond>
+              </p:prevCondLst>
+              <p:nextCondLst>
+                <p:cond evt="onNext" delay="0">
+                  <p:tgtEl>
+                    <p:sldTgt/>
+                  </p:tgtEl>
+                </p:cond>
+              </p:nextCondLst>
+            </p:seq>
+          </p:childTnLst>
+        </p:cTn>
+      </p:par>
+    </p:tnLst>
+  </p:timing>
+</p:sld>
+</file>
+
+<file path=ppt/slides/slide5.xml><?xml version="1.0" encoding="utf-8"?>
+<p:sld xmlns:a="http://schemas.openxmlformats.org/drawingml/2006/main" xmlns:r="http://schemas.openxmlformats.org/officeDocument/2006/relationships" xmlns:p="http://schemas.openxmlformats.org/presentationml/2006/main">
+  <p:cSld>
+    <p:spTree>
+      <p:nvGrpSpPr>
+        <p:cNvPr id="1" name=""/>
+        <p:cNvGrpSpPr/>
+        <p:nvPr/>
+      </p:nvGrpSpPr>
+      <p:grpSpPr>
+        <a:xfrm>
+          <a:off x="0" y="0"/>
+          <a:ext cx="0" cy="0"/>
+          <a:chOff x="0" y="0"/>
+          <a:chExt cx="0" cy="0"/>
+        </a:xfrm>
+      </p:grpSpPr>
+      <p:sp>
+        <p:nvSpPr>
+          <p:cNvPr id="2" name="Content Placeholder 3"/>
+          <p:cNvSpPr txBox="1">
+            <a:spLocks/>
+          </p:cNvSpPr>
+          <p:nvPr/>
+        </p:nvSpPr>
+        <p:spPr>
+          <a:xfrm>
+            <a:off x="4434441" y="1089498"/>
+            <a:ext cx="7579692" cy="3959157"/>
+          </a:xfrm>
+          <a:prstGeom prst="rect">
+            <a:avLst/>
+          </a:prstGeom>
+        </p:spPr>
+        <p:txBody>
+          <a:bodyPr/>
+          <a:lstStyle>
+            <a:lvl1pPr marL="342900" indent="-342900" algn="l" rtl="0" eaLnBrk="0" fontAlgn="base" hangingPunct="0">
+              <a:spcBef>
+                <a:spcPct val="20000"/>
+              </a:spcBef>
+              <a:spcAft>
+                <a:spcPct val="20000"/>
+              </a:spcAft>
+              <a:buClr>
+                <a:srgbClr val="003366"/>
+              </a:buClr>
+              <a:buSzPct val="130000"/>
+              <a:buChar char="•"/>
+              <a:defRPr sz="2400">
+                <a:solidFill>
+                  <a:schemeClr val="tx1">
+                    <a:lumMod val="50000"/>
+                    <a:lumOff val="50000"/>
+                  </a:schemeClr>
+                </a:solidFill>
+                <a:latin typeface="Calibri" pitchFamily="34" charset="0"/>
+                <a:ea typeface="+mn-ea"/>
+                <a:cs typeface="+mn-cs"/>
+              </a:defRPr>
+            </a:lvl1pPr>
+            <a:lvl2pPr marL="742950" indent="-285750" algn="l" rtl="0" eaLnBrk="0" fontAlgn="base" hangingPunct="0">
+              <a:spcBef>
+                <a:spcPct val="20000"/>
+              </a:spcBef>
+              <a:spcAft>
+                <a:spcPct val="20000"/>
+              </a:spcAft>
+              <a:buClr>
+                <a:srgbClr val="003366"/>
+              </a:buClr>
+              <a:buFont typeface="Arial" pitchFamily="34" charset="0"/>
+              <a:buChar char="–"/>
+              <a:defRPr sz="2000">
+                <a:solidFill>
+                  <a:schemeClr val="tx1">
+                    <a:lumMod val="50000"/>
+                    <a:lumOff val="50000"/>
+                  </a:schemeClr>
+                </a:solidFill>
+                <a:latin typeface="Calibri" pitchFamily="34" charset="0"/>
+                <a:ea typeface="+mn-ea"/>
+              </a:defRPr>
+            </a:lvl2pPr>
+            <a:lvl3pPr marL="1143000" indent="-228600" algn="l" rtl="0" eaLnBrk="0" fontAlgn="base" hangingPunct="0">
+              <a:spcBef>
+                <a:spcPct val="20000"/>
+              </a:spcBef>
+              <a:spcAft>
+                <a:spcPct val="20000"/>
+              </a:spcAft>
+              <a:buClr>
+                <a:srgbClr val="003366"/>
+              </a:buClr>
+              <a:buSzPct val="90000"/>
+              <a:buFont typeface="Arial" pitchFamily="34" charset="0"/>
+              <a:buChar char="•"/>
+              <a:defRPr>
+                <a:solidFill>
+                  <a:schemeClr val="tx1">
+                    <a:lumMod val="50000"/>
+                    <a:lumOff val="50000"/>
+                  </a:schemeClr>
+                </a:solidFill>
+                <a:latin typeface="Calibri" pitchFamily="34" charset="0"/>
+                <a:ea typeface="+mn-ea"/>
+              </a:defRPr>
+            </a:lvl3pPr>
+            <a:lvl4pPr marL="1600200" indent="-228600" algn="l" rtl="0" eaLnBrk="0" fontAlgn="base" hangingPunct="0">
+              <a:spcBef>
+                <a:spcPct val="20000"/>
+              </a:spcBef>
+              <a:spcAft>
+                <a:spcPct val="20000"/>
+              </a:spcAft>
+              <a:buSzPct val="80000"/>
+              <a:buFont typeface="Arial" pitchFamily="34" charset="0"/>
+              <a:buChar char="–"/>
+              <a:defRPr sz="1600">
+                <a:solidFill>
+                  <a:schemeClr val="tx1">
+                    <a:lumMod val="50000"/>
+                    <a:lumOff val="50000"/>
+                  </a:schemeClr>
+                </a:solidFill>
+                <a:latin typeface="Calibri" pitchFamily="34" charset="0"/>
+                <a:ea typeface="+mn-ea"/>
+              </a:defRPr>
+            </a:lvl4pPr>
+            <a:lvl5pPr marL="2057400" indent="-228600" algn="l" rtl="0" eaLnBrk="0" fontAlgn="base" hangingPunct="0">
+              <a:spcBef>
+                <a:spcPct val="20000"/>
+              </a:spcBef>
+              <a:spcAft>
+                <a:spcPct val="20000"/>
+              </a:spcAft>
+              <a:buClr>
+                <a:srgbClr val="003366"/>
+              </a:buClr>
+              <a:buSzPct val="70000"/>
+              <a:buChar char="•"/>
+              <a:defRPr sz="1500">
+                <a:solidFill>
+                  <a:schemeClr val="tx1">
+                    <a:lumMod val="50000"/>
+                    <a:lumOff val="50000"/>
+                  </a:schemeClr>
+                </a:solidFill>
+                <a:latin typeface="Calibri" pitchFamily="34" charset="0"/>
+                <a:ea typeface="+mn-ea"/>
+              </a:defRPr>
+            </a:lvl5pPr>
+            <a:lvl6pPr marL="2514600" indent="-228600" algn="l" rtl="0" fontAlgn="base">
+              <a:spcBef>
+                <a:spcPct val="20000"/>
+              </a:spcBef>
+              <a:spcAft>
+                <a:spcPct val="20000"/>
+              </a:spcAft>
+              <a:buClr>
+                <a:srgbClr val="003366"/>
+              </a:buClr>
+              <a:buSzPct val="70000"/>
+              <a:buChar char="•"/>
+              <a:defRPr sz="2000">
+                <a:solidFill>
+                  <a:schemeClr val="tx1"/>
+                </a:solidFill>
+                <a:latin typeface="+mn-lt"/>
+                <a:ea typeface="+mn-ea"/>
+              </a:defRPr>
+            </a:lvl6pPr>
+            <a:lvl7pPr marL="2971800" indent="-228600" algn="l" rtl="0" fontAlgn="base">
+              <a:spcBef>
+                <a:spcPct val="20000"/>
+              </a:spcBef>
+              <a:spcAft>
+                <a:spcPct val="20000"/>
+              </a:spcAft>
+              <a:buClr>
+                <a:srgbClr val="003366"/>
+              </a:buClr>
+              <a:buSzPct val="70000"/>
+              <a:buChar char="•"/>
+              <a:defRPr sz="2000">
+                <a:solidFill>
+                  <a:schemeClr val="tx1"/>
+                </a:solidFill>
+                <a:latin typeface="+mn-lt"/>
+                <a:ea typeface="+mn-ea"/>
+              </a:defRPr>
+            </a:lvl7pPr>
+            <a:lvl8pPr marL="3429000" indent="-228600" algn="l" rtl="0" fontAlgn="base">
+              <a:spcBef>
+                <a:spcPct val="20000"/>
+              </a:spcBef>
+              <a:spcAft>
+                <a:spcPct val="20000"/>
+              </a:spcAft>
+              <a:buClr>
+                <a:srgbClr val="003366"/>
+              </a:buClr>
+              <a:buSzPct val="70000"/>
+              <a:buChar char="•"/>
+              <a:defRPr sz="2000">
+                <a:solidFill>
+                  <a:schemeClr val="tx1"/>
+                </a:solidFill>
+                <a:latin typeface="+mn-lt"/>
+                <a:ea typeface="+mn-ea"/>
+              </a:defRPr>
+            </a:lvl8pPr>
+            <a:lvl9pPr marL="3886200" indent="-228600" algn="l" rtl="0" fontAlgn="base">
+              <a:spcBef>
+                <a:spcPct val="20000"/>
+              </a:spcBef>
+              <a:spcAft>
+                <a:spcPct val="20000"/>
+              </a:spcAft>
+              <a:buClr>
+                <a:srgbClr val="003366"/>
+              </a:buClr>
+              <a:buSzPct val="70000"/>
+              <a:buChar char="•"/>
+              <a:defRPr sz="2000">
+                <a:solidFill>
+                  <a:schemeClr val="tx1"/>
+                </a:solidFill>
+                <a:latin typeface="+mn-lt"/>
+                <a:ea typeface="+mn-ea"/>
+              </a:defRPr>
+            </a:lvl9pPr>
+          </a:lstStyle>
+          <a:p>
+            <a:pPr>
+              <a:spcAft>
+                <a:spcPts val="1200"/>
+              </a:spcAft>
+            </a:pPr>
+            <a:r>
+              <a:rPr lang="de-DE" sz="2200" kern="0" dirty="0" err="1" smtClean="0">
+                <a:effectLst/>
+              </a:rPr>
+              <a:t>Actual</a:t>
+            </a:r>
+            <a:r>
+              <a:rPr lang="de-DE" sz="2200" kern="0" dirty="0" smtClean="0">
+                <a:effectLst/>
+              </a:rPr>
+              <a:t> </a:t>
+            </a:r>
+            <a:r>
+              <a:rPr lang="de-DE" sz="2200" kern="0" dirty="0" err="1" smtClean="0">
+                <a:effectLst/>
+              </a:rPr>
+              <a:t>separation</a:t>
+            </a:r>
+            <a:r>
+              <a:rPr lang="de-DE" sz="2200" kern="0" dirty="0" smtClean="0">
+                <a:effectLst/>
+              </a:rPr>
+              <a:t> </a:t>
+            </a:r>
+            <a:r>
+              <a:rPr lang="de-DE" sz="2200" kern="0" dirty="0" err="1" smtClean="0">
+                <a:effectLst/>
+              </a:rPr>
+              <a:t>can</a:t>
+            </a:r>
+            <a:r>
+              <a:rPr lang="de-DE" sz="2200" kern="0" dirty="0" smtClean="0">
+                <a:effectLst/>
+              </a:rPr>
+              <a:t> </a:t>
+            </a:r>
+            <a:r>
+              <a:rPr lang="de-DE" sz="2200" kern="0" dirty="0" err="1" smtClean="0">
+                <a:effectLst/>
+              </a:rPr>
+              <a:t>be</a:t>
+            </a:r>
+            <a:r>
+              <a:rPr lang="de-DE" sz="2200" kern="0" dirty="0" smtClean="0">
+                <a:effectLst/>
+              </a:rPr>
+              <a:t> </a:t>
+            </a:r>
+            <a:r>
+              <a:rPr lang="de-DE" sz="2200" kern="0" dirty="0" err="1" smtClean="0">
+                <a:effectLst/>
+              </a:rPr>
+              <a:t>computed</a:t>
+            </a:r>
+            <a:r>
+              <a:rPr lang="de-DE" sz="2200" kern="0" dirty="0" smtClean="0">
+                <a:effectLst/>
+              </a:rPr>
+              <a:t> </a:t>
+            </a:r>
+            <a:r>
+              <a:rPr lang="de-DE" sz="2200" kern="0" dirty="0" err="1" smtClean="0">
+                <a:effectLst/>
+              </a:rPr>
+              <a:t>based</a:t>
+            </a:r>
+            <a:r>
+              <a:rPr lang="de-DE" sz="2200" kern="0" dirty="0" smtClean="0">
+                <a:effectLst/>
+              </a:rPr>
+              <a:t> on time-</a:t>
+            </a:r>
+            <a:r>
+              <a:rPr lang="de-DE" sz="2200" kern="0" dirty="0" err="1" smtClean="0">
+                <a:effectLst/>
+              </a:rPr>
+              <a:t>to</a:t>
+            </a:r>
+            <a:r>
+              <a:rPr lang="de-DE" sz="2200" kern="0" dirty="0" smtClean="0">
+                <a:effectLst/>
+              </a:rPr>
+              <a:t>-</a:t>
+            </a:r>
+            <a:r>
+              <a:rPr lang="de-DE" sz="2200" kern="0" dirty="0" err="1" smtClean="0">
+                <a:effectLst/>
+              </a:rPr>
+              <a:t>fly</a:t>
+            </a:r>
+            <a:r>
+              <a:rPr lang="de-DE" sz="2200" kern="0" dirty="0" smtClean="0">
+                <a:effectLst/>
+              </a:rPr>
+              <a:t> </a:t>
+            </a:r>
+            <a:r>
+              <a:rPr lang="en-GB" sz="2200" dirty="0">
+                <a:solidFill>
+                  <a:srgbClr val="000000"/>
+                </a:solidFill>
+                <a:latin typeface="Arial" pitchFamily="34" charset="0"/>
+                <a:ea typeface="ＭＳ Ｐゴシック" pitchFamily="34" charset="-128"/>
+              </a:rPr>
+              <a:t>∆</a:t>
+            </a:r>
+            <a:r>
+              <a:rPr lang="en-GB" sz="2200" dirty="0" err="1" smtClean="0">
+                <a:solidFill>
+                  <a:srgbClr val="000000"/>
+                </a:solidFill>
+                <a:latin typeface="Arial" pitchFamily="34" charset="0"/>
+                <a:ea typeface="ＭＳ Ｐゴシック" pitchFamily="34" charset="-128"/>
+              </a:rPr>
+              <a:t>t</a:t>
+            </a:r>
+            <a:r>
+              <a:rPr lang="en-GB" sz="2200" baseline="-25000" dirty="0" err="1" smtClean="0">
+                <a:solidFill>
+                  <a:srgbClr val="000000"/>
+                </a:solidFill>
+                <a:latin typeface="Arial" pitchFamily="34" charset="0"/>
+                <a:ea typeface="ＭＳ Ｐゴシック" pitchFamily="34" charset="-128"/>
+              </a:rPr>
+              <a:t>fi</a:t>
+            </a:r>
+            <a:r>
+              <a:rPr lang="de-DE" sz="2200" kern="0" dirty="0" smtClean="0">
+                <a:effectLst/>
+              </a:rPr>
+              <a:t> / </a:t>
+            </a:r>
+            <a:r>
+              <a:rPr lang="de-DE" sz="2200" kern="0" dirty="0" err="1" smtClean="0">
+                <a:effectLst/>
+              </a:rPr>
+              <a:t>distance-to-go</a:t>
+            </a:r>
+            <a:r>
+              <a:rPr lang="de-DE" sz="2200" kern="0" dirty="0" smtClean="0">
+                <a:effectLst/>
+              </a:rPr>
+              <a:t> </a:t>
+            </a:r>
+            <a:r>
+              <a:rPr lang="en-GB" sz="2200" dirty="0">
+                <a:solidFill>
+                  <a:srgbClr val="000000"/>
+                </a:solidFill>
+                <a:latin typeface="Arial" pitchFamily="34" charset="0"/>
+                <a:ea typeface="ＭＳ Ｐゴシック" pitchFamily="34" charset="-128"/>
+              </a:rPr>
+              <a:t>∆</a:t>
+            </a:r>
+            <a:r>
+              <a:rPr lang="en-GB" sz="2200" dirty="0" err="1" smtClean="0">
+                <a:solidFill>
+                  <a:srgbClr val="000000"/>
+                </a:solidFill>
+                <a:latin typeface="Arial" pitchFamily="34" charset="0"/>
+                <a:ea typeface="ＭＳ Ｐゴシック" pitchFamily="34" charset="-128"/>
+              </a:rPr>
+              <a:t>d</a:t>
+            </a:r>
+            <a:r>
+              <a:rPr lang="en-GB" sz="2200" baseline="-25000" dirty="0" err="1" smtClean="0">
+                <a:solidFill>
+                  <a:srgbClr val="000000"/>
+                </a:solidFill>
+                <a:latin typeface="Arial" pitchFamily="34" charset="0"/>
+                <a:ea typeface="ＭＳ Ｐゴシック" pitchFamily="34" charset="-128"/>
+              </a:rPr>
+              <a:t>fi</a:t>
+            </a:r>
+            <a:r>
+              <a:rPr lang="en-GB" sz="2200" dirty="0">
+                <a:solidFill>
+                  <a:srgbClr val="000000"/>
+                </a:solidFill>
+                <a:latin typeface="Arial" pitchFamily="34" charset="0"/>
+                <a:ea typeface="ＭＳ Ｐゴシック" pitchFamily="34" charset="-128"/>
+              </a:rPr>
+              <a:t> </a:t>
+            </a:r>
+            <a:r>
+              <a:rPr lang="en-GB" sz="2200" kern="0" dirty="0">
+                <a:effectLst/>
+              </a:rPr>
+              <a:t>of a </a:t>
+            </a:r>
+            <a:r>
+              <a:rPr lang="en-GB" sz="2200" kern="0" dirty="0" smtClean="0">
+                <a:effectLst/>
+              </a:rPr>
+              <a:t>(sequenced) flights f</a:t>
+            </a:r>
+            <a:r>
+              <a:rPr lang="en-GB" sz="2200" kern="0" baseline="-25000" dirty="0" smtClean="0">
+                <a:effectLst/>
+              </a:rPr>
+              <a:t>i</a:t>
+            </a:r>
+            <a:r>
+              <a:rPr lang="en-GB" sz="2200" kern="0" dirty="0" smtClean="0">
+                <a:effectLst/>
+              </a:rPr>
+              <a:t> and f</a:t>
+            </a:r>
+            <a:r>
+              <a:rPr lang="en-GB" sz="2200" kern="0" baseline="-25000" dirty="0" smtClean="0">
+                <a:effectLst/>
+              </a:rPr>
+              <a:t>j</a:t>
+            </a:r>
+            <a:r>
+              <a:rPr lang="en-GB" sz="2200" kern="0" dirty="0" smtClean="0">
+                <a:effectLst/>
+              </a:rPr>
+              <a:t>   </a:t>
+            </a:r>
+          </a:p>
+          <a:p>
+            <a:pPr>
+              <a:spcAft>
+                <a:spcPts val="1200"/>
+              </a:spcAft>
+            </a:pPr>
+            <a:r>
+              <a:rPr lang="en-GB" sz="2200" kern="0" dirty="0" smtClean="0">
+                <a:effectLst/>
+              </a:rPr>
+              <a:t>Spacing deviation can be understood as the (realised) spacing at the fix (e.g. landing runway) and a – possible – additional spacing (e.g. safety buffer, estimation error) assuming a constant separation. Reflects “control error”.</a:t>
+            </a:r>
+          </a:p>
+          <a:p>
+            <a:pPr>
+              <a:spcAft>
+                <a:spcPts val="1200"/>
+              </a:spcAft>
+            </a:pPr>
+            <a:r>
+              <a:rPr lang="en-GB" sz="2200" kern="0" dirty="0" smtClean="0">
+                <a:effectLst/>
+              </a:rPr>
+              <a:t>Projecting the ATOs of a lead aircraft by the realised landing spacing, i.e. </a:t>
+            </a:r>
+            <a:r>
+              <a:rPr lang="en-GB" sz="2200" dirty="0" err="1" smtClean="0">
+                <a:solidFill>
+                  <a:srgbClr val="000000"/>
+                </a:solidFill>
+                <a:latin typeface="Arial" pitchFamily="34" charset="0"/>
+                <a:ea typeface="ＭＳ Ｐゴシック" pitchFamily="34" charset="-128"/>
+              </a:rPr>
+              <a:t>t</a:t>
+            </a:r>
+            <a:r>
+              <a:rPr lang="en-GB" sz="2200" baseline="-25000" dirty="0" err="1" smtClean="0">
+                <a:solidFill>
+                  <a:srgbClr val="000000"/>
+                </a:solidFill>
+                <a:latin typeface="Arial" pitchFamily="34" charset="0"/>
+                <a:ea typeface="ＭＳ Ｐゴシック" pitchFamily="34" charset="-128"/>
+              </a:rPr>
+              <a:t>ATOi</a:t>
+            </a:r>
+            <a:r>
+              <a:rPr lang="en-GB" sz="2200" baseline="-25000" dirty="0" smtClean="0">
+                <a:solidFill>
+                  <a:srgbClr val="000000"/>
+                </a:solidFill>
+                <a:latin typeface="Arial" pitchFamily="34" charset="0"/>
+                <a:ea typeface="ＭＳ Ｐゴシック" pitchFamily="34" charset="-128"/>
+              </a:rPr>
+              <a:t> </a:t>
+            </a:r>
+            <a:r>
+              <a:rPr lang="en-GB" sz="2200" kern="0" dirty="0" smtClean="0">
+                <a:effectLst/>
+              </a:rPr>
+              <a:t> </a:t>
+            </a:r>
+            <a:r>
+              <a:rPr lang="en-GB" sz="2200" kern="0" dirty="0" smtClean="0">
+                <a:effectLst/>
+                <a:sym typeface="Wingdings" panose="05000000000000000000" pitchFamily="2" charset="2"/>
+              </a:rPr>
+              <a:t> </a:t>
+            </a:r>
+            <a:r>
+              <a:rPr lang="en-GB" sz="2200" dirty="0" err="1" smtClean="0">
+                <a:solidFill>
+                  <a:srgbClr val="000000"/>
+                </a:solidFill>
+                <a:latin typeface="Arial" pitchFamily="34" charset="0"/>
+                <a:ea typeface="ＭＳ Ｐゴシック" pitchFamily="34" charset="-128"/>
+              </a:rPr>
+              <a:t>t</a:t>
+            </a:r>
+            <a:r>
+              <a:rPr lang="en-GB" sz="2200" baseline="-25000" dirty="0" err="1" smtClean="0">
+                <a:solidFill>
+                  <a:srgbClr val="000000"/>
+                </a:solidFill>
+                <a:latin typeface="Arial" pitchFamily="34" charset="0"/>
+                <a:ea typeface="ＭＳ Ｐゴシック" pitchFamily="34" charset="-128"/>
+              </a:rPr>
+              <a:t>ATOi</a:t>
+            </a:r>
+            <a:r>
+              <a:rPr lang="en-GB" sz="2200" baseline="-25000" dirty="0" smtClean="0">
+                <a:solidFill>
+                  <a:srgbClr val="000000"/>
+                </a:solidFill>
+                <a:latin typeface="Arial" pitchFamily="34" charset="0"/>
+                <a:ea typeface="ＭＳ Ｐゴシック" pitchFamily="34" charset="-128"/>
+              </a:rPr>
+              <a:t> </a:t>
+            </a:r>
+            <a:r>
+              <a:rPr lang="en-GB" sz="2200" kern="0" dirty="0" smtClean="0">
+                <a:effectLst/>
+                <a:sym typeface="Wingdings" panose="05000000000000000000" pitchFamily="2" charset="2"/>
+              </a:rPr>
+              <a:t> + ∆</a:t>
+            </a:r>
+            <a:r>
+              <a:rPr lang="en-GB" sz="2200" dirty="0" err="1" smtClean="0">
+                <a:solidFill>
+                  <a:srgbClr val="000000"/>
+                </a:solidFill>
+                <a:latin typeface="Arial" pitchFamily="34" charset="0"/>
+                <a:ea typeface="ＭＳ Ｐゴシック" pitchFamily="34" charset="-128"/>
+              </a:rPr>
+              <a:t>t</a:t>
+            </a:r>
+            <a:r>
+              <a:rPr lang="en-GB" sz="2200" baseline="-25000" dirty="0" err="1" smtClean="0">
+                <a:solidFill>
+                  <a:srgbClr val="000000"/>
+                </a:solidFill>
+                <a:latin typeface="Arial" pitchFamily="34" charset="0"/>
+                <a:ea typeface="ＭＳ Ｐゴシック" pitchFamily="34" charset="-128"/>
+              </a:rPr>
+              <a:t>sepij</a:t>
+            </a:r>
+            <a:r>
+              <a:rPr lang="en-GB" sz="2200" kern="0" dirty="0" smtClean="0">
+                <a:effectLst/>
+                <a:sym typeface="Wingdings" panose="05000000000000000000" pitchFamily="2" charset="2"/>
+              </a:rPr>
+              <a:t> (ditto for distances) and comparing this to the position of the trailing aircraft at that moment yields the associated </a:t>
+            </a:r>
+            <a:r>
+              <a:rPr lang="en-GB" sz="2200" b="1" kern="0" dirty="0" smtClean="0">
+                <a:effectLst/>
+                <a:sym typeface="Wingdings" panose="05000000000000000000" pitchFamily="2" charset="2"/>
+              </a:rPr>
+              <a:t>spacing deviation</a:t>
+            </a:r>
+            <a:r>
+              <a:rPr lang="en-GB" sz="2200" kern="0" dirty="0" smtClean="0">
+                <a:effectLst/>
+                <a:sym typeface="Wingdings" panose="05000000000000000000" pitchFamily="2" charset="2"/>
+              </a:rPr>
+              <a:t>    </a:t>
+            </a:r>
+            <a:r>
+              <a:rPr lang="en-GB" sz="2200" kern="0" dirty="0" smtClean="0">
+                <a:effectLst/>
+              </a:rPr>
+              <a:t>  </a:t>
+            </a:r>
+            <a:endParaRPr lang="en-GB" sz="2200" kern="0" dirty="0">
+              <a:effectLst/>
+            </a:endParaRPr>
+          </a:p>
+        </p:txBody>
+      </p:sp>
+      <p:sp>
+        <p:nvSpPr>
+          <p:cNvPr id="3" name="Oval 2"/>
+          <p:cNvSpPr/>
+          <p:nvPr/>
+        </p:nvSpPr>
+        <p:spPr bwMode="auto">
+          <a:xfrm>
+            <a:off x="1207015" y="1719585"/>
+            <a:ext cx="180000" cy="180000"/>
+          </a:xfrm>
+          <a:prstGeom prst="ellipse">
+            <a:avLst/>
+          </a:prstGeom>
+          <a:solidFill>
+            <a:schemeClr val="tx1"/>
+          </a:solidFill>
+          <a:ln w="9525" cap="flat" cmpd="sng" algn="ctr">
+            <a:noFill/>
+            <a:prstDash val="solid"/>
+            <a:round/>
+            <a:headEnd type="none" w="med" len="med"/>
+            <a:tailEnd type="none" w="med" len="med"/>
+          </a:ln>
+          <a:effectLst/>
+          <a:extLst/>
+        </p:spPr>
+        <p:txBody>
+          <a:bodyPr vert="horz" wrap="square" lIns="91440" tIns="45720" rIns="91440" bIns="45720" numCol="1" rtlCol="0" anchor="t" anchorCtr="0" compatLnSpc="1">
+            <a:prstTxWarp prst="textNoShape">
+              <a:avLst/>
+            </a:prstTxWarp>
+          </a:bodyPr>
+          <a:lstStyle/>
+          <a:p>
+            <a:pPr marL="0" marR="0" indent="0" algn="r" defTabSz="914400" rtl="0" eaLnBrk="0" fontAlgn="base" latinLnBrk="0" hangingPunct="0">
+              <a:lnSpc>
+                <a:spcPct val="100000"/>
+              </a:lnSpc>
+              <a:spcBef>
+                <a:spcPct val="0"/>
+              </a:spcBef>
+              <a:spcAft>
+                <a:spcPct val="0"/>
+              </a:spcAft>
+              <a:buClrTx/>
+              <a:buSzTx/>
+              <a:buFontTx/>
+              <a:buNone/>
+              <a:tabLst/>
+            </a:pPr>
+            <a:endParaRPr kumimoji="0" lang="en-GB" sz="2400" b="0" i="0" u="none" strike="noStrike" cap="none" normalizeH="0" baseline="0" smtClean="0">
+              <a:ln>
+                <a:noFill/>
+              </a:ln>
+              <a:solidFill>
+                <a:schemeClr val="tx1"/>
+              </a:solidFill>
+              <a:effectLst>
+                <a:outerShdw blurRad="38100" dist="38100" dir="2700000" algn="tl">
+                  <a:srgbClr val="000000">
+                    <a:alpha val="43137"/>
+                  </a:srgbClr>
+                </a:outerShdw>
+              </a:effectLst>
+              <a:latin typeface="Arial" charset="0"/>
+              <a:ea typeface="ＭＳ Ｐゴシック" pitchFamily="-7" charset="-128"/>
+            </a:endParaRPr>
+          </a:p>
+        </p:txBody>
+      </p:sp>
+      <p:sp>
+        <p:nvSpPr>
+          <p:cNvPr id="4" name="TextBox 3"/>
+          <p:cNvSpPr txBox="1"/>
+          <p:nvPr/>
+        </p:nvSpPr>
+        <p:spPr>
+          <a:xfrm>
+            <a:off x="612842" y="1159054"/>
+            <a:ext cx="1031132" cy="461665"/>
+          </a:xfrm>
+          <a:prstGeom prst="rect">
+            <a:avLst/>
+          </a:prstGeom>
+          <a:noFill/>
+        </p:spPr>
+        <p:txBody>
+          <a:bodyPr wrap="square" rtlCol="0">
+            <a:spAutoFit/>
+          </a:bodyPr>
+          <a:lstStyle/>
+          <a:p>
+            <a:r>
+              <a:rPr lang="en-GB" dirty="0" smtClean="0"/>
+              <a:t>“fix”</a:t>
+            </a:r>
+            <a:endParaRPr lang="en-GB" dirty="0"/>
+          </a:p>
+        </p:txBody>
+      </p:sp>
+      <p:pic>
+        <p:nvPicPr>
+          <p:cNvPr id="5" name="Picture 4"/>
+          <p:cNvPicPr>
+            <a:picLocks noChangeAspect="1"/>
+          </p:cNvPicPr>
+          <p:nvPr/>
+        </p:nvPicPr>
+        <p:blipFill>
+          <a:blip r:embed="rId2"/>
+          <a:stretch>
+            <a:fillRect/>
+          </a:stretch>
+        </p:blipFill>
+        <p:spPr>
+          <a:xfrm>
+            <a:off x="2839788" y="1331985"/>
+            <a:ext cx="1128410" cy="577468"/>
+          </a:xfrm>
+          <a:prstGeom prst="rect">
+            <a:avLst/>
+          </a:prstGeom>
+        </p:spPr>
+      </p:pic>
+      <p:cxnSp>
+        <p:nvCxnSpPr>
+          <p:cNvPr id="6" name="Straight Arrow Connector 5"/>
+          <p:cNvCxnSpPr/>
+          <p:nvPr/>
+        </p:nvCxnSpPr>
+        <p:spPr bwMode="auto">
+          <a:xfrm>
+            <a:off x="1643974" y="1760983"/>
+            <a:ext cx="1173346" cy="0"/>
+          </a:xfrm>
+          <a:prstGeom prst="straightConnector1">
+            <a:avLst/>
+          </a:prstGeom>
+          <a:solidFill>
+            <a:schemeClr val="accent1"/>
+          </a:solidFill>
+          <a:ln w="38100" cap="flat" cmpd="sng" algn="ctr">
+            <a:solidFill>
+              <a:schemeClr val="tx1"/>
+            </a:solidFill>
+            <a:prstDash val="solid"/>
+            <a:round/>
+            <a:headEnd type="triangle"/>
+            <a:tailEnd type="triangle"/>
+          </a:ln>
+          <a:effectLst/>
+          <a:extLst>
+            <a:ext uri="{AF507438-7753-43E0-B8FC-AC1667EBCBE1}">
+              <a14:hiddenEffects xmlns:a14="http://schemas.microsoft.com/office/drawing/2010/main">
+                <a:effectLst>
+                  <a:outerShdw dist="35921" dir="2700000" algn="ctr" rotWithShape="0">
+                    <a:schemeClr val="bg2"/>
+                  </a:outerShdw>
+                </a:effectLst>
+              </a14:hiddenEffects>
+            </a:ext>
+          </a:extLst>
+        </p:spPr>
+      </p:cxnSp>
+      <p:sp>
+        <p:nvSpPr>
+          <p:cNvPr id="7" name="TextBox 6"/>
+          <p:cNvSpPr txBox="1"/>
+          <p:nvPr/>
+        </p:nvSpPr>
+        <p:spPr>
+          <a:xfrm>
+            <a:off x="1426266" y="1769718"/>
+            <a:ext cx="1955259" cy="461665"/>
+          </a:xfrm>
+          <a:prstGeom prst="rect">
+            <a:avLst/>
+          </a:prstGeom>
+          <a:noFill/>
+        </p:spPr>
+        <p:txBody>
+          <a:bodyPr wrap="square" rtlCol="0">
+            <a:spAutoFit/>
+          </a:bodyPr>
+          <a:lstStyle/>
+          <a:p>
+            <a:r>
+              <a:rPr lang="en-GB" dirty="0"/>
+              <a:t>∆</a:t>
+            </a:r>
+            <a:r>
+              <a:rPr lang="en-GB" dirty="0" smtClean="0"/>
+              <a:t>t</a:t>
+            </a:r>
+            <a:r>
+              <a:rPr lang="en-GB" baseline="-25000" dirty="0" smtClean="0"/>
+              <a:t>f1</a:t>
+            </a:r>
+            <a:r>
+              <a:rPr lang="en-GB" dirty="0" smtClean="0"/>
+              <a:t> or ∆d</a:t>
+            </a:r>
+            <a:r>
+              <a:rPr lang="en-GB" baseline="-25000" dirty="0" smtClean="0"/>
+              <a:t>f1</a:t>
+            </a:r>
+            <a:endParaRPr lang="en-GB" dirty="0"/>
+          </a:p>
+        </p:txBody>
+      </p:sp>
+      <p:pic>
+        <p:nvPicPr>
+          <p:cNvPr id="8" name="Picture 7"/>
+          <p:cNvPicPr>
+            <a:picLocks noChangeAspect="1"/>
+          </p:cNvPicPr>
+          <p:nvPr/>
+        </p:nvPicPr>
+        <p:blipFill>
+          <a:blip r:embed="rId2"/>
+          <a:stretch>
+            <a:fillRect/>
+          </a:stretch>
+        </p:blipFill>
+        <p:spPr>
+          <a:xfrm>
+            <a:off x="2631093" y="3570051"/>
+            <a:ext cx="1152081" cy="683098"/>
+          </a:xfrm>
+          <a:prstGeom prst="rect">
+            <a:avLst/>
+          </a:prstGeom>
+        </p:spPr>
+      </p:pic>
+      <p:cxnSp>
+        <p:nvCxnSpPr>
+          <p:cNvPr id="9" name="Straight Arrow Connector 8"/>
+          <p:cNvCxnSpPr>
+            <a:stCxn id="7" idx="1"/>
+          </p:cNvCxnSpPr>
+          <p:nvPr/>
+        </p:nvCxnSpPr>
+        <p:spPr bwMode="auto">
+          <a:xfrm>
+            <a:off x="1426266" y="2000551"/>
+            <a:ext cx="606815" cy="869109"/>
+          </a:xfrm>
+          <a:prstGeom prst="straightConnector1">
+            <a:avLst/>
+          </a:prstGeom>
+          <a:solidFill>
+            <a:schemeClr val="accent1"/>
+          </a:solidFill>
+          <a:ln w="38100" cap="flat" cmpd="sng" algn="ctr">
+            <a:solidFill>
+              <a:schemeClr val="tx1"/>
+            </a:solidFill>
+            <a:prstDash val="solid"/>
+            <a:round/>
+            <a:headEnd type="triangle"/>
+            <a:tailEnd type="triangle"/>
+          </a:ln>
+          <a:effectLst/>
+          <a:extLst>
+            <a:ext uri="{AF507438-7753-43E0-B8FC-AC1667EBCBE1}">
+              <a14:hiddenEffects xmlns:a14="http://schemas.microsoft.com/office/drawing/2010/main">
+                <a:effectLst>
+                  <a:outerShdw dist="35921" dir="2700000" algn="ctr" rotWithShape="0">
+                    <a:schemeClr val="bg2"/>
+                  </a:outerShdw>
+                </a:effectLst>
+              </a14:hiddenEffects>
+            </a:ext>
+          </a:extLst>
+        </p:spPr>
+      </p:cxnSp>
+      <p:cxnSp>
+        <p:nvCxnSpPr>
+          <p:cNvPr id="10" name="Straight Arrow Connector 9"/>
+          <p:cNvCxnSpPr/>
+          <p:nvPr/>
+        </p:nvCxnSpPr>
+        <p:spPr bwMode="auto">
+          <a:xfrm>
+            <a:off x="1297015" y="2058452"/>
+            <a:ext cx="1106880" cy="1511599"/>
+          </a:xfrm>
+          <a:prstGeom prst="straightConnector1">
+            <a:avLst/>
+          </a:prstGeom>
+          <a:solidFill>
+            <a:schemeClr val="accent1"/>
+          </a:solidFill>
+          <a:ln w="38100" cap="flat" cmpd="sng" algn="ctr">
+            <a:solidFill>
+              <a:srgbClr val="00B050"/>
+            </a:solidFill>
+            <a:prstDash val="solid"/>
+            <a:round/>
+            <a:headEnd type="triangle"/>
+            <a:tailEnd type="triangle"/>
+          </a:ln>
+          <a:effectLst/>
+          <a:extLst>
+            <a:ext uri="{AF507438-7753-43E0-B8FC-AC1667EBCBE1}">
+              <a14:hiddenEffects xmlns:a14="http://schemas.microsoft.com/office/drawing/2010/main">
+                <a:effectLst>
+                  <a:outerShdw dist="35921" dir="2700000" algn="ctr" rotWithShape="0">
+                    <a:schemeClr val="bg2"/>
+                  </a:outerShdw>
+                </a:effectLst>
+              </a14:hiddenEffects>
+            </a:ext>
+          </a:extLst>
+        </p:spPr>
+      </p:cxnSp>
+      <p:sp>
+        <p:nvSpPr>
+          <p:cNvPr id="11" name="TextBox 10"/>
+          <p:cNvSpPr txBox="1"/>
+          <p:nvPr/>
+        </p:nvSpPr>
+        <p:spPr>
+          <a:xfrm>
+            <a:off x="612842" y="3579779"/>
+            <a:ext cx="1955259" cy="461665"/>
+          </a:xfrm>
+          <a:prstGeom prst="rect">
+            <a:avLst/>
+          </a:prstGeom>
+          <a:noFill/>
+        </p:spPr>
+        <p:txBody>
+          <a:bodyPr wrap="square" rtlCol="0">
+            <a:spAutoFit/>
+          </a:bodyPr>
+          <a:lstStyle/>
+          <a:p>
+            <a:r>
+              <a:rPr lang="en-GB" dirty="0">
+                <a:solidFill>
+                  <a:srgbClr val="00B050"/>
+                </a:solidFill>
+              </a:rPr>
+              <a:t>∆</a:t>
+            </a:r>
+            <a:r>
+              <a:rPr lang="en-GB" dirty="0" smtClean="0">
+                <a:solidFill>
+                  <a:srgbClr val="00B050"/>
+                </a:solidFill>
+              </a:rPr>
+              <a:t>t</a:t>
+            </a:r>
+            <a:r>
+              <a:rPr lang="en-GB" baseline="-25000" dirty="0" smtClean="0">
+                <a:solidFill>
+                  <a:srgbClr val="00B050"/>
+                </a:solidFill>
+              </a:rPr>
+              <a:t>f2</a:t>
+            </a:r>
+            <a:r>
+              <a:rPr lang="en-GB" dirty="0" smtClean="0">
+                <a:solidFill>
+                  <a:srgbClr val="00B050"/>
+                </a:solidFill>
+              </a:rPr>
+              <a:t> or ∆d</a:t>
+            </a:r>
+            <a:r>
+              <a:rPr lang="en-GB" baseline="-25000" dirty="0" smtClean="0">
+                <a:solidFill>
+                  <a:srgbClr val="00B050"/>
+                </a:solidFill>
+              </a:rPr>
+              <a:t>f2</a:t>
+            </a:r>
+            <a:endParaRPr lang="en-GB" dirty="0">
+              <a:solidFill>
+                <a:srgbClr val="00B050"/>
+              </a:solidFill>
+            </a:endParaRPr>
+          </a:p>
+        </p:txBody>
+      </p:sp>
+      <p:cxnSp>
+        <p:nvCxnSpPr>
+          <p:cNvPr id="12" name="Straight Arrow Connector 11"/>
+          <p:cNvCxnSpPr/>
+          <p:nvPr/>
+        </p:nvCxnSpPr>
+        <p:spPr bwMode="auto">
+          <a:xfrm>
+            <a:off x="2080352" y="2904062"/>
+            <a:ext cx="383756" cy="585718"/>
+          </a:xfrm>
+          <a:prstGeom prst="straightConnector1">
+            <a:avLst/>
+          </a:prstGeom>
+          <a:solidFill>
+            <a:schemeClr val="accent1"/>
+          </a:solidFill>
+          <a:ln w="63500" cap="flat" cmpd="sng" algn="ctr">
+            <a:solidFill>
+              <a:srgbClr val="00B050"/>
+            </a:solidFill>
+            <a:prstDash val="solid"/>
+            <a:round/>
+            <a:headEnd type="triangle"/>
+            <a:tailEnd type="triangle"/>
+          </a:ln>
+          <a:effectLst/>
+          <a:extLst>
+            <a:ext uri="{AF507438-7753-43E0-B8FC-AC1667EBCBE1}">
+              <a14:hiddenEffects xmlns:a14="http://schemas.microsoft.com/office/drawing/2010/main">
+                <a:effectLst>
+                  <a:outerShdw dist="35921" dir="2700000" algn="ctr" rotWithShape="0">
+                    <a:schemeClr val="bg2"/>
+                  </a:outerShdw>
+                </a:effectLst>
+              </a14:hiddenEffects>
+            </a:ext>
+          </a:extLst>
+        </p:spPr>
+      </p:cxnSp>
+      <p:sp>
+        <p:nvSpPr>
+          <p:cNvPr id="13" name="TextBox 12"/>
+          <p:cNvSpPr txBox="1"/>
+          <p:nvPr/>
+        </p:nvSpPr>
+        <p:spPr>
+          <a:xfrm>
+            <a:off x="2256131" y="2684153"/>
+            <a:ext cx="1955259" cy="830997"/>
+          </a:xfrm>
+          <a:prstGeom prst="rect">
+            <a:avLst/>
+          </a:prstGeom>
+          <a:noFill/>
+        </p:spPr>
+        <p:txBody>
+          <a:bodyPr wrap="square" rtlCol="0">
+            <a:spAutoFit/>
+          </a:bodyPr>
+          <a:lstStyle/>
+          <a:p>
+            <a:r>
+              <a:rPr lang="en-GB" dirty="0" smtClean="0">
+                <a:solidFill>
+                  <a:srgbClr val="00B050"/>
+                </a:solidFill>
+              </a:rPr>
+              <a:t>∆tsep</a:t>
+            </a:r>
+            <a:r>
+              <a:rPr lang="en-GB" baseline="-25000" dirty="0" smtClean="0">
+                <a:solidFill>
+                  <a:srgbClr val="00B050"/>
+                </a:solidFill>
+              </a:rPr>
+              <a:t>f2-f1</a:t>
+            </a:r>
+            <a:r>
+              <a:rPr lang="en-GB" dirty="0" smtClean="0">
+                <a:solidFill>
+                  <a:srgbClr val="00B050"/>
+                </a:solidFill>
+              </a:rPr>
+              <a:t> or ∆dsep</a:t>
+            </a:r>
+            <a:r>
+              <a:rPr lang="en-GB" baseline="-25000" dirty="0" smtClean="0">
+                <a:solidFill>
+                  <a:srgbClr val="00B050"/>
+                </a:solidFill>
+              </a:rPr>
+              <a:t>f2-f1</a:t>
+            </a:r>
+            <a:endParaRPr lang="en-GB" dirty="0">
+              <a:solidFill>
+                <a:srgbClr val="00B050"/>
+              </a:solidFill>
+            </a:endParaRPr>
+          </a:p>
+        </p:txBody>
+      </p:sp>
+      <mc:AlternateContent xmlns:mc="http://schemas.openxmlformats.org/markup-compatibility/2006">
+        <mc:Choice xmlns:a14="http://schemas.microsoft.com/office/drawing/2010/main" Requires="a14">
+          <p:sp>
+            <p:nvSpPr>
+              <p:cNvPr id="14" name="TextBox 13"/>
+              <p:cNvSpPr txBox="1"/>
+              <p:nvPr/>
+            </p:nvSpPr>
+            <p:spPr>
+              <a:xfrm>
+                <a:off x="2335868" y="5489221"/>
+                <a:ext cx="8144795" cy="369332"/>
+              </a:xfrm>
+              <a:prstGeom prst="rect">
+                <a:avLst/>
+              </a:prstGeom>
+              <a:noFill/>
+            </p:spPr>
+            <p:txBody>
+              <a:bodyPr wrap="none" lIns="0" tIns="0" rIns="0" bIns="0" rtlCol="0">
+                <a:spAutoFit/>
+              </a:bodyPr>
+              <a:lstStyle/>
+              <a:p>
+                <a14:m>
+                  <m:oMath xmlns:m="http://schemas.openxmlformats.org/officeDocument/2006/math">
+                    <m:r>
+                      <a:rPr lang="en-GB" b="0" i="1" smtClean="0">
+                        <a:latin typeface="Cambria Math" panose="02040503050406030204" pitchFamily="18" charset="0"/>
+                      </a:rPr>
+                      <m:t>𝑠𝑑</m:t>
+                    </m:r>
+                    <m:d>
+                      <m:dPr>
+                        <m:ctrlPr>
+                          <a:rPr lang="en-GB" b="0" i="1" smtClean="0">
+                            <a:latin typeface="Cambria Math" panose="02040503050406030204" pitchFamily="18" charset="0"/>
+                          </a:rPr>
+                        </m:ctrlPr>
+                      </m:dPr>
+                      <m:e>
+                        <m:r>
+                          <a:rPr lang="en-GB" b="0" i="1" smtClean="0">
+                            <a:latin typeface="Cambria Math" panose="02040503050406030204" pitchFamily="18" charset="0"/>
+                          </a:rPr>
+                          <m:t>𝑡</m:t>
+                        </m:r>
+                      </m:e>
+                    </m:d>
+                    <m:r>
+                      <a:rPr lang="en-GB" b="0" i="1" smtClean="0">
+                        <a:latin typeface="Cambria Math" panose="02040503050406030204" pitchFamily="18" charset="0"/>
+                      </a:rPr>
+                      <m:t>=</m:t>
+                    </m:r>
+                    <m:r>
+                      <a:rPr lang="en-GB" b="0" i="1" smtClean="0">
+                        <a:latin typeface="Cambria Math" panose="02040503050406030204" pitchFamily="18" charset="0"/>
+                      </a:rPr>
+                      <m:t>𝑟𝑒𝑓</m:t>
+                    </m:r>
+                    <m:r>
+                      <a:rPr lang="en-GB" b="0" i="1" smtClean="0">
+                        <a:latin typeface="Cambria Math" panose="02040503050406030204" pitchFamily="18" charset="0"/>
+                      </a:rPr>
+                      <m:t>_</m:t>
+                    </m:r>
+                    <m:r>
+                      <a:rPr lang="en-GB" b="0" i="1" smtClean="0">
+                        <a:latin typeface="Cambria Math" panose="02040503050406030204" pitchFamily="18" charset="0"/>
+                      </a:rPr>
+                      <m:t>𝑡𝑖𝑚𝑒</m:t>
+                    </m:r>
+                    <m:r>
+                      <a:rPr lang="en-GB" b="0" i="1" smtClean="0">
+                        <a:latin typeface="Cambria Math" panose="02040503050406030204" pitchFamily="18" charset="0"/>
+                      </a:rPr>
+                      <m:t>(</m:t>
+                    </m:r>
+                    <m:r>
+                      <a:rPr lang="en-GB" b="0" i="1" smtClean="0">
+                        <a:latin typeface="Cambria Math" panose="02040503050406030204" pitchFamily="18" charset="0"/>
+                      </a:rPr>
+                      <m:t>𝑡𝑟𝑎𝑖𝑙𝑒𝑟</m:t>
+                    </m:r>
+                    <m:d>
+                      <m:dPr>
+                        <m:ctrlPr>
+                          <a:rPr lang="en-GB" b="0" i="1" smtClean="0">
+                            <a:latin typeface="Cambria Math" panose="02040503050406030204" pitchFamily="18" charset="0"/>
+                          </a:rPr>
+                        </m:ctrlPr>
+                      </m:dPr>
+                      <m:e>
+                        <m:r>
+                          <a:rPr lang="en-GB" b="0" i="1" smtClean="0">
+                            <a:latin typeface="Cambria Math" panose="02040503050406030204" pitchFamily="18" charset="0"/>
+                          </a:rPr>
+                          <m:t>𝑡</m:t>
+                        </m:r>
+                      </m:e>
+                    </m:d>
+                    <m:r>
+                      <a:rPr lang="en-GB" b="0" i="1" smtClean="0">
+                        <a:latin typeface="Cambria Math" panose="02040503050406030204" pitchFamily="18" charset="0"/>
+                      </a:rPr>
+                      <m:t>)−</m:t>
+                    </m:r>
+                    <m:r>
+                      <a:rPr lang="en-GB" b="0" i="1" smtClean="0">
+                        <a:latin typeface="Cambria Math" panose="02040503050406030204" pitchFamily="18" charset="0"/>
+                      </a:rPr>
+                      <m:t>𝑟𝑒𝑓</m:t>
+                    </m:r>
+                    <m:r>
+                      <a:rPr lang="en-GB" b="0" i="1" smtClean="0">
+                        <a:latin typeface="Cambria Math" panose="02040503050406030204" pitchFamily="18" charset="0"/>
+                      </a:rPr>
+                      <m:t>_</m:t>
+                    </m:r>
+                    <m:r>
+                      <a:rPr lang="en-GB" b="0" i="1" smtClean="0">
+                        <a:latin typeface="Cambria Math" panose="02040503050406030204" pitchFamily="18" charset="0"/>
+                      </a:rPr>
+                      <m:t>𝑡𝑖𝑚𝑒</m:t>
+                    </m:r>
+                    <m:r>
+                      <a:rPr lang="en-GB" b="0" i="1" smtClean="0">
+                        <a:latin typeface="Cambria Math" panose="02040503050406030204" pitchFamily="18" charset="0"/>
+                      </a:rPr>
+                      <m:t>(</m:t>
+                    </m:r>
+                    <m:r>
+                      <a:rPr lang="en-GB" b="0" i="1" smtClean="0">
+                        <a:latin typeface="Cambria Math" panose="02040503050406030204" pitchFamily="18" charset="0"/>
+                      </a:rPr>
+                      <m:t>𝑙𝑒𝑎𝑑𝑒𝑟</m:t>
+                    </m:r>
+                    <m:r>
+                      <a:rPr lang="en-GB" b="0" i="1" smtClean="0">
+                        <a:latin typeface="Cambria Math" panose="02040503050406030204" pitchFamily="18" charset="0"/>
+                      </a:rPr>
+                      <m:t>(</m:t>
+                    </m:r>
+                    <m:r>
+                      <a:rPr lang="en-GB" b="0" i="1" smtClean="0">
+                        <a:latin typeface="Cambria Math" panose="02040503050406030204" pitchFamily="18" charset="0"/>
+                      </a:rPr>
+                      <m:t>𝑡</m:t>
+                    </m:r>
+                    <m:r>
+                      <a:rPr lang="en-GB" b="0" i="1" smtClean="0">
+                        <a:latin typeface="Cambria Math" panose="02040503050406030204" pitchFamily="18" charset="0"/>
+                      </a:rPr>
+                      <m:t> − ∆</m:t>
+                    </m:r>
+                    <m:r>
+                      <a:rPr lang="en-GB" i="1">
+                        <a:latin typeface="Cambria Math" panose="02040503050406030204" pitchFamily="18" charset="0"/>
+                      </a:rPr>
+                      <m:t>𝑡</m:t>
+                    </m:r>
+                  </m:oMath>
+                </a14:m>
+                <a:r>
+                  <a:rPr lang="en-GB" baseline="-25000" dirty="0" err="1" smtClean="0"/>
+                  <a:t>rwy</a:t>
+                </a:r>
+                <a:r>
+                  <a:rPr lang="en-GB" dirty="0" smtClean="0"/>
+                  <a:t>))</a:t>
+                </a:r>
+                <a:endParaRPr lang="en-GB" dirty="0"/>
+              </a:p>
+            </p:txBody>
+          </p:sp>
+        </mc:Choice>
+        <mc:Fallback>
+          <p:sp>
+            <p:nvSpPr>
+              <p:cNvPr id="14" name="TextBox 13"/>
+              <p:cNvSpPr txBox="1">
+                <a:spLocks noRot="1" noChangeAspect="1" noMove="1" noResize="1" noEditPoints="1" noAdjustHandles="1" noChangeArrowheads="1" noChangeShapeType="1" noTextEdit="1"/>
+              </p:cNvSpPr>
+              <p:nvPr/>
+            </p:nvSpPr>
+            <p:spPr>
+              <a:xfrm>
+                <a:off x="2335868" y="5489221"/>
+                <a:ext cx="8144795" cy="369332"/>
+              </a:xfrm>
+              <a:prstGeom prst="rect">
+                <a:avLst/>
+              </a:prstGeom>
+              <a:blipFill>
+                <a:blip r:embed="rId3"/>
+                <a:stretch>
+                  <a:fillRect l="-1048" t="-21311" b="-13115"/>
+                </a:stretch>
+              </a:blipFill>
+            </p:spPr>
+            <p:txBody>
+              <a:bodyPr/>
+              <a:lstStyle/>
+              <a:p>
+                <a:r>
+                  <a:rPr lang="en-GB">
+                    <a:noFill/>
+                  </a:rPr>
+                  <a:t> </a:t>
+                </a:r>
+              </a:p>
+            </p:txBody>
+          </p:sp>
+        </mc:Fallback>
+      </mc:AlternateContent>
+      <mc:AlternateContent xmlns:mc="http://schemas.openxmlformats.org/markup-compatibility/2006">
+        <mc:Choice xmlns:a14="http://schemas.microsoft.com/office/drawing/2010/main" Requires="a14">
+          <p:sp>
+            <p:nvSpPr>
+              <p:cNvPr id="15" name="Rectangle 14"/>
+              <p:cNvSpPr/>
+              <p:nvPr/>
+            </p:nvSpPr>
+            <p:spPr>
+              <a:xfrm>
+                <a:off x="5896523" y="3198168"/>
+                <a:ext cx="398955" cy="461665"/>
+              </a:xfrm>
+              <a:prstGeom prst="rect">
+                <a:avLst/>
+              </a:prstGeom>
+            </p:spPr>
+            <p:txBody>
+              <a:bodyPr wrap="none">
+                <a:spAutoFit/>
+              </a:bodyPr>
+              <a:lstStyle/>
+              <a:p>
+                <a:pPr/>
+                <a14:m>
+                  <m:oMathPara xmlns:m="http://schemas.openxmlformats.org/officeDocument/2006/math">
+                    <m:oMathParaPr>
+                      <m:jc m:val="centerGroup"/>
+                    </m:oMathParaPr>
+                    <m:oMath xmlns:m="http://schemas.openxmlformats.org/officeDocument/2006/math">
+                      <m:r>
+                        <a:rPr lang="en-GB" i="1">
+                          <a:latin typeface="Cambria Math" panose="02040503050406030204" pitchFamily="18" charset="0"/>
+                        </a:rPr>
+                        <m:t>𝑡</m:t>
+                      </m:r>
+                    </m:oMath>
+                  </m:oMathPara>
+                </a14:m>
+                <a:endParaRPr lang="en-GB" dirty="0"/>
+              </a:p>
+            </p:txBody>
+          </p:sp>
+        </mc:Choice>
+        <mc:Fallback>
+          <p:sp>
+            <p:nvSpPr>
+              <p:cNvPr id="15" name="Rectangle 14"/>
+              <p:cNvSpPr>
+                <a:spLocks noRot="1" noChangeAspect="1" noMove="1" noResize="1" noEditPoints="1" noAdjustHandles="1" noChangeArrowheads="1" noChangeShapeType="1" noTextEdit="1"/>
+              </p:cNvSpPr>
+              <p:nvPr/>
+            </p:nvSpPr>
+            <p:spPr>
+              <a:xfrm>
+                <a:off x="5896523" y="3198168"/>
+                <a:ext cx="398955" cy="461665"/>
+              </a:xfrm>
+              <a:prstGeom prst="rect">
+                <a:avLst/>
+              </a:prstGeom>
+              <a:blipFill>
+                <a:blip r:embed="rId4"/>
+                <a:stretch>
+                  <a:fillRect/>
+                </a:stretch>
+              </a:blipFill>
+            </p:spPr>
+            <p:txBody>
+              <a:bodyPr/>
+              <a:lstStyle/>
+              <a:p>
+                <a:r>
+                  <a:rPr lang="en-GB">
+                    <a:noFill/>
+                  </a:rPr>
+                  <a:t> </a:t>
+                </a:r>
+              </a:p>
+            </p:txBody>
+          </p:sp>
+        </mc:Fallback>
+      </mc:AlternateContent>
+      <mc:AlternateContent xmlns:mc="http://schemas.openxmlformats.org/markup-compatibility/2006">
+        <mc:Choice xmlns:a14="http://schemas.microsoft.com/office/drawing/2010/main" Requires="a14">
+          <p:sp>
+            <p:nvSpPr>
+              <p:cNvPr id="16" name="Rectangle 15"/>
+              <p:cNvSpPr/>
+              <p:nvPr/>
+            </p:nvSpPr>
+            <p:spPr>
+              <a:xfrm>
+                <a:off x="5896523" y="3198168"/>
+                <a:ext cx="398955" cy="461665"/>
+              </a:xfrm>
+              <a:prstGeom prst="rect">
+                <a:avLst/>
+              </a:prstGeom>
+            </p:spPr>
+            <p:txBody>
+              <a:bodyPr wrap="none">
+                <a:spAutoFit/>
+              </a:bodyPr>
+              <a:lstStyle/>
+              <a:p>
+                <a:pPr/>
+                <a14:m>
+                  <m:oMathPara xmlns:m="http://schemas.openxmlformats.org/officeDocument/2006/math">
+                    <m:oMathParaPr>
+                      <m:jc m:val="centerGroup"/>
+                    </m:oMathParaPr>
+                    <m:oMath xmlns:m="http://schemas.openxmlformats.org/officeDocument/2006/math">
+                      <m:r>
+                        <a:rPr lang="en-GB" i="1">
+                          <a:latin typeface="Cambria Math" panose="02040503050406030204" pitchFamily="18" charset="0"/>
+                        </a:rPr>
+                        <m:t>𝑡</m:t>
+                      </m:r>
+                    </m:oMath>
+                  </m:oMathPara>
+                </a14:m>
+                <a:endParaRPr lang="en-GB" dirty="0"/>
+              </a:p>
+            </p:txBody>
+          </p:sp>
+        </mc:Choice>
+        <mc:Fallback>
+          <p:sp>
+            <p:nvSpPr>
+              <p:cNvPr id="16" name="Rectangle 15"/>
+              <p:cNvSpPr>
+                <a:spLocks noRot="1" noChangeAspect="1" noMove="1" noResize="1" noEditPoints="1" noAdjustHandles="1" noChangeArrowheads="1" noChangeShapeType="1" noTextEdit="1"/>
+              </p:cNvSpPr>
+              <p:nvPr/>
+            </p:nvSpPr>
+            <p:spPr>
+              <a:xfrm>
+                <a:off x="5896523" y="3198168"/>
+                <a:ext cx="398955" cy="461665"/>
+              </a:xfrm>
+              <a:prstGeom prst="rect">
+                <a:avLst/>
+              </a:prstGeom>
+              <a:blipFill>
+                <a:blip r:embed="rId4"/>
+                <a:stretch>
+                  <a:fillRect/>
+                </a:stretch>
+              </a:blipFill>
+            </p:spPr>
+            <p:txBody>
+              <a:bodyPr/>
+              <a:lstStyle/>
+              <a:p>
+                <a:r>
+                  <a:rPr lang="en-GB">
+                    <a:noFill/>
+                  </a:rPr>
+                  <a:t> </a:t>
+                </a:r>
+              </a:p>
+            </p:txBody>
+          </p:sp>
+        </mc:Fallback>
+      </mc:AlternateContent>
+      <mc:AlternateContent xmlns:mc="http://schemas.openxmlformats.org/markup-compatibility/2006">
+        <mc:Choice xmlns:a14="http://schemas.microsoft.com/office/drawing/2010/main" Requires="a14">
+          <p:sp>
+            <p:nvSpPr>
+              <p:cNvPr id="17" name="Rectangle 16"/>
+              <p:cNvSpPr/>
+              <p:nvPr/>
+            </p:nvSpPr>
+            <p:spPr>
+              <a:xfrm>
+                <a:off x="5896523" y="3198168"/>
+                <a:ext cx="398955" cy="461665"/>
+              </a:xfrm>
+              <a:prstGeom prst="rect">
+                <a:avLst/>
+              </a:prstGeom>
+            </p:spPr>
+            <p:txBody>
+              <a:bodyPr wrap="none">
+                <a:spAutoFit/>
+              </a:bodyPr>
+              <a:lstStyle/>
+              <a:p>
+                <a:pPr/>
+                <a14:m>
+                  <m:oMathPara xmlns:m="http://schemas.openxmlformats.org/officeDocument/2006/math">
+                    <m:oMathParaPr>
+                      <m:jc m:val="centerGroup"/>
+                    </m:oMathParaPr>
+                    <m:oMath xmlns:m="http://schemas.openxmlformats.org/officeDocument/2006/math">
+                      <m:r>
+                        <a:rPr lang="en-GB" i="1">
+                          <a:latin typeface="Cambria Math" panose="02040503050406030204" pitchFamily="18" charset="0"/>
+                        </a:rPr>
+                        <m:t>𝑡</m:t>
+                      </m:r>
+                    </m:oMath>
+                  </m:oMathPara>
+                </a14:m>
+                <a:endParaRPr lang="en-GB" dirty="0"/>
+              </a:p>
+            </p:txBody>
+          </p:sp>
+        </mc:Choice>
+        <mc:Fallback>
+          <p:sp>
+            <p:nvSpPr>
+              <p:cNvPr id="17" name="Rectangle 16"/>
+              <p:cNvSpPr>
+                <a:spLocks noRot="1" noChangeAspect="1" noMove="1" noResize="1" noEditPoints="1" noAdjustHandles="1" noChangeArrowheads="1" noChangeShapeType="1" noTextEdit="1"/>
+              </p:cNvSpPr>
+              <p:nvPr/>
+            </p:nvSpPr>
+            <p:spPr>
+              <a:xfrm>
+                <a:off x="5896523" y="3198168"/>
+                <a:ext cx="398955" cy="461665"/>
+              </a:xfrm>
+              <a:prstGeom prst="rect">
+                <a:avLst/>
+              </a:prstGeom>
+              <a:blipFill>
+                <a:blip r:embed="rId4"/>
+                <a:stretch>
+                  <a:fillRect/>
+                </a:stretch>
+              </a:blipFill>
+            </p:spPr>
+            <p:txBody>
+              <a:bodyPr/>
+              <a:lstStyle/>
+              <a:p>
+                <a:r>
+                  <a:rPr lang="en-GB">
+                    <a:noFill/>
+                  </a:rPr>
+                  <a:t> </a:t>
+                </a:r>
+              </a:p>
+            </p:txBody>
+          </p:sp>
+        </mc:Fallback>
+      </mc:AlternateContent>
+    </p:spTree>
+    <p:extLst>
+      <p:ext uri="{BB962C8B-B14F-4D97-AF65-F5344CB8AC3E}">
+        <p14:creationId xmlns:p14="http://schemas.microsoft.com/office/powerpoint/2010/main" val="2149195645"/>
       </p:ext>
     </p:extLst>
   </p:cSld>
